--- a/figs/git-schema.pptx
+++ b/figs/git-schema.pptx
@@ -11,6 +11,13 @@
     <p:sldId id="261" r:id="rId5"/>
     <p:sldId id="262" r:id="rId6"/>
     <p:sldId id="258" r:id="rId7"/>
+    <p:sldId id="263" r:id="rId8"/>
+    <p:sldId id="264" r:id="rId9"/>
+    <p:sldId id="265" r:id="rId10"/>
+    <p:sldId id="266" r:id="rId11"/>
+    <p:sldId id="267" r:id="rId12"/>
+    <p:sldId id="268" r:id="rId13"/>
+    <p:sldId id="269" r:id="rId14"/>
   </p:sldIdLst>
   <p:sldSz cx="12192000" cy="6858000"/>
   <p:notesSz cx="7315200" cy="12344400"/>
@@ -248,7 +255,7 @@
           <a:p>
             <a:fld id="{B06ABB67-7DCA-40C3-8D89-F3E8ECB920FE}" type="datetimeFigureOut">
               <a:rPr lang="en-CA" smtClean="0"/>
-              <a:t>2023-08-10</a:t>
+              <a:t>2023-08-14</a:t>
             </a:fld>
             <a:endParaRPr lang="en-CA"/>
           </a:p>
@@ -418,7 +425,7 @@
           <a:p>
             <a:fld id="{B06ABB67-7DCA-40C3-8D89-F3E8ECB920FE}" type="datetimeFigureOut">
               <a:rPr lang="en-CA" smtClean="0"/>
-              <a:t>2023-08-10</a:t>
+              <a:t>2023-08-14</a:t>
             </a:fld>
             <a:endParaRPr lang="en-CA"/>
           </a:p>
@@ -598,7 +605,7 @@
           <a:p>
             <a:fld id="{B06ABB67-7DCA-40C3-8D89-F3E8ECB920FE}" type="datetimeFigureOut">
               <a:rPr lang="en-CA" smtClean="0"/>
-              <a:t>2023-08-10</a:t>
+              <a:t>2023-08-14</a:t>
             </a:fld>
             <a:endParaRPr lang="en-CA"/>
           </a:p>
@@ -768,7 +775,7 @@
           <a:p>
             <a:fld id="{B06ABB67-7DCA-40C3-8D89-F3E8ECB920FE}" type="datetimeFigureOut">
               <a:rPr lang="en-CA" smtClean="0"/>
-              <a:t>2023-08-10</a:t>
+              <a:t>2023-08-14</a:t>
             </a:fld>
             <a:endParaRPr lang="en-CA"/>
           </a:p>
@@ -1014,7 +1021,7 @@
           <a:p>
             <a:fld id="{B06ABB67-7DCA-40C3-8D89-F3E8ECB920FE}" type="datetimeFigureOut">
               <a:rPr lang="en-CA" smtClean="0"/>
-              <a:t>2023-08-10</a:t>
+              <a:t>2023-08-14</a:t>
             </a:fld>
             <a:endParaRPr lang="en-CA"/>
           </a:p>
@@ -1246,7 +1253,7 @@
           <a:p>
             <a:fld id="{B06ABB67-7DCA-40C3-8D89-F3E8ECB920FE}" type="datetimeFigureOut">
               <a:rPr lang="en-CA" smtClean="0"/>
-              <a:t>2023-08-10</a:t>
+              <a:t>2023-08-14</a:t>
             </a:fld>
             <a:endParaRPr lang="en-CA"/>
           </a:p>
@@ -1613,7 +1620,7 @@
           <a:p>
             <a:fld id="{B06ABB67-7DCA-40C3-8D89-F3E8ECB920FE}" type="datetimeFigureOut">
               <a:rPr lang="en-CA" smtClean="0"/>
-              <a:t>2023-08-10</a:t>
+              <a:t>2023-08-14</a:t>
             </a:fld>
             <a:endParaRPr lang="en-CA"/>
           </a:p>
@@ -1731,7 +1738,7 @@
           <a:p>
             <a:fld id="{B06ABB67-7DCA-40C3-8D89-F3E8ECB920FE}" type="datetimeFigureOut">
               <a:rPr lang="en-CA" smtClean="0"/>
-              <a:t>2023-08-10</a:t>
+              <a:t>2023-08-14</a:t>
             </a:fld>
             <a:endParaRPr lang="en-CA"/>
           </a:p>
@@ -1826,7 +1833,7 @@
           <a:p>
             <a:fld id="{B06ABB67-7DCA-40C3-8D89-F3E8ECB920FE}" type="datetimeFigureOut">
               <a:rPr lang="en-CA" smtClean="0"/>
-              <a:t>2023-08-10</a:t>
+              <a:t>2023-08-14</a:t>
             </a:fld>
             <a:endParaRPr lang="en-CA"/>
           </a:p>
@@ -2103,7 +2110,7 @@
           <a:p>
             <a:fld id="{B06ABB67-7DCA-40C3-8D89-F3E8ECB920FE}" type="datetimeFigureOut">
               <a:rPr lang="en-CA" smtClean="0"/>
-              <a:t>2023-08-10</a:t>
+              <a:t>2023-08-14</a:t>
             </a:fld>
             <a:endParaRPr lang="en-CA"/>
           </a:p>
@@ -2356,7 +2363,7 @@
           <a:p>
             <a:fld id="{B06ABB67-7DCA-40C3-8D89-F3E8ECB920FE}" type="datetimeFigureOut">
               <a:rPr lang="en-CA" smtClean="0"/>
-              <a:t>2023-08-10</a:t>
+              <a:t>2023-08-14</a:t>
             </a:fld>
             <a:endParaRPr lang="en-CA"/>
           </a:p>
@@ -2569,7 +2576,7 @@
           <a:p>
             <a:fld id="{B06ABB67-7DCA-40C3-8D89-F3E8ECB920FE}" type="datetimeFigureOut">
               <a:rPr lang="en-CA" smtClean="0"/>
-              <a:t>2023-08-10</a:t>
+              <a:t>2023-08-14</a:t>
             </a:fld>
             <a:endParaRPr lang="en-CA"/>
           </a:p>
@@ -3330,6 +3337,1478 @@
 </p:sld>
 </file>
 
+<file path=ppt/slides/slide10.xml><?xml version="1.0" encoding="utf-8"?>
+<p:sld xmlns:a="http://schemas.openxmlformats.org/drawingml/2006/main" xmlns:r="http://schemas.openxmlformats.org/officeDocument/2006/relationships" xmlns:p="http://schemas.openxmlformats.org/presentationml/2006/main">
+  <p:cSld>
+    <p:spTree>
+      <p:nvGrpSpPr>
+        <p:cNvPr id="1" name=""/>
+        <p:cNvGrpSpPr/>
+        <p:nvPr/>
+      </p:nvGrpSpPr>
+      <p:grpSpPr>
+        <a:xfrm>
+          <a:off x="0" y="0"/>
+          <a:ext cx="0" cy="0"/>
+          <a:chOff x="0" y="0"/>
+          <a:chExt cx="0" cy="0"/>
+        </a:xfrm>
+      </p:grpSpPr>
+      <p:grpSp>
+        <p:nvGrpSpPr>
+          <p:cNvPr id="2" name="Group 1"/>
+          <p:cNvGrpSpPr/>
+          <p:nvPr/>
+        </p:nvGrpSpPr>
+        <p:grpSpPr>
+          <a:xfrm>
+            <a:off x="9818438" y="378849"/>
+            <a:ext cx="1970898" cy="1272670"/>
+            <a:chOff x="1594390" y="462824"/>
+            <a:chExt cx="9003220" cy="5932353"/>
+          </a:xfrm>
+        </p:grpSpPr>
+        <p:sp>
+          <p:nvSpPr>
+            <p:cNvPr id="7" name="Cube 6"/>
+            <p:cNvSpPr/>
+            <p:nvPr/>
+          </p:nvSpPr>
+          <p:spPr>
+            <a:xfrm>
+              <a:off x="1594390" y="3882651"/>
+              <a:ext cx="2512526" cy="2512526"/>
+            </a:xfrm>
+            <a:prstGeom prst="cube">
+              <a:avLst/>
+            </a:prstGeom>
+            <a:solidFill>
+              <a:schemeClr val="accent3">
+                <a:alpha val="50000"/>
+              </a:schemeClr>
+            </a:solidFill>
+            <a:ln>
+              <a:solidFill>
+                <a:schemeClr val="accent3">
+                  <a:shade val="50000"/>
+                  <a:alpha val="50000"/>
+                </a:schemeClr>
+              </a:solidFill>
+            </a:ln>
+          </p:spPr>
+          <p:style>
+            <a:lnRef idx="2">
+              <a:schemeClr val="accent3">
+                <a:shade val="50000"/>
+              </a:schemeClr>
+            </a:lnRef>
+            <a:fillRef idx="1">
+              <a:schemeClr val="accent3"/>
+            </a:fillRef>
+            <a:effectRef idx="0">
+              <a:schemeClr val="accent3"/>
+            </a:effectRef>
+            <a:fontRef idx="minor">
+              <a:schemeClr val="lt1"/>
+            </a:fontRef>
+          </p:style>
+          <p:txBody>
+            <a:bodyPr rtlCol="0" anchor="ctr"/>
+            <a:lstStyle/>
+            <a:p>
+              <a:pPr algn="ctr"/>
+              <a:endParaRPr lang="en-CA"/>
+            </a:p>
+          </p:txBody>
+        </p:sp>
+        <p:sp>
+          <p:nvSpPr>
+            <p:cNvPr id="9" name="Cloud 8"/>
+            <p:cNvSpPr/>
+            <p:nvPr/>
+          </p:nvSpPr>
+          <p:spPr>
+            <a:xfrm>
+              <a:off x="4176710" y="462824"/>
+              <a:ext cx="3908374" cy="2717021"/>
+            </a:xfrm>
+            <a:prstGeom prst="cloud">
+              <a:avLst/>
+            </a:prstGeom>
+            <a:solidFill>
+              <a:schemeClr val="accent3">
+                <a:alpha val="50000"/>
+              </a:schemeClr>
+            </a:solidFill>
+            <a:ln>
+              <a:solidFill>
+                <a:schemeClr val="accent3">
+                  <a:shade val="50000"/>
+                  <a:alpha val="50000"/>
+                </a:schemeClr>
+              </a:solidFill>
+            </a:ln>
+          </p:spPr>
+          <p:style>
+            <a:lnRef idx="2">
+              <a:schemeClr val="accent3">
+                <a:shade val="50000"/>
+              </a:schemeClr>
+            </a:lnRef>
+            <a:fillRef idx="1">
+              <a:schemeClr val="accent3"/>
+            </a:fillRef>
+            <a:effectRef idx="0">
+              <a:schemeClr val="accent3"/>
+            </a:effectRef>
+            <a:fontRef idx="minor">
+              <a:schemeClr val="lt1"/>
+            </a:fontRef>
+          </p:style>
+          <p:txBody>
+            <a:bodyPr rtlCol="0" anchor="ctr"/>
+            <a:lstStyle/>
+            <a:p>
+              <a:pPr algn="ctr"/>
+              <a:endParaRPr lang="en-CA"/>
+            </a:p>
+          </p:txBody>
+        </p:sp>
+        <p:cxnSp>
+          <p:nvCxnSpPr>
+            <p:cNvPr id="10" name="Curved Connector 9"/>
+            <p:cNvCxnSpPr/>
+            <p:nvPr/>
+          </p:nvCxnSpPr>
+          <p:spPr>
+            <a:xfrm rot="5400000" flipH="1" flipV="1">
+              <a:off x="2369442" y="2063262"/>
+              <a:ext cx="2061318" cy="1577464"/>
+            </a:xfrm>
+            <a:prstGeom prst="curvedConnector2">
+              <a:avLst/>
+            </a:prstGeom>
+            <a:ln>
+              <a:solidFill>
+                <a:schemeClr val="accent5">
+                  <a:alpha val="50000"/>
+                </a:schemeClr>
+              </a:solidFill>
+              <a:headEnd w="lg" len="lg"/>
+              <a:tailEnd type="triangle" w="sm" len="med"/>
+            </a:ln>
+          </p:spPr>
+          <p:style>
+            <a:lnRef idx="3">
+              <a:schemeClr val="accent3"/>
+            </a:lnRef>
+            <a:fillRef idx="0">
+              <a:schemeClr val="accent3"/>
+            </a:fillRef>
+            <a:effectRef idx="2">
+              <a:schemeClr val="accent3"/>
+            </a:effectRef>
+            <a:fontRef idx="minor">
+              <a:schemeClr val="tx1"/>
+            </a:fontRef>
+          </p:style>
+        </p:cxnSp>
+        <p:sp>
+          <p:nvSpPr>
+            <p:cNvPr id="11" name="Cube 10"/>
+            <p:cNvSpPr/>
+            <p:nvPr/>
+          </p:nvSpPr>
+          <p:spPr>
+            <a:xfrm flipH="1">
+              <a:off x="8085084" y="3882651"/>
+              <a:ext cx="2512526" cy="2512526"/>
+            </a:xfrm>
+            <a:prstGeom prst="cube">
+              <a:avLst/>
+            </a:prstGeom>
+            <a:solidFill>
+              <a:schemeClr val="accent3">
+                <a:alpha val="50000"/>
+              </a:schemeClr>
+            </a:solidFill>
+            <a:ln>
+              <a:solidFill>
+                <a:schemeClr val="accent3">
+                  <a:shade val="50000"/>
+                  <a:alpha val="50000"/>
+                </a:schemeClr>
+              </a:solidFill>
+            </a:ln>
+          </p:spPr>
+          <p:style>
+            <a:lnRef idx="2">
+              <a:schemeClr val="accent3">
+                <a:shade val="50000"/>
+              </a:schemeClr>
+            </a:lnRef>
+            <a:fillRef idx="1">
+              <a:schemeClr val="accent3"/>
+            </a:fillRef>
+            <a:effectRef idx="0">
+              <a:schemeClr val="accent3"/>
+            </a:effectRef>
+            <a:fontRef idx="minor">
+              <a:schemeClr val="lt1"/>
+            </a:fontRef>
+          </p:style>
+          <p:txBody>
+            <a:bodyPr rtlCol="0" anchor="ctr"/>
+            <a:lstStyle/>
+            <a:p>
+              <a:pPr algn="ctr"/>
+              <a:endParaRPr lang="en-CA"/>
+            </a:p>
+          </p:txBody>
+        </p:sp>
+        <p:cxnSp>
+          <p:nvCxnSpPr>
+            <p:cNvPr id="16" name="Curved Connector 15"/>
+            <p:cNvCxnSpPr/>
+            <p:nvPr/>
+          </p:nvCxnSpPr>
+          <p:spPr>
+            <a:xfrm rot="16200000" flipH="1">
+              <a:off x="6384073" y="3142023"/>
+              <a:ext cx="2031457" cy="1334195"/>
+            </a:xfrm>
+            <a:prstGeom prst="curvedConnector2">
+              <a:avLst/>
+            </a:prstGeom>
+            <a:ln>
+              <a:solidFill>
+                <a:schemeClr val="accent3">
+                  <a:shade val="50000"/>
+                  <a:alpha val="50000"/>
+                </a:schemeClr>
+              </a:solidFill>
+              <a:tailEnd type="triangle" w="sm" len="med"/>
+            </a:ln>
+          </p:spPr>
+          <p:style>
+            <a:lnRef idx="3">
+              <a:schemeClr val="accent3"/>
+            </a:lnRef>
+            <a:fillRef idx="0">
+              <a:schemeClr val="accent3"/>
+            </a:fillRef>
+            <a:effectRef idx="2">
+              <a:schemeClr val="accent3"/>
+            </a:effectRef>
+            <a:fontRef idx="minor">
+              <a:schemeClr val="tx1"/>
+            </a:fontRef>
+          </p:style>
+        </p:cxnSp>
+        <p:cxnSp>
+          <p:nvCxnSpPr>
+            <p:cNvPr id="17" name="Curved Connector 16"/>
+            <p:cNvCxnSpPr/>
+            <p:nvPr/>
+          </p:nvCxnSpPr>
+          <p:spPr>
+            <a:xfrm rot="16200000" flipV="1">
+              <a:off x="7772433" y="2004659"/>
+              <a:ext cx="2178519" cy="1577465"/>
+            </a:xfrm>
+            <a:prstGeom prst="curvedConnector2">
+              <a:avLst/>
+            </a:prstGeom>
+            <a:ln>
+              <a:solidFill>
+                <a:schemeClr val="accent3">
+                  <a:shade val="50000"/>
+                  <a:alpha val="50000"/>
+                </a:schemeClr>
+              </a:solidFill>
+              <a:headEnd w="lg" len="lg"/>
+              <a:tailEnd type="triangle" w="sm" len="med"/>
+            </a:ln>
+          </p:spPr>
+          <p:style>
+            <a:lnRef idx="3">
+              <a:schemeClr val="accent3"/>
+            </a:lnRef>
+            <a:fillRef idx="0">
+              <a:schemeClr val="accent3"/>
+            </a:fillRef>
+            <a:effectRef idx="2">
+              <a:schemeClr val="accent3"/>
+            </a:effectRef>
+            <a:fontRef idx="minor">
+              <a:schemeClr val="tx1"/>
+            </a:fontRef>
+          </p:style>
+        </p:cxnSp>
+        <p:cxnSp>
+          <p:nvCxnSpPr>
+            <p:cNvPr id="21" name="Curved Connector 20"/>
+            <p:cNvCxnSpPr/>
+            <p:nvPr/>
+          </p:nvCxnSpPr>
+          <p:spPr>
+            <a:xfrm rot="5400000">
+              <a:off x="3867802" y="3271563"/>
+              <a:ext cx="1792399" cy="1314170"/>
+            </a:xfrm>
+            <a:prstGeom prst="curvedConnector2">
+              <a:avLst/>
+            </a:prstGeom>
+            <a:ln>
+              <a:solidFill>
+                <a:schemeClr val="accent3">
+                  <a:shade val="50000"/>
+                  <a:alpha val="50000"/>
+                </a:schemeClr>
+              </a:solidFill>
+              <a:tailEnd type="triangle" w="sm" len="med"/>
+            </a:ln>
+          </p:spPr>
+          <p:style>
+            <a:lnRef idx="3">
+              <a:schemeClr val="accent3"/>
+            </a:lnRef>
+            <a:fillRef idx="0">
+              <a:schemeClr val="accent3"/>
+            </a:fillRef>
+            <a:effectRef idx="2">
+              <a:schemeClr val="accent3"/>
+            </a:effectRef>
+            <a:fontRef idx="minor">
+              <a:schemeClr val="tx1"/>
+            </a:fontRef>
+          </p:style>
+        </p:cxnSp>
+      </p:grpSp>
+    </p:spTree>
+    <p:extLst>
+      <p:ext uri="{BB962C8B-B14F-4D97-AF65-F5344CB8AC3E}">
+        <p14:creationId xmlns:p14="http://schemas.microsoft.com/office/powerpoint/2010/main" val="93785769"/>
+      </p:ext>
+    </p:extLst>
+  </p:cSld>
+  <p:clrMapOvr>
+    <a:masterClrMapping/>
+  </p:clrMapOvr>
+  <p:timing>
+    <p:tnLst>
+      <p:par>
+        <p:cTn id="1" dur="indefinite" restart="never" nodeType="tmRoot"/>
+      </p:par>
+    </p:tnLst>
+  </p:timing>
+</p:sld>
+</file>
+
+<file path=ppt/slides/slide11.xml><?xml version="1.0" encoding="utf-8"?>
+<p:sld xmlns:a="http://schemas.openxmlformats.org/drawingml/2006/main" xmlns:r="http://schemas.openxmlformats.org/officeDocument/2006/relationships" xmlns:p="http://schemas.openxmlformats.org/presentationml/2006/main">
+  <p:cSld>
+    <p:spTree>
+      <p:nvGrpSpPr>
+        <p:cNvPr id="1" name=""/>
+        <p:cNvGrpSpPr/>
+        <p:nvPr/>
+      </p:nvGrpSpPr>
+      <p:grpSpPr>
+        <a:xfrm>
+          <a:off x="0" y="0"/>
+          <a:ext cx="0" cy="0"/>
+          <a:chOff x="0" y="0"/>
+          <a:chExt cx="0" cy="0"/>
+        </a:xfrm>
+      </p:grpSpPr>
+      <p:grpSp>
+        <p:nvGrpSpPr>
+          <p:cNvPr id="2" name="Group 1"/>
+          <p:cNvGrpSpPr/>
+          <p:nvPr/>
+        </p:nvGrpSpPr>
+        <p:grpSpPr>
+          <a:xfrm>
+            <a:off x="9818438" y="378849"/>
+            <a:ext cx="1970898" cy="1272670"/>
+            <a:chOff x="1594390" y="462824"/>
+            <a:chExt cx="9003220" cy="5932353"/>
+          </a:xfrm>
+        </p:grpSpPr>
+        <p:sp>
+          <p:nvSpPr>
+            <p:cNvPr id="7" name="Cube 6"/>
+            <p:cNvSpPr/>
+            <p:nvPr/>
+          </p:nvSpPr>
+          <p:spPr>
+            <a:xfrm>
+              <a:off x="1594390" y="3882651"/>
+              <a:ext cx="2512526" cy="2512526"/>
+            </a:xfrm>
+            <a:prstGeom prst="cube">
+              <a:avLst/>
+            </a:prstGeom>
+            <a:solidFill>
+              <a:schemeClr val="accent3">
+                <a:alpha val="50000"/>
+              </a:schemeClr>
+            </a:solidFill>
+            <a:ln>
+              <a:solidFill>
+                <a:schemeClr val="accent3">
+                  <a:shade val="50000"/>
+                  <a:alpha val="50000"/>
+                </a:schemeClr>
+              </a:solidFill>
+            </a:ln>
+          </p:spPr>
+          <p:style>
+            <a:lnRef idx="2">
+              <a:schemeClr val="accent3">
+                <a:shade val="50000"/>
+              </a:schemeClr>
+            </a:lnRef>
+            <a:fillRef idx="1">
+              <a:schemeClr val="accent3"/>
+            </a:fillRef>
+            <a:effectRef idx="0">
+              <a:schemeClr val="accent3"/>
+            </a:effectRef>
+            <a:fontRef idx="minor">
+              <a:schemeClr val="lt1"/>
+            </a:fontRef>
+          </p:style>
+          <p:txBody>
+            <a:bodyPr rtlCol="0" anchor="ctr"/>
+            <a:lstStyle/>
+            <a:p>
+              <a:pPr algn="ctr"/>
+              <a:endParaRPr lang="en-CA"/>
+            </a:p>
+          </p:txBody>
+        </p:sp>
+        <p:sp>
+          <p:nvSpPr>
+            <p:cNvPr id="9" name="Cloud 8"/>
+            <p:cNvSpPr/>
+            <p:nvPr/>
+          </p:nvSpPr>
+          <p:spPr>
+            <a:xfrm>
+              <a:off x="4176710" y="462824"/>
+              <a:ext cx="3908374" cy="2717021"/>
+            </a:xfrm>
+            <a:prstGeom prst="cloud">
+              <a:avLst/>
+            </a:prstGeom>
+            <a:solidFill>
+              <a:schemeClr val="accent3">
+                <a:alpha val="50000"/>
+              </a:schemeClr>
+            </a:solidFill>
+            <a:ln>
+              <a:solidFill>
+                <a:schemeClr val="accent3">
+                  <a:shade val="50000"/>
+                  <a:alpha val="50000"/>
+                </a:schemeClr>
+              </a:solidFill>
+            </a:ln>
+          </p:spPr>
+          <p:style>
+            <a:lnRef idx="2">
+              <a:schemeClr val="accent3">
+                <a:shade val="50000"/>
+              </a:schemeClr>
+            </a:lnRef>
+            <a:fillRef idx="1">
+              <a:schemeClr val="accent3"/>
+            </a:fillRef>
+            <a:effectRef idx="0">
+              <a:schemeClr val="accent3"/>
+            </a:effectRef>
+            <a:fontRef idx="minor">
+              <a:schemeClr val="lt1"/>
+            </a:fontRef>
+          </p:style>
+          <p:txBody>
+            <a:bodyPr rtlCol="0" anchor="ctr"/>
+            <a:lstStyle/>
+            <a:p>
+              <a:pPr algn="ctr"/>
+              <a:endParaRPr lang="en-CA"/>
+            </a:p>
+          </p:txBody>
+        </p:sp>
+        <p:cxnSp>
+          <p:nvCxnSpPr>
+            <p:cNvPr id="10" name="Curved Connector 9"/>
+            <p:cNvCxnSpPr/>
+            <p:nvPr/>
+          </p:nvCxnSpPr>
+          <p:spPr>
+            <a:xfrm rot="5400000" flipH="1" flipV="1">
+              <a:off x="2369442" y="2063262"/>
+              <a:ext cx="2061318" cy="1577464"/>
+            </a:xfrm>
+            <a:prstGeom prst="curvedConnector2">
+              <a:avLst/>
+            </a:prstGeom>
+            <a:ln>
+              <a:solidFill>
+                <a:schemeClr val="accent3">
+                  <a:shade val="50000"/>
+                  <a:alpha val="50000"/>
+                </a:schemeClr>
+              </a:solidFill>
+              <a:headEnd w="lg" len="lg"/>
+              <a:tailEnd type="triangle" w="sm" len="med"/>
+            </a:ln>
+          </p:spPr>
+          <p:style>
+            <a:lnRef idx="3">
+              <a:schemeClr val="accent3"/>
+            </a:lnRef>
+            <a:fillRef idx="0">
+              <a:schemeClr val="accent3"/>
+            </a:fillRef>
+            <a:effectRef idx="2">
+              <a:schemeClr val="accent3"/>
+            </a:effectRef>
+            <a:fontRef idx="minor">
+              <a:schemeClr val="tx1"/>
+            </a:fontRef>
+          </p:style>
+        </p:cxnSp>
+        <p:sp>
+          <p:nvSpPr>
+            <p:cNvPr id="11" name="Cube 10"/>
+            <p:cNvSpPr/>
+            <p:nvPr/>
+          </p:nvSpPr>
+          <p:spPr>
+            <a:xfrm flipH="1">
+              <a:off x="8085084" y="3882651"/>
+              <a:ext cx="2512526" cy="2512526"/>
+            </a:xfrm>
+            <a:prstGeom prst="cube">
+              <a:avLst/>
+            </a:prstGeom>
+            <a:solidFill>
+              <a:schemeClr val="accent3">
+                <a:alpha val="50000"/>
+              </a:schemeClr>
+            </a:solidFill>
+            <a:ln>
+              <a:solidFill>
+                <a:schemeClr val="accent3">
+                  <a:shade val="50000"/>
+                  <a:alpha val="50000"/>
+                </a:schemeClr>
+              </a:solidFill>
+            </a:ln>
+          </p:spPr>
+          <p:style>
+            <a:lnRef idx="2">
+              <a:schemeClr val="accent3">
+                <a:shade val="50000"/>
+              </a:schemeClr>
+            </a:lnRef>
+            <a:fillRef idx="1">
+              <a:schemeClr val="accent3"/>
+            </a:fillRef>
+            <a:effectRef idx="0">
+              <a:schemeClr val="accent3"/>
+            </a:effectRef>
+            <a:fontRef idx="minor">
+              <a:schemeClr val="lt1"/>
+            </a:fontRef>
+          </p:style>
+          <p:txBody>
+            <a:bodyPr rtlCol="0" anchor="ctr"/>
+            <a:lstStyle/>
+            <a:p>
+              <a:pPr algn="ctr"/>
+              <a:endParaRPr lang="en-CA"/>
+            </a:p>
+          </p:txBody>
+        </p:sp>
+        <p:cxnSp>
+          <p:nvCxnSpPr>
+            <p:cNvPr id="16" name="Curved Connector 15"/>
+            <p:cNvCxnSpPr/>
+            <p:nvPr/>
+          </p:nvCxnSpPr>
+          <p:spPr>
+            <a:xfrm rot="16200000" flipH="1">
+              <a:off x="6384073" y="3142023"/>
+              <a:ext cx="2031457" cy="1334195"/>
+            </a:xfrm>
+            <a:prstGeom prst="curvedConnector2">
+              <a:avLst/>
+            </a:prstGeom>
+            <a:ln>
+              <a:solidFill>
+                <a:schemeClr val="accent3">
+                  <a:shade val="50000"/>
+                  <a:alpha val="50000"/>
+                </a:schemeClr>
+              </a:solidFill>
+              <a:tailEnd type="triangle" w="sm" len="med"/>
+            </a:ln>
+          </p:spPr>
+          <p:style>
+            <a:lnRef idx="3">
+              <a:schemeClr val="accent3"/>
+            </a:lnRef>
+            <a:fillRef idx="0">
+              <a:schemeClr val="accent3"/>
+            </a:fillRef>
+            <a:effectRef idx="2">
+              <a:schemeClr val="accent3"/>
+            </a:effectRef>
+            <a:fontRef idx="minor">
+              <a:schemeClr val="tx1"/>
+            </a:fontRef>
+          </p:style>
+        </p:cxnSp>
+        <p:cxnSp>
+          <p:nvCxnSpPr>
+            <p:cNvPr id="17" name="Curved Connector 16"/>
+            <p:cNvCxnSpPr/>
+            <p:nvPr/>
+          </p:nvCxnSpPr>
+          <p:spPr>
+            <a:xfrm rot="16200000" flipV="1">
+              <a:off x="7772433" y="2004659"/>
+              <a:ext cx="2178519" cy="1577465"/>
+            </a:xfrm>
+            <a:prstGeom prst="curvedConnector2">
+              <a:avLst/>
+            </a:prstGeom>
+            <a:ln>
+              <a:solidFill>
+                <a:schemeClr val="accent3">
+                  <a:shade val="50000"/>
+                  <a:alpha val="50000"/>
+                </a:schemeClr>
+              </a:solidFill>
+              <a:headEnd w="lg" len="lg"/>
+              <a:tailEnd type="triangle" w="sm" len="med"/>
+            </a:ln>
+          </p:spPr>
+          <p:style>
+            <a:lnRef idx="3">
+              <a:schemeClr val="accent3"/>
+            </a:lnRef>
+            <a:fillRef idx="0">
+              <a:schemeClr val="accent3"/>
+            </a:fillRef>
+            <a:effectRef idx="2">
+              <a:schemeClr val="accent3"/>
+            </a:effectRef>
+            <a:fontRef idx="minor">
+              <a:schemeClr val="tx1"/>
+            </a:fontRef>
+          </p:style>
+        </p:cxnSp>
+        <p:cxnSp>
+          <p:nvCxnSpPr>
+            <p:cNvPr id="21" name="Curved Connector 20"/>
+            <p:cNvCxnSpPr/>
+            <p:nvPr/>
+          </p:nvCxnSpPr>
+          <p:spPr>
+            <a:xfrm rot="5400000">
+              <a:off x="3867802" y="3271563"/>
+              <a:ext cx="1792399" cy="1314170"/>
+            </a:xfrm>
+            <a:prstGeom prst="curvedConnector2">
+              <a:avLst/>
+            </a:prstGeom>
+            <a:ln>
+              <a:solidFill>
+                <a:schemeClr val="accent5">
+                  <a:alpha val="50000"/>
+                </a:schemeClr>
+              </a:solidFill>
+              <a:tailEnd type="triangle" w="sm" len="med"/>
+            </a:ln>
+          </p:spPr>
+          <p:style>
+            <a:lnRef idx="3">
+              <a:schemeClr val="accent3"/>
+            </a:lnRef>
+            <a:fillRef idx="0">
+              <a:schemeClr val="accent3"/>
+            </a:fillRef>
+            <a:effectRef idx="2">
+              <a:schemeClr val="accent3"/>
+            </a:effectRef>
+            <a:fontRef idx="minor">
+              <a:schemeClr val="tx1"/>
+            </a:fontRef>
+          </p:style>
+        </p:cxnSp>
+      </p:grpSp>
+    </p:spTree>
+    <p:extLst>
+      <p:ext uri="{BB962C8B-B14F-4D97-AF65-F5344CB8AC3E}">
+        <p14:creationId xmlns:p14="http://schemas.microsoft.com/office/powerpoint/2010/main" val="3348649193"/>
+      </p:ext>
+    </p:extLst>
+  </p:cSld>
+  <p:clrMapOvr>
+    <a:masterClrMapping/>
+  </p:clrMapOvr>
+  <p:timing>
+    <p:tnLst>
+      <p:par>
+        <p:cTn id="1" dur="indefinite" restart="never" nodeType="tmRoot"/>
+      </p:par>
+    </p:tnLst>
+  </p:timing>
+</p:sld>
+</file>
+
+<file path=ppt/slides/slide12.xml><?xml version="1.0" encoding="utf-8"?>
+<p:sld xmlns:a="http://schemas.openxmlformats.org/drawingml/2006/main" xmlns:r="http://schemas.openxmlformats.org/officeDocument/2006/relationships" xmlns:p="http://schemas.openxmlformats.org/presentationml/2006/main">
+  <p:cSld>
+    <p:spTree>
+      <p:nvGrpSpPr>
+        <p:cNvPr id="1" name=""/>
+        <p:cNvGrpSpPr/>
+        <p:nvPr/>
+      </p:nvGrpSpPr>
+      <p:grpSpPr>
+        <a:xfrm>
+          <a:off x="0" y="0"/>
+          <a:ext cx="0" cy="0"/>
+          <a:chOff x="0" y="0"/>
+          <a:chExt cx="0" cy="0"/>
+        </a:xfrm>
+      </p:grpSpPr>
+      <p:grpSp>
+        <p:nvGrpSpPr>
+          <p:cNvPr id="2" name="Group 1"/>
+          <p:cNvGrpSpPr/>
+          <p:nvPr/>
+        </p:nvGrpSpPr>
+        <p:grpSpPr>
+          <a:xfrm>
+            <a:off x="9818438" y="378849"/>
+            <a:ext cx="1970898" cy="1272670"/>
+            <a:chOff x="1594390" y="462824"/>
+            <a:chExt cx="9003220" cy="5932353"/>
+          </a:xfrm>
+        </p:grpSpPr>
+        <p:sp>
+          <p:nvSpPr>
+            <p:cNvPr id="7" name="Cube 6"/>
+            <p:cNvSpPr/>
+            <p:nvPr/>
+          </p:nvSpPr>
+          <p:spPr>
+            <a:xfrm>
+              <a:off x="1594390" y="3882651"/>
+              <a:ext cx="2512526" cy="2512526"/>
+            </a:xfrm>
+            <a:prstGeom prst="cube">
+              <a:avLst/>
+            </a:prstGeom>
+            <a:solidFill>
+              <a:schemeClr val="accent3">
+                <a:alpha val="50000"/>
+              </a:schemeClr>
+            </a:solidFill>
+            <a:ln>
+              <a:solidFill>
+                <a:schemeClr val="accent3">
+                  <a:shade val="50000"/>
+                  <a:alpha val="50000"/>
+                </a:schemeClr>
+              </a:solidFill>
+            </a:ln>
+          </p:spPr>
+          <p:style>
+            <a:lnRef idx="2">
+              <a:schemeClr val="accent3">
+                <a:shade val="50000"/>
+              </a:schemeClr>
+            </a:lnRef>
+            <a:fillRef idx="1">
+              <a:schemeClr val="accent3"/>
+            </a:fillRef>
+            <a:effectRef idx="0">
+              <a:schemeClr val="accent3"/>
+            </a:effectRef>
+            <a:fontRef idx="minor">
+              <a:schemeClr val="lt1"/>
+            </a:fontRef>
+          </p:style>
+          <p:txBody>
+            <a:bodyPr rtlCol="0" anchor="ctr"/>
+            <a:lstStyle/>
+            <a:p>
+              <a:pPr algn="ctr"/>
+              <a:endParaRPr lang="en-CA"/>
+            </a:p>
+          </p:txBody>
+        </p:sp>
+        <p:sp>
+          <p:nvSpPr>
+            <p:cNvPr id="9" name="Cloud 8"/>
+            <p:cNvSpPr/>
+            <p:nvPr/>
+          </p:nvSpPr>
+          <p:spPr>
+            <a:xfrm>
+              <a:off x="4176710" y="462824"/>
+              <a:ext cx="3908374" cy="2717021"/>
+            </a:xfrm>
+            <a:prstGeom prst="cloud">
+              <a:avLst/>
+            </a:prstGeom>
+            <a:solidFill>
+              <a:schemeClr val="accent3">
+                <a:alpha val="50000"/>
+              </a:schemeClr>
+            </a:solidFill>
+            <a:ln>
+              <a:solidFill>
+                <a:schemeClr val="accent3">
+                  <a:shade val="50000"/>
+                  <a:alpha val="50000"/>
+                </a:schemeClr>
+              </a:solidFill>
+            </a:ln>
+          </p:spPr>
+          <p:style>
+            <a:lnRef idx="2">
+              <a:schemeClr val="accent3">
+                <a:shade val="50000"/>
+              </a:schemeClr>
+            </a:lnRef>
+            <a:fillRef idx="1">
+              <a:schemeClr val="accent3"/>
+            </a:fillRef>
+            <a:effectRef idx="0">
+              <a:schemeClr val="accent3"/>
+            </a:effectRef>
+            <a:fontRef idx="minor">
+              <a:schemeClr val="lt1"/>
+            </a:fontRef>
+          </p:style>
+          <p:txBody>
+            <a:bodyPr rtlCol="0" anchor="ctr"/>
+            <a:lstStyle/>
+            <a:p>
+              <a:pPr algn="ctr"/>
+              <a:endParaRPr lang="en-CA"/>
+            </a:p>
+          </p:txBody>
+        </p:sp>
+        <p:cxnSp>
+          <p:nvCxnSpPr>
+            <p:cNvPr id="10" name="Curved Connector 9"/>
+            <p:cNvCxnSpPr/>
+            <p:nvPr/>
+          </p:nvCxnSpPr>
+          <p:spPr>
+            <a:xfrm rot="5400000" flipH="1" flipV="1">
+              <a:off x="2369442" y="2063262"/>
+              <a:ext cx="2061318" cy="1577464"/>
+            </a:xfrm>
+            <a:prstGeom prst="curvedConnector2">
+              <a:avLst/>
+            </a:prstGeom>
+            <a:ln>
+              <a:solidFill>
+                <a:schemeClr val="accent3">
+                  <a:shade val="50000"/>
+                  <a:alpha val="50000"/>
+                </a:schemeClr>
+              </a:solidFill>
+              <a:headEnd w="lg" len="lg"/>
+              <a:tailEnd type="triangle" w="sm" len="med"/>
+            </a:ln>
+          </p:spPr>
+          <p:style>
+            <a:lnRef idx="3">
+              <a:schemeClr val="accent3"/>
+            </a:lnRef>
+            <a:fillRef idx="0">
+              <a:schemeClr val="accent3"/>
+            </a:fillRef>
+            <a:effectRef idx="2">
+              <a:schemeClr val="accent3"/>
+            </a:effectRef>
+            <a:fontRef idx="minor">
+              <a:schemeClr val="tx1"/>
+            </a:fontRef>
+          </p:style>
+        </p:cxnSp>
+        <p:sp>
+          <p:nvSpPr>
+            <p:cNvPr id="11" name="Cube 10"/>
+            <p:cNvSpPr/>
+            <p:nvPr/>
+          </p:nvSpPr>
+          <p:spPr>
+            <a:xfrm flipH="1">
+              <a:off x="8085084" y="3882651"/>
+              <a:ext cx="2512526" cy="2512526"/>
+            </a:xfrm>
+            <a:prstGeom prst="cube">
+              <a:avLst/>
+            </a:prstGeom>
+            <a:solidFill>
+              <a:schemeClr val="accent3">
+                <a:alpha val="50000"/>
+              </a:schemeClr>
+            </a:solidFill>
+            <a:ln>
+              <a:solidFill>
+                <a:schemeClr val="accent3">
+                  <a:shade val="50000"/>
+                  <a:alpha val="50000"/>
+                </a:schemeClr>
+              </a:solidFill>
+            </a:ln>
+          </p:spPr>
+          <p:style>
+            <a:lnRef idx="2">
+              <a:schemeClr val="accent3">
+                <a:shade val="50000"/>
+              </a:schemeClr>
+            </a:lnRef>
+            <a:fillRef idx="1">
+              <a:schemeClr val="accent3"/>
+            </a:fillRef>
+            <a:effectRef idx="0">
+              <a:schemeClr val="accent3"/>
+            </a:effectRef>
+            <a:fontRef idx="minor">
+              <a:schemeClr val="lt1"/>
+            </a:fontRef>
+          </p:style>
+          <p:txBody>
+            <a:bodyPr rtlCol="0" anchor="ctr"/>
+            <a:lstStyle/>
+            <a:p>
+              <a:pPr algn="ctr"/>
+              <a:endParaRPr lang="en-CA"/>
+            </a:p>
+          </p:txBody>
+        </p:sp>
+        <p:cxnSp>
+          <p:nvCxnSpPr>
+            <p:cNvPr id="16" name="Curved Connector 15"/>
+            <p:cNvCxnSpPr/>
+            <p:nvPr/>
+          </p:nvCxnSpPr>
+          <p:spPr>
+            <a:xfrm rot="16200000" flipH="1">
+              <a:off x="6384073" y="3142023"/>
+              <a:ext cx="2031457" cy="1334195"/>
+            </a:xfrm>
+            <a:prstGeom prst="curvedConnector2">
+              <a:avLst/>
+            </a:prstGeom>
+            <a:ln>
+              <a:solidFill>
+                <a:schemeClr val="accent5">
+                  <a:alpha val="50000"/>
+                </a:schemeClr>
+              </a:solidFill>
+              <a:tailEnd type="triangle" w="sm" len="med"/>
+            </a:ln>
+          </p:spPr>
+          <p:style>
+            <a:lnRef idx="3">
+              <a:schemeClr val="accent3"/>
+            </a:lnRef>
+            <a:fillRef idx="0">
+              <a:schemeClr val="accent3"/>
+            </a:fillRef>
+            <a:effectRef idx="2">
+              <a:schemeClr val="accent3"/>
+            </a:effectRef>
+            <a:fontRef idx="minor">
+              <a:schemeClr val="tx1"/>
+            </a:fontRef>
+          </p:style>
+        </p:cxnSp>
+        <p:cxnSp>
+          <p:nvCxnSpPr>
+            <p:cNvPr id="17" name="Curved Connector 16"/>
+            <p:cNvCxnSpPr/>
+            <p:nvPr/>
+          </p:nvCxnSpPr>
+          <p:spPr>
+            <a:xfrm rot="16200000" flipV="1">
+              <a:off x="7772433" y="2004659"/>
+              <a:ext cx="2178519" cy="1577465"/>
+            </a:xfrm>
+            <a:prstGeom prst="curvedConnector2">
+              <a:avLst/>
+            </a:prstGeom>
+            <a:ln>
+              <a:solidFill>
+                <a:schemeClr val="accent3">
+                  <a:shade val="50000"/>
+                  <a:alpha val="50000"/>
+                </a:schemeClr>
+              </a:solidFill>
+              <a:headEnd w="lg" len="lg"/>
+              <a:tailEnd type="triangle" w="sm" len="med"/>
+            </a:ln>
+          </p:spPr>
+          <p:style>
+            <a:lnRef idx="3">
+              <a:schemeClr val="accent3"/>
+            </a:lnRef>
+            <a:fillRef idx="0">
+              <a:schemeClr val="accent3"/>
+            </a:fillRef>
+            <a:effectRef idx="2">
+              <a:schemeClr val="accent3"/>
+            </a:effectRef>
+            <a:fontRef idx="minor">
+              <a:schemeClr val="tx1"/>
+            </a:fontRef>
+          </p:style>
+        </p:cxnSp>
+        <p:cxnSp>
+          <p:nvCxnSpPr>
+            <p:cNvPr id="21" name="Curved Connector 20"/>
+            <p:cNvCxnSpPr/>
+            <p:nvPr/>
+          </p:nvCxnSpPr>
+          <p:spPr>
+            <a:xfrm rot="5400000">
+              <a:off x="3867802" y="3271563"/>
+              <a:ext cx="1792399" cy="1314170"/>
+            </a:xfrm>
+            <a:prstGeom prst="curvedConnector2">
+              <a:avLst/>
+            </a:prstGeom>
+            <a:ln>
+              <a:solidFill>
+                <a:schemeClr val="accent3">
+                  <a:shade val="50000"/>
+                  <a:alpha val="50000"/>
+                </a:schemeClr>
+              </a:solidFill>
+              <a:tailEnd type="triangle" w="sm" len="med"/>
+            </a:ln>
+          </p:spPr>
+          <p:style>
+            <a:lnRef idx="3">
+              <a:schemeClr val="accent3"/>
+            </a:lnRef>
+            <a:fillRef idx="0">
+              <a:schemeClr val="accent3"/>
+            </a:fillRef>
+            <a:effectRef idx="2">
+              <a:schemeClr val="accent3"/>
+            </a:effectRef>
+            <a:fontRef idx="minor">
+              <a:schemeClr val="tx1"/>
+            </a:fontRef>
+          </p:style>
+        </p:cxnSp>
+      </p:grpSp>
+    </p:spTree>
+    <p:extLst>
+      <p:ext uri="{BB962C8B-B14F-4D97-AF65-F5344CB8AC3E}">
+        <p14:creationId xmlns:p14="http://schemas.microsoft.com/office/powerpoint/2010/main" val="2571587904"/>
+      </p:ext>
+    </p:extLst>
+  </p:cSld>
+  <p:clrMapOvr>
+    <a:masterClrMapping/>
+  </p:clrMapOvr>
+  <p:timing>
+    <p:tnLst>
+      <p:par>
+        <p:cTn id="1" dur="indefinite" restart="never" nodeType="tmRoot"/>
+      </p:par>
+    </p:tnLst>
+  </p:timing>
+</p:sld>
+</file>
+
+<file path=ppt/slides/slide13.xml><?xml version="1.0" encoding="utf-8"?>
+<p:sld xmlns:a="http://schemas.openxmlformats.org/drawingml/2006/main" xmlns:r="http://schemas.openxmlformats.org/officeDocument/2006/relationships" xmlns:p="http://schemas.openxmlformats.org/presentationml/2006/main">
+  <p:cSld>
+    <p:spTree>
+      <p:nvGrpSpPr>
+        <p:cNvPr id="1" name=""/>
+        <p:cNvGrpSpPr/>
+        <p:nvPr/>
+      </p:nvGrpSpPr>
+      <p:grpSpPr>
+        <a:xfrm>
+          <a:off x="0" y="0"/>
+          <a:ext cx="0" cy="0"/>
+          <a:chOff x="0" y="0"/>
+          <a:chExt cx="0" cy="0"/>
+        </a:xfrm>
+      </p:grpSpPr>
+      <p:grpSp>
+        <p:nvGrpSpPr>
+          <p:cNvPr id="2" name="Group 1"/>
+          <p:cNvGrpSpPr/>
+          <p:nvPr/>
+        </p:nvGrpSpPr>
+        <p:grpSpPr>
+          <a:xfrm>
+            <a:off x="9818438" y="378849"/>
+            <a:ext cx="1970898" cy="1272670"/>
+            <a:chOff x="1594390" y="462824"/>
+            <a:chExt cx="9003220" cy="5932353"/>
+          </a:xfrm>
+        </p:grpSpPr>
+        <p:sp>
+          <p:nvSpPr>
+            <p:cNvPr id="7" name="Cube 6"/>
+            <p:cNvSpPr/>
+            <p:nvPr/>
+          </p:nvSpPr>
+          <p:spPr>
+            <a:xfrm>
+              <a:off x="1594390" y="3882651"/>
+              <a:ext cx="2512526" cy="2512526"/>
+            </a:xfrm>
+            <a:prstGeom prst="cube">
+              <a:avLst/>
+            </a:prstGeom>
+            <a:solidFill>
+              <a:schemeClr val="accent3">
+                <a:alpha val="50000"/>
+              </a:schemeClr>
+            </a:solidFill>
+            <a:ln>
+              <a:solidFill>
+                <a:schemeClr val="accent3">
+                  <a:shade val="50000"/>
+                  <a:alpha val="50000"/>
+                </a:schemeClr>
+              </a:solidFill>
+            </a:ln>
+          </p:spPr>
+          <p:style>
+            <a:lnRef idx="2">
+              <a:schemeClr val="accent3">
+                <a:shade val="50000"/>
+              </a:schemeClr>
+            </a:lnRef>
+            <a:fillRef idx="1">
+              <a:schemeClr val="accent3"/>
+            </a:fillRef>
+            <a:effectRef idx="0">
+              <a:schemeClr val="accent3"/>
+            </a:effectRef>
+            <a:fontRef idx="minor">
+              <a:schemeClr val="lt1"/>
+            </a:fontRef>
+          </p:style>
+          <p:txBody>
+            <a:bodyPr rtlCol="0" anchor="ctr"/>
+            <a:lstStyle/>
+            <a:p>
+              <a:pPr algn="ctr"/>
+              <a:endParaRPr lang="en-CA"/>
+            </a:p>
+          </p:txBody>
+        </p:sp>
+        <p:sp>
+          <p:nvSpPr>
+            <p:cNvPr id="9" name="Cloud 8"/>
+            <p:cNvSpPr/>
+            <p:nvPr/>
+          </p:nvSpPr>
+          <p:spPr>
+            <a:xfrm>
+              <a:off x="4176710" y="462824"/>
+              <a:ext cx="3908374" cy="2717021"/>
+            </a:xfrm>
+            <a:prstGeom prst="cloud">
+              <a:avLst/>
+            </a:prstGeom>
+            <a:solidFill>
+              <a:schemeClr val="accent3">
+                <a:alpha val="50000"/>
+              </a:schemeClr>
+            </a:solidFill>
+            <a:ln>
+              <a:solidFill>
+                <a:schemeClr val="accent3">
+                  <a:shade val="50000"/>
+                  <a:alpha val="50000"/>
+                </a:schemeClr>
+              </a:solidFill>
+            </a:ln>
+          </p:spPr>
+          <p:style>
+            <a:lnRef idx="2">
+              <a:schemeClr val="accent3">
+                <a:shade val="50000"/>
+              </a:schemeClr>
+            </a:lnRef>
+            <a:fillRef idx="1">
+              <a:schemeClr val="accent3"/>
+            </a:fillRef>
+            <a:effectRef idx="0">
+              <a:schemeClr val="accent3"/>
+            </a:effectRef>
+            <a:fontRef idx="minor">
+              <a:schemeClr val="lt1"/>
+            </a:fontRef>
+          </p:style>
+          <p:txBody>
+            <a:bodyPr rtlCol="0" anchor="ctr"/>
+            <a:lstStyle/>
+            <a:p>
+              <a:pPr algn="ctr"/>
+              <a:endParaRPr lang="en-CA"/>
+            </a:p>
+          </p:txBody>
+        </p:sp>
+        <p:cxnSp>
+          <p:nvCxnSpPr>
+            <p:cNvPr id="10" name="Curved Connector 9"/>
+            <p:cNvCxnSpPr/>
+            <p:nvPr/>
+          </p:nvCxnSpPr>
+          <p:spPr>
+            <a:xfrm rot="5400000" flipH="1" flipV="1">
+              <a:off x="2369442" y="2063262"/>
+              <a:ext cx="2061318" cy="1577464"/>
+            </a:xfrm>
+            <a:prstGeom prst="curvedConnector2">
+              <a:avLst/>
+            </a:prstGeom>
+            <a:ln>
+              <a:solidFill>
+                <a:schemeClr val="accent3">
+                  <a:shade val="50000"/>
+                  <a:alpha val="50000"/>
+                </a:schemeClr>
+              </a:solidFill>
+              <a:headEnd w="lg" len="lg"/>
+              <a:tailEnd type="triangle" w="sm" len="med"/>
+            </a:ln>
+          </p:spPr>
+          <p:style>
+            <a:lnRef idx="3">
+              <a:schemeClr val="accent3"/>
+            </a:lnRef>
+            <a:fillRef idx="0">
+              <a:schemeClr val="accent3"/>
+            </a:fillRef>
+            <a:effectRef idx="2">
+              <a:schemeClr val="accent3"/>
+            </a:effectRef>
+            <a:fontRef idx="minor">
+              <a:schemeClr val="tx1"/>
+            </a:fontRef>
+          </p:style>
+        </p:cxnSp>
+        <p:sp>
+          <p:nvSpPr>
+            <p:cNvPr id="11" name="Cube 10"/>
+            <p:cNvSpPr/>
+            <p:nvPr/>
+          </p:nvSpPr>
+          <p:spPr>
+            <a:xfrm flipH="1">
+              <a:off x="8085084" y="3882651"/>
+              <a:ext cx="2512526" cy="2512526"/>
+            </a:xfrm>
+            <a:prstGeom prst="cube">
+              <a:avLst/>
+            </a:prstGeom>
+            <a:solidFill>
+              <a:schemeClr val="accent3">
+                <a:alpha val="50000"/>
+              </a:schemeClr>
+            </a:solidFill>
+            <a:ln>
+              <a:solidFill>
+                <a:schemeClr val="accent3">
+                  <a:shade val="50000"/>
+                  <a:alpha val="50000"/>
+                </a:schemeClr>
+              </a:solidFill>
+            </a:ln>
+          </p:spPr>
+          <p:style>
+            <a:lnRef idx="2">
+              <a:schemeClr val="accent3">
+                <a:shade val="50000"/>
+              </a:schemeClr>
+            </a:lnRef>
+            <a:fillRef idx="1">
+              <a:schemeClr val="accent3"/>
+            </a:fillRef>
+            <a:effectRef idx="0">
+              <a:schemeClr val="accent3"/>
+            </a:effectRef>
+            <a:fontRef idx="minor">
+              <a:schemeClr val="lt1"/>
+            </a:fontRef>
+          </p:style>
+          <p:txBody>
+            <a:bodyPr rtlCol="0" anchor="ctr"/>
+            <a:lstStyle/>
+            <a:p>
+              <a:pPr algn="ctr"/>
+              <a:endParaRPr lang="en-CA"/>
+            </a:p>
+          </p:txBody>
+        </p:sp>
+        <p:cxnSp>
+          <p:nvCxnSpPr>
+            <p:cNvPr id="16" name="Curved Connector 15"/>
+            <p:cNvCxnSpPr/>
+            <p:nvPr/>
+          </p:nvCxnSpPr>
+          <p:spPr>
+            <a:xfrm rot="16200000" flipH="1">
+              <a:off x="6384073" y="3142023"/>
+              <a:ext cx="2031457" cy="1334195"/>
+            </a:xfrm>
+            <a:prstGeom prst="curvedConnector2">
+              <a:avLst/>
+            </a:prstGeom>
+            <a:ln>
+              <a:solidFill>
+                <a:schemeClr val="accent3">
+                  <a:shade val="50000"/>
+                  <a:alpha val="50000"/>
+                </a:schemeClr>
+              </a:solidFill>
+              <a:tailEnd type="triangle" w="sm" len="med"/>
+            </a:ln>
+          </p:spPr>
+          <p:style>
+            <a:lnRef idx="3">
+              <a:schemeClr val="accent3"/>
+            </a:lnRef>
+            <a:fillRef idx="0">
+              <a:schemeClr val="accent3"/>
+            </a:fillRef>
+            <a:effectRef idx="2">
+              <a:schemeClr val="accent3"/>
+            </a:effectRef>
+            <a:fontRef idx="minor">
+              <a:schemeClr val="tx1"/>
+            </a:fontRef>
+          </p:style>
+        </p:cxnSp>
+        <p:cxnSp>
+          <p:nvCxnSpPr>
+            <p:cNvPr id="17" name="Curved Connector 16"/>
+            <p:cNvCxnSpPr/>
+            <p:nvPr/>
+          </p:nvCxnSpPr>
+          <p:spPr>
+            <a:xfrm rot="16200000" flipV="1">
+              <a:off x="7772433" y="2004659"/>
+              <a:ext cx="2178519" cy="1577465"/>
+            </a:xfrm>
+            <a:prstGeom prst="curvedConnector2">
+              <a:avLst/>
+            </a:prstGeom>
+            <a:ln>
+              <a:solidFill>
+                <a:schemeClr val="accent5">
+                  <a:alpha val="50000"/>
+                </a:schemeClr>
+              </a:solidFill>
+              <a:headEnd w="lg" len="lg"/>
+              <a:tailEnd type="triangle" w="sm" len="med"/>
+            </a:ln>
+          </p:spPr>
+          <p:style>
+            <a:lnRef idx="3">
+              <a:schemeClr val="accent3"/>
+            </a:lnRef>
+            <a:fillRef idx="0">
+              <a:schemeClr val="accent3"/>
+            </a:fillRef>
+            <a:effectRef idx="2">
+              <a:schemeClr val="accent3"/>
+            </a:effectRef>
+            <a:fontRef idx="minor">
+              <a:schemeClr val="tx1"/>
+            </a:fontRef>
+          </p:style>
+        </p:cxnSp>
+        <p:cxnSp>
+          <p:nvCxnSpPr>
+            <p:cNvPr id="21" name="Curved Connector 20"/>
+            <p:cNvCxnSpPr/>
+            <p:nvPr/>
+          </p:nvCxnSpPr>
+          <p:spPr>
+            <a:xfrm rot="5400000">
+              <a:off x="3867802" y="3271563"/>
+              <a:ext cx="1792399" cy="1314170"/>
+            </a:xfrm>
+            <a:prstGeom prst="curvedConnector2">
+              <a:avLst/>
+            </a:prstGeom>
+            <a:ln>
+              <a:solidFill>
+                <a:schemeClr val="accent3">
+                  <a:shade val="50000"/>
+                  <a:alpha val="50000"/>
+                </a:schemeClr>
+              </a:solidFill>
+              <a:tailEnd type="triangle" w="sm" len="med"/>
+            </a:ln>
+          </p:spPr>
+          <p:style>
+            <a:lnRef idx="3">
+              <a:schemeClr val="accent3"/>
+            </a:lnRef>
+            <a:fillRef idx="0">
+              <a:schemeClr val="accent3"/>
+            </a:fillRef>
+            <a:effectRef idx="2">
+              <a:schemeClr val="accent3"/>
+            </a:effectRef>
+            <a:fontRef idx="minor">
+              <a:schemeClr val="tx1"/>
+            </a:fontRef>
+          </p:style>
+        </p:cxnSp>
+      </p:grpSp>
+    </p:spTree>
+    <p:extLst>
+      <p:ext uri="{BB962C8B-B14F-4D97-AF65-F5344CB8AC3E}">
+        <p14:creationId xmlns:p14="http://schemas.microsoft.com/office/powerpoint/2010/main" val="3921145725"/>
+      </p:ext>
+    </p:extLst>
+  </p:cSld>
+  <p:clrMapOvr>
+    <a:masterClrMapping/>
+  </p:clrMapOvr>
+  <p:timing>
+    <p:tnLst>
+      <p:par>
+        <p:cTn id="1" dur="indefinite" restart="never" nodeType="tmRoot"/>
+      </p:par>
+    </p:tnLst>
+  </p:timing>
+</p:sld>
+</file>
+
 <file path=ppt/slides/slide2.xml><?xml version="1.0" encoding="utf-8"?>
 <p:sld xmlns:a="http://schemas.openxmlformats.org/drawingml/2006/main" xmlns:r="http://schemas.openxmlformats.org/officeDocument/2006/relationships" xmlns:p="http://schemas.openxmlformats.org/presentationml/2006/main">
   <p:cSld>
@@ -4722,6 +6201,1110 @@
     <p:extLst>
       <p:ext uri="{BB962C8B-B14F-4D97-AF65-F5344CB8AC3E}">
         <p14:creationId xmlns:p14="http://schemas.microsoft.com/office/powerpoint/2010/main" val="4256684129"/>
+      </p:ext>
+    </p:extLst>
+  </p:cSld>
+  <p:clrMapOvr>
+    <a:masterClrMapping/>
+  </p:clrMapOvr>
+  <p:timing>
+    <p:tnLst>
+      <p:par>
+        <p:cTn id="1" dur="indefinite" restart="never" nodeType="tmRoot"/>
+      </p:par>
+    </p:tnLst>
+  </p:timing>
+</p:sld>
+</file>
+
+<file path=ppt/slides/slide7.xml><?xml version="1.0" encoding="utf-8"?>
+<p:sld xmlns:a="http://schemas.openxmlformats.org/drawingml/2006/main" xmlns:r="http://schemas.openxmlformats.org/officeDocument/2006/relationships" xmlns:p="http://schemas.openxmlformats.org/presentationml/2006/main">
+  <p:cSld>
+    <p:spTree>
+      <p:nvGrpSpPr>
+        <p:cNvPr id="1" name=""/>
+        <p:cNvGrpSpPr/>
+        <p:nvPr/>
+      </p:nvGrpSpPr>
+      <p:grpSpPr>
+        <a:xfrm>
+          <a:off x="0" y="0"/>
+          <a:ext cx="0" cy="0"/>
+          <a:chOff x="0" y="0"/>
+          <a:chExt cx="0" cy="0"/>
+        </a:xfrm>
+      </p:grpSpPr>
+      <p:grpSp>
+        <p:nvGrpSpPr>
+          <p:cNvPr id="2" name="Group 1"/>
+          <p:cNvGrpSpPr/>
+          <p:nvPr/>
+        </p:nvGrpSpPr>
+        <p:grpSpPr>
+          <a:xfrm>
+            <a:off x="9818438" y="378849"/>
+            <a:ext cx="1970898" cy="1272670"/>
+            <a:chOff x="1594390" y="462824"/>
+            <a:chExt cx="9003220" cy="5932353"/>
+          </a:xfrm>
+        </p:grpSpPr>
+        <p:sp>
+          <p:nvSpPr>
+            <p:cNvPr id="7" name="Cube 6"/>
+            <p:cNvSpPr/>
+            <p:nvPr/>
+          </p:nvSpPr>
+          <p:spPr>
+            <a:xfrm>
+              <a:off x="1594390" y="3882651"/>
+              <a:ext cx="2512526" cy="2512526"/>
+            </a:xfrm>
+            <a:prstGeom prst="cube">
+              <a:avLst/>
+            </a:prstGeom>
+            <a:solidFill>
+              <a:schemeClr val="accent3">
+                <a:alpha val="50000"/>
+              </a:schemeClr>
+            </a:solidFill>
+            <a:ln>
+              <a:solidFill>
+                <a:schemeClr val="accent3">
+                  <a:shade val="50000"/>
+                  <a:alpha val="50000"/>
+                </a:schemeClr>
+              </a:solidFill>
+            </a:ln>
+          </p:spPr>
+          <p:style>
+            <a:lnRef idx="2">
+              <a:schemeClr val="accent3">
+                <a:shade val="50000"/>
+              </a:schemeClr>
+            </a:lnRef>
+            <a:fillRef idx="1">
+              <a:schemeClr val="accent3"/>
+            </a:fillRef>
+            <a:effectRef idx="0">
+              <a:schemeClr val="accent3"/>
+            </a:effectRef>
+            <a:fontRef idx="minor">
+              <a:schemeClr val="lt1"/>
+            </a:fontRef>
+          </p:style>
+          <p:txBody>
+            <a:bodyPr rtlCol="0" anchor="ctr"/>
+            <a:lstStyle/>
+            <a:p>
+              <a:pPr algn="ctr"/>
+              <a:endParaRPr lang="en-CA"/>
+            </a:p>
+          </p:txBody>
+        </p:sp>
+        <p:sp>
+          <p:nvSpPr>
+            <p:cNvPr id="9" name="Cloud 8"/>
+            <p:cNvSpPr/>
+            <p:nvPr/>
+          </p:nvSpPr>
+          <p:spPr>
+            <a:xfrm>
+              <a:off x="4176710" y="462824"/>
+              <a:ext cx="3908374" cy="2717021"/>
+            </a:xfrm>
+            <a:prstGeom prst="cloud">
+              <a:avLst/>
+            </a:prstGeom>
+            <a:solidFill>
+              <a:schemeClr val="accent5">
+                <a:alpha val="50000"/>
+              </a:schemeClr>
+            </a:solidFill>
+            <a:ln>
+              <a:solidFill>
+                <a:schemeClr val="accent5">
+                  <a:alpha val="50000"/>
+                </a:schemeClr>
+              </a:solidFill>
+            </a:ln>
+          </p:spPr>
+          <p:style>
+            <a:lnRef idx="2">
+              <a:schemeClr val="accent3">
+                <a:shade val="50000"/>
+              </a:schemeClr>
+            </a:lnRef>
+            <a:fillRef idx="1">
+              <a:schemeClr val="accent3"/>
+            </a:fillRef>
+            <a:effectRef idx="0">
+              <a:schemeClr val="accent3"/>
+            </a:effectRef>
+            <a:fontRef idx="minor">
+              <a:schemeClr val="lt1"/>
+            </a:fontRef>
+          </p:style>
+          <p:txBody>
+            <a:bodyPr rtlCol="0" anchor="ctr"/>
+            <a:lstStyle/>
+            <a:p>
+              <a:pPr algn="ctr"/>
+              <a:endParaRPr lang="en-CA"/>
+            </a:p>
+          </p:txBody>
+        </p:sp>
+        <p:cxnSp>
+          <p:nvCxnSpPr>
+            <p:cNvPr id="10" name="Curved Connector 9"/>
+            <p:cNvCxnSpPr/>
+            <p:nvPr/>
+          </p:nvCxnSpPr>
+          <p:spPr>
+            <a:xfrm rot="5400000" flipH="1" flipV="1">
+              <a:off x="2369442" y="2063262"/>
+              <a:ext cx="2061318" cy="1577464"/>
+            </a:xfrm>
+            <a:prstGeom prst="curvedConnector2">
+              <a:avLst/>
+            </a:prstGeom>
+            <a:ln>
+              <a:solidFill>
+                <a:schemeClr val="accent3">
+                  <a:shade val="50000"/>
+                  <a:alpha val="50000"/>
+                </a:schemeClr>
+              </a:solidFill>
+              <a:headEnd w="lg" len="lg"/>
+              <a:tailEnd type="triangle" w="sm" len="med"/>
+            </a:ln>
+          </p:spPr>
+          <p:style>
+            <a:lnRef idx="3">
+              <a:schemeClr val="accent3"/>
+            </a:lnRef>
+            <a:fillRef idx="0">
+              <a:schemeClr val="accent3"/>
+            </a:fillRef>
+            <a:effectRef idx="2">
+              <a:schemeClr val="accent3"/>
+            </a:effectRef>
+            <a:fontRef idx="minor">
+              <a:schemeClr val="tx1"/>
+            </a:fontRef>
+          </p:style>
+        </p:cxnSp>
+        <p:sp>
+          <p:nvSpPr>
+            <p:cNvPr id="11" name="Cube 10"/>
+            <p:cNvSpPr/>
+            <p:nvPr/>
+          </p:nvSpPr>
+          <p:spPr>
+            <a:xfrm flipH="1">
+              <a:off x="8085084" y="3882651"/>
+              <a:ext cx="2512526" cy="2512526"/>
+            </a:xfrm>
+            <a:prstGeom prst="cube">
+              <a:avLst/>
+            </a:prstGeom>
+            <a:solidFill>
+              <a:schemeClr val="accent3">
+                <a:alpha val="50000"/>
+              </a:schemeClr>
+            </a:solidFill>
+            <a:ln>
+              <a:solidFill>
+                <a:schemeClr val="accent3">
+                  <a:shade val="50000"/>
+                  <a:alpha val="50000"/>
+                </a:schemeClr>
+              </a:solidFill>
+            </a:ln>
+          </p:spPr>
+          <p:style>
+            <a:lnRef idx="2">
+              <a:schemeClr val="accent3">
+                <a:shade val="50000"/>
+              </a:schemeClr>
+            </a:lnRef>
+            <a:fillRef idx="1">
+              <a:schemeClr val="accent3"/>
+            </a:fillRef>
+            <a:effectRef idx="0">
+              <a:schemeClr val="accent3"/>
+            </a:effectRef>
+            <a:fontRef idx="minor">
+              <a:schemeClr val="lt1"/>
+            </a:fontRef>
+          </p:style>
+          <p:txBody>
+            <a:bodyPr rtlCol="0" anchor="ctr"/>
+            <a:lstStyle/>
+            <a:p>
+              <a:pPr algn="ctr"/>
+              <a:endParaRPr lang="en-CA"/>
+            </a:p>
+          </p:txBody>
+        </p:sp>
+        <p:cxnSp>
+          <p:nvCxnSpPr>
+            <p:cNvPr id="16" name="Curved Connector 15"/>
+            <p:cNvCxnSpPr/>
+            <p:nvPr/>
+          </p:nvCxnSpPr>
+          <p:spPr>
+            <a:xfrm rot="16200000" flipH="1">
+              <a:off x="6384073" y="3142023"/>
+              <a:ext cx="2031457" cy="1334195"/>
+            </a:xfrm>
+            <a:prstGeom prst="curvedConnector2">
+              <a:avLst/>
+            </a:prstGeom>
+            <a:ln>
+              <a:solidFill>
+                <a:schemeClr val="accent3">
+                  <a:shade val="50000"/>
+                  <a:alpha val="50000"/>
+                </a:schemeClr>
+              </a:solidFill>
+              <a:tailEnd type="triangle" w="sm" len="med"/>
+            </a:ln>
+          </p:spPr>
+          <p:style>
+            <a:lnRef idx="3">
+              <a:schemeClr val="accent3"/>
+            </a:lnRef>
+            <a:fillRef idx="0">
+              <a:schemeClr val="accent3"/>
+            </a:fillRef>
+            <a:effectRef idx="2">
+              <a:schemeClr val="accent3"/>
+            </a:effectRef>
+            <a:fontRef idx="minor">
+              <a:schemeClr val="tx1"/>
+            </a:fontRef>
+          </p:style>
+        </p:cxnSp>
+        <p:cxnSp>
+          <p:nvCxnSpPr>
+            <p:cNvPr id="17" name="Curved Connector 16"/>
+            <p:cNvCxnSpPr/>
+            <p:nvPr/>
+          </p:nvCxnSpPr>
+          <p:spPr>
+            <a:xfrm rot="16200000" flipV="1">
+              <a:off x="7772433" y="2004659"/>
+              <a:ext cx="2178519" cy="1577465"/>
+            </a:xfrm>
+            <a:prstGeom prst="curvedConnector2">
+              <a:avLst/>
+            </a:prstGeom>
+            <a:ln>
+              <a:solidFill>
+                <a:schemeClr val="accent3">
+                  <a:shade val="50000"/>
+                  <a:alpha val="50000"/>
+                </a:schemeClr>
+              </a:solidFill>
+              <a:headEnd w="lg" len="lg"/>
+              <a:tailEnd type="triangle" w="sm" len="med"/>
+            </a:ln>
+          </p:spPr>
+          <p:style>
+            <a:lnRef idx="3">
+              <a:schemeClr val="accent3"/>
+            </a:lnRef>
+            <a:fillRef idx="0">
+              <a:schemeClr val="accent3"/>
+            </a:fillRef>
+            <a:effectRef idx="2">
+              <a:schemeClr val="accent3"/>
+            </a:effectRef>
+            <a:fontRef idx="minor">
+              <a:schemeClr val="tx1"/>
+            </a:fontRef>
+          </p:style>
+        </p:cxnSp>
+        <p:cxnSp>
+          <p:nvCxnSpPr>
+            <p:cNvPr id="21" name="Curved Connector 20"/>
+            <p:cNvCxnSpPr/>
+            <p:nvPr/>
+          </p:nvCxnSpPr>
+          <p:spPr>
+            <a:xfrm rot="5400000">
+              <a:off x="3867802" y="3271563"/>
+              <a:ext cx="1792399" cy="1314170"/>
+            </a:xfrm>
+            <a:prstGeom prst="curvedConnector2">
+              <a:avLst/>
+            </a:prstGeom>
+            <a:ln>
+              <a:solidFill>
+                <a:schemeClr val="accent3">
+                  <a:shade val="50000"/>
+                  <a:alpha val="50000"/>
+                </a:schemeClr>
+              </a:solidFill>
+              <a:tailEnd type="triangle" w="sm" len="med"/>
+            </a:ln>
+          </p:spPr>
+          <p:style>
+            <a:lnRef idx="3">
+              <a:schemeClr val="accent3"/>
+            </a:lnRef>
+            <a:fillRef idx="0">
+              <a:schemeClr val="accent3"/>
+            </a:fillRef>
+            <a:effectRef idx="2">
+              <a:schemeClr val="accent3"/>
+            </a:effectRef>
+            <a:fontRef idx="minor">
+              <a:schemeClr val="tx1"/>
+            </a:fontRef>
+          </p:style>
+        </p:cxnSp>
+      </p:grpSp>
+    </p:spTree>
+    <p:extLst>
+      <p:ext uri="{BB962C8B-B14F-4D97-AF65-F5344CB8AC3E}">
+        <p14:creationId xmlns:p14="http://schemas.microsoft.com/office/powerpoint/2010/main" val="3525816941"/>
+      </p:ext>
+    </p:extLst>
+  </p:cSld>
+  <p:clrMapOvr>
+    <a:masterClrMapping/>
+  </p:clrMapOvr>
+  <p:timing>
+    <p:tnLst>
+      <p:par>
+        <p:cTn id="1" dur="indefinite" restart="never" nodeType="tmRoot"/>
+      </p:par>
+    </p:tnLst>
+  </p:timing>
+</p:sld>
+</file>
+
+<file path=ppt/slides/slide8.xml><?xml version="1.0" encoding="utf-8"?>
+<p:sld xmlns:a="http://schemas.openxmlformats.org/drawingml/2006/main" xmlns:r="http://schemas.openxmlformats.org/officeDocument/2006/relationships" xmlns:p="http://schemas.openxmlformats.org/presentationml/2006/main">
+  <p:cSld>
+    <p:spTree>
+      <p:nvGrpSpPr>
+        <p:cNvPr id="1" name=""/>
+        <p:cNvGrpSpPr/>
+        <p:nvPr/>
+      </p:nvGrpSpPr>
+      <p:grpSpPr>
+        <a:xfrm>
+          <a:off x="0" y="0"/>
+          <a:ext cx="0" cy="0"/>
+          <a:chOff x="0" y="0"/>
+          <a:chExt cx="0" cy="0"/>
+        </a:xfrm>
+      </p:grpSpPr>
+      <p:grpSp>
+        <p:nvGrpSpPr>
+          <p:cNvPr id="2" name="Group 1"/>
+          <p:cNvGrpSpPr/>
+          <p:nvPr/>
+        </p:nvGrpSpPr>
+        <p:grpSpPr>
+          <a:xfrm>
+            <a:off x="9818438" y="378849"/>
+            <a:ext cx="1970898" cy="1272670"/>
+            <a:chOff x="1594390" y="462824"/>
+            <a:chExt cx="9003220" cy="5932353"/>
+          </a:xfrm>
+        </p:grpSpPr>
+        <p:sp>
+          <p:nvSpPr>
+            <p:cNvPr id="7" name="Cube 6"/>
+            <p:cNvSpPr/>
+            <p:nvPr/>
+          </p:nvSpPr>
+          <p:spPr>
+            <a:xfrm>
+              <a:off x="1594390" y="3882651"/>
+              <a:ext cx="2512526" cy="2512526"/>
+            </a:xfrm>
+            <a:prstGeom prst="cube">
+              <a:avLst/>
+            </a:prstGeom>
+            <a:solidFill>
+              <a:schemeClr val="accent5">
+                <a:alpha val="50000"/>
+              </a:schemeClr>
+            </a:solidFill>
+            <a:ln>
+              <a:solidFill>
+                <a:schemeClr val="accent5">
+                  <a:alpha val="50000"/>
+                </a:schemeClr>
+              </a:solidFill>
+            </a:ln>
+          </p:spPr>
+          <p:style>
+            <a:lnRef idx="2">
+              <a:schemeClr val="accent3">
+                <a:shade val="50000"/>
+              </a:schemeClr>
+            </a:lnRef>
+            <a:fillRef idx="1">
+              <a:schemeClr val="accent3"/>
+            </a:fillRef>
+            <a:effectRef idx="0">
+              <a:schemeClr val="accent3"/>
+            </a:effectRef>
+            <a:fontRef idx="minor">
+              <a:schemeClr val="lt1"/>
+            </a:fontRef>
+          </p:style>
+          <p:txBody>
+            <a:bodyPr rtlCol="0" anchor="ctr"/>
+            <a:lstStyle/>
+            <a:p>
+              <a:pPr algn="ctr"/>
+              <a:endParaRPr lang="en-CA"/>
+            </a:p>
+          </p:txBody>
+        </p:sp>
+        <p:sp>
+          <p:nvSpPr>
+            <p:cNvPr id="9" name="Cloud 8"/>
+            <p:cNvSpPr/>
+            <p:nvPr/>
+          </p:nvSpPr>
+          <p:spPr>
+            <a:xfrm>
+              <a:off x="4176710" y="462824"/>
+              <a:ext cx="3908374" cy="2717021"/>
+            </a:xfrm>
+            <a:prstGeom prst="cloud">
+              <a:avLst/>
+            </a:prstGeom>
+            <a:solidFill>
+              <a:schemeClr val="accent3">
+                <a:alpha val="50000"/>
+              </a:schemeClr>
+            </a:solidFill>
+            <a:ln>
+              <a:solidFill>
+                <a:schemeClr val="accent3">
+                  <a:shade val="50000"/>
+                  <a:alpha val="50000"/>
+                </a:schemeClr>
+              </a:solidFill>
+            </a:ln>
+          </p:spPr>
+          <p:style>
+            <a:lnRef idx="2">
+              <a:schemeClr val="accent3">
+                <a:shade val="50000"/>
+              </a:schemeClr>
+            </a:lnRef>
+            <a:fillRef idx="1">
+              <a:schemeClr val="accent3"/>
+            </a:fillRef>
+            <a:effectRef idx="0">
+              <a:schemeClr val="accent3"/>
+            </a:effectRef>
+            <a:fontRef idx="minor">
+              <a:schemeClr val="lt1"/>
+            </a:fontRef>
+          </p:style>
+          <p:txBody>
+            <a:bodyPr rtlCol="0" anchor="ctr"/>
+            <a:lstStyle/>
+            <a:p>
+              <a:pPr algn="ctr"/>
+              <a:endParaRPr lang="en-CA"/>
+            </a:p>
+          </p:txBody>
+        </p:sp>
+        <p:cxnSp>
+          <p:nvCxnSpPr>
+            <p:cNvPr id="10" name="Curved Connector 9"/>
+            <p:cNvCxnSpPr/>
+            <p:nvPr/>
+          </p:nvCxnSpPr>
+          <p:spPr>
+            <a:xfrm rot="5400000" flipH="1" flipV="1">
+              <a:off x="2369442" y="2063262"/>
+              <a:ext cx="2061318" cy="1577464"/>
+            </a:xfrm>
+            <a:prstGeom prst="curvedConnector2">
+              <a:avLst/>
+            </a:prstGeom>
+            <a:ln>
+              <a:solidFill>
+                <a:schemeClr val="accent3">
+                  <a:shade val="50000"/>
+                  <a:alpha val="50000"/>
+                </a:schemeClr>
+              </a:solidFill>
+              <a:headEnd w="lg" len="lg"/>
+              <a:tailEnd type="triangle" w="sm" len="med"/>
+            </a:ln>
+          </p:spPr>
+          <p:style>
+            <a:lnRef idx="3">
+              <a:schemeClr val="accent3"/>
+            </a:lnRef>
+            <a:fillRef idx="0">
+              <a:schemeClr val="accent3"/>
+            </a:fillRef>
+            <a:effectRef idx="2">
+              <a:schemeClr val="accent3"/>
+            </a:effectRef>
+            <a:fontRef idx="minor">
+              <a:schemeClr val="tx1"/>
+            </a:fontRef>
+          </p:style>
+        </p:cxnSp>
+        <p:sp>
+          <p:nvSpPr>
+            <p:cNvPr id="11" name="Cube 10"/>
+            <p:cNvSpPr/>
+            <p:nvPr/>
+          </p:nvSpPr>
+          <p:spPr>
+            <a:xfrm flipH="1">
+              <a:off x="8085084" y="3882651"/>
+              <a:ext cx="2512526" cy="2512526"/>
+            </a:xfrm>
+            <a:prstGeom prst="cube">
+              <a:avLst/>
+            </a:prstGeom>
+            <a:solidFill>
+              <a:schemeClr val="accent3">
+                <a:alpha val="50000"/>
+              </a:schemeClr>
+            </a:solidFill>
+            <a:ln>
+              <a:solidFill>
+                <a:schemeClr val="accent3">
+                  <a:shade val="50000"/>
+                  <a:alpha val="50000"/>
+                </a:schemeClr>
+              </a:solidFill>
+            </a:ln>
+          </p:spPr>
+          <p:style>
+            <a:lnRef idx="2">
+              <a:schemeClr val="accent3">
+                <a:shade val="50000"/>
+              </a:schemeClr>
+            </a:lnRef>
+            <a:fillRef idx="1">
+              <a:schemeClr val="accent3"/>
+            </a:fillRef>
+            <a:effectRef idx="0">
+              <a:schemeClr val="accent3"/>
+            </a:effectRef>
+            <a:fontRef idx="minor">
+              <a:schemeClr val="lt1"/>
+            </a:fontRef>
+          </p:style>
+          <p:txBody>
+            <a:bodyPr rtlCol="0" anchor="ctr"/>
+            <a:lstStyle/>
+            <a:p>
+              <a:pPr algn="ctr"/>
+              <a:endParaRPr lang="en-CA"/>
+            </a:p>
+          </p:txBody>
+        </p:sp>
+        <p:cxnSp>
+          <p:nvCxnSpPr>
+            <p:cNvPr id="16" name="Curved Connector 15"/>
+            <p:cNvCxnSpPr/>
+            <p:nvPr/>
+          </p:nvCxnSpPr>
+          <p:spPr>
+            <a:xfrm rot="16200000" flipH="1">
+              <a:off x="6384073" y="3142023"/>
+              <a:ext cx="2031457" cy="1334195"/>
+            </a:xfrm>
+            <a:prstGeom prst="curvedConnector2">
+              <a:avLst/>
+            </a:prstGeom>
+            <a:ln>
+              <a:solidFill>
+                <a:schemeClr val="accent3">
+                  <a:shade val="50000"/>
+                  <a:alpha val="50000"/>
+                </a:schemeClr>
+              </a:solidFill>
+              <a:tailEnd type="triangle" w="sm" len="med"/>
+            </a:ln>
+          </p:spPr>
+          <p:style>
+            <a:lnRef idx="3">
+              <a:schemeClr val="accent3"/>
+            </a:lnRef>
+            <a:fillRef idx="0">
+              <a:schemeClr val="accent3"/>
+            </a:fillRef>
+            <a:effectRef idx="2">
+              <a:schemeClr val="accent3"/>
+            </a:effectRef>
+            <a:fontRef idx="minor">
+              <a:schemeClr val="tx1"/>
+            </a:fontRef>
+          </p:style>
+        </p:cxnSp>
+        <p:cxnSp>
+          <p:nvCxnSpPr>
+            <p:cNvPr id="17" name="Curved Connector 16"/>
+            <p:cNvCxnSpPr/>
+            <p:nvPr/>
+          </p:nvCxnSpPr>
+          <p:spPr>
+            <a:xfrm rot="16200000" flipV="1">
+              <a:off x="7772433" y="2004659"/>
+              <a:ext cx="2178519" cy="1577465"/>
+            </a:xfrm>
+            <a:prstGeom prst="curvedConnector2">
+              <a:avLst/>
+            </a:prstGeom>
+            <a:ln>
+              <a:solidFill>
+                <a:schemeClr val="accent3">
+                  <a:shade val="50000"/>
+                  <a:alpha val="50000"/>
+                </a:schemeClr>
+              </a:solidFill>
+              <a:headEnd w="lg" len="lg"/>
+              <a:tailEnd type="triangle" w="sm" len="med"/>
+            </a:ln>
+          </p:spPr>
+          <p:style>
+            <a:lnRef idx="3">
+              <a:schemeClr val="accent3"/>
+            </a:lnRef>
+            <a:fillRef idx="0">
+              <a:schemeClr val="accent3"/>
+            </a:fillRef>
+            <a:effectRef idx="2">
+              <a:schemeClr val="accent3"/>
+            </a:effectRef>
+            <a:fontRef idx="minor">
+              <a:schemeClr val="tx1"/>
+            </a:fontRef>
+          </p:style>
+        </p:cxnSp>
+        <p:cxnSp>
+          <p:nvCxnSpPr>
+            <p:cNvPr id="21" name="Curved Connector 20"/>
+            <p:cNvCxnSpPr/>
+            <p:nvPr/>
+          </p:nvCxnSpPr>
+          <p:spPr>
+            <a:xfrm rot="5400000">
+              <a:off x="3867802" y="3271563"/>
+              <a:ext cx="1792399" cy="1314170"/>
+            </a:xfrm>
+            <a:prstGeom prst="curvedConnector2">
+              <a:avLst/>
+            </a:prstGeom>
+            <a:ln>
+              <a:solidFill>
+                <a:schemeClr val="accent3">
+                  <a:shade val="50000"/>
+                  <a:alpha val="50000"/>
+                </a:schemeClr>
+              </a:solidFill>
+              <a:tailEnd type="triangle" w="sm" len="med"/>
+            </a:ln>
+          </p:spPr>
+          <p:style>
+            <a:lnRef idx="3">
+              <a:schemeClr val="accent3"/>
+            </a:lnRef>
+            <a:fillRef idx="0">
+              <a:schemeClr val="accent3"/>
+            </a:fillRef>
+            <a:effectRef idx="2">
+              <a:schemeClr val="accent3"/>
+            </a:effectRef>
+            <a:fontRef idx="minor">
+              <a:schemeClr val="tx1"/>
+            </a:fontRef>
+          </p:style>
+        </p:cxnSp>
+      </p:grpSp>
+    </p:spTree>
+    <p:extLst>
+      <p:ext uri="{BB962C8B-B14F-4D97-AF65-F5344CB8AC3E}">
+        <p14:creationId xmlns:p14="http://schemas.microsoft.com/office/powerpoint/2010/main" val="2154131479"/>
+      </p:ext>
+    </p:extLst>
+  </p:cSld>
+  <p:clrMapOvr>
+    <a:masterClrMapping/>
+  </p:clrMapOvr>
+  <p:timing>
+    <p:tnLst>
+      <p:par>
+        <p:cTn id="1" dur="indefinite" restart="never" nodeType="tmRoot"/>
+      </p:par>
+    </p:tnLst>
+  </p:timing>
+</p:sld>
+</file>
+
+<file path=ppt/slides/slide9.xml><?xml version="1.0" encoding="utf-8"?>
+<p:sld xmlns:a="http://schemas.openxmlformats.org/drawingml/2006/main" xmlns:r="http://schemas.openxmlformats.org/officeDocument/2006/relationships" xmlns:p="http://schemas.openxmlformats.org/presentationml/2006/main">
+  <p:cSld>
+    <p:spTree>
+      <p:nvGrpSpPr>
+        <p:cNvPr id="1" name=""/>
+        <p:cNvGrpSpPr/>
+        <p:nvPr/>
+      </p:nvGrpSpPr>
+      <p:grpSpPr>
+        <a:xfrm>
+          <a:off x="0" y="0"/>
+          <a:ext cx="0" cy="0"/>
+          <a:chOff x="0" y="0"/>
+          <a:chExt cx="0" cy="0"/>
+        </a:xfrm>
+      </p:grpSpPr>
+      <p:grpSp>
+        <p:nvGrpSpPr>
+          <p:cNvPr id="2" name="Group 1"/>
+          <p:cNvGrpSpPr/>
+          <p:nvPr/>
+        </p:nvGrpSpPr>
+        <p:grpSpPr>
+          <a:xfrm>
+            <a:off x="9818438" y="378849"/>
+            <a:ext cx="1970898" cy="1272670"/>
+            <a:chOff x="1594390" y="462824"/>
+            <a:chExt cx="9003220" cy="5932353"/>
+          </a:xfrm>
+        </p:grpSpPr>
+        <p:sp>
+          <p:nvSpPr>
+            <p:cNvPr id="7" name="Cube 6"/>
+            <p:cNvSpPr/>
+            <p:nvPr/>
+          </p:nvSpPr>
+          <p:spPr>
+            <a:xfrm>
+              <a:off x="1594390" y="3882651"/>
+              <a:ext cx="2512526" cy="2512526"/>
+            </a:xfrm>
+            <a:prstGeom prst="cube">
+              <a:avLst/>
+            </a:prstGeom>
+            <a:solidFill>
+              <a:schemeClr val="accent3">
+                <a:alpha val="50000"/>
+              </a:schemeClr>
+            </a:solidFill>
+            <a:ln>
+              <a:solidFill>
+                <a:schemeClr val="accent3">
+                  <a:shade val="50000"/>
+                  <a:alpha val="50000"/>
+                </a:schemeClr>
+              </a:solidFill>
+            </a:ln>
+          </p:spPr>
+          <p:style>
+            <a:lnRef idx="2">
+              <a:schemeClr val="accent3">
+                <a:shade val="50000"/>
+              </a:schemeClr>
+            </a:lnRef>
+            <a:fillRef idx="1">
+              <a:schemeClr val="accent3"/>
+            </a:fillRef>
+            <a:effectRef idx="0">
+              <a:schemeClr val="accent3"/>
+            </a:effectRef>
+            <a:fontRef idx="minor">
+              <a:schemeClr val="lt1"/>
+            </a:fontRef>
+          </p:style>
+          <p:txBody>
+            <a:bodyPr rtlCol="0" anchor="ctr"/>
+            <a:lstStyle/>
+            <a:p>
+              <a:pPr algn="ctr"/>
+              <a:endParaRPr lang="en-CA"/>
+            </a:p>
+          </p:txBody>
+        </p:sp>
+        <p:sp>
+          <p:nvSpPr>
+            <p:cNvPr id="9" name="Cloud 8"/>
+            <p:cNvSpPr/>
+            <p:nvPr/>
+          </p:nvSpPr>
+          <p:spPr>
+            <a:xfrm>
+              <a:off x="4176710" y="462824"/>
+              <a:ext cx="3908374" cy="2717021"/>
+            </a:xfrm>
+            <a:prstGeom prst="cloud">
+              <a:avLst/>
+            </a:prstGeom>
+            <a:solidFill>
+              <a:schemeClr val="accent3">
+                <a:alpha val="50000"/>
+              </a:schemeClr>
+            </a:solidFill>
+            <a:ln>
+              <a:solidFill>
+                <a:schemeClr val="accent3">
+                  <a:shade val="50000"/>
+                  <a:alpha val="50000"/>
+                </a:schemeClr>
+              </a:solidFill>
+            </a:ln>
+          </p:spPr>
+          <p:style>
+            <a:lnRef idx="2">
+              <a:schemeClr val="accent3">
+                <a:shade val="50000"/>
+              </a:schemeClr>
+            </a:lnRef>
+            <a:fillRef idx="1">
+              <a:schemeClr val="accent3"/>
+            </a:fillRef>
+            <a:effectRef idx="0">
+              <a:schemeClr val="accent3"/>
+            </a:effectRef>
+            <a:fontRef idx="minor">
+              <a:schemeClr val="lt1"/>
+            </a:fontRef>
+          </p:style>
+          <p:txBody>
+            <a:bodyPr rtlCol="0" anchor="ctr"/>
+            <a:lstStyle/>
+            <a:p>
+              <a:pPr algn="ctr"/>
+              <a:endParaRPr lang="en-CA"/>
+            </a:p>
+          </p:txBody>
+        </p:sp>
+        <p:cxnSp>
+          <p:nvCxnSpPr>
+            <p:cNvPr id="10" name="Curved Connector 9"/>
+            <p:cNvCxnSpPr/>
+            <p:nvPr/>
+          </p:nvCxnSpPr>
+          <p:spPr>
+            <a:xfrm rot="5400000" flipH="1" flipV="1">
+              <a:off x="2369442" y="2063262"/>
+              <a:ext cx="2061318" cy="1577464"/>
+            </a:xfrm>
+            <a:prstGeom prst="curvedConnector2">
+              <a:avLst/>
+            </a:prstGeom>
+            <a:ln>
+              <a:solidFill>
+                <a:schemeClr val="accent3">
+                  <a:shade val="50000"/>
+                  <a:alpha val="50000"/>
+                </a:schemeClr>
+              </a:solidFill>
+              <a:headEnd w="lg" len="lg"/>
+              <a:tailEnd type="triangle" w="sm" len="med"/>
+            </a:ln>
+          </p:spPr>
+          <p:style>
+            <a:lnRef idx="3">
+              <a:schemeClr val="accent3"/>
+            </a:lnRef>
+            <a:fillRef idx="0">
+              <a:schemeClr val="accent3"/>
+            </a:fillRef>
+            <a:effectRef idx="2">
+              <a:schemeClr val="accent3"/>
+            </a:effectRef>
+            <a:fontRef idx="minor">
+              <a:schemeClr val="tx1"/>
+            </a:fontRef>
+          </p:style>
+        </p:cxnSp>
+        <p:sp>
+          <p:nvSpPr>
+            <p:cNvPr id="11" name="Cube 10"/>
+            <p:cNvSpPr/>
+            <p:nvPr/>
+          </p:nvSpPr>
+          <p:spPr>
+            <a:xfrm flipH="1">
+              <a:off x="8085084" y="3882651"/>
+              <a:ext cx="2512526" cy="2512526"/>
+            </a:xfrm>
+            <a:prstGeom prst="cube">
+              <a:avLst/>
+            </a:prstGeom>
+            <a:solidFill>
+              <a:schemeClr val="accent5">
+                <a:alpha val="50000"/>
+              </a:schemeClr>
+            </a:solidFill>
+            <a:ln>
+              <a:solidFill>
+                <a:schemeClr val="accent5">
+                  <a:alpha val="50000"/>
+                </a:schemeClr>
+              </a:solidFill>
+            </a:ln>
+          </p:spPr>
+          <p:style>
+            <a:lnRef idx="2">
+              <a:schemeClr val="accent3">
+                <a:shade val="50000"/>
+              </a:schemeClr>
+            </a:lnRef>
+            <a:fillRef idx="1">
+              <a:schemeClr val="accent3"/>
+            </a:fillRef>
+            <a:effectRef idx="0">
+              <a:schemeClr val="accent3"/>
+            </a:effectRef>
+            <a:fontRef idx="minor">
+              <a:schemeClr val="lt1"/>
+            </a:fontRef>
+          </p:style>
+          <p:txBody>
+            <a:bodyPr rtlCol="0" anchor="ctr"/>
+            <a:lstStyle/>
+            <a:p>
+              <a:pPr algn="ctr"/>
+              <a:endParaRPr lang="en-CA"/>
+            </a:p>
+          </p:txBody>
+        </p:sp>
+        <p:cxnSp>
+          <p:nvCxnSpPr>
+            <p:cNvPr id="16" name="Curved Connector 15"/>
+            <p:cNvCxnSpPr/>
+            <p:nvPr/>
+          </p:nvCxnSpPr>
+          <p:spPr>
+            <a:xfrm rot="16200000" flipH="1">
+              <a:off x="6384073" y="3142023"/>
+              <a:ext cx="2031457" cy="1334195"/>
+            </a:xfrm>
+            <a:prstGeom prst="curvedConnector2">
+              <a:avLst/>
+            </a:prstGeom>
+            <a:ln>
+              <a:solidFill>
+                <a:schemeClr val="accent3">
+                  <a:shade val="50000"/>
+                  <a:alpha val="50000"/>
+                </a:schemeClr>
+              </a:solidFill>
+              <a:tailEnd type="triangle" w="sm" len="med"/>
+            </a:ln>
+          </p:spPr>
+          <p:style>
+            <a:lnRef idx="3">
+              <a:schemeClr val="accent3"/>
+            </a:lnRef>
+            <a:fillRef idx="0">
+              <a:schemeClr val="accent3"/>
+            </a:fillRef>
+            <a:effectRef idx="2">
+              <a:schemeClr val="accent3"/>
+            </a:effectRef>
+            <a:fontRef idx="minor">
+              <a:schemeClr val="tx1"/>
+            </a:fontRef>
+          </p:style>
+        </p:cxnSp>
+        <p:cxnSp>
+          <p:nvCxnSpPr>
+            <p:cNvPr id="17" name="Curved Connector 16"/>
+            <p:cNvCxnSpPr/>
+            <p:nvPr/>
+          </p:nvCxnSpPr>
+          <p:spPr>
+            <a:xfrm rot="16200000" flipV="1">
+              <a:off x="7772433" y="2004659"/>
+              <a:ext cx="2178519" cy="1577465"/>
+            </a:xfrm>
+            <a:prstGeom prst="curvedConnector2">
+              <a:avLst/>
+            </a:prstGeom>
+            <a:ln>
+              <a:solidFill>
+                <a:schemeClr val="accent3">
+                  <a:shade val="50000"/>
+                  <a:alpha val="50000"/>
+                </a:schemeClr>
+              </a:solidFill>
+              <a:headEnd w="lg" len="lg"/>
+              <a:tailEnd type="triangle" w="sm" len="med"/>
+            </a:ln>
+          </p:spPr>
+          <p:style>
+            <a:lnRef idx="3">
+              <a:schemeClr val="accent3"/>
+            </a:lnRef>
+            <a:fillRef idx="0">
+              <a:schemeClr val="accent3"/>
+            </a:fillRef>
+            <a:effectRef idx="2">
+              <a:schemeClr val="accent3"/>
+            </a:effectRef>
+            <a:fontRef idx="minor">
+              <a:schemeClr val="tx1"/>
+            </a:fontRef>
+          </p:style>
+        </p:cxnSp>
+        <p:cxnSp>
+          <p:nvCxnSpPr>
+            <p:cNvPr id="21" name="Curved Connector 20"/>
+            <p:cNvCxnSpPr/>
+            <p:nvPr/>
+          </p:nvCxnSpPr>
+          <p:spPr>
+            <a:xfrm rot="5400000">
+              <a:off x="3867802" y="3271563"/>
+              <a:ext cx="1792399" cy="1314170"/>
+            </a:xfrm>
+            <a:prstGeom prst="curvedConnector2">
+              <a:avLst/>
+            </a:prstGeom>
+            <a:ln>
+              <a:solidFill>
+                <a:schemeClr val="accent3">
+                  <a:shade val="50000"/>
+                  <a:alpha val="50000"/>
+                </a:schemeClr>
+              </a:solidFill>
+              <a:tailEnd type="triangle" w="sm" len="med"/>
+            </a:ln>
+          </p:spPr>
+          <p:style>
+            <a:lnRef idx="3">
+              <a:schemeClr val="accent3"/>
+            </a:lnRef>
+            <a:fillRef idx="0">
+              <a:schemeClr val="accent3"/>
+            </a:fillRef>
+            <a:effectRef idx="2">
+              <a:schemeClr val="accent3"/>
+            </a:effectRef>
+            <a:fontRef idx="minor">
+              <a:schemeClr val="tx1"/>
+            </a:fontRef>
+          </p:style>
+        </p:cxnSp>
+      </p:grpSp>
+    </p:spTree>
+    <p:extLst>
+      <p:ext uri="{BB962C8B-B14F-4D97-AF65-F5344CB8AC3E}">
+        <p14:creationId xmlns:p14="http://schemas.microsoft.com/office/powerpoint/2010/main" val="1893485574"/>
       </p:ext>
     </p:extLst>
   </p:cSld>

--- a/figs/git-schema.pptx
+++ b/figs/git-schema.pptx
@@ -4,6 +4,9 @@
   <p:sldMasterIdLst>
     <p:sldMasterId id="2147483648" r:id="rId1"/>
   </p:sldMasterIdLst>
+  <p:notesMasterIdLst>
+    <p:notesMasterId r:id="rId24"/>
+  </p:notesMasterIdLst>
   <p:sldIdLst>
     <p:sldId id="257" r:id="rId2"/>
     <p:sldId id="259" r:id="rId3"/>
@@ -18,6 +21,15 @@
     <p:sldId id="267" r:id="rId12"/>
     <p:sldId id="268" r:id="rId13"/>
     <p:sldId id="269" r:id="rId14"/>
+    <p:sldId id="270" r:id="rId15"/>
+    <p:sldId id="271" r:id="rId16"/>
+    <p:sldId id="272" r:id="rId17"/>
+    <p:sldId id="273" r:id="rId18"/>
+    <p:sldId id="274" r:id="rId19"/>
+    <p:sldId id="275" r:id="rId20"/>
+    <p:sldId id="276" r:id="rId21"/>
+    <p:sldId id="277" r:id="rId22"/>
+    <p:sldId id="278" r:id="rId23"/>
   </p:sldIdLst>
   <p:sldSz cx="12192000" cy="6858000"/>
   <p:notesSz cx="7315200" cy="12344400"/>
@@ -122,6 +134,356 @@
     </p:ext>
   </p:extLst>
 </p:presentation>
+</file>
+
+<file path=ppt/notesMasters/notesMaster1.xml><?xml version="1.0" encoding="utf-8"?>
+<p:notesMaster xmlns:a="http://schemas.openxmlformats.org/drawingml/2006/main" xmlns:r="http://schemas.openxmlformats.org/officeDocument/2006/relationships" xmlns:p="http://schemas.openxmlformats.org/presentationml/2006/main">
+  <p:cSld>
+    <p:bg>
+      <p:bgRef idx="1001">
+        <a:schemeClr val="bg1"/>
+      </p:bgRef>
+    </p:bg>
+    <p:spTree>
+      <p:nvGrpSpPr>
+        <p:cNvPr id="1" name=""/>
+        <p:cNvGrpSpPr/>
+        <p:nvPr/>
+      </p:nvGrpSpPr>
+      <p:grpSpPr>
+        <a:xfrm>
+          <a:off x="0" y="0"/>
+          <a:ext cx="0" cy="0"/>
+          <a:chOff x="0" y="0"/>
+          <a:chExt cx="0" cy="0"/>
+        </a:xfrm>
+      </p:grpSpPr>
+      <p:sp>
+        <p:nvSpPr>
+          <p:cNvPr id="2" name="Header Placeholder 1"/>
+          <p:cNvSpPr>
+            <a:spLocks noGrp="1"/>
+          </p:cNvSpPr>
+          <p:nvPr>
+            <p:ph type="hdr" sz="quarter"/>
+          </p:nvPr>
+        </p:nvSpPr>
+        <p:spPr>
+          <a:xfrm>
+            <a:off x="0" y="0"/>
+            <a:ext cx="3170238" cy="619125"/>
+          </a:xfrm>
+          <a:prstGeom prst="rect">
+            <a:avLst/>
+          </a:prstGeom>
+        </p:spPr>
+        <p:txBody>
+          <a:bodyPr vert="horz" lIns="91440" tIns="45720" rIns="91440" bIns="45720" rtlCol="0"/>
+          <a:lstStyle>
+            <a:lvl1pPr algn="l">
+              <a:defRPr sz="1200"/>
+            </a:lvl1pPr>
+          </a:lstStyle>
+          <a:p>
+            <a:endParaRPr lang="en-CA"/>
+          </a:p>
+        </p:txBody>
+      </p:sp>
+      <p:sp>
+        <p:nvSpPr>
+          <p:cNvPr id="3" name="Date Placeholder 2"/>
+          <p:cNvSpPr>
+            <a:spLocks noGrp="1"/>
+          </p:cNvSpPr>
+          <p:nvPr>
+            <p:ph type="dt" idx="1"/>
+          </p:nvPr>
+        </p:nvSpPr>
+        <p:spPr>
+          <a:xfrm>
+            <a:off x="4143375" y="0"/>
+            <a:ext cx="3170238" cy="619125"/>
+          </a:xfrm>
+          <a:prstGeom prst="rect">
+            <a:avLst/>
+          </a:prstGeom>
+        </p:spPr>
+        <p:txBody>
+          <a:bodyPr vert="horz" lIns="91440" tIns="45720" rIns="91440" bIns="45720" rtlCol="0"/>
+          <a:lstStyle>
+            <a:lvl1pPr algn="r">
+              <a:defRPr sz="1200"/>
+            </a:lvl1pPr>
+          </a:lstStyle>
+          <a:p>
+            <a:fld id="{835D66ED-A4D8-4208-8CB5-A685559A8B99}" type="datetimeFigureOut">
+              <a:rPr lang="en-CA" smtClean="0"/>
+              <a:t>2023-08-14</a:t>
+            </a:fld>
+            <a:endParaRPr lang="en-CA"/>
+          </a:p>
+        </p:txBody>
+      </p:sp>
+      <p:sp>
+        <p:nvSpPr>
+          <p:cNvPr id="4" name="Slide Image Placeholder 3"/>
+          <p:cNvSpPr>
+            <a:spLocks noGrp="1" noRot="1" noChangeAspect="1"/>
+          </p:cNvSpPr>
+          <p:nvPr>
+            <p:ph type="sldImg" idx="2"/>
+          </p:nvPr>
+        </p:nvSpPr>
+        <p:spPr>
+          <a:xfrm>
+            <a:off x="-44450" y="1543050"/>
+            <a:ext cx="7404100" cy="4165600"/>
+          </a:xfrm>
+          <a:prstGeom prst="rect">
+            <a:avLst/>
+          </a:prstGeom>
+          <a:noFill/>
+          <a:ln w="12700">
+            <a:solidFill>
+              <a:prstClr val="black"/>
+            </a:solidFill>
+          </a:ln>
+        </p:spPr>
+        <p:txBody>
+          <a:bodyPr vert="horz" lIns="91440" tIns="45720" rIns="91440" bIns="45720" rtlCol="0" anchor="ctr"/>
+          <a:lstStyle/>
+          <a:p>
+            <a:endParaRPr lang="en-CA"/>
+          </a:p>
+        </p:txBody>
+      </p:sp>
+      <p:sp>
+        <p:nvSpPr>
+          <p:cNvPr id="5" name="Notes Placeholder 4"/>
+          <p:cNvSpPr>
+            <a:spLocks noGrp="1"/>
+          </p:cNvSpPr>
+          <p:nvPr>
+            <p:ph type="body" sz="quarter" idx="3"/>
+          </p:nvPr>
+        </p:nvSpPr>
+        <p:spPr>
+          <a:xfrm>
+            <a:off x="731838" y="5940425"/>
+            <a:ext cx="5851525" cy="4860925"/>
+          </a:xfrm>
+          <a:prstGeom prst="rect">
+            <a:avLst/>
+          </a:prstGeom>
+        </p:spPr>
+        <p:txBody>
+          <a:bodyPr vert="horz" lIns="91440" tIns="45720" rIns="91440" bIns="45720" rtlCol="0"/>
+          <a:lstStyle/>
+          <a:p>
+            <a:pPr lvl="0"/>
+            <a:r>
+              <a:rPr lang="en-US" smtClean="0"/>
+              <a:t>Edit Master text styles</a:t>
+            </a:r>
+          </a:p>
+          <a:p>
+            <a:pPr lvl="1"/>
+            <a:r>
+              <a:rPr lang="en-US" smtClean="0"/>
+              <a:t>Second level</a:t>
+            </a:r>
+          </a:p>
+          <a:p>
+            <a:pPr lvl="2"/>
+            <a:r>
+              <a:rPr lang="en-US" smtClean="0"/>
+              <a:t>Third level</a:t>
+            </a:r>
+          </a:p>
+          <a:p>
+            <a:pPr lvl="3"/>
+            <a:r>
+              <a:rPr lang="en-US" smtClean="0"/>
+              <a:t>Fourth level</a:t>
+            </a:r>
+          </a:p>
+          <a:p>
+            <a:pPr lvl="4"/>
+            <a:r>
+              <a:rPr lang="en-US" smtClean="0"/>
+              <a:t>Fifth level</a:t>
+            </a:r>
+            <a:endParaRPr lang="en-CA"/>
+          </a:p>
+        </p:txBody>
+      </p:sp>
+      <p:sp>
+        <p:nvSpPr>
+          <p:cNvPr id="6" name="Footer Placeholder 5"/>
+          <p:cNvSpPr>
+            <a:spLocks noGrp="1"/>
+          </p:cNvSpPr>
+          <p:nvPr>
+            <p:ph type="ftr" sz="quarter" idx="4"/>
+          </p:nvPr>
+        </p:nvSpPr>
+        <p:spPr>
+          <a:xfrm>
+            <a:off x="0" y="11725275"/>
+            <a:ext cx="3170238" cy="619125"/>
+          </a:xfrm>
+          <a:prstGeom prst="rect">
+            <a:avLst/>
+          </a:prstGeom>
+        </p:spPr>
+        <p:txBody>
+          <a:bodyPr vert="horz" lIns="91440" tIns="45720" rIns="91440" bIns="45720" rtlCol="0" anchor="b"/>
+          <a:lstStyle>
+            <a:lvl1pPr algn="l">
+              <a:defRPr sz="1200"/>
+            </a:lvl1pPr>
+          </a:lstStyle>
+          <a:p>
+            <a:endParaRPr lang="en-CA"/>
+          </a:p>
+        </p:txBody>
+      </p:sp>
+      <p:sp>
+        <p:nvSpPr>
+          <p:cNvPr id="7" name="Slide Number Placeholder 6"/>
+          <p:cNvSpPr>
+            <a:spLocks noGrp="1"/>
+          </p:cNvSpPr>
+          <p:nvPr>
+            <p:ph type="sldNum" sz="quarter" idx="5"/>
+          </p:nvPr>
+        </p:nvSpPr>
+        <p:spPr>
+          <a:xfrm>
+            <a:off x="4143375" y="11725275"/>
+            <a:ext cx="3170238" cy="619125"/>
+          </a:xfrm>
+          <a:prstGeom prst="rect">
+            <a:avLst/>
+          </a:prstGeom>
+        </p:spPr>
+        <p:txBody>
+          <a:bodyPr vert="horz" lIns="91440" tIns="45720" rIns="91440" bIns="45720" rtlCol="0" anchor="b"/>
+          <a:lstStyle>
+            <a:lvl1pPr algn="r">
+              <a:defRPr sz="1200"/>
+            </a:lvl1pPr>
+          </a:lstStyle>
+          <a:p>
+            <a:fld id="{92035B20-206B-457A-B616-6FA51944266F}" type="slidenum">
+              <a:rPr lang="en-CA" smtClean="0"/>
+              <a:t>‹#›</a:t>
+            </a:fld>
+            <a:endParaRPr lang="en-CA"/>
+          </a:p>
+        </p:txBody>
+      </p:sp>
+    </p:spTree>
+    <p:extLst>
+      <p:ext uri="{BB962C8B-B14F-4D97-AF65-F5344CB8AC3E}">
+        <p14:creationId xmlns:p14="http://schemas.microsoft.com/office/powerpoint/2010/main" val="4288264069"/>
+      </p:ext>
+    </p:extLst>
+  </p:cSld>
+  <p:clrMap bg1="lt1" tx1="dk1" bg2="lt2" tx2="dk2" accent1="accent1" accent2="accent2" accent3="accent3" accent4="accent4" accent5="accent5" accent6="accent6" hlink="hlink" folHlink="folHlink"/>
+  <p:notesStyle>
+    <a:lvl1pPr marL="0" algn="l" defTabSz="914400" rtl="0" eaLnBrk="1" latinLnBrk="0" hangingPunct="1">
+      <a:defRPr sz="1200" kern="1200">
+        <a:solidFill>
+          <a:schemeClr val="tx1"/>
+        </a:solidFill>
+        <a:latin typeface="+mn-lt"/>
+        <a:ea typeface="+mn-ea"/>
+        <a:cs typeface="+mn-cs"/>
+      </a:defRPr>
+    </a:lvl1pPr>
+    <a:lvl2pPr marL="457200" algn="l" defTabSz="914400" rtl="0" eaLnBrk="1" latinLnBrk="0" hangingPunct="1">
+      <a:defRPr sz="1200" kern="1200">
+        <a:solidFill>
+          <a:schemeClr val="tx1"/>
+        </a:solidFill>
+        <a:latin typeface="+mn-lt"/>
+        <a:ea typeface="+mn-ea"/>
+        <a:cs typeface="+mn-cs"/>
+      </a:defRPr>
+    </a:lvl2pPr>
+    <a:lvl3pPr marL="914400" algn="l" defTabSz="914400" rtl="0" eaLnBrk="1" latinLnBrk="0" hangingPunct="1">
+      <a:defRPr sz="1200" kern="1200">
+        <a:solidFill>
+          <a:schemeClr val="tx1"/>
+        </a:solidFill>
+        <a:latin typeface="+mn-lt"/>
+        <a:ea typeface="+mn-ea"/>
+        <a:cs typeface="+mn-cs"/>
+      </a:defRPr>
+    </a:lvl3pPr>
+    <a:lvl4pPr marL="1371600" algn="l" defTabSz="914400" rtl="0" eaLnBrk="1" latinLnBrk="0" hangingPunct="1">
+      <a:defRPr sz="1200" kern="1200">
+        <a:solidFill>
+          <a:schemeClr val="tx1"/>
+        </a:solidFill>
+        <a:latin typeface="+mn-lt"/>
+        <a:ea typeface="+mn-ea"/>
+        <a:cs typeface="+mn-cs"/>
+      </a:defRPr>
+    </a:lvl4pPr>
+    <a:lvl5pPr marL="1828800" algn="l" defTabSz="914400" rtl="0" eaLnBrk="1" latinLnBrk="0" hangingPunct="1">
+      <a:defRPr sz="1200" kern="1200">
+        <a:solidFill>
+          <a:schemeClr val="tx1"/>
+        </a:solidFill>
+        <a:latin typeface="+mn-lt"/>
+        <a:ea typeface="+mn-ea"/>
+        <a:cs typeface="+mn-cs"/>
+      </a:defRPr>
+    </a:lvl5pPr>
+    <a:lvl6pPr marL="2286000" algn="l" defTabSz="914400" rtl="0" eaLnBrk="1" latinLnBrk="0" hangingPunct="1">
+      <a:defRPr sz="1200" kern="1200">
+        <a:solidFill>
+          <a:schemeClr val="tx1"/>
+        </a:solidFill>
+        <a:latin typeface="+mn-lt"/>
+        <a:ea typeface="+mn-ea"/>
+        <a:cs typeface="+mn-cs"/>
+      </a:defRPr>
+    </a:lvl6pPr>
+    <a:lvl7pPr marL="2743200" algn="l" defTabSz="914400" rtl="0" eaLnBrk="1" latinLnBrk="0" hangingPunct="1">
+      <a:defRPr sz="1200" kern="1200">
+        <a:solidFill>
+          <a:schemeClr val="tx1"/>
+        </a:solidFill>
+        <a:latin typeface="+mn-lt"/>
+        <a:ea typeface="+mn-ea"/>
+        <a:cs typeface="+mn-cs"/>
+      </a:defRPr>
+    </a:lvl7pPr>
+    <a:lvl8pPr marL="3200400" algn="l" defTabSz="914400" rtl="0" eaLnBrk="1" latinLnBrk="0" hangingPunct="1">
+      <a:defRPr sz="1200" kern="1200">
+        <a:solidFill>
+          <a:schemeClr val="tx1"/>
+        </a:solidFill>
+        <a:latin typeface="+mn-lt"/>
+        <a:ea typeface="+mn-ea"/>
+        <a:cs typeface="+mn-cs"/>
+      </a:defRPr>
+    </a:lvl8pPr>
+    <a:lvl9pPr marL="3657600" algn="l" defTabSz="914400" rtl="0" eaLnBrk="1" latinLnBrk="0" hangingPunct="1">
+      <a:defRPr sz="1200" kern="1200">
+        <a:solidFill>
+          <a:schemeClr val="tx1"/>
+        </a:solidFill>
+        <a:latin typeface="+mn-lt"/>
+        <a:ea typeface="+mn-ea"/>
+        <a:cs typeface="+mn-cs"/>
+      </a:defRPr>
+    </a:lvl9pPr>
+  </p:notesStyle>
+</p:notesMaster>
 </file>
 
 <file path=ppt/slideLayouts/slideLayout1.xml><?xml version="1.0" encoding="utf-8"?>
@@ -4809,6 +5171,5954 @@
 </p:sld>
 </file>
 
+<file path=ppt/slides/slide14.xml><?xml version="1.0" encoding="utf-8"?>
+<p:sld xmlns:a="http://schemas.openxmlformats.org/drawingml/2006/main" xmlns:r="http://schemas.openxmlformats.org/officeDocument/2006/relationships" xmlns:p="http://schemas.openxmlformats.org/presentationml/2006/main">
+  <p:cSld>
+    <p:spTree>
+      <p:nvGrpSpPr>
+        <p:cNvPr id="1" name=""/>
+        <p:cNvGrpSpPr/>
+        <p:nvPr/>
+      </p:nvGrpSpPr>
+      <p:grpSpPr>
+        <a:xfrm>
+          <a:off x="0" y="0"/>
+          <a:ext cx="0" cy="0"/>
+          <a:chOff x="0" y="0"/>
+          <a:chExt cx="0" cy="0"/>
+        </a:xfrm>
+      </p:grpSpPr>
+      <p:cxnSp>
+        <p:nvCxnSpPr>
+          <p:cNvPr id="3" name="Straight Arrow Connector 2"/>
+          <p:cNvCxnSpPr/>
+          <p:nvPr/>
+        </p:nvCxnSpPr>
+        <p:spPr>
+          <a:xfrm>
+            <a:off x="936134" y="2781701"/>
+            <a:ext cx="10493865" cy="0"/>
+          </a:xfrm>
+          <a:prstGeom prst="straightConnector1">
+            <a:avLst/>
+          </a:prstGeom>
+          <a:ln w="63500">
+            <a:solidFill>
+              <a:schemeClr val="accent5"/>
+            </a:solidFill>
+            <a:tailEnd type="triangle"/>
+          </a:ln>
+        </p:spPr>
+        <p:style>
+          <a:lnRef idx="1">
+            <a:schemeClr val="accent1"/>
+          </a:lnRef>
+          <a:fillRef idx="0">
+            <a:schemeClr val="accent1"/>
+          </a:fillRef>
+          <a:effectRef idx="0">
+            <a:schemeClr val="accent1"/>
+          </a:effectRef>
+          <a:fontRef idx="minor">
+            <a:schemeClr val="tx1"/>
+          </a:fontRef>
+        </p:style>
+      </p:cxnSp>
+      <p:sp>
+        <p:nvSpPr>
+          <p:cNvPr id="4" name="Oval 3"/>
+          <p:cNvSpPr/>
+          <p:nvPr/>
+        </p:nvSpPr>
+        <p:spPr>
+          <a:xfrm>
+            <a:off x="1908784" y="2648770"/>
+            <a:ext cx="251240" cy="265863"/>
+          </a:xfrm>
+          <a:prstGeom prst="ellipse">
+            <a:avLst/>
+          </a:prstGeom>
+          <a:solidFill>
+            <a:schemeClr val="bg1"/>
+          </a:solidFill>
+          <a:ln w="63500">
+            <a:solidFill>
+              <a:schemeClr val="accent5"/>
+            </a:solidFill>
+          </a:ln>
+        </p:spPr>
+        <p:style>
+          <a:lnRef idx="2">
+            <a:schemeClr val="accent1">
+              <a:shade val="50000"/>
+            </a:schemeClr>
+          </a:lnRef>
+          <a:fillRef idx="1">
+            <a:schemeClr val="accent1"/>
+          </a:fillRef>
+          <a:effectRef idx="0">
+            <a:schemeClr val="accent1"/>
+          </a:effectRef>
+          <a:fontRef idx="minor">
+            <a:schemeClr val="lt1"/>
+          </a:fontRef>
+        </p:style>
+        <p:txBody>
+          <a:bodyPr rtlCol="0" anchor="ctr"/>
+          <a:lstStyle/>
+          <a:p>
+            <a:pPr algn="ctr"/>
+            <a:endParaRPr lang="en-CA"/>
+          </a:p>
+        </p:txBody>
+      </p:sp>
+      <p:sp>
+        <p:nvSpPr>
+          <p:cNvPr id="5" name="Oval 4"/>
+          <p:cNvSpPr/>
+          <p:nvPr/>
+        </p:nvSpPr>
+        <p:spPr>
+          <a:xfrm>
+            <a:off x="3522991" y="2641554"/>
+            <a:ext cx="251240" cy="265863"/>
+          </a:xfrm>
+          <a:prstGeom prst="ellipse">
+            <a:avLst/>
+          </a:prstGeom>
+          <a:solidFill>
+            <a:schemeClr val="bg1"/>
+          </a:solidFill>
+          <a:ln w="63500">
+            <a:solidFill>
+              <a:schemeClr val="accent5"/>
+            </a:solidFill>
+          </a:ln>
+        </p:spPr>
+        <p:style>
+          <a:lnRef idx="2">
+            <a:schemeClr val="accent1">
+              <a:shade val="50000"/>
+            </a:schemeClr>
+          </a:lnRef>
+          <a:fillRef idx="1">
+            <a:schemeClr val="accent1"/>
+          </a:fillRef>
+          <a:effectRef idx="0">
+            <a:schemeClr val="accent1"/>
+          </a:effectRef>
+          <a:fontRef idx="minor">
+            <a:schemeClr val="lt1"/>
+          </a:fontRef>
+        </p:style>
+        <p:txBody>
+          <a:bodyPr rtlCol="0" anchor="ctr"/>
+          <a:lstStyle/>
+          <a:p>
+            <a:pPr algn="ctr"/>
+            <a:endParaRPr lang="en-CA"/>
+          </a:p>
+        </p:txBody>
+      </p:sp>
+      <p:sp>
+        <p:nvSpPr>
+          <p:cNvPr id="6" name="Oval 5"/>
+          <p:cNvSpPr/>
+          <p:nvPr/>
+        </p:nvSpPr>
+        <p:spPr>
+          <a:xfrm>
+            <a:off x="5137197" y="2641554"/>
+            <a:ext cx="251240" cy="265863"/>
+          </a:xfrm>
+          <a:prstGeom prst="ellipse">
+            <a:avLst/>
+          </a:prstGeom>
+          <a:solidFill>
+            <a:schemeClr val="bg1"/>
+          </a:solidFill>
+          <a:ln w="63500">
+            <a:solidFill>
+              <a:schemeClr val="accent5"/>
+            </a:solidFill>
+          </a:ln>
+        </p:spPr>
+        <p:style>
+          <a:lnRef idx="2">
+            <a:schemeClr val="accent1">
+              <a:shade val="50000"/>
+            </a:schemeClr>
+          </a:lnRef>
+          <a:fillRef idx="1">
+            <a:schemeClr val="accent1"/>
+          </a:fillRef>
+          <a:effectRef idx="0">
+            <a:schemeClr val="accent1"/>
+          </a:effectRef>
+          <a:fontRef idx="minor">
+            <a:schemeClr val="lt1"/>
+          </a:fontRef>
+        </p:style>
+        <p:txBody>
+          <a:bodyPr rtlCol="0" anchor="ctr"/>
+          <a:lstStyle/>
+          <a:p>
+            <a:pPr algn="ctr"/>
+            <a:endParaRPr lang="en-CA"/>
+          </a:p>
+        </p:txBody>
+      </p:sp>
+      <p:sp>
+        <p:nvSpPr>
+          <p:cNvPr id="40" name="TextBox 39"/>
+          <p:cNvSpPr txBox="1"/>
+          <p:nvPr/>
+        </p:nvSpPr>
+        <p:spPr>
+          <a:xfrm>
+            <a:off x="10305314" y="2299658"/>
+            <a:ext cx="1004235" cy="430887"/>
+          </a:xfrm>
+          <a:prstGeom prst="rect">
+            <a:avLst/>
+          </a:prstGeom>
+          <a:noFill/>
+        </p:spPr>
+        <p:txBody>
+          <a:bodyPr wrap="square" rtlCol="0">
+            <a:spAutoFit/>
+          </a:bodyPr>
+          <a:lstStyle/>
+          <a:p>
+            <a:r>
+              <a:rPr lang="en-CA" sz="2200" dirty="0" smtClean="0">
+                <a:solidFill>
+                  <a:schemeClr val="accent5"/>
+                </a:solidFill>
+                <a:latin typeface="Cascadia Code" panose="020B0609020000020004" pitchFamily="49" charset="0"/>
+                <a:ea typeface="Cascadia Code" panose="020B0609020000020004" pitchFamily="49" charset="0"/>
+                <a:cs typeface="Cascadia Code" panose="020B0609020000020004" pitchFamily="49" charset="0"/>
+              </a:rPr>
+              <a:t>main</a:t>
+            </a:r>
+            <a:endParaRPr lang="en-CA" sz="2200" dirty="0">
+              <a:solidFill>
+                <a:schemeClr val="accent5"/>
+              </a:solidFill>
+              <a:latin typeface="Cascadia Code" panose="020B0609020000020004" pitchFamily="49" charset="0"/>
+              <a:ea typeface="Cascadia Code" panose="020B0609020000020004" pitchFamily="49" charset="0"/>
+              <a:cs typeface="Cascadia Code" panose="020B0609020000020004" pitchFamily="49" charset="0"/>
+            </a:endParaRPr>
+          </a:p>
+        </p:txBody>
+      </p:sp>
+    </p:spTree>
+    <p:extLst>
+      <p:ext uri="{BB962C8B-B14F-4D97-AF65-F5344CB8AC3E}">
+        <p14:creationId xmlns:p14="http://schemas.microsoft.com/office/powerpoint/2010/main" val="3668873484"/>
+      </p:ext>
+    </p:extLst>
+  </p:cSld>
+  <p:clrMapOvr>
+    <a:masterClrMapping/>
+  </p:clrMapOvr>
+  <p:timing>
+    <p:tnLst>
+      <p:par>
+        <p:cTn id="1" dur="indefinite" restart="never" nodeType="tmRoot"/>
+      </p:par>
+    </p:tnLst>
+  </p:timing>
+</p:sld>
+</file>
+
+<file path=ppt/slides/slide15.xml><?xml version="1.0" encoding="utf-8"?>
+<p:sld xmlns:a="http://schemas.openxmlformats.org/drawingml/2006/main" xmlns:r="http://schemas.openxmlformats.org/officeDocument/2006/relationships" xmlns:p="http://schemas.openxmlformats.org/presentationml/2006/main">
+  <p:cSld>
+    <p:spTree>
+      <p:nvGrpSpPr>
+        <p:cNvPr id="1" name=""/>
+        <p:cNvGrpSpPr/>
+        <p:nvPr/>
+      </p:nvGrpSpPr>
+      <p:grpSpPr>
+        <a:xfrm>
+          <a:off x="0" y="0"/>
+          <a:ext cx="0" cy="0"/>
+          <a:chOff x="0" y="0"/>
+          <a:chExt cx="0" cy="0"/>
+        </a:xfrm>
+      </p:grpSpPr>
+      <p:cxnSp>
+        <p:nvCxnSpPr>
+          <p:cNvPr id="3" name="Straight Arrow Connector 2"/>
+          <p:cNvCxnSpPr/>
+          <p:nvPr/>
+        </p:nvCxnSpPr>
+        <p:spPr>
+          <a:xfrm>
+            <a:off x="936134" y="2781701"/>
+            <a:ext cx="10493865" cy="0"/>
+          </a:xfrm>
+          <a:prstGeom prst="straightConnector1">
+            <a:avLst/>
+          </a:prstGeom>
+          <a:ln w="63500">
+            <a:solidFill>
+              <a:schemeClr val="accent5"/>
+            </a:solidFill>
+            <a:tailEnd type="triangle"/>
+          </a:ln>
+        </p:spPr>
+        <p:style>
+          <a:lnRef idx="1">
+            <a:schemeClr val="accent1"/>
+          </a:lnRef>
+          <a:fillRef idx="0">
+            <a:schemeClr val="accent1"/>
+          </a:fillRef>
+          <a:effectRef idx="0">
+            <a:schemeClr val="accent1"/>
+          </a:effectRef>
+          <a:fontRef idx="minor">
+            <a:schemeClr val="tx1"/>
+          </a:fontRef>
+        </p:style>
+      </p:cxnSp>
+      <p:sp>
+        <p:nvSpPr>
+          <p:cNvPr id="4" name="Oval 3"/>
+          <p:cNvSpPr/>
+          <p:nvPr/>
+        </p:nvSpPr>
+        <p:spPr>
+          <a:xfrm>
+            <a:off x="1908784" y="2648770"/>
+            <a:ext cx="251240" cy="265863"/>
+          </a:xfrm>
+          <a:prstGeom prst="ellipse">
+            <a:avLst/>
+          </a:prstGeom>
+          <a:solidFill>
+            <a:schemeClr val="bg1"/>
+          </a:solidFill>
+          <a:ln w="63500">
+            <a:solidFill>
+              <a:schemeClr val="accent5"/>
+            </a:solidFill>
+          </a:ln>
+        </p:spPr>
+        <p:style>
+          <a:lnRef idx="2">
+            <a:schemeClr val="accent1">
+              <a:shade val="50000"/>
+            </a:schemeClr>
+          </a:lnRef>
+          <a:fillRef idx="1">
+            <a:schemeClr val="accent1"/>
+          </a:fillRef>
+          <a:effectRef idx="0">
+            <a:schemeClr val="accent1"/>
+          </a:effectRef>
+          <a:fontRef idx="minor">
+            <a:schemeClr val="lt1"/>
+          </a:fontRef>
+        </p:style>
+        <p:txBody>
+          <a:bodyPr rtlCol="0" anchor="ctr"/>
+          <a:lstStyle/>
+          <a:p>
+            <a:pPr algn="ctr"/>
+            <a:endParaRPr lang="en-CA"/>
+          </a:p>
+        </p:txBody>
+      </p:sp>
+      <p:sp>
+        <p:nvSpPr>
+          <p:cNvPr id="5" name="Oval 4"/>
+          <p:cNvSpPr/>
+          <p:nvPr/>
+        </p:nvSpPr>
+        <p:spPr>
+          <a:xfrm>
+            <a:off x="3522991" y="2641554"/>
+            <a:ext cx="251240" cy="265863"/>
+          </a:xfrm>
+          <a:prstGeom prst="ellipse">
+            <a:avLst/>
+          </a:prstGeom>
+          <a:solidFill>
+            <a:schemeClr val="bg1"/>
+          </a:solidFill>
+          <a:ln w="63500">
+            <a:solidFill>
+              <a:schemeClr val="accent5"/>
+            </a:solidFill>
+          </a:ln>
+        </p:spPr>
+        <p:style>
+          <a:lnRef idx="2">
+            <a:schemeClr val="accent1">
+              <a:shade val="50000"/>
+            </a:schemeClr>
+          </a:lnRef>
+          <a:fillRef idx="1">
+            <a:schemeClr val="accent1"/>
+          </a:fillRef>
+          <a:effectRef idx="0">
+            <a:schemeClr val="accent1"/>
+          </a:effectRef>
+          <a:fontRef idx="minor">
+            <a:schemeClr val="lt1"/>
+          </a:fontRef>
+        </p:style>
+        <p:txBody>
+          <a:bodyPr rtlCol="0" anchor="ctr"/>
+          <a:lstStyle/>
+          <a:p>
+            <a:pPr algn="ctr"/>
+            <a:endParaRPr lang="en-CA"/>
+          </a:p>
+        </p:txBody>
+      </p:sp>
+      <p:sp>
+        <p:nvSpPr>
+          <p:cNvPr id="6" name="Oval 5"/>
+          <p:cNvSpPr/>
+          <p:nvPr/>
+        </p:nvSpPr>
+        <p:spPr>
+          <a:xfrm>
+            <a:off x="5137197" y="2641554"/>
+            <a:ext cx="251240" cy="265863"/>
+          </a:xfrm>
+          <a:prstGeom prst="ellipse">
+            <a:avLst/>
+          </a:prstGeom>
+          <a:solidFill>
+            <a:schemeClr val="bg1"/>
+          </a:solidFill>
+          <a:ln w="63500">
+            <a:solidFill>
+              <a:schemeClr val="accent5"/>
+            </a:solidFill>
+          </a:ln>
+        </p:spPr>
+        <p:style>
+          <a:lnRef idx="2">
+            <a:schemeClr val="accent1">
+              <a:shade val="50000"/>
+            </a:schemeClr>
+          </a:lnRef>
+          <a:fillRef idx="1">
+            <a:schemeClr val="accent1"/>
+          </a:fillRef>
+          <a:effectRef idx="0">
+            <a:schemeClr val="accent1"/>
+          </a:effectRef>
+          <a:fontRef idx="minor">
+            <a:schemeClr val="lt1"/>
+          </a:fontRef>
+        </p:style>
+        <p:txBody>
+          <a:bodyPr rtlCol="0" anchor="ctr"/>
+          <a:lstStyle/>
+          <a:p>
+            <a:pPr algn="ctr"/>
+            <a:endParaRPr lang="en-CA"/>
+          </a:p>
+        </p:txBody>
+      </p:sp>
+      <p:sp>
+        <p:nvSpPr>
+          <p:cNvPr id="40" name="TextBox 39"/>
+          <p:cNvSpPr txBox="1"/>
+          <p:nvPr/>
+        </p:nvSpPr>
+        <p:spPr>
+          <a:xfrm>
+            <a:off x="10305314" y="2299658"/>
+            <a:ext cx="1004235" cy="430887"/>
+          </a:xfrm>
+          <a:prstGeom prst="rect">
+            <a:avLst/>
+          </a:prstGeom>
+          <a:noFill/>
+        </p:spPr>
+        <p:txBody>
+          <a:bodyPr wrap="square" rtlCol="0">
+            <a:spAutoFit/>
+          </a:bodyPr>
+          <a:lstStyle/>
+          <a:p>
+            <a:r>
+              <a:rPr lang="en-CA" sz="2200" dirty="0" smtClean="0">
+                <a:solidFill>
+                  <a:schemeClr val="accent5"/>
+                </a:solidFill>
+                <a:latin typeface="Cascadia Code" panose="020B0609020000020004" pitchFamily="49" charset="0"/>
+                <a:ea typeface="Cascadia Code" panose="020B0609020000020004" pitchFamily="49" charset="0"/>
+                <a:cs typeface="Cascadia Code" panose="020B0609020000020004" pitchFamily="49" charset="0"/>
+              </a:rPr>
+              <a:t>main</a:t>
+            </a:r>
+            <a:endParaRPr lang="en-CA" sz="2200" dirty="0">
+              <a:solidFill>
+                <a:schemeClr val="accent5"/>
+              </a:solidFill>
+              <a:latin typeface="Cascadia Code" panose="020B0609020000020004" pitchFamily="49" charset="0"/>
+              <a:ea typeface="Cascadia Code" panose="020B0609020000020004" pitchFamily="49" charset="0"/>
+              <a:cs typeface="Cascadia Code" panose="020B0609020000020004" pitchFamily="49" charset="0"/>
+            </a:endParaRPr>
+          </a:p>
+        </p:txBody>
+      </p:sp>
+      <p:grpSp>
+        <p:nvGrpSpPr>
+          <p:cNvPr id="67" name="Group 66"/>
+          <p:cNvGrpSpPr/>
+          <p:nvPr/>
+        </p:nvGrpSpPr>
+        <p:grpSpPr>
+          <a:xfrm>
+            <a:off x="2025111" y="1363140"/>
+            <a:ext cx="5081524" cy="1324564"/>
+            <a:chOff x="2025111" y="1363140"/>
+            <a:chExt cx="5081524" cy="1324564"/>
+          </a:xfrm>
+        </p:grpSpPr>
+        <p:cxnSp>
+          <p:nvCxnSpPr>
+            <p:cNvPr id="56" name="Straight Connector 55"/>
+            <p:cNvCxnSpPr/>
+            <p:nvPr/>
+          </p:nvCxnSpPr>
+          <p:spPr>
+            <a:xfrm flipV="1">
+              <a:off x="5316583" y="2433343"/>
+              <a:ext cx="196978" cy="215659"/>
+            </a:xfrm>
+            <a:prstGeom prst="line">
+              <a:avLst/>
+            </a:prstGeom>
+            <a:ln w="31750">
+              <a:solidFill>
+                <a:schemeClr val="tx1"/>
+              </a:solidFill>
+            </a:ln>
+          </p:spPr>
+          <p:style>
+            <a:lnRef idx="1">
+              <a:schemeClr val="accent1"/>
+            </a:lnRef>
+            <a:fillRef idx="0">
+              <a:schemeClr val="accent1"/>
+            </a:fillRef>
+            <a:effectRef idx="0">
+              <a:schemeClr val="accent1"/>
+            </a:effectRef>
+            <a:fontRef idx="minor">
+              <a:schemeClr val="tx1"/>
+            </a:fontRef>
+          </p:style>
+        </p:cxnSp>
+        <p:cxnSp>
+          <p:nvCxnSpPr>
+            <p:cNvPr id="52" name="Straight Connector 51"/>
+            <p:cNvCxnSpPr>
+              <a:stCxn id="4" idx="7"/>
+            </p:cNvCxnSpPr>
+            <p:nvPr/>
+          </p:nvCxnSpPr>
+          <p:spPr>
+            <a:xfrm flipV="1">
+              <a:off x="2123232" y="2472045"/>
+              <a:ext cx="196978" cy="215659"/>
+            </a:xfrm>
+            <a:prstGeom prst="line">
+              <a:avLst/>
+            </a:prstGeom>
+            <a:ln w="31750">
+              <a:solidFill>
+                <a:schemeClr val="tx1"/>
+              </a:solidFill>
+            </a:ln>
+          </p:spPr>
+          <p:style>
+            <a:lnRef idx="1">
+              <a:schemeClr val="accent1"/>
+            </a:lnRef>
+            <a:fillRef idx="0">
+              <a:schemeClr val="accent1"/>
+            </a:fillRef>
+            <a:effectRef idx="0">
+              <a:schemeClr val="accent1"/>
+            </a:effectRef>
+            <a:fontRef idx="minor">
+              <a:schemeClr val="tx1"/>
+            </a:fontRef>
+          </p:style>
+        </p:cxnSp>
+        <p:sp>
+          <p:nvSpPr>
+            <p:cNvPr id="50" name="TextBox 49"/>
+            <p:cNvSpPr txBox="1"/>
+            <p:nvPr/>
+          </p:nvSpPr>
+          <p:spPr>
+            <a:xfrm rot="18900000">
+              <a:off x="2025111" y="1363140"/>
+              <a:ext cx="1871137" cy="830946"/>
+            </a:xfrm>
+            <a:prstGeom prst="rect">
+              <a:avLst/>
+            </a:prstGeom>
+            <a:noFill/>
+          </p:spPr>
+          <p:txBody>
+            <a:bodyPr wrap="square" rtlCol="0">
+              <a:spAutoFit/>
+            </a:bodyPr>
+            <a:lstStyle/>
+            <a:p>
+              <a:r>
+                <a:rPr lang="en-CA" sz="1600" dirty="0">
+                  <a:latin typeface="Arial" panose="020B0604020202020204" pitchFamily="34" charset="0"/>
+                  <a:ea typeface="Cascadia Code" panose="020B0609020000020004" pitchFamily="49" charset="0"/>
+                  <a:cs typeface="Arial" panose="020B0604020202020204" pitchFamily="34" charset="0"/>
+                </a:rPr>
+                <a:t>c</a:t>
+              </a:r>
+              <a:r>
+                <a:rPr lang="en-CA" sz="1600" dirty="0" smtClean="0">
+                  <a:latin typeface="Arial" panose="020B0604020202020204" pitchFamily="34" charset="0"/>
+                  <a:ea typeface="Cascadia Code" panose="020B0609020000020004" pitchFamily="49" charset="0"/>
+                  <a:cs typeface="Arial" panose="020B0604020202020204" pitchFamily="34" charset="0"/>
+                </a:rPr>
+                <a:t>ommit </a:t>
+              </a:r>
+              <a:r>
+                <a:rPr lang="en-CA" sz="1600" dirty="0" smtClean="0">
+                  <a:latin typeface="Arial" panose="020B0604020202020204" pitchFamily="34" charset="0"/>
+                  <a:cs typeface="Arial" panose="020B0604020202020204" pitchFamily="34" charset="0"/>
+                </a:rPr>
+                <a:t>455fe2c</a:t>
+              </a:r>
+              <a:br>
+                <a:rPr lang="en-CA" sz="1600" dirty="0" smtClean="0">
+                  <a:latin typeface="Arial" panose="020B0604020202020204" pitchFamily="34" charset="0"/>
+                  <a:cs typeface="Arial" panose="020B0604020202020204" pitchFamily="34" charset="0"/>
+                </a:rPr>
+              </a:br>
+              <a:r>
+                <a:rPr lang="en-CA" sz="1600" dirty="0" smtClean="0">
+                  <a:latin typeface="Arial" panose="020B0604020202020204" pitchFamily="34" charset="0"/>
+                  <a:cs typeface="Arial" panose="020B0604020202020204" pitchFamily="34" charset="0"/>
+                </a:rPr>
+                <a:t>completed analysis section</a:t>
+              </a:r>
+              <a:endParaRPr lang="en-CA" sz="1600" dirty="0">
+                <a:latin typeface="Arial" panose="020B0604020202020204" pitchFamily="34" charset="0"/>
+                <a:ea typeface="Cascadia Code" panose="020B0609020000020004" pitchFamily="49" charset="0"/>
+                <a:cs typeface="Arial" panose="020B0604020202020204" pitchFamily="34" charset="0"/>
+              </a:endParaRPr>
+            </a:p>
+          </p:txBody>
+        </p:sp>
+        <p:sp>
+          <p:nvSpPr>
+            <p:cNvPr id="53" name="TextBox 52"/>
+            <p:cNvSpPr txBox="1"/>
+            <p:nvPr/>
+          </p:nvSpPr>
+          <p:spPr>
+            <a:xfrm rot="18900000">
+              <a:off x="3645766" y="1448077"/>
+              <a:ext cx="1871137" cy="593533"/>
+            </a:xfrm>
+            <a:prstGeom prst="rect">
+              <a:avLst/>
+            </a:prstGeom>
+            <a:noFill/>
+          </p:spPr>
+          <p:txBody>
+            <a:bodyPr wrap="square" rtlCol="0">
+              <a:spAutoFit/>
+            </a:bodyPr>
+            <a:lstStyle/>
+            <a:p>
+              <a:r>
+                <a:rPr lang="en-CA" sz="1600" dirty="0">
+                  <a:latin typeface="Arial" panose="020B0604020202020204" pitchFamily="34" charset="0"/>
+                  <a:ea typeface="Cascadia Code" panose="020B0609020000020004" pitchFamily="49" charset="0"/>
+                  <a:cs typeface="Arial" panose="020B0604020202020204" pitchFamily="34" charset="0"/>
+                </a:rPr>
+                <a:t>c</a:t>
+              </a:r>
+              <a:r>
+                <a:rPr lang="en-CA" sz="1600" dirty="0" smtClean="0">
+                  <a:latin typeface="Arial" panose="020B0604020202020204" pitchFamily="34" charset="0"/>
+                  <a:ea typeface="Cascadia Code" panose="020B0609020000020004" pitchFamily="49" charset="0"/>
+                  <a:cs typeface="Arial" panose="020B0604020202020204" pitchFamily="34" charset="0"/>
+                </a:rPr>
+                <a:t>ommit </a:t>
+              </a:r>
+              <a:r>
+                <a:rPr lang="en-CA" sz="1600" dirty="0">
+                  <a:latin typeface="Arial" panose="020B0604020202020204" pitchFamily="34" charset="0"/>
+                  <a:cs typeface="Arial" panose="020B0604020202020204" pitchFamily="34" charset="0"/>
+                </a:rPr>
+                <a:t>51003d7</a:t>
+              </a:r>
+              <a:r>
+                <a:rPr lang="en-CA" sz="1600" dirty="0" smtClean="0">
+                  <a:latin typeface="Arial" panose="020B0604020202020204" pitchFamily="34" charset="0"/>
+                  <a:cs typeface="Arial" panose="020B0604020202020204" pitchFamily="34" charset="0"/>
+                </a:rPr>
+                <a:t/>
+              </a:r>
+              <a:br>
+                <a:rPr lang="en-CA" sz="1600" dirty="0" smtClean="0">
+                  <a:latin typeface="Arial" panose="020B0604020202020204" pitchFamily="34" charset="0"/>
+                  <a:cs typeface="Arial" panose="020B0604020202020204" pitchFamily="34" charset="0"/>
+                </a:rPr>
+              </a:br>
+              <a:r>
+                <a:rPr lang="en-CA" sz="1600" dirty="0" smtClean="0">
+                  <a:latin typeface="Arial" panose="020B0604020202020204" pitchFamily="34" charset="0"/>
+                  <a:cs typeface="Arial" panose="020B0604020202020204" pitchFamily="34" charset="0"/>
+                </a:rPr>
+                <a:t>added figures</a:t>
+              </a:r>
+              <a:endParaRPr lang="en-CA" sz="1600" dirty="0">
+                <a:latin typeface="Arial" panose="020B0604020202020204" pitchFamily="34" charset="0"/>
+                <a:ea typeface="Cascadia Code" panose="020B0609020000020004" pitchFamily="49" charset="0"/>
+                <a:cs typeface="Arial" panose="020B0604020202020204" pitchFamily="34" charset="0"/>
+              </a:endParaRPr>
+            </a:p>
+          </p:txBody>
+        </p:sp>
+        <p:cxnSp>
+          <p:nvCxnSpPr>
+            <p:cNvPr id="54" name="Straight Connector 53"/>
+            <p:cNvCxnSpPr/>
+            <p:nvPr/>
+          </p:nvCxnSpPr>
+          <p:spPr>
+            <a:xfrm flipV="1">
+              <a:off x="3726851" y="2422911"/>
+              <a:ext cx="196978" cy="215659"/>
+            </a:xfrm>
+            <a:prstGeom prst="line">
+              <a:avLst/>
+            </a:prstGeom>
+            <a:ln w="31750">
+              <a:solidFill>
+                <a:schemeClr val="tx1"/>
+              </a:solidFill>
+            </a:ln>
+          </p:spPr>
+          <p:style>
+            <a:lnRef idx="1">
+              <a:schemeClr val="accent1"/>
+            </a:lnRef>
+            <a:fillRef idx="0">
+              <a:schemeClr val="accent1"/>
+            </a:fillRef>
+            <a:effectRef idx="0">
+              <a:schemeClr val="accent1"/>
+            </a:effectRef>
+            <a:fontRef idx="minor">
+              <a:schemeClr val="tx1"/>
+            </a:fontRef>
+          </p:style>
+        </p:cxnSp>
+        <p:sp>
+          <p:nvSpPr>
+            <p:cNvPr id="55" name="TextBox 54"/>
+            <p:cNvSpPr txBox="1"/>
+            <p:nvPr/>
+          </p:nvSpPr>
+          <p:spPr>
+            <a:xfrm rot="18900000">
+              <a:off x="5235498" y="1458508"/>
+              <a:ext cx="1871137" cy="593533"/>
+            </a:xfrm>
+            <a:prstGeom prst="rect">
+              <a:avLst/>
+            </a:prstGeom>
+            <a:noFill/>
+          </p:spPr>
+          <p:txBody>
+            <a:bodyPr wrap="square" rtlCol="0">
+              <a:spAutoFit/>
+            </a:bodyPr>
+            <a:lstStyle/>
+            <a:p>
+              <a:r>
+                <a:rPr lang="en-CA" sz="1600" dirty="0">
+                  <a:latin typeface="Arial" panose="020B0604020202020204" pitchFamily="34" charset="0"/>
+                  <a:ea typeface="Cascadia Code" panose="020B0609020000020004" pitchFamily="49" charset="0"/>
+                  <a:cs typeface="Arial" panose="020B0604020202020204" pitchFamily="34" charset="0"/>
+                </a:rPr>
+                <a:t>commit 3563aa1</a:t>
+              </a:r>
+              <a:r>
+                <a:rPr lang="en-CA" sz="1600" dirty="0" smtClean="0">
+                  <a:latin typeface="Arial" panose="020B0604020202020204" pitchFamily="34" charset="0"/>
+                  <a:cs typeface="Arial" panose="020B0604020202020204" pitchFamily="34" charset="0"/>
+                </a:rPr>
+                <a:t/>
+              </a:r>
+              <a:br>
+                <a:rPr lang="en-CA" sz="1600" dirty="0" smtClean="0">
+                  <a:latin typeface="Arial" panose="020B0604020202020204" pitchFamily="34" charset="0"/>
+                  <a:cs typeface="Arial" panose="020B0604020202020204" pitchFamily="34" charset="0"/>
+                </a:rPr>
+              </a:br>
+              <a:r>
+                <a:rPr lang="en-CA" sz="1600" dirty="0" smtClean="0">
+                  <a:latin typeface="Arial" panose="020B0604020202020204" pitchFamily="34" charset="0"/>
+                  <a:cs typeface="Arial" panose="020B0604020202020204" pitchFamily="34" charset="0"/>
+                </a:rPr>
+                <a:t>added authors</a:t>
+              </a:r>
+              <a:endParaRPr lang="en-CA" sz="1600" dirty="0">
+                <a:latin typeface="Arial" panose="020B0604020202020204" pitchFamily="34" charset="0"/>
+                <a:ea typeface="Cascadia Code" panose="020B0609020000020004" pitchFamily="49" charset="0"/>
+                <a:cs typeface="Arial" panose="020B0604020202020204" pitchFamily="34" charset="0"/>
+              </a:endParaRPr>
+            </a:p>
+          </p:txBody>
+        </p:sp>
+      </p:grpSp>
+    </p:spTree>
+    <p:extLst>
+      <p:ext uri="{BB962C8B-B14F-4D97-AF65-F5344CB8AC3E}">
+        <p14:creationId xmlns:p14="http://schemas.microsoft.com/office/powerpoint/2010/main" val="30194444"/>
+      </p:ext>
+    </p:extLst>
+  </p:cSld>
+  <p:clrMapOvr>
+    <a:masterClrMapping/>
+  </p:clrMapOvr>
+  <p:timing>
+    <p:tnLst>
+      <p:par>
+        <p:cTn id="1" dur="indefinite" restart="never" nodeType="tmRoot"/>
+      </p:par>
+    </p:tnLst>
+  </p:timing>
+</p:sld>
+</file>
+
+<file path=ppt/slides/slide16.xml><?xml version="1.0" encoding="utf-8"?>
+<p:sld xmlns:a="http://schemas.openxmlformats.org/drawingml/2006/main" xmlns:r="http://schemas.openxmlformats.org/officeDocument/2006/relationships" xmlns:p="http://schemas.openxmlformats.org/presentationml/2006/main">
+  <p:cSld>
+    <p:spTree>
+      <p:nvGrpSpPr>
+        <p:cNvPr id="1" name=""/>
+        <p:cNvGrpSpPr/>
+        <p:nvPr/>
+      </p:nvGrpSpPr>
+      <p:grpSpPr>
+        <a:xfrm>
+          <a:off x="0" y="0"/>
+          <a:ext cx="0" cy="0"/>
+          <a:chOff x="0" y="0"/>
+          <a:chExt cx="0" cy="0"/>
+        </a:xfrm>
+      </p:grpSpPr>
+      <p:grpSp>
+        <p:nvGrpSpPr>
+          <p:cNvPr id="71" name="Group 70"/>
+          <p:cNvGrpSpPr/>
+          <p:nvPr/>
+        </p:nvGrpSpPr>
+        <p:grpSpPr>
+          <a:xfrm>
+            <a:off x="1103884" y="2914633"/>
+            <a:ext cx="5678092" cy="1162572"/>
+            <a:chOff x="1103884" y="2914633"/>
+            <a:chExt cx="5678092" cy="1162572"/>
+          </a:xfrm>
+        </p:grpSpPr>
+        <p:cxnSp>
+          <p:nvCxnSpPr>
+            <p:cNvPr id="28" name="Straight Arrow Connector 27"/>
+            <p:cNvCxnSpPr>
+              <a:endCxn id="4" idx="4"/>
+            </p:cNvCxnSpPr>
+            <p:nvPr/>
+          </p:nvCxnSpPr>
+          <p:spPr>
+            <a:xfrm flipV="1">
+              <a:off x="2034404" y="2914633"/>
+              <a:ext cx="1" cy="1162572"/>
+            </a:xfrm>
+            <a:prstGeom prst="straightConnector1">
+              <a:avLst/>
+            </a:prstGeom>
+            <a:ln w="63500">
+              <a:solidFill>
+                <a:schemeClr val="accent6"/>
+              </a:solidFill>
+              <a:tailEnd type="none"/>
+            </a:ln>
+          </p:spPr>
+          <p:style>
+            <a:lnRef idx="1">
+              <a:schemeClr val="accent1"/>
+            </a:lnRef>
+            <a:fillRef idx="0">
+              <a:schemeClr val="accent1"/>
+            </a:fillRef>
+            <a:effectRef idx="0">
+              <a:schemeClr val="accent1"/>
+            </a:effectRef>
+            <a:fontRef idx="minor">
+              <a:schemeClr val="tx1"/>
+            </a:fontRef>
+          </p:style>
+        </p:cxnSp>
+        <p:cxnSp>
+          <p:nvCxnSpPr>
+            <p:cNvPr id="11" name="Straight Arrow Connector 10"/>
+            <p:cNvCxnSpPr/>
+            <p:nvPr/>
+          </p:nvCxnSpPr>
+          <p:spPr>
+            <a:xfrm>
+              <a:off x="2005348" y="4077205"/>
+              <a:ext cx="4776628" cy="0"/>
+            </a:xfrm>
+            <a:prstGeom prst="straightConnector1">
+              <a:avLst/>
+            </a:prstGeom>
+            <a:ln w="63500">
+              <a:solidFill>
+                <a:schemeClr val="accent6"/>
+              </a:solidFill>
+              <a:tailEnd type="none"/>
+            </a:ln>
+          </p:spPr>
+          <p:style>
+            <a:lnRef idx="1">
+              <a:schemeClr val="accent1"/>
+            </a:lnRef>
+            <a:fillRef idx="0">
+              <a:schemeClr val="accent1"/>
+            </a:fillRef>
+            <a:effectRef idx="0">
+              <a:schemeClr val="accent1"/>
+            </a:effectRef>
+            <a:fontRef idx="minor">
+              <a:schemeClr val="tx1"/>
+            </a:fontRef>
+          </p:style>
+        </p:cxnSp>
+        <p:sp>
+          <p:nvSpPr>
+            <p:cNvPr id="41" name="TextBox 40"/>
+            <p:cNvSpPr txBox="1"/>
+            <p:nvPr/>
+          </p:nvSpPr>
+          <p:spPr>
+            <a:xfrm>
+              <a:off x="4259388" y="3593647"/>
+              <a:ext cx="2019570" cy="430887"/>
+            </a:xfrm>
+            <a:prstGeom prst="rect">
+              <a:avLst/>
+            </a:prstGeom>
+            <a:noFill/>
+          </p:spPr>
+          <p:txBody>
+            <a:bodyPr wrap="square" rtlCol="0">
+              <a:spAutoFit/>
+            </a:bodyPr>
+            <a:lstStyle/>
+            <a:p>
+              <a:r>
+                <a:rPr lang="en-CA" sz="2200" dirty="0">
+                  <a:solidFill>
+                    <a:schemeClr val="accent6"/>
+                  </a:solidFill>
+                  <a:latin typeface="Cascadia Code" panose="020B0609020000020004" pitchFamily="49" charset="0"/>
+                  <a:ea typeface="Cascadia Code" panose="020B0609020000020004" pitchFamily="49" charset="0"/>
+                  <a:cs typeface="Cascadia Code" panose="020B0609020000020004" pitchFamily="49" charset="0"/>
+                </a:rPr>
+                <a:t>a</a:t>
+              </a:r>
+              <a:r>
+                <a:rPr lang="en-CA" sz="2200" dirty="0" smtClean="0">
+                  <a:solidFill>
+                    <a:schemeClr val="accent6"/>
+                  </a:solidFill>
+                  <a:latin typeface="Cascadia Code" panose="020B0609020000020004" pitchFamily="49" charset="0"/>
+                  <a:ea typeface="Cascadia Code" panose="020B0609020000020004" pitchFamily="49" charset="0"/>
+                  <a:cs typeface="Cascadia Code" panose="020B0609020000020004" pitchFamily="49" charset="0"/>
+                </a:rPr>
+                <a:t>dd-methods</a:t>
+              </a:r>
+              <a:endParaRPr lang="en-CA" sz="2200" dirty="0">
+                <a:solidFill>
+                  <a:schemeClr val="accent6"/>
+                </a:solidFill>
+                <a:latin typeface="Cascadia Code" panose="020B0609020000020004" pitchFamily="49" charset="0"/>
+                <a:ea typeface="Cascadia Code" panose="020B0609020000020004" pitchFamily="49" charset="0"/>
+                <a:cs typeface="Cascadia Code" panose="020B0609020000020004" pitchFamily="49" charset="0"/>
+              </a:endParaRPr>
+            </a:p>
+          </p:txBody>
+        </p:sp>
+        <p:sp>
+          <p:nvSpPr>
+            <p:cNvPr id="42" name="TextBox 41"/>
+            <p:cNvSpPr txBox="1"/>
+            <p:nvPr/>
+          </p:nvSpPr>
+          <p:spPr>
+            <a:xfrm>
+              <a:off x="1103884" y="3298074"/>
+              <a:ext cx="930520" cy="369332"/>
+            </a:xfrm>
+            <a:prstGeom prst="rect">
+              <a:avLst/>
+            </a:prstGeom>
+            <a:noFill/>
+          </p:spPr>
+          <p:txBody>
+            <a:bodyPr wrap="square" rtlCol="0">
+              <a:spAutoFit/>
+            </a:bodyPr>
+            <a:lstStyle/>
+            <a:p>
+              <a:r>
+                <a:rPr lang="en-CA" i="1" dirty="0" smtClean="0">
+                  <a:latin typeface="Arial" panose="020B0604020202020204" pitchFamily="34" charset="0"/>
+                  <a:ea typeface="Cascadia Code" panose="020B0609020000020004" pitchFamily="49" charset="0"/>
+                  <a:cs typeface="Arial" panose="020B0604020202020204" pitchFamily="34" charset="0"/>
+                </a:rPr>
+                <a:t>branch</a:t>
+              </a:r>
+              <a:endParaRPr lang="en-CA" i="1" dirty="0">
+                <a:latin typeface="Arial" panose="020B0604020202020204" pitchFamily="34" charset="0"/>
+                <a:ea typeface="Cascadia Code" panose="020B0609020000020004" pitchFamily="49" charset="0"/>
+                <a:cs typeface="Arial" panose="020B0604020202020204" pitchFamily="34" charset="0"/>
+              </a:endParaRPr>
+            </a:p>
+          </p:txBody>
+        </p:sp>
+      </p:grpSp>
+      <p:cxnSp>
+        <p:nvCxnSpPr>
+          <p:cNvPr id="3" name="Straight Arrow Connector 2"/>
+          <p:cNvCxnSpPr/>
+          <p:nvPr/>
+        </p:nvCxnSpPr>
+        <p:spPr>
+          <a:xfrm>
+            <a:off x="936134" y="2781701"/>
+            <a:ext cx="10493865" cy="0"/>
+          </a:xfrm>
+          <a:prstGeom prst="straightConnector1">
+            <a:avLst/>
+          </a:prstGeom>
+          <a:ln w="63500">
+            <a:solidFill>
+              <a:schemeClr val="accent5"/>
+            </a:solidFill>
+            <a:tailEnd type="triangle"/>
+          </a:ln>
+        </p:spPr>
+        <p:style>
+          <a:lnRef idx="1">
+            <a:schemeClr val="accent1"/>
+          </a:lnRef>
+          <a:fillRef idx="0">
+            <a:schemeClr val="accent1"/>
+          </a:fillRef>
+          <a:effectRef idx="0">
+            <a:schemeClr val="accent1"/>
+          </a:effectRef>
+          <a:fontRef idx="minor">
+            <a:schemeClr val="tx1"/>
+          </a:fontRef>
+        </p:style>
+      </p:cxnSp>
+      <p:sp>
+        <p:nvSpPr>
+          <p:cNvPr id="4" name="Oval 3"/>
+          <p:cNvSpPr/>
+          <p:nvPr/>
+        </p:nvSpPr>
+        <p:spPr>
+          <a:xfrm>
+            <a:off x="1908784" y="2648770"/>
+            <a:ext cx="251240" cy="265863"/>
+          </a:xfrm>
+          <a:prstGeom prst="ellipse">
+            <a:avLst/>
+          </a:prstGeom>
+          <a:solidFill>
+            <a:schemeClr val="bg1"/>
+          </a:solidFill>
+          <a:ln w="63500">
+            <a:solidFill>
+              <a:schemeClr val="accent5"/>
+            </a:solidFill>
+          </a:ln>
+        </p:spPr>
+        <p:style>
+          <a:lnRef idx="2">
+            <a:schemeClr val="accent1">
+              <a:shade val="50000"/>
+            </a:schemeClr>
+          </a:lnRef>
+          <a:fillRef idx="1">
+            <a:schemeClr val="accent1"/>
+          </a:fillRef>
+          <a:effectRef idx="0">
+            <a:schemeClr val="accent1"/>
+          </a:effectRef>
+          <a:fontRef idx="minor">
+            <a:schemeClr val="lt1"/>
+          </a:fontRef>
+        </p:style>
+        <p:txBody>
+          <a:bodyPr rtlCol="0" anchor="ctr"/>
+          <a:lstStyle/>
+          <a:p>
+            <a:pPr algn="ctr"/>
+            <a:endParaRPr lang="en-CA"/>
+          </a:p>
+        </p:txBody>
+      </p:sp>
+      <p:sp>
+        <p:nvSpPr>
+          <p:cNvPr id="5" name="Oval 4"/>
+          <p:cNvSpPr/>
+          <p:nvPr/>
+        </p:nvSpPr>
+        <p:spPr>
+          <a:xfrm>
+            <a:off x="3522991" y="2641554"/>
+            <a:ext cx="251240" cy="265863"/>
+          </a:xfrm>
+          <a:prstGeom prst="ellipse">
+            <a:avLst/>
+          </a:prstGeom>
+          <a:solidFill>
+            <a:schemeClr val="bg1"/>
+          </a:solidFill>
+          <a:ln w="63500">
+            <a:solidFill>
+              <a:schemeClr val="accent5"/>
+            </a:solidFill>
+          </a:ln>
+        </p:spPr>
+        <p:style>
+          <a:lnRef idx="2">
+            <a:schemeClr val="accent1">
+              <a:shade val="50000"/>
+            </a:schemeClr>
+          </a:lnRef>
+          <a:fillRef idx="1">
+            <a:schemeClr val="accent1"/>
+          </a:fillRef>
+          <a:effectRef idx="0">
+            <a:schemeClr val="accent1"/>
+          </a:effectRef>
+          <a:fontRef idx="minor">
+            <a:schemeClr val="lt1"/>
+          </a:fontRef>
+        </p:style>
+        <p:txBody>
+          <a:bodyPr rtlCol="0" anchor="ctr"/>
+          <a:lstStyle/>
+          <a:p>
+            <a:pPr algn="ctr"/>
+            <a:endParaRPr lang="en-CA"/>
+          </a:p>
+        </p:txBody>
+      </p:sp>
+      <p:sp>
+        <p:nvSpPr>
+          <p:cNvPr id="6" name="Oval 5"/>
+          <p:cNvSpPr/>
+          <p:nvPr/>
+        </p:nvSpPr>
+        <p:spPr>
+          <a:xfrm>
+            <a:off x="5137197" y="2641554"/>
+            <a:ext cx="251240" cy="265863"/>
+          </a:xfrm>
+          <a:prstGeom prst="ellipse">
+            <a:avLst/>
+          </a:prstGeom>
+          <a:solidFill>
+            <a:schemeClr val="bg1"/>
+          </a:solidFill>
+          <a:ln w="63500">
+            <a:solidFill>
+              <a:schemeClr val="accent5"/>
+            </a:solidFill>
+          </a:ln>
+        </p:spPr>
+        <p:style>
+          <a:lnRef idx="2">
+            <a:schemeClr val="accent1">
+              <a:shade val="50000"/>
+            </a:schemeClr>
+          </a:lnRef>
+          <a:fillRef idx="1">
+            <a:schemeClr val="accent1"/>
+          </a:fillRef>
+          <a:effectRef idx="0">
+            <a:schemeClr val="accent1"/>
+          </a:effectRef>
+          <a:fontRef idx="minor">
+            <a:schemeClr val="lt1"/>
+          </a:fontRef>
+        </p:style>
+        <p:txBody>
+          <a:bodyPr rtlCol="0" anchor="ctr"/>
+          <a:lstStyle/>
+          <a:p>
+            <a:pPr algn="ctr"/>
+            <a:endParaRPr lang="en-CA"/>
+          </a:p>
+        </p:txBody>
+      </p:sp>
+      <p:sp>
+        <p:nvSpPr>
+          <p:cNvPr id="40" name="TextBox 39"/>
+          <p:cNvSpPr txBox="1"/>
+          <p:nvPr/>
+        </p:nvSpPr>
+        <p:spPr>
+          <a:xfrm>
+            <a:off x="10305314" y="2299658"/>
+            <a:ext cx="1004235" cy="430887"/>
+          </a:xfrm>
+          <a:prstGeom prst="rect">
+            <a:avLst/>
+          </a:prstGeom>
+          <a:noFill/>
+        </p:spPr>
+        <p:txBody>
+          <a:bodyPr wrap="square" rtlCol="0">
+            <a:spAutoFit/>
+          </a:bodyPr>
+          <a:lstStyle/>
+          <a:p>
+            <a:r>
+              <a:rPr lang="en-CA" sz="2200" dirty="0" smtClean="0">
+                <a:solidFill>
+                  <a:schemeClr val="accent5"/>
+                </a:solidFill>
+                <a:latin typeface="Cascadia Code" panose="020B0609020000020004" pitchFamily="49" charset="0"/>
+                <a:ea typeface="Cascadia Code" panose="020B0609020000020004" pitchFamily="49" charset="0"/>
+                <a:cs typeface="Cascadia Code" panose="020B0609020000020004" pitchFamily="49" charset="0"/>
+              </a:rPr>
+              <a:t>main</a:t>
+            </a:r>
+            <a:endParaRPr lang="en-CA" sz="2200" dirty="0">
+              <a:solidFill>
+                <a:schemeClr val="accent5"/>
+              </a:solidFill>
+              <a:latin typeface="Cascadia Code" panose="020B0609020000020004" pitchFamily="49" charset="0"/>
+              <a:ea typeface="Cascadia Code" panose="020B0609020000020004" pitchFamily="49" charset="0"/>
+              <a:cs typeface="Cascadia Code" panose="020B0609020000020004" pitchFamily="49" charset="0"/>
+            </a:endParaRPr>
+          </a:p>
+        </p:txBody>
+      </p:sp>
+      <p:grpSp>
+        <p:nvGrpSpPr>
+          <p:cNvPr id="67" name="Group 66"/>
+          <p:cNvGrpSpPr/>
+          <p:nvPr/>
+        </p:nvGrpSpPr>
+        <p:grpSpPr>
+          <a:xfrm>
+            <a:off x="2025111" y="1363140"/>
+            <a:ext cx="5081524" cy="1324564"/>
+            <a:chOff x="2025111" y="1363140"/>
+            <a:chExt cx="5081524" cy="1324564"/>
+          </a:xfrm>
+        </p:grpSpPr>
+        <p:cxnSp>
+          <p:nvCxnSpPr>
+            <p:cNvPr id="56" name="Straight Connector 55"/>
+            <p:cNvCxnSpPr/>
+            <p:nvPr/>
+          </p:nvCxnSpPr>
+          <p:spPr>
+            <a:xfrm flipV="1">
+              <a:off x="5316583" y="2433343"/>
+              <a:ext cx="196978" cy="215659"/>
+            </a:xfrm>
+            <a:prstGeom prst="line">
+              <a:avLst/>
+            </a:prstGeom>
+            <a:ln w="31750">
+              <a:solidFill>
+                <a:schemeClr val="tx1"/>
+              </a:solidFill>
+            </a:ln>
+          </p:spPr>
+          <p:style>
+            <a:lnRef idx="1">
+              <a:schemeClr val="accent1"/>
+            </a:lnRef>
+            <a:fillRef idx="0">
+              <a:schemeClr val="accent1"/>
+            </a:fillRef>
+            <a:effectRef idx="0">
+              <a:schemeClr val="accent1"/>
+            </a:effectRef>
+            <a:fontRef idx="minor">
+              <a:schemeClr val="tx1"/>
+            </a:fontRef>
+          </p:style>
+        </p:cxnSp>
+        <p:cxnSp>
+          <p:nvCxnSpPr>
+            <p:cNvPr id="52" name="Straight Connector 51"/>
+            <p:cNvCxnSpPr>
+              <a:stCxn id="4" idx="7"/>
+            </p:cNvCxnSpPr>
+            <p:nvPr/>
+          </p:nvCxnSpPr>
+          <p:spPr>
+            <a:xfrm flipV="1">
+              <a:off x="2123232" y="2472045"/>
+              <a:ext cx="196978" cy="215659"/>
+            </a:xfrm>
+            <a:prstGeom prst="line">
+              <a:avLst/>
+            </a:prstGeom>
+            <a:ln w="31750">
+              <a:solidFill>
+                <a:schemeClr val="tx1"/>
+              </a:solidFill>
+            </a:ln>
+          </p:spPr>
+          <p:style>
+            <a:lnRef idx="1">
+              <a:schemeClr val="accent1"/>
+            </a:lnRef>
+            <a:fillRef idx="0">
+              <a:schemeClr val="accent1"/>
+            </a:fillRef>
+            <a:effectRef idx="0">
+              <a:schemeClr val="accent1"/>
+            </a:effectRef>
+            <a:fontRef idx="minor">
+              <a:schemeClr val="tx1"/>
+            </a:fontRef>
+          </p:style>
+        </p:cxnSp>
+        <p:sp>
+          <p:nvSpPr>
+            <p:cNvPr id="50" name="TextBox 49"/>
+            <p:cNvSpPr txBox="1"/>
+            <p:nvPr/>
+          </p:nvSpPr>
+          <p:spPr>
+            <a:xfrm rot="18900000">
+              <a:off x="2025111" y="1363140"/>
+              <a:ext cx="1871137" cy="830946"/>
+            </a:xfrm>
+            <a:prstGeom prst="rect">
+              <a:avLst/>
+            </a:prstGeom>
+            <a:noFill/>
+          </p:spPr>
+          <p:txBody>
+            <a:bodyPr wrap="square" rtlCol="0">
+              <a:spAutoFit/>
+            </a:bodyPr>
+            <a:lstStyle/>
+            <a:p>
+              <a:r>
+                <a:rPr lang="en-CA" sz="1600" dirty="0">
+                  <a:latin typeface="Arial" panose="020B0604020202020204" pitchFamily="34" charset="0"/>
+                  <a:ea typeface="Cascadia Code" panose="020B0609020000020004" pitchFamily="49" charset="0"/>
+                  <a:cs typeface="Arial" panose="020B0604020202020204" pitchFamily="34" charset="0"/>
+                </a:rPr>
+                <a:t>c</a:t>
+              </a:r>
+              <a:r>
+                <a:rPr lang="en-CA" sz="1600" dirty="0" smtClean="0">
+                  <a:latin typeface="Arial" panose="020B0604020202020204" pitchFamily="34" charset="0"/>
+                  <a:ea typeface="Cascadia Code" panose="020B0609020000020004" pitchFamily="49" charset="0"/>
+                  <a:cs typeface="Arial" panose="020B0604020202020204" pitchFamily="34" charset="0"/>
+                </a:rPr>
+                <a:t>ommit </a:t>
+              </a:r>
+              <a:r>
+                <a:rPr lang="en-CA" sz="1600" dirty="0" smtClean="0">
+                  <a:latin typeface="Arial" panose="020B0604020202020204" pitchFamily="34" charset="0"/>
+                  <a:cs typeface="Arial" panose="020B0604020202020204" pitchFamily="34" charset="0"/>
+                </a:rPr>
+                <a:t>455fe2c</a:t>
+              </a:r>
+              <a:br>
+                <a:rPr lang="en-CA" sz="1600" dirty="0" smtClean="0">
+                  <a:latin typeface="Arial" panose="020B0604020202020204" pitchFamily="34" charset="0"/>
+                  <a:cs typeface="Arial" panose="020B0604020202020204" pitchFamily="34" charset="0"/>
+                </a:rPr>
+              </a:br>
+              <a:r>
+                <a:rPr lang="en-CA" sz="1600" dirty="0" smtClean="0">
+                  <a:latin typeface="Arial" panose="020B0604020202020204" pitchFamily="34" charset="0"/>
+                  <a:cs typeface="Arial" panose="020B0604020202020204" pitchFamily="34" charset="0"/>
+                </a:rPr>
+                <a:t>completed analysis section</a:t>
+              </a:r>
+              <a:endParaRPr lang="en-CA" sz="1600" dirty="0">
+                <a:latin typeface="Arial" panose="020B0604020202020204" pitchFamily="34" charset="0"/>
+                <a:ea typeface="Cascadia Code" panose="020B0609020000020004" pitchFamily="49" charset="0"/>
+                <a:cs typeface="Arial" panose="020B0604020202020204" pitchFamily="34" charset="0"/>
+              </a:endParaRPr>
+            </a:p>
+          </p:txBody>
+        </p:sp>
+        <p:sp>
+          <p:nvSpPr>
+            <p:cNvPr id="53" name="TextBox 52"/>
+            <p:cNvSpPr txBox="1"/>
+            <p:nvPr/>
+          </p:nvSpPr>
+          <p:spPr>
+            <a:xfrm rot="18900000">
+              <a:off x="3645766" y="1448077"/>
+              <a:ext cx="1871137" cy="593533"/>
+            </a:xfrm>
+            <a:prstGeom prst="rect">
+              <a:avLst/>
+            </a:prstGeom>
+            <a:noFill/>
+          </p:spPr>
+          <p:txBody>
+            <a:bodyPr wrap="square" rtlCol="0">
+              <a:spAutoFit/>
+            </a:bodyPr>
+            <a:lstStyle/>
+            <a:p>
+              <a:r>
+                <a:rPr lang="en-CA" sz="1600" dirty="0">
+                  <a:latin typeface="Arial" panose="020B0604020202020204" pitchFamily="34" charset="0"/>
+                  <a:ea typeface="Cascadia Code" panose="020B0609020000020004" pitchFamily="49" charset="0"/>
+                  <a:cs typeface="Arial" panose="020B0604020202020204" pitchFamily="34" charset="0"/>
+                </a:rPr>
+                <a:t>c</a:t>
+              </a:r>
+              <a:r>
+                <a:rPr lang="en-CA" sz="1600" dirty="0" smtClean="0">
+                  <a:latin typeface="Arial" panose="020B0604020202020204" pitchFamily="34" charset="0"/>
+                  <a:ea typeface="Cascadia Code" panose="020B0609020000020004" pitchFamily="49" charset="0"/>
+                  <a:cs typeface="Arial" panose="020B0604020202020204" pitchFamily="34" charset="0"/>
+                </a:rPr>
+                <a:t>ommit </a:t>
+              </a:r>
+              <a:r>
+                <a:rPr lang="en-CA" sz="1600" dirty="0">
+                  <a:latin typeface="Arial" panose="020B0604020202020204" pitchFamily="34" charset="0"/>
+                  <a:cs typeface="Arial" panose="020B0604020202020204" pitchFamily="34" charset="0"/>
+                </a:rPr>
+                <a:t>51003d7</a:t>
+              </a:r>
+              <a:r>
+                <a:rPr lang="en-CA" sz="1600" dirty="0" smtClean="0">
+                  <a:latin typeface="Arial" panose="020B0604020202020204" pitchFamily="34" charset="0"/>
+                  <a:cs typeface="Arial" panose="020B0604020202020204" pitchFamily="34" charset="0"/>
+                </a:rPr>
+                <a:t/>
+              </a:r>
+              <a:br>
+                <a:rPr lang="en-CA" sz="1600" dirty="0" smtClean="0">
+                  <a:latin typeface="Arial" panose="020B0604020202020204" pitchFamily="34" charset="0"/>
+                  <a:cs typeface="Arial" panose="020B0604020202020204" pitchFamily="34" charset="0"/>
+                </a:rPr>
+              </a:br>
+              <a:r>
+                <a:rPr lang="en-CA" sz="1600" dirty="0" smtClean="0">
+                  <a:latin typeface="Arial" panose="020B0604020202020204" pitchFamily="34" charset="0"/>
+                  <a:cs typeface="Arial" panose="020B0604020202020204" pitchFamily="34" charset="0"/>
+                </a:rPr>
+                <a:t>added figures</a:t>
+              </a:r>
+              <a:endParaRPr lang="en-CA" sz="1600" dirty="0">
+                <a:latin typeface="Arial" panose="020B0604020202020204" pitchFamily="34" charset="0"/>
+                <a:ea typeface="Cascadia Code" panose="020B0609020000020004" pitchFamily="49" charset="0"/>
+                <a:cs typeface="Arial" panose="020B0604020202020204" pitchFamily="34" charset="0"/>
+              </a:endParaRPr>
+            </a:p>
+          </p:txBody>
+        </p:sp>
+        <p:cxnSp>
+          <p:nvCxnSpPr>
+            <p:cNvPr id="54" name="Straight Connector 53"/>
+            <p:cNvCxnSpPr/>
+            <p:nvPr/>
+          </p:nvCxnSpPr>
+          <p:spPr>
+            <a:xfrm flipV="1">
+              <a:off x="3726851" y="2422911"/>
+              <a:ext cx="196978" cy="215659"/>
+            </a:xfrm>
+            <a:prstGeom prst="line">
+              <a:avLst/>
+            </a:prstGeom>
+            <a:ln w="31750">
+              <a:solidFill>
+                <a:schemeClr val="tx1"/>
+              </a:solidFill>
+            </a:ln>
+          </p:spPr>
+          <p:style>
+            <a:lnRef idx="1">
+              <a:schemeClr val="accent1"/>
+            </a:lnRef>
+            <a:fillRef idx="0">
+              <a:schemeClr val="accent1"/>
+            </a:fillRef>
+            <a:effectRef idx="0">
+              <a:schemeClr val="accent1"/>
+            </a:effectRef>
+            <a:fontRef idx="minor">
+              <a:schemeClr val="tx1"/>
+            </a:fontRef>
+          </p:style>
+        </p:cxnSp>
+        <p:sp>
+          <p:nvSpPr>
+            <p:cNvPr id="55" name="TextBox 54"/>
+            <p:cNvSpPr txBox="1"/>
+            <p:nvPr/>
+          </p:nvSpPr>
+          <p:spPr>
+            <a:xfrm rot="18900000">
+              <a:off x="5235498" y="1458508"/>
+              <a:ext cx="1871137" cy="593533"/>
+            </a:xfrm>
+            <a:prstGeom prst="rect">
+              <a:avLst/>
+            </a:prstGeom>
+            <a:noFill/>
+          </p:spPr>
+          <p:txBody>
+            <a:bodyPr wrap="square" rtlCol="0">
+              <a:spAutoFit/>
+            </a:bodyPr>
+            <a:lstStyle/>
+            <a:p>
+              <a:r>
+                <a:rPr lang="en-CA" sz="1600" dirty="0">
+                  <a:latin typeface="Arial" panose="020B0604020202020204" pitchFamily="34" charset="0"/>
+                  <a:ea typeface="Cascadia Code" panose="020B0609020000020004" pitchFamily="49" charset="0"/>
+                  <a:cs typeface="Arial" panose="020B0604020202020204" pitchFamily="34" charset="0"/>
+                </a:rPr>
+                <a:t>commit 3563aa1</a:t>
+              </a:r>
+              <a:r>
+                <a:rPr lang="en-CA" sz="1600" dirty="0" smtClean="0">
+                  <a:latin typeface="Arial" panose="020B0604020202020204" pitchFamily="34" charset="0"/>
+                  <a:cs typeface="Arial" panose="020B0604020202020204" pitchFamily="34" charset="0"/>
+                </a:rPr>
+                <a:t/>
+              </a:r>
+              <a:br>
+                <a:rPr lang="en-CA" sz="1600" dirty="0" smtClean="0">
+                  <a:latin typeface="Arial" panose="020B0604020202020204" pitchFamily="34" charset="0"/>
+                  <a:cs typeface="Arial" panose="020B0604020202020204" pitchFamily="34" charset="0"/>
+                </a:rPr>
+              </a:br>
+              <a:r>
+                <a:rPr lang="en-CA" sz="1600" dirty="0" smtClean="0">
+                  <a:latin typeface="Arial" panose="020B0604020202020204" pitchFamily="34" charset="0"/>
+                  <a:cs typeface="Arial" panose="020B0604020202020204" pitchFamily="34" charset="0"/>
+                </a:rPr>
+                <a:t>added authors</a:t>
+              </a:r>
+              <a:endParaRPr lang="en-CA" sz="1600" dirty="0">
+                <a:latin typeface="Arial" panose="020B0604020202020204" pitchFamily="34" charset="0"/>
+                <a:ea typeface="Cascadia Code" panose="020B0609020000020004" pitchFamily="49" charset="0"/>
+                <a:cs typeface="Arial" panose="020B0604020202020204" pitchFamily="34" charset="0"/>
+              </a:endParaRPr>
+            </a:p>
+          </p:txBody>
+        </p:sp>
+      </p:grpSp>
+    </p:spTree>
+    <p:extLst>
+      <p:ext uri="{BB962C8B-B14F-4D97-AF65-F5344CB8AC3E}">
+        <p14:creationId xmlns:p14="http://schemas.microsoft.com/office/powerpoint/2010/main" val="3201833036"/>
+      </p:ext>
+    </p:extLst>
+  </p:cSld>
+  <p:clrMapOvr>
+    <a:masterClrMapping/>
+  </p:clrMapOvr>
+  <p:timing>
+    <p:tnLst>
+      <p:par>
+        <p:cTn id="1" dur="indefinite" restart="never" nodeType="tmRoot"/>
+      </p:par>
+    </p:tnLst>
+  </p:timing>
+</p:sld>
+</file>
+
+<file path=ppt/slides/slide17.xml><?xml version="1.0" encoding="utf-8"?>
+<p:sld xmlns:a="http://schemas.openxmlformats.org/drawingml/2006/main" xmlns:r="http://schemas.openxmlformats.org/officeDocument/2006/relationships" xmlns:p="http://schemas.openxmlformats.org/presentationml/2006/main">
+  <p:cSld>
+    <p:spTree>
+      <p:nvGrpSpPr>
+        <p:cNvPr id="1" name=""/>
+        <p:cNvGrpSpPr/>
+        <p:nvPr/>
+      </p:nvGrpSpPr>
+      <p:grpSpPr>
+        <a:xfrm>
+          <a:off x="0" y="0"/>
+          <a:ext cx="0" cy="0"/>
+          <a:chOff x="0" y="0"/>
+          <a:chExt cx="0" cy="0"/>
+        </a:xfrm>
+      </p:grpSpPr>
+      <p:grpSp>
+        <p:nvGrpSpPr>
+          <p:cNvPr id="71" name="Group 70"/>
+          <p:cNvGrpSpPr/>
+          <p:nvPr/>
+        </p:nvGrpSpPr>
+        <p:grpSpPr>
+          <a:xfrm>
+            <a:off x="1103884" y="2914633"/>
+            <a:ext cx="5678092" cy="1162572"/>
+            <a:chOff x="1103884" y="2914633"/>
+            <a:chExt cx="5678092" cy="1162572"/>
+          </a:xfrm>
+        </p:grpSpPr>
+        <p:cxnSp>
+          <p:nvCxnSpPr>
+            <p:cNvPr id="28" name="Straight Arrow Connector 27"/>
+            <p:cNvCxnSpPr>
+              <a:endCxn id="4" idx="4"/>
+            </p:cNvCxnSpPr>
+            <p:nvPr/>
+          </p:nvCxnSpPr>
+          <p:spPr>
+            <a:xfrm flipV="1">
+              <a:off x="2034404" y="2914633"/>
+              <a:ext cx="1" cy="1162572"/>
+            </a:xfrm>
+            <a:prstGeom prst="straightConnector1">
+              <a:avLst/>
+            </a:prstGeom>
+            <a:ln w="63500">
+              <a:solidFill>
+                <a:schemeClr val="accent6"/>
+              </a:solidFill>
+              <a:tailEnd type="none"/>
+            </a:ln>
+          </p:spPr>
+          <p:style>
+            <a:lnRef idx="1">
+              <a:schemeClr val="accent1"/>
+            </a:lnRef>
+            <a:fillRef idx="0">
+              <a:schemeClr val="accent1"/>
+            </a:fillRef>
+            <a:effectRef idx="0">
+              <a:schemeClr val="accent1"/>
+            </a:effectRef>
+            <a:fontRef idx="minor">
+              <a:schemeClr val="tx1"/>
+            </a:fontRef>
+          </p:style>
+        </p:cxnSp>
+        <p:cxnSp>
+          <p:nvCxnSpPr>
+            <p:cNvPr id="11" name="Straight Arrow Connector 10"/>
+            <p:cNvCxnSpPr/>
+            <p:nvPr/>
+          </p:nvCxnSpPr>
+          <p:spPr>
+            <a:xfrm>
+              <a:off x="2005348" y="4077205"/>
+              <a:ext cx="4776628" cy="0"/>
+            </a:xfrm>
+            <a:prstGeom prst="straightConnector1">
+              <a:avLst/>
+            </a:prstGeom>
+            <a:ln w="63500">
+              <a:solidFill>
+                <a:schemeClr val="accent6"/>
+              </a:solidFill>
+              <a:tailEnd type="none"/>
+            </a:ln>
+          </p:spPr>
+          <p:style>
+            <a:lnRef idx="1">
+              <a:schemeClr val="accent1"/>
+            </a:lnRef>
+            <a:fillRef idx="0">
+              <a:schemeClr val="accent1"/>
+            </a:fillRef>
+            <a:effectRef idx="0">
+              <a:schemeClr val="accent1"/>
+            </a:effectRef>
+            <a:fontRef idx="minor">
+              <a:schemeClr val="tx1"/>
+            </a:fontRef>
+          </p:style>
+        </p:cxnSp>
+        <p:sp>
+          <p:nvSpPr>
+            <p:cNvPr id="41" name="TextBox 40"/>
+            <p:cNvSpPr txBox="1"/>
+            <p:nvPr/>
+          </p:nvSpPr>
+          <p:spPr>
+            <a:xfrm>
+              <a:off x="4259388" y="3593647"/>
+              <a:ext cx="2019570" cy="430887"/>
+            </a:xfrm>
+            <a:prstGeom prst="rect">
+              <a:avLst/>
+            </a:prstGeom>
+            <a:noFill/>
+          </p:spPr>
+          <p:txBody>
+            <a:bodyPr wrap="square" rtlCol="0">
+              <a:spAutoFit/>
+            </a:bodyPr>
+            <a:lstStyle/>
+            <a:p>
+              <a:r>
+                <a:rPr lang="en-CA" sz="2200" dirty="0">
+                  <a:solidFill>
+                    <a:schemeClr val="accent6"/>
+                  </a:solidFill>
+                  <a:latin typeface="Cascadia Code" panose="020B0609020000020004" pitchFamily="49" charset="0"/>
+                  <a:ea typeface="Cascadia Code" panose="020B0609020000020004" pitchFamily="49" charset="0"/>
+                  <a:cs typeface="Cascadia Code" panose="020B0609020000020004" pitchFamily="49" charset="0"/>
+                </a:rPr>
+                <a:t>a</a:t>
+              </a:r>
+              <a:r>
+                <a:rPr lang="en-CA" sz="2200" dirty="0" smtClean="0">
+                  <a:solidFill>
+                    <a:schemeClr val="accent6"/>
+                  </a:solidFill>
+                  <a:latin typeface="Cascadia Code" panose="020B0609020000020004" pitchFamily="49" charset="0"/>
+                  <a:ea typeface="Cascadia Code" panose="020B0609020000020004" pitchFamily="49" charset="0"/>
+                  <a:cs typeface="Cascadia Code" panose="020B0609020000020004" pitchFamily="49" charset="0"/>
+                </a:rPr>
+                <a:t>dd-methods</a:t>
+              </a:r>
+              <a:endParaRPr lang="en-CA" sz="2200" dirty="0">
+                <a:solidFill>
+                  <a:schemeClr val="accent6"/>
+                </a:solidFill>
+                <a:latin typeface="Cascadia Code" panose="020B0609020000020004" pitchFamily="49" charset="0"/>
+                <a:ea typeface="Cascadia Code" panose="020B0609020000020004" pitchFamily="49" charset="0"/>
+                <a:cs typeface="Cascadia Code" panose="020B0609020000020004" pitchFamily="49" charset="0"/>
+              </a:endParaRPr>
+            </a:p>
+          </p:txBody>
+        </p:sp>
+        <p:sp>
+          <p:nvSpPr>
+            <p:cNvPr id="42" name="TextBox 41"/>
+            <p:cNvSpPr txBox="1"/>
+            <p:nvPr/>
+          </p:nvSpPr>
+          <p:spPr>
+            <a:xfrm>
+              <a:off x="1103884" y="3298074"/>
+              <a:ext cx="930520" cy="369332"/>
+            </a:xfrm>
+            <a:prstGeom prst="rect">
+              <a:avLst/>
+            </a:prstGeom>
+            <a:noFill/>
+          </p:spPr>
+          <p:txBody>
+            <a:bodyPr wrap="square" rtlCol="0">
+              <a:spAutoFit/>
+            </a:bodyPr>
+            <a:lstStyle/>
+            <a:p>
+              <a:r>
+                <a:rPr lang="en-CA" i="1" dirty="0" smtClean="0">
+                  <a:latin typeface="Arial" panose="020B0604020202020204" pitchFamily="34" charset="0"/>
+                  <a:ea typeface="Cascadia Code" panose="020B0609020000020004" pitchFamily="49" charset="0"/>
+                  <a:cs typeface="Arial" panose="020B0604020202020204" pitchFamily="34" charset="0"/>
+                </a:rPr>
+                <a:t>branch</a:t>
+              </a:r>
+              <a:endParaRPr lang="en-CA" i="1" dirty="0">
+                <a:latin typeface="Arial" panose="020B0604020202020204" pitchFamily="34" charset="0"/>
+                <a:ea typeface="Cascadia Code" panose="020B0609020000020004" pitchFamily="49" charset="0"/>
+                <a:cs typeface="Arial" panose="020B0604020202020204" pitchFamily="34" charset="0"/>
+              </a:endParaRPr>
+            </a:p>
+          </p:txBody>
+        </p:sp>
+      </p:grpSp>
+      <p:cxnSp>
+        <p:nvCxnSpPr>
+          <p:cNvPr id="3" name="Straight Arrow Connector 2"/>
+          <p:cNvCxnSpPr/>
+          <p:nvPr/>
+        </p:nvCxnSpPr>
+        <p:spPr>
+          <a:xfrm>
+            <a:off x="936134" y="2781701"/>
+            <a:ext cx="10493865" cy="0"/>
+          </a:xfrm>
+          <a:prstGeom prst="straightConnector1">
+            <a:avLst/>
+          </a:prstGeom>
+          <a:ln w="63500">
+            <a:solidFill>
+              <a:schemeClr val="accent5"/>
+            </a:solidFill>
+            <a:tailEnd type="triangle"/>
+          </a:ln>
+        </p:spPr>
+        <p:style>
+          <a:lnRef idx="1">
+            <a:schemeClr val="accent1"/>
+          </a:lnRef>
+          <a:fillRef idx="0">
+            <a:schemeClr val="accent1"/>
+          </a:fillRef>
+          <a:effectRef idx="0">
+            <a:schemeClr val="accent1"/>
+          </a:effectRef>
+          <a:fontRef idx="minor">
+            <a:schemeClr val="tx1"/>
+          </a:fontRef>
+        </p:style>
+      </p:cxnSp>
+      <p:sp>
+        <p:nvSpPr>
+          <p:cNvPr id="4" name="Oval 3"/>
+          <p:cNvSpPr/>
+          <p:nvPr/>
+        </p:nvSpPr>
+        <p:spPr>
+          <a:xfrm>
+            <a:off x="1908784" y="2648770"/>
+            <a:ext cx="251240" cy="265863"/>
+          </a:xfrm>
+          <a:prstGeom prst="ellipse">
+            <a:avLst/>
+          </a:prstGeom>
+          <a:solidFill>
+            <a:schemeClr val="bg1"/>
+          </a:solidFill>
+          <a:ln w="63500">
+            <a:solidFill>
+              <a:schemeClr val="accent5"/>
+            </a:solidFill>
+          </a:ln>
+        </p:spPr>
+        <p:style>
+          <a:lnRef idx="2">
+            <a:schemeClr val="accent1">
+              <a:shade val="50000"/>
+            </a:schemeClr>
+          </a:lnRef>
+          <a:fillRef idx="1">
+            <a:schemeClr val="accent1"/>
+          </a:fillRef>
+          <a:effectRef idx="0">
+            <a:schemeClr val="accent1"/>
+          </a:effectRef>
+          <a:fontRef idx="minor">
+            <a:schemeClr val="lt1"/>
+          </a:fontRef>
+        </p:style>
+        <p:txBody>
+          <a:bodyPr rtlCol="0" anchor="ctr"/>
+          <a:lstStyle/>
+          <a:p>
+            <a:pPr algn="ctr"/>
+            <a:endParaRPr lang="en-CA"/>
+          </a:p>
+        </p:txBody>
+      </p:sp>
+      <p:sp>
+        <p:nvSpPr>
+          <p:cNvPr id="5" name="Oval 4"/>
+          <p:cNvSpPr/>
+          <p:nvPr/>
+        </p:nvSpPr>
+        <p:spPr>
+          <a:xfrm>
+            <a:off x="3522991" y="2641554"/>
+            <a:ext cx="251240" cy="265863"/>
+          </a:xfrm>
+          <a:prstGeom prst="ellipse">
+            <a:avLst/>
+          </a:prstGeom>
+          <a:solidFill>
+            <a:schemeClr val="bg1"/>
+          </a:solidFill>
+          <a:ln w="63500">
+            <a:solidFill>
+              <a:schemeClr val="accent5"/>
+            </a:solidFill>
+          </a:ln>
+        </p:spPr>
+        <p:style>
+          <a:lnRef idx="2">
+            <a:schemeClr val="accent1">
+              <a:shade val="50000"/>
+            </a:schemeClr>
+          </a:lnRef>
+          <a:fillRef idx="1">
+            <a:schemeClr val="accent1"/>
+          </a:fillRef>
+          <a:effectRef idx="0">
+            <a:schemeClr val="accent1"/>
+          </a:effectRef>
+          <a:fontRef idx="minor">
+            <a:schemeClr val="lt1"/>
+          </a:fontRef>
+        </p:style>
+        <p:txBody>
+          <a:bodyPr rtlCol="0" anchor="ctr"/>
+          <a:lstStyle/>
+          <a:p>
+            <a:pPr algn="ctr"/>
+            <a:endParaRPr lang="en-CA"/>
+          </a:p>
+        </p:txBody>
+      </p:sp>
+      <p:sp>
+        <p:nvSpPr>
+          <p:cNvPr id="6" name="Oval 5"/>
+          <p:cNvSpPr/>
+          <p:nvPr/>
+        </p:nvSpPr>
+        <p:spPr>
+          <a:xfrm>
+            <a:off x="5137197" y="2641554"/>
+            <a:ext cx="251240" cy="265863"/>
+          </a:xfrm>
+          <a:prstGeom prst="ellipse">
+            <a:avLst/>
+          </a:prstGeom>
+          <a:solidFill>
+            <a:schemeClr val="bg1"/>
+          </a:solidFill>
+          <a:ln w="63500">
+            <a:solidFill>
+              <a:schemeClr val="accent5"/>
+            </a:solidFill>
+          </a:ln>
+        </p:spPr>
+        <p:style>
+          <a:lnRef idx="2">
+            <a:schemeClr val="accent1">
+              <a:shade val="50000"/>
+            </a:schemeClr>
+          </a:lnRef>
+          <a:fillRef idx="1">
+            <a:schemeClr val="accent1"/>
+          </a:fillRef>
+          <a:effectRef idx="0">
+            <a:schemeClr val="accent1"/>
+          </a:effectRef>
+          <a:fontRef idx="minor">
+            <a:schemeClr val="lt1"/>
+          </a:fontRef>
+        </p:style>
+        <p:txBody>
+          <a:bodyPr rtlCol="0" anchor="ctr"/>
+          <a:lstStyle/>
+          <a:p>
+            <a:pPr algn="ctr"/>
+            <a:endParaRPr lang="en-CA"/>
+          </a:p>
+        </p:txBody>
+      </p:sp>
+      <p:sp>
+        <p:nvSpPr>
+          <p:cNvPr id="40" name="TextBox 39"/>
+          <p:cNvSpPr txBox="1"/>
+          <p:nvPr/>
+        </p:nvSpPr>
+        <p:spPr>
+          <a:xfrm>
+            <a:off x="10305314" y="2299658"/>
+            <a:ext cx="1004235" cy="430887"/>
+          </a:xfrm>
+          <a:prstGeom prst="rect">
+            <a:avLst/>
+          </a:prstGeom>
+          <a:noFill/>
+        </p:spPr>
+        <p:txBody>
+          <a:bodyPr wrap="square" rtlCol="0">
+            <a:spAutoFit/>
+          </a:bodyPr>
+          <a:lstStyle/>
+          <a:p>
+            <a:r>
+              <a:rPr lang="en-CA" sz="2200" dirty="0" smtClean="0">
+                <a:solidFill>
+                  <a:schemeClr val="accent5"/>
+                </a:solidFill>
+                <a:latin typeface="Cascadia Code" panose="020B0609020000020004" pitchFamily="49" charset="0"/>
+                <a:ea typeface="Cascadia Code" panose="020B0609020000020004" pitchFamily="49" charset="0"/>
+                <a:cs typeface="Cascadia Code" panose="020B0609020000020004" pitchFamily="49" charset="0"/>
+              </a:rPr>
+              <a:t>main</a:t>
+            </a:r>
+            <a:endParaRPr lang="en-CA" sz="2200" dirty="0">
+              <a:solidFill>
+                <a:schemeClr val="accent5"/>
+              </a:solidFill>
+              <a:latin typeface="Cascadia Code" panose="020B0609020000020004" pitchFamily="49" charset="0"/>
+              <a:ea typeface="Cascadia Code" panose="020B0609020000020004" pitchFamily="49" charset="0"/>
+              <a:cs typeface="Cascadia Code" panose="020B0609020000020004" pitchFamily="49" charset="0"/>
+            </a:endParaRPr>
+          </a:p>
+        </p:txBody>
+      </p:sp>
+      <p:grpSp>
+        <p:nvGrpSpPr>
+          <p:cNvPr id="67" name="Group 66"/>
+          <p:cNvGrpSpPr/>
+          <p:nvPr/>
+        </p:nvGrpSpPr>
+        <p:grpSpPr>
+          <a:xfrm>
+            <a:off x="2025111" y="1363140"/>
+            <a:ext cx="5081524" cy="1324564"/>
+            <a:chOff x="2025111" y="1363140"/>
+            <a:chExt cx="5081524" cy="1324564"/>
+          </a:xfrm>
+        </p:grpSpPr>
+        <p:cxnSp>
+          <p:nvCxnSpPr>
+            <p:cNvPr id="56" name="Straight Connector 55"/>
+            <p:cNvCxnSpPr/>
+            <p:nvPr/>
+          </p:nvCxnSpPr>
+          <p:spPr>
+            <a:xfrm flipV="1">
+              <a:off x="5316583" y="2433343"/>
+              <a:ext cx="196978" cy="215659"/>
+            </a:xfrm>
+            <a:prstGeom prst="line">
+              <a:avLst/>
+            </a:prstGeom>
+            <a:ln w="31750">
+              <a:solidFill>
+                <a:schemeClr val="tx1"/>
+              </a:solidFill>
+            </a:ln>
+          </p:spPr>
+          <p:style>
+            <a:lnRef idx="1">
+              <a:schemeClr val="accent1"/>
+            </a:lnRef>
+            <a:fillRef idx="0">
+              <a:schemeClr val="accent1"/>
+            </a:fillRef>
+            <a:effectRef idx="0">
+              <a:schemeClr val="accent1"/>
+            </a:effectRef>
+            <a:fontRef idx="minor">
+              <a:schemeClr val="tx1"/>
+            </a:fontRef>
+          </p:style>
+        </p:cxnSp>
+        <p:cxnSp>
+          <p:nvCxnSpPr>
+            <p:cNvPr id="52" name="Straight Connector 51"/>
+            <p:cNvCxnSpPr>
+              <a:stCxn id="4" idx="7"/>
+            </p:cNvCxnSpPr>
+            <p:nvPr/>
+          </p:nvCxnSpPr>
+          <p:spPr>
+            <a:xfrm flipV="1">
+              <a:off x="2123232" y="2472045"/>
+              <a:ext cx="196978" cy="215659"/>
+            </a:xfrm>
+            <a:prstGeom prst="line">
+              <a:avLst/>
+            </a:prstGeom>
+            <a:ln w="31750">
+              <a:solidFill>
+                <a:schemeClr val="tx1"/>
+              </a:solidFill>
+            </a:ln>
+          </p:spPr>
+          <p:style>
+            <a:lnRef idx="1">
+              <a:schemeClr val="accent1"/>
+            </a:lnRef>
+            <a:fillRef idx="0">
+              <a:schemeClr val="accent1"/>
+            </a:fillRef>
+            <a:effectRef idx="0">
+              <a:schemeClr val="accent1"/>
+            </a:effectRef>
+            <a:fontRef idx="minor">
+              <a:schemeClr val="tx1"/>
+            </a:fontRef>
+          </p:style>
+        </p:cxnSp>
+        <p:sp>
+          <p:nvSpPr>
+            <p:cNvPr id="50" name="TextBox 49"/>
+            <p:cNvSpPr txBox="1"/>
+            <p:nvPr/>
+          </p:nvSpPr>
+          <p:spPr>
+            <a:xfrm rot="18900000">
+              <a:off x="2025111" y="1363140"/>
+              <a:ext cx="1871137" cy="830946"/>
+            </a:xfrm>
+            <a:prstGeom prst="rect">
+              <a:avLst/>
+            </a:prstGeom>
+            <a:noFill/>
+          </p:spPr>
+          <p:txBody>
+            <a:bodyPr wrap="square" rtlCol="0">
+              <a:spAutoFit/>
+            </a:bodyPr>
+            <a:lstStyle/>
+            <a:p>
+              <a:r>
+                <a:rPr lang="en-CA" sz="1600" dirty="0">
+                  <a:latin typeface="Arial" panose="020B0604020202020204" pitchFamily="34" charset="0"/>
+                  <a:ea typeface="Cascadia Code" panose="020B0609020000020004" pitchFamily="49" charset="0"/>
+                  <a:cs typeface="Arial" panose="020B0604020202020204" pitchFamily="34" charset="0"/>
+                </a:rPr>
+                <a:t>c</a:t>
+              </a:r>
+              <a:r>
+                <a:rPr lang="en-CA" sz="1600" dirty="0" smtClean="0">
+                  <a:latin typeface="Arial" panose="020B0604020202020204" pitchFamily="34" charset="0"/>
+                  <a:ea typeface="Cascadia Code" panose="020B0609020000020004" pitchFamily="49" charset="0"/>
+                  <a:cs typeface="Arial" panose="020B0604020202020204" pitchFamily="34" charset="0"/>
+                </a:rPr>
+                <a:t>ommit </a:t>
+              </a:r>
+              <a:r>
+                <a:rPr lang="en-CA" sz="1600" dirty="0" smtClean="0">
+                  <a:latin typeface="Arial" panose="020B0604020202020204" pitchFamily="34" charset="0"/>
+                  <a:cs typeface="Arial" panose="020B0604020202020204" pitchFamily="34" charset="0"/>
+                </a:rPr>
+                <a:t>455fe2c</a:t>
+              </a:r>
+              <a:br>
+                <a:rPr lang="en-CA" sz="1600" dirty="0" smtClean="0">
+                  <a:latin typeface="Arial" panose="020B0604020202020204" pitchFamily="34" charset="0"/>
+                  <a:cs typeface="Arial" panose="020B0604020202020204" pitchFamily="34" charset="0"/>
+                </a:rPr>
+              </a:br>
+              <a:r>
+                <a:rPr lang="en-CA" sz="1600" dirty="0" smtClean="0">
+                  <a:latin typeface="Arial" panose="020B0604020202020204" pitchFamily="34" charset="0"/>
+                  <a:cs typeface="Arial" panose="020B0604020202020204" pitchFamily="34" charset="0"/>
+                </a:rPr>
+                <a:t>completed analysis section</a:t>
+              </a:r>
+              <a:endParaRPr lang="en-CA" sz="1600" dirty="0">
+                <a:latin typeface="Arial" panose="020B0604020202020204" pitchFamily="34" charset="0"/>
+                <a:ea typeface="Cascadia Code" panose="020B0609020000020004" pitchFamily="49" charset="0"/>
+                <a:cs typeface="Arial" panose="020B0604020202020204" pitchFamily="34" charset="0"/>
+              </a:endParaRPr>
+            </a:p>
+          </p:txBody>
+        </p:sp>
+        <p:sp>
+          <p:nvSpPr>
+            <p:cNvPr id="53" name="TextBox 52"/>
+            <p:cNvSpPr txBox="1"/>
+            <p:nvPr/>
+          </p:nvSpPr>
+          <p:spPr>
+            <a:xfrm rot="18900000">
+              <a:off x="3645766" y="1448077"/>
+              <a:ext cx="1871137" cy="593533"/>
+            </a:xfrm>
+            <a:prstGeom prst="rect">
+              <a:avLst/>
+            </a:prstGeom>
+            <a:noFill/>
+          </p:spPr>
+          <p:txBody>
+            <a:bodyPr wrap="square" rtlCol="0">
+              <a:spAutoFit/>
+            </a:bodyPr>
+            <a:lstStyle/>
+            <a:p>
+              <a:r>
+                <a:rPr lang="en-CA" sz="1600" dirty="0">
+                  <a:latin typeface="Arial" panose="020B0604020202020204" pitchFamily="34" charset="0"/>
+                  <a:ea typeface="Cascadia Code" panose="020B0609020000020004" pitchFamily="49" charset="0"/>
+                  <a:cs typeface="Arial" panose="020B0604020202020204" pitchFamily="34" charset="0"/>
+                </a:rPr>
+                <a:t>c</a:t>
+              </a:r>
+              <a:r>
+                <a:rPr lang="en-CA" sz="1600" dirty="0" smtClean="0">
+                  <a:latin typeface="Arial" panose="020B0604020202020204" pitchFamily="34" charset="0"/>
+                  <a:ea typeface="Cascadia Code" panose="020B0609020000020004" pitchFamily="49" charset="0"/>
+                  <a:cs typeface="Arial" panose="020B0604020202020204" pitchFamily="34" charset="0"/>
+                </a:rPr>
+                <a:t>ommit </a:t>
+              </a:r>
+              <a:r>
+                <a:rPr lang="en-CA" sz="1600" dirty="0">
+                  <a:latin typeface="Arial" panose="020B0604020202020204" pitchFamily="34" charset="0"/>
+                  <a:cs typeface="Arial" panose="020B0604020202020204" pitchFamily="34" charset="0"/>
+                </a:rPr>
+                <a:t>51003d7</a:t>
+              </a:r>
+              <a:r>
+                <a:rPr lang="en-CA" sz="1600" dirty="0" smtClean="0">
+                  <a:latin typeface="Arial" panose="020B0604020202020204" pitchFamily="34" charset="0"/>
+                  <a:cs typeface="Arial" panose="020B0604020202020204" pitchFamily="34" charset="0"/>
+                </a:rPr>
+                <a:t/>
+              </a:r>
+              <a:br>
+                <a:rPr lang="en-CA" sz="1600" dirty="0" smtClean="0">
+                  <a:latin typeface="Arial" panose="020B0604020202020204" pitchFamily="34" charset="0"/>
+                  <a:cs typeface="Arial" panose="020B0604020202020204" pitchFamily="34" charset="0"/>
+                </a:rPr>
+              </a:br>
+              <a:r>
+                <a:rPr lang="en-CA" sz="1600" dirty="0" smtClean="0">
+                  <a:latin typeface="Arial" panose="020B0604020202020204" pitchFamily="34" charset="0"/>
+                  <a:cs typeface="Arial" panose="020B0604020202020204" pitchFamily="34" charset="0"/>
+                </a:rPr>
+                <a:t>added figures</a:t>
+              </a:r>
+              <a:endParaRPr lang="en-CA" sz="1600" dirty="0">
+                <a:latin typeface="Arial" panose="020B0604020202020204" pitchFamily="34" charset="0"/>
+                <a:ea typeface="Cascadia Code" panose="020B0609020000020004" pitchFamily="49" charset="0"/>
+                <a:cs typeface="Arial" panose="020B0604020202020204" pitchFamily="34" charset="0"/>
+              </a:endParaRPr>
+            </a:p>
+          </p:txBody>
+        </p:sp>
+        <p:cxnSp>
+          <p:nvCxnSpPr>
+            <p:cNvPr id="54" name="Straight Connector 53"/>
+            <p:cNvCxnSpPr/>
+            <p:nvPr/>
+          </p:nvCxnSpPr>
+          <p:spPr>
+            <a:xfrm flipV="1">
+              <a:off x="3726851" y="2422911"/>
+              <a:ext cx="196978" cy="215659"/>
+            </a:xfrm>
+            <a:prstGeom prst="line">
+              <a:avLst/>
+            </a:prstGeom>
+            <a:ln w="31750">
+              <a:solidFill>
+                <a:schemeClr val="tx1"/>
+              </a:solidFill>
+            </a:ln>
+          </p:spPr>
+          <p:style>
+            <a:lnRef idx="1">
+              <a:schemeClr val="accent1"/>
+            </a:lnRef>
+            <a:fillRef idx="0">
+              <a:schemeClr val="accent1"/>
+            </a:fillRef>
+            <a:effectRef idx="0">
+              <a:schemeClr val="accent1"/>
+            </a:effectRef>
+            <a:fontRef idx="minor">
+              <a:schemeClr val="tx1"/>
+            </a:fontRef>
+          </p:style>
+        </p:cxnSp>
+        <p:sp>
+          <p:nvSpPr>
+            <p:cNvPr id="55" name="TextBox 54"/>
+            <p:cNvSpPr txBox="1"/>
+            <p:nvPr/>
+          </p:nvSpPr>
+          <p:spPr>
+            <a:xfrm rot="18900000">
+              <a:off x="5235498" y="1458508"/>
+              <a:ext cx="1871137" cy="593533"/>
+            </a:xfrm>
+            <a:prstGeom prst="rect">
+              <a:avLst/>
+            </a:prstGeom>
+            <a:noFill/>
+          </p:spPr>
+          <p:txBody>
+            <a:bodyPr wrap="square" rtlCol="0">
+              <a:spAutoFit/>
+            </a:bodyPr>
+            <a:lstStyle/>
+            <a:p>
+              <a:r>
+                <a:rPr lang="en-CA" sz="1600" dirty="0">
+                  <a:latin typeface="Arial" panose="020B0604020202020204" pitchFamily="34" charset="0"/>
+                  <a:ea typeface="Cascadia Code" panose="020B0609020000020004" pitchFamily="49" charset="0"/>
+                  <a:cs typeface="Arial" panose="020B0604020202020204" pitchFamily="34" charset="0"/>
+                </a:rPr>
+                <a:t>commit 3563aa1</a:t>
+              </a:r>
+              <a:r>
+                <a:rPr lang="en-CA" sz="1600" dirty="0" smtClean="0">
+                  <a:latin typeface="Arial" panose="020B0604020202020204" pitchFamily="34" charset="0"/>
+                  <a:cs typeface="Arial" panose="020B0604020202020204" pitchFamily="34" charset="0"/>
+                </a:rPr>
+                <a:t/>
+              </a:r>
+              <a:br>
+                <a:rPr lang="en-CA" sz="1600" dirty="0" smtClean="0">
+                  <a:latin typeface="Arial" panose="020B0604020202020204" pitchFamily="34" charset="0"/>
+                  <a:cs typeface="Arial" panose="020B0604020202020204" pitchFamily="34" charset="0"/>
+                </a:rPr>
+              </a:br>
+              <a:r>
+                <a:rPr lang="en-CA" sz="1600" dirty="0" smtClean="0">
+                  <a:latin typeface="Arial" panose="020B0604020202020204" pitchFamily="34" charset="0"/>
+                  <a:cs typeface="Arial" panose="020B0604020202020204" pitchFamily="34" charset="0"/>
+                </a:rPr>
+                <a:t>added authors</a:t>
+              </a:r>
+              <a:endParaRPr lang="en-CA" sz="1600" dirty="0">
+                <a:latin typeface="Arial" panose="020B0604020202020204" pitchFamily="34" charset="0"/>
+                <a:ea typeface="Cascadia Code" panose="020B0609020000020004" pitchFamily="49" charset="0"/>
+                <a:cs typeface="Arial" panose="020B0604020202020204" pitchFamily="34" charset="0"/>
+              </a:endParaRPr>
+            </a:p>
+          </p:txBody>
+        </p:sp>
+      </p:grpSp>
+      <p:grpSp>
+        <p:nvGrpSpPr>
+          <p:cNvPr id="72" name="Group 71"/>
+          <p:cNvGrpSpPr/>
+          <p:nvPr/>
+        </p:nvGrpSpPr>
+        <p:grpSpPr>
+          <a:xfrm>
+            <a:off x="773056" y="3944274"/>
+            <a:ext cx="5744321" cy="1589751"/>
+            <a:chOff x="773056" y="3944274"/>
+            <a:chExt cx="5744321" cy="1589751"/>
+          </a:xfrm>
+        </p:grpSpPr>
+        <p:cxnSp>
+          <p:nvCxnSpPr>
+            <p:cNvPr id="61" name="Straight Connector 60"/>
+            <p:cNvCxnSpPr/>
+            <p:nvPr/>
+          </p:nvCxnSpPr>
+          <p:spPr>
+            <a:xfrm flipV="1">
+              <a:off x="6119914" y="4207193"/>
+              <a:ext cx="196978" cy="215659"/>
+            </a:xfrm>
+            <a:prstGeom prst="line">
+              <a:avLst/>
+            </a:prstGeom>
+            <a:ln w="31750">
+              <a:solidFill>
+                <a:schemeClr val="tx1"/>
+              </a:solidFill>
+            </a:ln>
+          </p:spPr>
+          <p:style>
+            <a:lnRef idx="1">
+              <a:schemeClr val="accent1"/>
+            </a:lnRef>
+            <a:fillRef idx="0">
+              <a:schemeClr val="accent1"/>
+            </a:fillRef>
+            <a:effectRef idx="0">
+              <a:schemeClr val="accent1"/>
+            </a:effectRef>
+            <a:fontRef idx="minor">
+              <a:schemeClr val="tx1"/>
+            </a:fontRef>
+          </p:style>
+        </p:cxnSp>
+        <p:cxnSp>
+          <p:nvCxnSpPr>
+            <p:cNvPr id="59" name="Straight Connector 58"/>
+            <p:cNvCxnSpPr/>
+            <p:nvPr/>
+          </p:nvCxnSpPr>
+          <p:spPr>
+            <a:xfrm flipV="1">
+              <a:off x="3808176" y="4207193"/>
+              <a:ext cx="196978" cy="215659"/>
+            </a:xfrm>
+            <a:prstGeom prst="line">
+              <a:avLst/>
+            </a:prstGeom>
+            <a:ln w="31750">
+              <a:solidFill>
+                <a:schemeClr val="tx1"/>
+              </a:solidFill>
+            </a:ln>
+          </p:spPr>
+          <p:style>
+            <a:lnRef idx="1">
+              <a:schemeClr val="accent1"/>
+            </a:lnRef>
+            <a:fillRef idx="0">
+              <a:schemeClr val="accent1"/>
+            </a:fillRef>
+            <a:effectRef idx="0">
+              <a:schemeClr val="accent1"/>
+            </a:effectRef>
+            <a:fontRef idx="minor">
+              <a:schemeClr val="tx1"/>
+            </a:fontRef>
+          </p:style>
+        </p:cxnSp>
+        <p:cxnSp>
+          <p:nvCxnSpPr>
+            <p:cNvPr id="57" name="Straight Connector 56"/>
+            <p:cNvCxnSpPr/>
+            <p:nvPr/>
+          </p:nvCxnSpPr>
+          <p:spPr>
+            <a:xfrm flipV="1">
+              <a:off x="2385234" y="4194772"/>
+              <a:ext cx="196978" cy="215659"/>
+            </a:xfrm>
+            <a:prstGeom prst="line">
+              <a:avLst/>
+            </a:prstGeom>
+            <a:ln w="31750">
+              <a:solidFill>
+                <a:schemeClr val="tx1"/>
+              </a:solidFill>
+            </a:ln>
+          </p:spPr>
+          <p:style>
+            <a:lnRef idx="1">
+              <a:schemeClr val="accent1"/>
+            </a:lnRef>
+            <a:fillRef idx="0">
+              <a:schemeClr val="accent1"/>
+            </a:fillRef>
+            <a:effectRef idx="0">
+              <a:schemeClr val="accent1"/>
+            </a:effectRef>
+            <a:fontRef idx="minor">
+              <a:schemeClr val="tx1"/>
+            </a:fontRef>
+          </p:style>
+        </p:cxnSp>
+        <p:sp>
+          <p:nvSpPr>
+            <p:cNvPr id="37" name="Oval 36"/>
+            <p:cNvSpPr/>
+            <p:nvPr/>
+          </p:nvSpPr>
+          <p:spPr>
+            <a:xfrm>
+              <a:off x="2527459" y="3944274"/>
+              <a:ext cx="251240" cy="265863"/>
+            </a:xfrm>
+            <a:prstGeom prst="ellipse">
+              <a:avLst/>
+            </a:prstGeom>
+            <a:solidFill>
+              <a:schemeClr val="bg1"/>
+            </a:solidFill>
+            <a:ln w="63500">
+              <a:solidFill>
+                <a:schemeClr val="accent6"/>
+              </a:solidFill>
+            </a:ln>
+          </p:spPr>
+          <p:style>
+            <a:lnRef idx="2">
+              <a:schemeClr val="accent1">
+                <a:shade val="50000"/>
+              </a:schemeClr>
+            </a:lnRef>
+            <a:fillRef idx="1">
+              <a:schemeClr val="accent1"/>
+            </a:fillRef>
+            <a:effectRef idx="0">
+              <a:schemeClr val="accent1"/>
+            </a:effectRef>
+            <a:fontRef idx="minor">
+              <a:schemeClr val="lt1"/>
+            </a:fontRef>
+          </p:style>
+          <p:txBody>
+            <a:bodyPr rtlCol="0" anchor="ctr"/>
+            <a:lstStyle/>
+            <a:p>
+              <a:pPr algn="ctr"/>
+              <a:endParaRPr lang="en-CA"/>
+            </a:p>
+          </p:txBody>
+        </p:sp>
+        <p:sp>
+          <p:nvSpPr>
+            <p:cNvPr id="38" name="Oval 37"/>
+            <p:cNvSpPr/>
+            <p:nvPr/>
+          </p:nvSpPr>
+          <p:spPr>
+            <a:xfrm>
+              <a:off x="3945120" y="3944274"/>
+              <a:ext cx="251240" cy="265863"/>
+            </a:xfrm>
+            <a:prstGeom prst="ellipse">
+              <a:avLst/>
+            </a:prstGeom>
+            <a:solidFill>
+              <a:schemeClr val="bg1"/>
+            </a:solidFill>
+            <a:ln w="63500">
+              <a:solidFill>
+                <a:schemeClr val="accent6"/>
+              </a:solidFill>
+            </a:ln>
+          </p:spPr>
+          <p:style>
+            <a:lnRef idx="2">
+              <a:schemeClr val="accent1">
+                <a:shade val="50000"/>
+              </a:schemeClr>
+            </a:lnRef>
+            <a:fillRef idx="1">
+              <a:schemeClr val="accent1"/>
+            </a:fillRef>
+            <a:effectRef idx="0">
+              <a:schemeClr val="accent1"/>
+            </a:effectRef>
+            <a:fontRef idx="minor">
+              <a:schemeClr val="lt1"/>
+            </a:fontRef>
+          </p:style>
+          <p:txBody>
+            <a:bodyPr rtlCol="0" anchor="ctr"/>
+            <a:lstStyle/>
+            <a:p>
+              <a:pPr algn="ctr"/>
+              <a:endParaRPr lang="en-CA"/>
+            </a:p>
+          </p:txBody>
+        </p:sp>
+        <p:sp>
+          <p:nvSpPr>
+            <p:cNvPr id="39" name="Oval 38"/>
+            <p:cNvSpPr/>
+            <p:nvPr/>
+          </p:nvSpPr>
+          <p:spPr>
+            <a:xfrm>
+              <a:off x="6266137" y="3944274"/>
+              <a:ext cx="251240" cy="265863"/>
+            </a:xfrm>
+            <a:prstGeom prst="ellipse">
+              <a:avLst/>
+            </a:prstGeom>
+            <a:solidFill>
+              <a:schemeClr val="bg1"/>
+            </a:solidFill>
+            <a:ln w="63500">
+              <a:solidFill>
+                <a:schemeClr val="accent6"/>
+              </a:solidFill>
+            </a:ln>
+          </p:spPr>
+          <p:style>
+            <a:lnRef idx="2">
+              <a:schemeClr val="accent1">
+                <a:shade val="50000"/>
+              </a:schemeClr>
+            </a:lnRef>
+            <a:fillRef idx="1">
+              <a:schemeClr val="accent1"/>
+            </a:fillRef>
+            <a:effectRef idx="0">
+              <a:schemeClr val="accent1"/>
+            </a:effectRef>
+            <a:fontRef idx="minor">
+              <a:schemeClr val="lt1"/>
+            </a:fontRef>
+          </p:style>
+          <p:txBody>
+            <a:bodyPr rtlCol="0" anchor="ctr"/>
+            <a:lstStyle/>
+            <a:p>
+              <a:pPr algn="ctr"/>
+              <a:endParaRPr lang="en-CA"/>
+            </a:p>
+          </p:txBody>
+        </p:sp>
+        <p:sp>
+          <p:nvSpPr>
+            <p:cNvPr id="58" name="TextBox 57"/>
+            <p:cNvSpPr txBox="1"/>
+            <p:nvPr/>
+          </p:nvSpPr>
+          <p:spPr>
+            <a:xfrm rot="18900000">
+              <a:off x="773056" y="4690659"/>
+              <a:ext cx="1871137" cy="830946"/>
+            </a:xfrm>
+            <a:prstGeom prst="rect">
+              <a:avLst/>
+            </a:prstGeom>
+            <a:noFill/>
+          </p:spPr>
+          <p:txBody>
+            <a:bodyPr wrap="square" rtlCol="0">
+              <a:spAutoFit/>
+            </a:bodyPr>
+            <a:lstStyle/>
+            <a:p>
+              <a:pPr algn="r"/>
+              <a:r>
+                <a:rPr lang="en-CA" sz="1600" dirty="0">
+                  <a:latin typeface="Arial" panose="020B0604020202020204" pitchFamily="34" charset="0"/>
+                  <a:ea typeface="Cascadia Code" panose="020B0609020000020004" pitchFamily="49" charset="0"/>
+                  <a:cs typeface="Arial" panose="020B0604020202020204" pitchFamily="34" charset="0"/>
+                </a:rPr>
+                <a:t>c</a:t>
+              </a:r>
+              <a:r>
+                <a:rPr lang="en-CA" sz="1600" dirty="0" smtClean="0">
+                  <a:latin typeface="Arial" panose="020B0604020202020204" pitchFamily="34" charset="0"/>
+                  <a:ea typeface="Cascadia Code" panose="020B0609020000020004" pitchFamily="49" charset="0"/>
+                  <a:cs typeface="Arial" panose="020B0604020202020204" pitchFamily="34" charset="0"/>
+                </a:rPr>
+                <a:t>ommit </a:t>
+              </a:r>
+              <a:r>
+                <a:rPr lang="en-CA" sz="1600" dirty="0">
+                  <a:latin typeface="Arial" panose="020B0604020202020204" pitchFamily="34" charset="0"/>
+                  <a:cs typeface="Arial" panose="020B0604020202020204" pitchFamily="34" charset="0"/>
+                </a:rPr>
+                <a:t>c5f82be</a:t>
+              </a:r>
+              <a:r>
+                <a:rPr lang="en-CA" sz="1600" dirty="0" smtClean="0">
+                  <a:latin typeface="Arial" panose="020B0604020202020204" pitchFamily="34" charset="0"/>
+                  <a:cs typeface="Arial" panose="020B0604020202020204" pitchFamily="34" charset="0"/>
+                </a:rPr>
+                <a:t/>
+              </a:r>
+              <a:br>
+                <a:rPr lang="en-CA" sz="1600" dirty="0" smtClean="0">
+                  <a:latin typeface="Arial" panose="020B0604020202020204" pitchFamily="34" charset="0"/>
+                  <a:cs typeface="Arial" panose="020B0604020202020204" pitchFamily="34" charset="0"/>
+                </a:rPr>
+              </a:br>
+              <a:r>
+                <a:rPr lang="en-CA" sz="1600" dirty="0" smtClean="0">
+                  <a:latin typeface="Arial" panose="020B0604020202020204" pitchFamily="34" charset="0"/>
+                  <a:cs typeface="Arial" panose="020B0604020202020204" pitchFamily="34" charset="0"/>
+                </a:rPr>
+                <a:t>drafted methods section</a:t>
+              </a:r>
+              <a:endParaRPr lang="en-CA" sz="1600" dirty="0">
+                <a:latin typeface="Arial" panose="020B0604020202020204" pitchFamily="34" charset="0"/>
+                <a:ea typeface="Cascadia Code" panose="020B0609020000020004" pitchFamily="49" charset="0"/>
+                <a:cs typeface="Arial" panose="020B0604020202020204" pitchFamily="34" charset="0"/>
+              </a:endParaRPr>
+            </a:p>
+          </p:txBody>
+        </p:sp>
+        <p:sp>
+          <p:nvSpPr>
+            <p:cNvPr id="60" name="TextBox 59"/>
+            <p:cNvSpPr txBox="1"/>
+            <p:nvPr/>
+          </p:nvSpPr>
+          <p:spPr>
+            <a:xfrm rot="18900000">
+              <a:off x="2195998" y="4703079"/>
+              <a:ext cx="1871137" cy="830946"/>
+            </a:xfrm>
+            <a:prstGeom prst="rect">
+              <a:avLst/>
+            </a:prstGeom>
+            <a:noFill/>
+          </p:spPr>
+          <p:txBody>
+            <a:bodyPr wrap="square" rtlCol="0">
+              <a:spAutoFit/>
+            </a:bodyPr>
+            <a:lstStyle/>
+            <a:p>
+              <a:pPr algn="r"/>
+              <a:r>
+                <a:rPr lang="en-CA" sz="1600" dirty="0">
+                  <a:latin typeface="Arial" panose="020B0604020202020204" pitchFamily="34" charset="0"/>
+                  <a:ea typeface="Cascadia Code" panose="020B0609020000020004" pitchFamily="49" charset="0"/>
+                  <a:cs typeface="Arial" panose="020B0604020202020204" pitchFamily="34" charset="0"/>
+                </a:rPr>
+                <a:t>c</a:t>
+              </a:r>
+              <a:r>
+                <a:rPr lang="en-CA" sz="1600" dirty="0" smtClean="0">
+                  <a:latin typeface="Arial" panose="020B0604020202020204" pitchFamily="34" charset="0"/>
+                  <a:ea typeface="Cascadia Code" panose="020B0609020000020004" pitchFamily="49" charset="0"/>
+                  <a:cs typeface="Arial" panose="020B0604020202020204" pitchFamily="34" charset="0"/>
+                </a:rPr>
+                <a:t>ommit </a:t>
+              </a:r>
+              <a:r>
+                <a:rPr lang="en-CA" sz="1600" dirty="0">
+                  <a:latin typeface="Arial" panose="020B0604020202020204" pitchFamily="34" charset="0"/>
+                  <a:cs typeface="Arial" panose="020B0604020202020204" pitchFamily="34" charset="0"/>
+                </a:rPr>
+                <a:t>28eb227</a:t>
+              </a:r>
+              <a:r>
+                <a:rPr lang="en-CA" sz="1600" dirty="0" smtClean="0">
+                  <a:latin typeface="Arial" panose="020B0604020202020204" pitchFamily="34" charset="0"/>
+                  <a:cs typeface="Arial" panose="020B0604020202020204" pitchFamily="34" charset="0"/>
+                </a:rPr>
+                <a:t/>
+              </a:r>
+              <a:br>
+                <a:rPr lang="en-CA" sz="1600" dirty="0" smtClean="0">
+                  <a:latin typeface="Arial" panose="020B0604020202020204" pitchFamily="34" charset="0"/>
+                  <a:cs typeface="Arial" panose="020B0604020202020204" pitchFamily="34" charset="0"/>
+                </a:rPr>
+              </a:br>
+              <a:r>
+                <a:rPr lang="en-CA" sz="1600" dirty="0" smtClean="0">
+                  <a:latin typeface="Arial" panose="020B0604020202020204" pitchFamily="34" charset="0"/>
+                  <a:cs typeface="Arial" panose="020B0604020202020204" pitchFamily="34" charset="0"/>
+                </a:rPr>
+                <a:t>edited methods section</a:t>
+              </a:r>
+              <a:endParaRPr lang="en-CA" sz="1600" dirty="0">
+                <a:latin typeface="Arial" panose="020B0604020202020204" pitchFamily="34" charset="0"/>
+                <a:ea typeface="Cascadia Code" panose="020B0609020000020004" pitchFamily="49" charset="0"/>
+                <a:cs typeface="Arial" panose="020B0604020202020204" pitchFamily="34" charset="0"/>
+              </a:endParaRPr>
+            </a:p>
+          </p:txBody>
+        </p:sp>
+        <p:sp>
+          <p:nvSpPr>
+            <p:cNvPr id="62" name="TextBox 61"/>
+            <p:cNvSpPr txBox="1"/>
+            <p:nvPr/>
+          </p:nvSpPr>
+          <p:spPr>
+            <a:xfrm rot="18900000">
+              <a:off x="4507736" y="4703079"/>
+              <a:ext cx="1871137" cy="830946"/>
+            </a:xfrm>
+            <a:prstGeom prst="rect">
+              <a:avLst/>
+            </a:prstGeom>
+            <a:noFill/>
+          </p:spPr>
+          <p:txBody>
+            <a:bodyPr wrap="square" rtlCol="0">
+              <a:spAutoFit/>
+            </a:bodyPr>
+            <a:lstStyle/>
+            <a:p>
+              <a:pPr algn="r"/>
+              <a:r>
+                <a:rPr lang="en-CA" sz="1600" dirty="0">
+                  <a:latin typeface="Arial" panose="020B0604020202020204" pitchFamily="34" charset="0"/>
+                  <a:ea typeface="Cascadia Code" panose="020B0609020000020004" pitchFamily="49" charset="0"/>
+                  <a:cs typeface="Arial" panose="020B0604020202020204" pitchFamily="34" charset="0"/>
+                </a:rPr>
+                <a:t>c</a:t>
+              </a:r>
+              <a:r>
+                <a:rPr lang="en-CA" sz="1600" dirty="0" smtClean="0">
+                  <a:latin typeface="Arial" panose="020B0604020202020204" pitchFamily="34" charset="0"/>
+                  <a:ea typeface="Cascadia Code" panose="020B0609020000020004" pitchFamily="49" charset="0"/>
+                  <a:cs typeface="Arial" panose="020B0604020202020204" pitchFamily="34" charset="0"/>
+                </a:rPr>
+                <a:t>ommit </a:t>
+              </a:r>
+              <a:r>
+                <a:rPr lang="en-CA" sz="1600" dirty="0">
+                  <a:latin typeface="Arial" panose="020B0604020202020204" pitchFamily="34" charset="0"/>
+                  <a:cs typeface="Arial" panose="020B0604020202020204" pitchFamily="34" charset="0"/>
+                </a:rPr>
+                <a:t>f0e0249</a:t>
+              </a:r>
+              <a:r>
+                <a:rPr lang="en-CA" sz="1600" dirty="0" smtClean="0">
+                  <a:latin typeface="Arial" panose="020B0604020202020204" pitchFamily="34" charset="0"/>
+                  <a:cs typeface="Arial" panose="020B0604020202020204" pitchFamily="34" charset="0"/>
+                </a:rPr>
+                <a:t/>
+              </a:r>
+              <a:br>
+                <a:rPr lang="en-CA" sz="1600" dirty="0" smtClean="0">
+                  <a:latin typeface="Arial" panose="020B0604020202020204" pitchFamily="34" charset="0"/>
+                  <a:cs typeface="Arial" panose="020B0604020202020204" pitchFamily="34" charset="0"/>
+                </a:rPr>
+              </a:br>
+              <a:r>
+                <a:rPr lang="en-CA" sz="1600" dirty="0" smtClean="0">
+                  <a:latin typeface="Arial" panose="020B0604020202020204" pitchFamily="34" charset="0"/>
+                  <a:cs typeface="Arial" panose="020B0604020202020204" pitchFamily="34" charset="0"/>
+                </a:rPr>
+                <a:t>finalized methods section</a:t>
+              </a:r>
+              <a:endParaRPr lang="en-CA" sz="1600" dirty="0">
+                <a:latin typeface="Arial" panose="020B0604020202020204" pitchFamily="34" charset="0"/>
+                <a:ea typeface="Cascadia Code" panose="020B0609020000020004" pitchFamily="49" charset="0"/>
+                <a:cs typeface="Arial" panose="020B0604020202020204" pitchFamily="34" charset="0"/>
+              </a:endParaRPr>
+            </a:p>
+          </p:txBody>
+        </p:sp>
+      </p:grpSp>
+    </p:spTree>
+    <p:extLst>
+      <p:ext uri="{BB962C8B-B14F-4D97-AF65-F5344CB8AC3E}">
+        <p14:creationId xmlns:p14="http://schemas.microsoft.com/office/powerpoint/2010/main" val="522531502"/>
+      </p:ext>
+    </p:extLst>
+  </p:cSld>
+  <p:clrMapOvr>
+    <a:masterClrMapping/>
+  </p:clrMapOvr>
+  <p:timing>
+    <p:tnLst>
+      <p:par>
+        <p:cTn id="1" dur="indefinite" restart="never" nodeType="tmRoot"/>
+      </p:par>
+    </p:tnLst>
+  </p:timing>
+</p:sld>
+</file>
+
+<file path=ppt/slides/slide18.xml><?xml version="1.0" encoding="utf-8"?>
+<p:sld xmlns:a="http://schemas.openxmlformats.org/drawingml/2006/main" xmlns:r="http://schemas.openxmlformats.org/officeDocument/2006/relationships" xmlns:p="http://schemas.openxmlformats.org/presentationml/2006/main">
+  <p:cSld>
+    <p:spTree>
+      <p:nvGrpSpPr>
+        <p:cNvPr id="1" name=""/>
+        <p:cNvGrpSpPr/>
+        <p:nvPr/>
+      </p:nvGrpSpPr>
+      <p:grpSpPr>
+        <a:xfrm>
+          <a:off x="0" y="0"/>
+          <a:ext cx="0" cy="0"/>
+          <a:chOff x="0" y="0"/>
+          <a:chExt cx="0" cy="0"/>
+        </a:xfrm>
+      </p:grpSpPr>
+      <p:grpSp>
+        <p:nvGrpSpPr>
+          <p:cNvPr id="71" name="Group 70"/>
+          <p:cNvGrpSpPr/>
+          <p:nvPr/>
+        </p:nvGrpSpPr>
+        <p:grpSpPr>
+          <a:xfrm>
+            <a:off x="1103884" y="2914633"/>
+            <a:ext cx="5678092" cy="1162572"/>
+            <a:chOff x="1103884" y="2914633"/>
+            <a:chExt cx="5678092" cy="1162572"/>
+          </a:xfrm>
+        </p:grpSpPr>
+        <p:cxnSp>
+          <p:nvCxnSpPr>
+            <p:cNvPr id="28" name="Straight Arrow Connector 27"/>
+            <p:cNvCxnSpPr>
+              <a:endCxn id="4" idx="4"/>
+            </p:cNvCxnSpPr>
+            <p:nvPr/>
+          </p:nvCxnSpPr>
+          <p:spPr>
+            <a:xfrm flipV="1">
+              <a:off x="2034404" y="2914633"/>
+              <a:ext cx="1" cy="1162572"/>
+            </a:xfrm>
+            <a:prstGeom prst="straightConnector1">
+              <a:avLst/>
+            </a:prstGeom>
+            <a:ln w="63500">
+              <a:solidFill>
+                <a:schemeClr val="accent6"/>
+              </a:solidFill>
+              <a:tailEnd type="none"/>
+            </a:ln>
+          </p:spPr>
+          <p:style>
+            <a:lnRef idx="1">
+              <a:schemeClr val="accent1"/>
+            </a:lnRef>
+            <a:fillRef idx="0">
+              <a:schemeClr val="accent1"/>
+            </a:fillRef>
+            <a:effectRef idx="0">
+              <a:schemeClr val="accent1"/>
+            </a:effectRef>
+            <a:fontRef idx="minor">
+              <a:schemeClr val="tx1"/>
+            </a:fontRef>
+          </p:style>
+        </p:cxnSp>
+        <p:cxnSp>
+          <p:nvCxnSpPr>
+            <p:cNvPr id="11" name="Straight Arrow Connector 10"/>
+            <p:cNvCxnSpPr/>
+            <p:nvPr/>
+          </p:nvCxnSpPr>
+          <p:spPr>
+            <a:xfrm>
+              <a:off x="2005348" y="4077205"/>
+              <a:ext cx="4776628" cy="0"/>
+            </a:xfrm>
+            <a:prstGeom prst="straightConnector1">
+              <a:avLst/>
+            </a:prstGeom>
+            <a:ln w="63500">
+              <a:solidFill>
+                <a:schemeClr val="accent6"/>
+              </a:solidFill>
+              <a:tailEnd type="none"/>
+            </a:ln>
+          </p:spPr>
+          <p:style>
+            <a:lnRef idx="1">
+              <a:schemeClr val="accent1"/>
+            </a:lnRef>
+            <a:fillRef idx="0">
+              <a:schemeClr val="accent1"/>
+            </a:fillRef>
+            <a:effectRef idx="0">
+              <a:schemeClr val="accent1"/>
+            </a:effectRef>
+            <a:fontRef idx="minor">
+              <a:schemeClr val="tx1"/>
+            </a:fontRef>
+          </p:style>
+        </p:cxnSp>
+        <p:sp>
+          <p:nvSpPr>
+            <p:cNvPr id="41" name="TextBox 40"/>
+            <p:cNvSpPr txBox="1"/>
+            <p:nvPr/>
+          </p:nvSpPr>
+          <p:spPr>
+            <a:xfrm>
+              <a:off x="4259388" y="3593647"/>
+              <a:ext cx="2019570" cy="430887"/>
+            </a:xfrm>
+            <a:prstGeom prst="rect">
+              <a:avLst/>
+            </a:prstGeom>
+            <a:noFill/>
+          </p:spPr>
+          <p:txBody>
+            <a:bodyPr wrap="square" rtlCol="0">
+              <a:spAutoFit/>
+            </a:bodyPr>
+            <a:lstStyle/>
+            <a:p>
+              <a:r>
+                <a:rPr lang="en-CA" sz="2200" dirty="0">
+                  <a:solidFill>
+                    <a:schemeClr val="accent6"/>
+                  </a:solidFill>
+                  <a:latin typeface="Cascadia Code" panose="020B0609020000020004" pitchFamily="49" charset="0"/>
+                  <a:ea typeface="Cascadia Code" panose="020B0609020000020004" pitchFamily="49" charset="0"/>
+                  <a:cs typeface="Cascadia Code" panose="020B0609020000020004" pitchFamily="49" charset="0"/>
+                </a:rPr>
+                <a:t>a</a:t>
+              </a:r>
+              <a:r>
+                <a:rPr lang="en-CA" sz="2200" dirty="0" smtClean="0">
+                  <a:solidFill>
+                    <a:schemeClr val="accent6"/>
+                  </a:solidFill>
+                  <a:latin typeface="Cascadia Code" panose="020B0609020000020004" pitchFamily="49" charset="0"/>
+                  <a:ea typeface="Cascadia Code" panose="020B0609020000020004" pitchFamily="49" charset="0"/>
+                  <a:cs typeface="Cascadia Code" panose="020B0609020000020004" pitchFamily="49" charset="0"/>
+                </a:rPr>
+                <a:t>dd-methods</a:t>
+              </a:r>
+              <a:endParaRPr lang="en-CA" sz="2200" dirty="0">
+                <a:solidFill>
+                  <a:schemeClr val="accent6"/>
+                </a:solidFill>
+                <a:latin typeface="Cascadia Code" panose="020B0609020000020004" pitchFamily="49" charset="0"/>
+                <a:ea typeface="Cascadia Code" panose="020B0609020000020004" pitchFamily="49" charset="0"/>
+                <a:cs typeface="Cascadia Code" panose="020B0609020000020004" pitchFamily="49" charset="0"/>
+              </a:endParaRPr>
+            </a:p>
+          </p:txBody>
+        </p:sp>
+        <p:sp>
+          <p:nvSpPr>
+            <p:cNvPr id="42" name="TextBox 41"/>
+            <p:cNvSpPr txBox="1"/>
+            <p:nvPr/>
+          </p:nvSpPr>
+          <p:spPr>
+            <a:xfrm>
+              <a:off x="1103884" y="3298074"/>
+              <a:ext cx="930520" cy="369332"/>
+            </a:xfrm>
+            <a:prstGeom prst="rect">
+              <a:avLst/>
+            </a:prstGeom>
+            <a:noFill/>
+          </p:spPr>
+          <p:txBody>
+            <a:bodyPr wrap="square" rtlCol="0">
+              <a:spAutoFit/>
+            </a:bodyPr>
+            <a:lstStyle/>
+            <a:p>
+              <a:r>
+                <a:rPr lang="en-CA" i="1" dirty="0" smtClean="0">
+                  <a:latin typeface="Arial" panose="020B0604020202020204" pitchFamily="34" charset="0"/>
+                  <a:ea typeface="Cascadia Code" panose="020B0609020000020004" pitchFamily="49" charset="0"/>
+                  <a:cs typeface="Arial" panose="020B0604020202020204" pitchFamily="34" charset="0"/>
+                </a:rPr>
+                <a:t>branch</a:t>
+              </a:r>
+              <a:endParaRPr lang="en-CA" i="1" dirty="0">
+                <a:latin typeface="Arial" panose="020B0604020202020204" pitchFamily="34" charset="0"/>
+                <a:ea typeface="Cascadia Code" panose="020B0609020000020004" pitchFamily="49" charset="0"/>
+                <a:cs typeface="Arial" panose="020B0604020202020204" pitchFamily="34" charset="0"/>
+              </a:endParaRPr>
+            </a:p>
+          </p:txBody>
+        </p:sp>
+      </p:grpSp>
+      <p:cxnSp>
+        <p:nvCxnSpPr>
+          <p:cNvPr id="3" name="Straight Arrow Connector 2"/>
+          <p:cNvCxnSpPr/>
+          <p:nvPr/>
+        </p:nvCxnSpPr>
+        <p:spPr>
+          <a:xfrm>
+            <a:off x="936134" y="2781701"/>
+            <a:ext cx="10493865" cy="0"/>
+          </a:xfrm>
+          <a:prstGeom prst="straightConnector1">
+            <a:avLst/>
+          </a:prstGeom>
+          <a:ln w="63500">
+            <a:solidFill>
+              <a:schemeClr val="accent5"/>
+            </a:solidFill>
+            <a:tailEnd type="triangle"/>
+          </a:ln>
+        </p:spPr>
+        <p:style>
+          <a:lnRef idx="1">
+            <a:schemeClr val="accent1"/>
+          </a:lnRef>
+          <a:fillRef idx="0">
+            <a:schemeClr val="accent1"/>
+          </a:fillRef>
+          <a:effectRef idx="0">
+            <a:schemeClr val="accent1"/>
+          </a:effectRef>
+          <a:fontRef idx="minor">
+            <a:schemeClr val="tx1"/>
+          </a:fontRef>
+        </p:style>
+      </p:cxnSp>
+      <p:sp>
+        <p:nvSpPr>
+          <p:cNvPr id="4" name="Oval 3"/>
+          <p:cNvSpPr/>
+          <p:nvPr/>
+        </p:nvSpPr>
+        <p:spPr>
+          <a:xfrm>
+            <a:off x="1908784" y="2648770"/>
+            <a:ext cx="251240" cy="265863"/>
+          </a:xfrm>
+          <a:prstGeom prst="ellipse">
+            <a:avLst/>
+          </a:prstGeom>
+          <a:solidFill>
+            <a:schemeClr val="bg1"/>
+          </a:solidFill>
+          <a:ln w="63500">
+            <a:solidFill>
+              <a:schemeClr val="accent5"/>
+            </a:solidFill>
+          </a:ln>
+        </p:spPr>
+        <p:style>
+          <a:lnRef idx="2">
+            <a:schemeClr val="accent1">
+              <a:shade val="50000"/>
+            </a:schemeClr>
+          </a:lnRef>
+          <a:fillRef idx="1">
+            <a:schemeClr val="accent1"/>
+          </a:fillRef>
+          <a:effectRef idx="0">
+            <a:schemeClr val="accent1"/>
+          </a:effectRef>
+          <a:fontRef idx="minor">
+            <a:schemeClr val="lt1"/>
+          </a:fontRef>
+        </p:style>
+        <p:txBody>
+          <a:bodyPr rtlCol="0" anchor="ctr"/>
+          <a:lstStyle/>
+          <a:p>
+            <a:pPr algn="ctr"/>
+            <a:endParaRPr lang="en-CA"/>
+          </a:p>
+        </p:txBody>
+      </p:sp>
+      <p:sp>
+        <p:nvSpPr>
+          <p:cNvPr id="5" name="Oval 4"/>
+          <p:cNvSpPr/>
+          <p:nvPr/>
+        </p:nvSpPr>
+        <p:spPr>
+          <a:xfrm>
+            <a:off x="3522991" y="2641554"/>
+            <a:ext cx="251240" cy="265863"/>
+          </a:xfrm>
+          <a:prstGeom prst="ellipse">
+            <a:avLst/>
+          </a:prstGeom>
+          <a:solidFill>
+            <a:schemeClr val="bg1"/>
+          </a:solidFill>
+          <a:ln w="63500">
+            <a:solidFill>
+              <a:schemeClr val="accent5"/>
+            </a:solidFill>
+          </a:ln>
+        </p:spPr>
+        <p:style>
+          <a:lnRef idx="2">
+            <a:schemeClr val="accent1">
+              <a:shade val="50000"/>
+            </a:schemeClr>
+          </a:lnRef>
+          <a:fillRef idx="1">
+            <a:schemeClr val="accent1"/>
+          </a:fillRef>
+          <a:effectRef idx="0">
+            <a:schemeClr val="accent1"/>
+          </a:effectRef>
+          <a:fontRef idx="minor">
+            <a:schemeClr val="lt1"/>
+          </a:fontRef>
+        </p:style>
+        <p:txBody>
+          <a:bodyPr rtlCol="0" anchor="ctr"/>
+          <a:lstStyle/>
+          <a:p>
+            <a:pPr algn="ctr"/>
+            <a:endParaRPr lang="en-CA"/>
+          </a:p>
+        </p:txBody>
+      </p:sp>
+      <p:sp>
+        <p:nvSpPr>
+          <p:cNvPr id="6" name="Oval 5"/>
+          <p:cNvSpPr/>
+          <p:nvPr/>
+        </p:nvSpPr>
+        <p:spPr>
+          <a:xfrm>
+            <a:off x="5137197" y="2641554"/>
+            <a:ext cx="251240" cy="265863"/>
+          </a:xfrm>
+          <a:prstGeom prst="ellipse">
+            <a:avLst/>
+          </a:prstGeom>
+          <a:solidFill>
+            <a:schemeClr val="bg1"/>
+          </a:solidFill>
+          <a:ln w="63500">
+            <a:solidFill>
+              <a:schemeClr val="accent5"/>
+            </a:solidFill>
+          </a:ln>
+        </p:spPr>
+        <p:style>
+          <a:lnRef idx="2">
+            <a:schemeClr val="accent1">
+              <a:shade val="50000"/>
+            </a:schemeClr>
+          </a:lnRef>
+          <a:fillRef idx="1">
+            <a:schemeClr val="accent1"/>
+          </a:fillRef>
+          <a:effectRef idx="0">
+            <a:schemeClr val="accent1"/>
+          </a:effectRef>
+          <a:fontRef idx="minor">
+            <a:schemeClr val="lt1"/>
+          </a:fontRef>
+        </p:style>
+        <p:txBody>
+          <a:bodyPr rtlCol="0" anchor="ctr"/>
+          <a:lstStyle/>
+          <a:p>
+            <a:pPr algn="ctr"/>
+            <a:endParaRPr lang="en-CA"/>
+          </a:p>
+        </p:txBody>
+      </p:sp>
+      <p:sp>
+        <p:nvSpPr>
+          <p:cNvPr id="40" name="TextBox 39"/>
+          <p:cNvSpPr txBox="1"/>
+          <p:nvPr/>
+        </p:nvSpPr>
+        <p:spPr>
+          <a:xfrm>
+            <a:off x="10305314" y="2299658"/>
+            <a:ext cx="1004235" cy="430887"/>
+          </a:xfrm>
+          <a:prstGeom prst="rect">
+            <a:avLst/>
+          </a:prstGeom>
+          <a:noFill/>
+        </p:spPr>
+        <p:txBody>
+          <a:bodyPr wrap="square" rtlCol="0">
+            <a:spAutoFit/>
+          </a:bodyPr>
+          <a:lstStyle/>
+          <a:p>
+            <a:r>
+              <a:rPr lang="en-CA" sz="2200" dirty="0" smtClean="0">
+                <a:solidFill>
+                  <a:schemeClr val="accent5"/>
+                </a:solidFill>
+                <a:latin typeface="Cascadia Code" panose="020B0609020000020004" pitchFamily="49" charset="0"/>
+                <a:ea typeface="Cascadia Code" panose="020B0609020000020004" pitchFamily="49" charset="0"/>
+                <a:cs typeface="Cascadia Code" panose="020B0609020000020004" pitchFamily="49" charset="0"/>
+              </a:rPr>
+              <a:t>main</a:t>
+            </a:r>
+            <a:endParaRPr lang="en-CA" sz="2200" dirty="0">
+              <a:solidFill>
+                <a:schemeClr val="accent5"/>
+              </a:solidFill>
+              <a:latin typeface="Cascadia Code" panose="020B0609020000020004" pitchFamily="49" charset="0"/>
+              <a:ea typeface="Cascadia Code" panose="020B0609020000020004" pitchFamily="49" charset="0"/>
+              <a:cs typeface="Cascadia Code" panose="020B0609020000020004" pitchFamily="49" charset="0"/>
+            </a:endParaRPr>
+          </a:p>
+        </p:txBody>
+      </p:sp>
+      <p:grpSp>
+        <p:nvGrpSpPr>
+          <p:cNvPr id="67" name="Group 66"/>
+          <p:cNvGrpSpPr/>
+          <p:nvPr/>
+        </p:nvGrpSpPr>
+        <p:grpSpPr>
+          <a:xfrm>
+            <a:off x="2025111" y="1363140"/>
+            <a:ext cx="5081524" cy="1324564"/>
+            <a:chOff x="2025111" y="1363140"/>
+            <a:chExt cx="5081524" cy="1324564"/>
+          </a:xfrm>
+        </p:grpSpPr>
+        <p:cxnSp>
+          <p:nvCxnSpPr>
+            <p:cNvPr id="56" name="Straight Connector 55"/>
+            <p:cNvCxnSpPr/>
+            <p:nvPr/>
+          </p:nvCxnSpPr>
+          <p:spPr>
+            <a:xfrm flipV="1">
+              <a:off x="5316583" y="2433343"/>
+              <a:ext cx="196978" cy="215659"/>
+            </a:xfrm>
+            <a:prstGeom prst="line">
+              <a:avLst/>
+            </a:prstGeom>
+            <a:ln w="31750">
+              <a:solidFill>
+                <a:schemeClr val="tx1"/>
+              </a:solidFill>
+            </a:ln>
+          </p:spPr>
+          <p:style>
+            <a:lnRef idx="1">
+              <a:schemeClr val="accent1"/>
+            </a:lnRef>
+            <a:fillRef idx="0">
+              <a:schemeClr val="accent1"/>
+            </a:fillRef>
+            <a:effectRef idx="0">
+              <a:schemeClr val="accent1"/>
+            </a:effectRef>
+            <a:fontRef idx="minor">
+              <a:schemeClr val="tx1"/>
+            </a:fontRef>
+          </p:style>
+        </p:cxnSp>
+        <p:cxnSp>
+          <p:nvCxnSpPr>
+            <p:cNvPr id="52" name="Straight Connector 51"/>
+            <p:cNvCxnSpPr>
+              <a:stCxn id="4" idx="7"/>
+            </p:cNvCxnSpPr>
+            <p:nvPr/>
+          </p:nvCxnSpPr>
+          <p:spPr>
+            <a:xfrm flipV="1">
+              <a:off x="2123232" y="2472045"/>
+              <a:ext cx="196978" cy="215659"/>
+            </a:xfrm>
+            <a:prstGeom prst="line">
+              <a:avLst/>
+            </a:prstGeom>
+            <a:ln w="31750">
+              <a:solidFill>
+                <a:schemeClr val="tx1"/>
+              </a:solidFill>
+            </a:ln>
+          </p:spPr>
+          <p:style>
+            <a:lnRef idx="1">
+              <a:schemeClr val="accent1"/>
+            </a:lnRef>
+            <a:fillRef idx="0">
+              <a:schemeClr val="accent1"/>
+            </a:fillRef>
+            <a:effectRef idx="0">
+              <a:schemeClr val="accent1"/>
+            </a:effectRef>
+            <a:fontRef idx="minor">
+              <a:schemeClr val="tx1"/>
+            </a:fontRef>
+          </p:style>
+        </p:cxnSp>
+        <p:sp>
+          <p:nvSpPr>
+            <p:cNvPr id="50" name="TextBox 49"/>
+            <p:cNvSpPr txBox="1"/>
+            <p:nvPr/>
+          </p:nvSpPr>
+          <p:spPr>
+            <a:xfrm rot="18900000">
+              <a:off x="2025111" y="1363140"/>
+              <a:ext cx="1871137" cy="830946"/>
+            </a:xfrm>
+            <a:prstGeom prst="rect">
+              <a:avLst/>
+            </a:prstGeom>
+            <a:noFill/>
+          </p:spPr>
+          <p:txBody>
+            <a:bodyPr wrap="square" rtlCol="0">
+              <a:spAutoFit/>
+            </a:bodyPr>
+            <a:lstStyle/>
+            <a:p>
+              <a:r>
+                <a:rPr lang="en-CA" sz="1600" dirty="0">
+                  <a:latin typeface="Arial" panose="020B0604020202020204" pitchFamily="34" charset="0"/>
+                  <a:ea typeface="Cascadia Code" panose="020B0609020000020004" pitchFamily="49" charset="0"/>
+                  <a:cs typeface="Arial" panose="020B0604020202020204" pitchFamily="34" charset="0"/>
+                </a:rPr>
+                <a:t>c</a:t>
+              </a:r>
+              <a:r>
+                <a:rPr lang="en-CA" sz="1600" dirty="0" smtClean="0">
+                  <a:latin typeface="Arial" panose="020B0604020202020204" pitchFamily="34" charset="0"/>
+                  <a:ea typeface="Cascadia Code" panose="020B0609020000020004" pitchFamily="49" charset="0"/>
+                  <a:cs typeface="Arial" panose="020B0604020202020204" pitchFamily="34" charset="0"/>
+                </a:rPr>
+                <a:t>ommit </a:t>
+              </a:r>
+              <a:r>
+                <a:rPr lang="en-CA" sz="1600" dirty="0" smtClean="0">
+                  <a:latin typeface="Arial" panose="020B0604020202020204" pitchFamily="34" charset="0"/>
+                  <a:cs typeface="Arial" panose="020B0604020202020204" pitchFamily="34" charset="0"/>
+                </a:rPr>
+                <a:t>455fe2c</a:t>
+              </a:r>
+              <a:br>
+                <a:rPr lang="en-CA" sz="1600" dirty="0" smtClean="0">
+                  <a:latin typeface="Arial" panose="020B0604020202020204" pitchFamily="34" charset="0"/>
+                  <a:cs typeface="Arial" panose="020B0604020202020204" pitchFamily="34" charset="0"/>
+                </a:rPr>
+              </a:br>
+              <a:r>
+                <a:rPr lang="en-CA" sz="1600" dirty="0" smtClean="0">
+                  <a:latin typeface="Arial" panose="020B0604020202020204" pitchFamily="34" charset="0"/>
+                  <a:cs typeface="Arial" panose="020B0604020202020204" pitchFamily="34" charset="0"/>
+                </a:rPr>
+                <a:t>completed analysis section</a:t>
+              </a:r>
+              <a:endParaRPr lang="en-CA" sz="1600" dirty="0">
+                <a:latin typeface="Arial" panose="020B0604020202020204" pitchFamily="34" charset="0"/>
+                <a:ea typeface="Cascadia Code" panose="020B0609020000020004" pitchFamily="49" charset="0"/>
+                <a:cs typeface="Arial" panose="020B0604020202020204" pitchFamily="34" charset="0"/>
+              </a:endParaRPr>
+            </a:p>
+          </p:txBody>
+        </p:sp>
+        <p:sp>
+          <p:nvSpPr>
+            <p:cNvPr id="53" name="TextBox 52"/>
+            <p:cNvSpPr txBox="1"/>
+            <p:nvPr/>
+          </p:nvSpPr>
+          <p:spPr>
+            <a:xfrm rot="18900000">
+              <a:off x="3645766" y="1448077"/>
+              <a:ext cx="1871137" cy="593533"/>
+            </a:xfrm>
+            <a:prstGeom prst="rect">
+              <a:avLst/>
+            </a:prstGeom>
+            <a:noFill/>
+          </p:spPr>
+          <p:txBody>
+            <a:bodyPr wrap="square" rtlCol="0">
+              <a:spAutoFit/>
+            </a:bodyPr>
+            <a:lstStyle/>
+            <a:p>
+              <a:r>
+                <a:rPr lang="en-CA" sz="1600" dirty="0">
+                  <a:latin typeface="Arial" panose="020B0604020202020204" pitchFamily="34" charset="0"/>
+                  <a:ea typeface="Cascadia Code" panose="020B0609020000020004" pitchFamily="49" charset="0"/>
+                  <a:cs typeface="Arial" panose="020B0604020202020204" pitchFamily="34" charset="0"/>
+                </a:rPr>
+                <a:t>c</a:t>
+              </a:r>
+              <a:r>
+                <a:rPr lang="en-CA" sz="1600" dirty="0" smtClean="0">
+                  <a:latin typeface="Arial" panose="020B0604020202020204" pitchFamily="34" charset="0"/>
+                  <a:ea typeface="Cascadia Code" panose="020B0609020000020004" pitchFamily="49" charset="0"/>
+                  <a:cs typeface="Arial" panose="020B0604020202020204" pitchFamily="34" charset="0"/>
+                </a:rPr>
+                <a:t>ommit </a:t>
+              </a:r>
+              <a:r>
+                <a:rPr lang="en-CA" sz="1600" dirty="0">
+                  <a:latin typeface="Arial" panose="020B0604020202020204" pitchFamily="34" charset="0"/>
+                  <a:cs typeface="Arial" panose="020B0604020202020204" pitchFamily="34" charset="0"/>
+                </a:rPr>
+                <a:t>51003d7</a:t>
+              </a:r>
+              <a:r>
+                <a:rPr lang="en-CA" sz="1600" dirty="0" smtClean="0">
+                  <a:latin typeface="Arial" panose="020B0604020202020204" pitchFamily="34" charset="0"/>
+                  <a:cs typeface="Arial" panose="020B0604020202020204" pitchFamily="34" charset="0"/>
+                </a:rPr>
+                <a:t/>
+              </a:r>
+              <a:br>
+                <a:rPr lang="en-CA" sz="1600" dirty="0" smtClean="0">
+                  <a:latin typeface="Arial" panose="020B0604020202020204" pitchFamily="34" charset="0"/>
+                  <a:cs typeface="Arial" panose="020B0604020202020204" pitchFamily="34" charset="0"/>
+                </a:rPr>
+              </a:br>
+              <a:r>
+                <a:rPr lang="en-CA" sz="1600" dirty="0" smtClean="0">
+                  <a:latin typeface="Arial" panose="020B0604020202020204" pitchFamily="34" charset="0"/>
+                  <a:cs typeface="Arial" panose="020B0604020202020204" pitchFamily="34" charset="0"/>
+                </a:rPr>
+                <a:t>added figures</a:t>
+              </a:r>
+              <a:endParaRPr lang="en-CA" sz="1600" dirty="0">
+                <a:latin typeface="Arial" panose="020B0604020202020204" pitchFamily="34" charset="0"/>
+                <a:ea typeface="Cascadia Code" panose="020B0609020000020004" pitchFamily="49" charset="0"/>
+                <a:cs typeface="Arial" panose="020B0604020202020204" pitchFamily="34" charset="0"/>
+              </a:endParaRPr>
+            </a:p>
+          </p:txBody>
+        </p:sp>
+        <p:cxnSp>
+          <p:nvCxnSpPr>
+            <p:cNvPr id="54" name="Straight Connector 53"/>
+            <p:cNvCxnSpPr/>
+            <p:nvPr/>
+          </p:nvCxnSpPr>
+          <p:spPr>
+            <a:xfrm flipV="1">
+              <a:off x="3726851" y="2422911"/>
+              <a:ext cx="196978" cy="215659"/>
+            </a:xfrm>
+            <a:prstGeom prst="line">
+              <a:avLst/>
+            </a:prstGeom>
+            <a:ln w="31750">
+              <a:solidFill>
+                <a:schemeClr val="tx1"/>
+              </a:solidFill>
+            </a:ln>
+          </p:spPr>
+          <p:style>
+            <a:lnRef idx="1">
+              <a:schemeClr val="accent1"/>
+            </a:lnRef>
+            <a:fillRef idx="0">
+              <a:schemeClr val="accent1"/>
+            </a:fillRef>
+            <a:effectRef idx="0">
+              <a:schemeClr val="accent1"/>
+            </a:effectRef>
+            <a:fontRef idx="minor">
+              <a:schemeClr val="tx1"/>
+            </a:fontRef>
+          </p:style>
+        </p:cxnSp>
+        <p:sp>
+          <p:nvSpPr>
+            <p:cNvPr id="55" name="TextBox 54"/>
+            <p:cNvSpPr txBox="1"/>
+            <p:nvPr/>
+          </p:nvSpPr>
+          <p:spPr>
+            <a:xfrm rot="18900000">
+              <a:off x="5235498" y="1458508"/>
+              <a:ext cx="1871137" cy="593533"/>
+            </a:xfrm>
+            <a:prstGeom prst="rect">
+              <a:avLst/>
+            </a:prstGeom>
+            <a:noFill/>
+          </p:spPr>
+          <p:txBody>
+            <a:bodyPr wrap="square" rtlCol="0">
+              <a:spAutoFit/>
+            </a:bodyPr>
+            <a:lstStyle/>
+            <a:p>
+              <a:r>
+                <a:rPr lang="en-CA" sz="1600" dirty="0">
+                  <a:latin typeface="Arial" panose="020B0604020202020204" pitchFamily="34" charset="0"/>
+                  <a:ea typeface="Cascadia Code" panose="020B0609020000020004" pitchFamily="49" charset="0"/>
+                  <a:cs typeface="Arial" panose="020B0604020202020204" pitchFamily="34" charset="0"/>
+                </a:rPr>
+                <a:t>commit 3563aa1</a:t>
+              </a:r>
+              <a:r>
+                <a:rPr lang="en-CA" sz="1600" dirty="0" smtClean="0">
+                  <a:latin typeface="Arial" panose="020B0604020202020204" pitchFamily="34" charset="0"/>
+                  <a:cs typeface="Arial" panose="020B0604020202020204" pitchFamily="34" charset="0"/>
+                </a:rPr>
+                <a:t/>
+              </a:r>
+              <a:br>
+                <a:rPr lang="en-CA" sz="1600" dirty="0" smtClean="0">
+                  <a:latin typeface="Arial" panose="020B0604020202020204" pitchFamily="34" charset="0"/>
+                  <a:cs typeface="Arial" panose="020B0604020202020204" pitchFamily="34" charset="0"/>
+                </a:rPr>
+              </a:br>
+              <a:r>
+                <a:rPr lang="en-CA" sz="1600" dirty="0" smtClean="0">
+                  <a:latin typeface="Arial" panose="020B0604020202020204" pitchFamily="34" charset="0"/>
+                  <a:cs typeface="Arial" panose="020B0604020202020204" pitchFamily="34" charset="0"/>
+                </a:rPr>
+                <a:t>added authors</a:t>
+              </a:r>
+              <a:endParaRPr lang="en-CA" sz="1600" dirty="0">
+                <a:latin typeface="Arial" panose="020B0604020202020204" pitchFamily="34" charset="0"/>
+                <a:ea typeface="Cascadia Code" panose="020B0609020000020004" pitchFamily="49" charset="0"/>
+                <a:cs typeface="Arial" panose="020B0604020202020204" pitchFamily="34" charset="0"/>
+              </a:endParaRPr>
+            </a:p>
+          </p:txBody>
+        </p:sp>
+      </p:grpSp>
+      <p:grpSp>
+        <p:nvGrpSpPr>
+          <p:cNvPr id="72" name="Group 71"/>
+          <p:cNvGrpSpPr/>
+          <p:nvPr/>
+        </p:nvGrpSpPr>
+        <p:grpSpPr>
+          <a:xfrm>
+            <a:off x="773056" y="3944274"/>
+            <a:ext cx="5744321" cy="1589751"/>
+            <a:chOff x="773056" y="3944274"/>
+            <a:chExt cx="5744321" cy="1589751"/>
+          </a:xfrm>
+        </p:grpSpPr>
+        <p:cxnSp>
+          <p:nvCxnSpPr>
+            <p:cNvPr id="61" name="Straight Connector 60"/>
+            <p:cNvCxnSpPr/>
+            <p:nvPr/>
+          </p:nvCxnSpPr>
+          <p:spPr>
+            <a:xfrm flipV="1">
+              <a:off x="6119914" y="4207193"/>
+              <a:ext cx="196978" cy="215659"/>
+            </a:xfrm>
+            <a:prstGeom prst="line">
+              <a:avLst/>
+            </a:prstGeom>
+            <a:ln w="31750">
+              <a:solidFill>
+                <a:schemeClr val="tx1"/>
+              </a:solidFill>
+            </a:ln>
+          </p:spPr>
+          <p:style>
+            <a:lnRef idx="1">
+              <a:schemeClr val="accent1"/>
+            </a:lnRef>
+            <a:fillRef idx="0">
+              <a:schemeClr val="accent1"/>
+            </a:fillRef>
+            <a:effectRef idx="0">
+              <a:schemeClr val="accent1"/>
+            </a:effectRef>
+            <a:fontRef idx="minor">
+              <a:schemeClr val="tx1"/>
+            </a:fontRef>
+          </p:style>
+        </p:cxnSp>
+        <p:cxnSp>
+          <p:nvCxnSpPr>
+            <p:cNvPr id="59" name="Straight Connector 58"/>
+            <p:cNvCxnSpPr/>
+            <p:nvPr/>
+          </p:nvCxnSpPr>
+          <p:spPr>
+            <a:xfrm flipV="1">
+              <a:off x="3808176" y="4207193"/>
+              <a:ext cx="196978" cy="215659"/>
+            </a:xfrm>
+            <a:prstGeom prst="line">
+              <a:avLst/>
+            </a:prstGeom>
+            <a:ln w="31750">
+              <a:solidFill>
+                <a:schemeClr val="tx1"/>
+              </a:solidFill>
+            </a:ln>
+          </p:spPr>
+          <p:style>
+            <a:lnRef idx="1">
+              <a:schemeClr val="accent1"/>
+            </a:lnRef>
+            <a:fillRef idx="0">
+              <a:schemeClr val="accent1"/>
+            </a:fillRef>
+            <a:effectRef idx="0">
+              <a:schemeClr val="accent1"/>
+            </a:effectRef>
+            <a:fontRef idx="minor">
+              <a:schemeClr val="tx1"/>
+            </a:fontRef>
+          </p:style>
+        </p:cxnSp>
+        <p:cxnSp>
+          <p:nvCxnSpPr>
+            <p:cNvPr id="57" name="Straight Connector 56"/>
+            <p:cNvCxnSpPr/>
+            <p:nvPr/>
+          </p:nvCxnSpPr>
+          <p:spPr>
+            <a:xfrm flipV="1">
+              <a:off x="2385234" y="4194772"/>
+              <a:ext cx="196978" cy="215659"/>
+            </a:xfrm>
+            <a:prstGeom prst="line">
+              <a:avLst/>
+            </a:prstGeom>
+            <a:ln w="31750">
+              <a:solidFill>
+                <a:schemeClr val="tx1"/>
+              </a:solidFill>
+            </a:ln>
+          </p:spPr>
+          <p:style>
+            <a:lnRef idx="1">
+              <a:schemeClr val="accent1"/>
+            </a:lnRef>
+            <a:fillRef idx="0">
+              <a:schemeClr val="accent1"/>
+            </a:fillRef>
+            <a:effectRef idx="0">
+              <a:schemeClr val="accent1"/>
+            </a:effectRef>
+            <a:fontRef idx="minor">
+              <a:schemeClr val="tx1"/>
+            </a:fontRef>
+          </p:style>
+        </p:cxnSp>
+        <p:sp>
+          <p:nvSpPr>
+            <p:cNvPr id="37" name="Oval 36"/>
+            <p:cNvSpPr/>
+            <p:nvPr/>
+          </p:nvSpPr>
+          <p:spPr>
+            <a:xfrm>
+              <a:off x="2527459" y="3944274"/>
+              <a:ext cx="251240" cy="265863"/>
+            </a:xfrm>
+            <a:prstGeom prst="ellipse">
+              <a:avLst/>
+            </a:prstGeom>
+            <a:solidFill>
+              <a:schemeClr val="bg1"/>
+            </a:solidFill>
+            <a:ln w="63500">
+              <a:solidFill>
+                <a:schemeClr val="accent6"/>
+              </a:solidFill>
+            </a:ln>
+          </p:spPr>
+          <p:style>
+            <a:lnRef idx="2">
+              <a:schemeClr val="accent1">
+                <a:shade val="50000"/>
+              </a:schemeClr>
+            </a:lnRef>
+            <a:fillRef idx="1">
+              <a:schemeClr val="accent1"/>
+            </a:fillRef>
+            <a:effectRef idx="0">
+              <a:schemeClr val="accent1"/>
+            </a:effectRef>
+            <a:fontRef idx="minor">
+              <a:schemeClr val="lt1"/>
+            </a:fontRef>
+          </p:style>
+          <p:txBody>
+            <a:bodyPr rtlCol="0" anchor="ctr"/>
+            <a:lstStyle/>
+            <a:p>
+              <a:pPr algn="ctr"/>
+              <a:endParaRPr lang="en-CA"/>
+            </a:p>
+          </p:txBody>
+        </p:sp>
+        <p:sp>
+          <p:nvSpPr>
+            <p:cNvPr id="38" name="Oval 37"/>
+            <p:cNvSpPr/>
+            <p:nvPr/>
+          </p:nvSpPr>
+          <p:spPr>
+            <a:xfrm>
+              <a:off x="3945120" y="3944274"/>
+              <a:ext cx="251240" cy="265863"/>
+            </a:xfrm>
+            <a:prstGeom prst="ellipse">
+              <a:avLst/>
+            </a:prstGeom>
+            <a:solidFill>
+              <a:schemeClr val="bg1"/>
+            </a:solidFill>
+            <a:ln w="63500">
+              <a:solidFill>
+                <a:schemeClr val="accent6"/>
+              </a:solidFill>
+            </a:ln>
+          </p:spPr>
+          <p:style>
+            <a:lnRef idx="2">
+              <a:schemeClr val="accent1">
+                <a:shade val="50000"/>
+              </a:schemeClr>
+            </a:lnRef>
+            <a:fillRef idx="1">
+              <a:schemeClr val="accent1"/>
+            </a:fillRef>
+            <a:effectRef idx="0">
+              <a:schemeClr val="accent1"/>
+            </a:effectRef>
+            <a:fontRef idx="minor">
+              <a:schemeClr val="lt1"/>
+            </a:fontRef>
+          </p:style>
+          <p:txBody>
+            <a:bodyPr rtlCol="0" anchor="ctr"/>
+            <a:lstStyle/>
+            <a:p>
+              <a:pPr algn="ctr"/>
+              <a:endParaRPr lang="en-CA"/>
+            </a:p>
+          </p:txBody>
+        </p:sp>
+        <p:sp>
+          <p:nvSpPr>
+            <p:cNvPr id="39" name="Oval 38"/>
+            <p:cNvSpPr/>
+            <p:nvPr/>
+          </p:nvSpPr>
+          <p:spPr>
+            <a:xfrm>
+              <a:off x="6266137" y="3944274"/>
+              <a:ext cx="251240" cy="265863"/>
+            </a:xfrm>
+            <a:prstGeom prst="ellipse">
+              <a:avLst/>
+            </a:prstGeom>
+            <a:solidFill>
+              <a:schemeClr val="bg1"/>
+            </a:solidFill>
+            <a:ln w="63500">
+              <a:solidFill>
+                <a:schemeClr val="accent6"/>
+              </a:solidFill>
+            </a:ln>
+          </p:spPr>
+          <p:style>
+            <a:lnRef idx="2">
+              <a:schemeClr val="accent1">
+                <a:shade val="50000"/>
+              </a:schemeClr>
+            </a:lnRef>
+            <a:fillRef idx="1">
+              <a:schemeClr val="accent1"/>
+            </a:fillRef>
+            <a:effectRef idx="0">
+              <a:schemeClr val="accent1"/>
+            </a:effectRef>
+            <a:fontRef idx="minor">
+              <a:schemeClr val="lt1"/>
+            </a:fontRef>
+          </p:style>
+          <p:txBody>
+            <a:bodyPr rtlCol="0" anchor="ctr"/>
+            <a:lstStyle/>
+            <a:p>
+              <a:pPr algn="ctr"/>
+              <a:endParaRPr lang="en-CA"/>
+            </a:p>
+          </p:txBody>
+        </p:sp>
+        <p:sp>
+          <p:nvSpPr>
+            <p:cNvPr id="58" name="TextBox 57"/>
+            <p:cNvSpPr txBox="1"/>
+            <p:nvPr/>
+          </p:nvSpPr>
+          <p:spPr>
+            <a:xfrm rot="18900000">
+              <a:off x="773056" y="4690659"/>
+              <a:ext cx="1871137" cy="830946"/>
+            </a:xfrm>
+            <a:prstGeom prst="rect">
+              <a:avLst/>
+            </a:prstGeom>
+            <a:noFill/>
+          </p:spPr>
+          <p:txBody>
+            <a:bodyPr wrap="square" rtlCol="0">
+              <a:spAutoFit/>
+            </a:bodyPr>
+            <a:lstStyle/>
+            <a:p>
+              <a:pPr algn="r"/>
+              <a:r>
+                <a:rPr lang="en-CA" sz="1600" dirty="0">
+                  <a:latin typeface="Arial" panose="020B0604020202020204" pitchFamily="34" charset="0"/>
+                  <a:ea typeface="Cascadia Code" panose="020B0609020000020004" pitchFamily="49" charset="0"/>
+                  <a:cs typeface="Arial" panose="020B0604020202020204" pitchFamily="34" charset="0"/>
+                </a:rPr>
+                <a:t>c</a:t>
+              </a:r>
+              <a:r>
+                <a:rPr lang="en-CA" sz="1600" dirty="0" smtClean="0">
+                  <a:latin typeface="Arial" panose="020B0604020202020204" pitchFamily="34" charset="0"/>
+                  <a:ea typeface="Cascadia Code" panose="020B0609020000020004" pitchFamily="49" charset="0"/>
+                  <a:cs typeface="Arial" panose="020B0604020202020204" pitchFamily="34" charset="0"/>
+                </a:rPr>
+                <a:t>ommit </a:t>
+              </a:r>
+              <a:r>
+                <a:rPr lang="en-CA" sz="1600" dirty="0">
+                  <a:latin typeface="Arial" panose="020B0604020202020204" pitchFamily="34" charset="0"/>
+                  <a:cs typeface="Arial" panose="020B0604020202020204" pitchFamily="34" charset="0"/>
+                </a:rPr>
+                <a:t>c5f82be</a:t>
+              </a:r>
+              <a:r>
+                <a:rPr lang="en-CA" sz="1600" dirty="0" smtClean="0">
+                  <a:latin typeface="Arial" panose="020B0604020202020204" pitchFamily="34" charset="0"/>
+                  <a:cs typeface="Arial" panose="020B0604020202020204" pitchFamily="34" charset="0"/>
+                </a:rPr>
+                <a:t/>
+              </a:r>
+              <a:br>
+                <a:rPr lang="en-CA" sz="1600" dirty="0" smtClean="0">
+                  <a:latin typeface="Arial" panose="020B0604020202020204" pitchFamily="34" charset="0"/>
+                  <a:cs typeface="Arial" panose="020B0604020202020204" pitchFamily="34" charset="0"/>
+                </a:rPr>
+              </a:br>
+              <a:r>
+                <a:rPr lang="en-CA" sz="1600" dirty="0" smtClean="0">
+                  <a:latin typeface="Arial" panose="020B0604020202020204" pitchFamily="34" charset="0"/>
+                  <a:cs typeface="Arial" panose="020B0604020202020204" pitchFamily="34" charset="0"/>
+                </a:rPr>
+                <a:t>drafted methods section</a:t>
+              </a:r>
+              <a:endParaRPr lang="en-CA" sz="1600" dirty="0">
+                <a:latin typeface="Arial" panose="020B0604020202020204" pitchFamily="34" charset="0"/>
+                <a:ea typeface="Cascadia Code" panose="020B0609020000020004" pitchFamily="49" charset="0"/>
+                <a:cs typeface="Arial" panose="020B0604020202020204" pitchFamily="34" charset="0"/>
+              </a:endParaRPr>
+            </a:p>
+          </p:txBody>
+        </p:sp>
+        <p:sp>
+          <p:nvSpPr>
+            <p:cNvPr id="60" name="TextBox 59"/>
+            <p:cNvSpPr txBox="1"/>
+            <p:nvPr/>
+          </p:nvSpPr>
+          <p:spPr>
+            <a:xfrm rot="18900000">
+              <a:off x="2195998" y="4703079"/>
+              <a:ext cx="1871137" cy="830946"/>
+            </a:xfrm>
+            <a:prstGeom prst="rect">
+              <a:avLst/>
+            </a:prstGeom>
+            <a:noFill/>
+          </p:spPr>
+          <p:txBody>
+            <a:bodyPr wrap="square" rtlCol="0">
+              <a:spAutoFit/>
+            </a:bodyPr>
+            <a:lstStyle/>
+            <a:p>
+              <a:pPr algn="r"/>
+              <a:r>
+                <a:rPr lang="en-CA" sz="1600" dirty="0">
+                  <a:latin typeface="Arial" panose="020B0604020202020204" pitchFamily="34" charset="0"/>
+                  <a:ea typeface="Cascadia Code" panose="020B0609020000020004" pitchFamily="49" charset="0"/>
+                  <a:cs typeface="Arial" panose="020B0604020202020204" pitchFamily="34" charset="0"/>
+                </a:rPr>
+                <a:t>c</a:t>
+              </a:r>
+              <a:r>
+                <a:rPr lang="en-CA" sz="1600" dirty="0" smtClean="0">
+                  <a:latin typeface="Arial" panose="020B0604020202020204" pitchFamily="34" charset="0"/>
+                  <a:ea typeface="Cascadia Code" panose="020B0609020000020004" pitchFamily="49" charset="0"/>
+                  <a:cs typeface="Arial" panose="020B0604020202020204" pitchFamily="34" charset="0"/>
+                </a:rPr>
+                <a:t>ommit </a:t>
+              </a:r>
+              <a:r>
+                <a:rPr lang="en-CA" sz="1600" dirty="0">
+                  <a:latin typeface="Arial" panose="020B0604020202020204" pitchFamily="34" charset="0"/>
+                  <a:cs typeface="Arial" panose="020B0604020202020204" pitchFamily="34" charset="0"/>
+                </a:rPr>
+                <a:t>28eb227</a:t>
+              </a:r>
+              <a:r>
+                <a:rPr lang="en-CA" sz="1600" dirty="0" smtClean="0">
+                  <a:latin typeface="Arial" panose="020B0604020202020204" pitchFamily="34" charset="0"/>
+                  <a:cs typeface="Arial" panose="020B0604020202020204" pitchFamily="34" charset="0"/>
+                </a:rPr>
+                <a:t/>
+              </a:r>
+              <a:br>
+                <a:rPr lang="en-CA" sz="1600" dirty="0" smtClean="0">
+                  <a:latin typeface="Arial" panose="020B0604020202020204" pitchFamily="34" charset="0"/>
+                  <a:cs typeface="Arial" panose="020B0604020202020204" pitchFamily="34" charset="0"/>
+                </a:rPr>
+              </a:br>
+              <a:r>
+                <a:rPr lang="en-CA" sz="1600" dirty="0" smtClean="0">
+                  <a:latin typeface="Arial" panose="020B0604020202020204" pitchFamily="34" charset="0"/>
+                  <a:cs typeface="Arial" panose="020B0604020202020204" pitchFamily="34" charset="0"/>
+                </a:rPr>
+                <a:t>edited methods section</a:t>
+              </a:r>
+              <a:endParaRPr lang="en-CA" sz="1600" dirty="0">
+                <a:latin typeface="Arial" panose="020B0604020202020204" pitchFamily="34" charset="0"/>
+                <a:ea typeface="Cascadia Code" panose="020B0609020000020004" pitchFamily="49" charset="0"/>
+                <a:cs typeface="Arial" panose="020B0604020202020204" pitchFamily="34" charset="0"/>
+              </a:endParaRPr>
+            </a:p>
+          </p:txBody>
+        </p:sp>
+        <p:sp>
+          <p:nvSpPr>
+            <p:cNvPr id="62" name="TextBox 61"/>
+            <p:cNvSpPr txBox="1"/>
+            <p:nvPr/>
+          </p:nvSpPr>
+          <p:spPr>
+            <a:xfrm rot="18900000">
+              <a:off x="4507736" y="4703079"/>
+              <a:ext cx="1871137" cy="830946"/>
+            </a:xfrm>
+            <a:prstGeom prst="rect">
+              <a:avLst/>
+            </a:prstGeom>
+            <a:noFill/>
+          </p:spPr>
+          <p:txBody>
+            <a:bodyPr wrap="square" rtlCol="0">
+              <a:spAutoFit/>
+            </a:bodyPr>
+            <a:lstStyle/>
+            <a:p>
+              <a:pPr algn="r"/>
+              <a:r>
+                <a:rPr lang="en-CA" sz="1600" dirty="0">
+                  <a:latin typeface="Arial" panose="020B0604020202020204" pitchFamily="34" charset="0"/>
+                  <a:ea typeface="Cascadia Code" panose="020B0609020000020004" pitchFamily="49" charset="0"/>
+                  <a:cs typeface="Arial" panose="020B0604020202020204" pitchFamily="34" charset="0"/>
+                </a:rPr>
+                <a:t>c</a:t>
+              </a:r>
+              <a:r>
+                <a:rPr lang="en-CA" sz="1600" dirty="0" smtClean="0">
+                  <a:latin typeface="Arial" panose="020B0604020202020204" pitchFamily="34" charset="0"/>
+                  <a:ea typeface="Cascadia Code" panose="020B0609020000020004" pitchFamily="49" charset="0"/>
+                  <a:cs typeface="Arial" panose="020B0604020202020204" pitchFamily="34" charset="0"/>
+                </a:rPr>
+                <a:t>ommit </a:t>
+              </a:r>
+              <a:r>
+                <a:rPr lang="en-CA" sz="1600" dirty="0">
+                  <a:latin typeface="Arial" panose="020B0604020202020204" pitchFamily="34" charset="0"/>
+                  <a:cs typeface="Arial" panose="020B0604020202020204" pitchFamily="34" charset="0"/>
+                </a:rPr>
+                <a:t>f0e0249</a:t>
+              </a:r>
+              <a:r>
+                <a:rPr lang="en-CA" sz="1600" dirty="0" smtClean="0">
+                  <a:latin typeface="Arial" panose="020B0604020202020204" pitchFamily="34" charset="0"/>
+                  <a:cs typeface="Arial" panose="020B0604020202020204" pitchFamily="34" charset="0"/>
+                </a:rPr>
+                <a:t/>
+              </a:r>
+              <a:br>
+                <a:rPr lang="en-CA" sz="1600" dirty="0" smtClean="0">
+                  <a:latin typeface="Arial" panose="020B0604020202020204" pitchFamily="34" charset="0"/>
+                  <a:cs typeface="Arial" panose="020B0604020202020204" pitchFamily="34" charset="0"/>
+                </a:rPr>
+              </a:br>
+              <a:r>
+                <a:rPr lang="en-CA" sz="1600" dirty="0" smtClean="0">
+                  <a:latin typeface="Arial" panose="020B0604020202020204" pitchFamily="34" charset="0"/>
+                  <a:cs typeface="Arial" panose="020B0604020202020204" pitchFamily="34" charset="0"/>
+                </a:rPr>
+                <a:t>finalized methods section</a:t>
+              </a:r>
+              <a:endParaRPr lang="en-CA" sz="1600" dirty="0">
+                <a:latin typeface="Arial" panose="020B0604020202020204" pitchFamily="34" charset="0"/>
+                <a:ea typeface="Cascadia Code" panose="020B0609020000020004" pitchFamily="49" charset="0"/>
+                <a:cs typeface="Arial" panose="020B0604020202020204" pitchFamily="34" charset="0"/>
+              </a:endParaRPr>
+            </a:p>
+          </p:txBody>
+        </p:sp>
+      </p:grpSp>
+      <p:grpSp>
+        <p:nvGrpSpPr>
+          <p:cNvPr id="74" name="Group 73"/>
+          <p:cNvGrpSpPr/>
+          <p:nvPr/>
+        </p:nvGrpSpPr>
+        <p:grpSpPr>
+          <a:xfrm>
+            <a:off x="6625783" y="1360422"/>
+            <a:ext cx="2017568" cy="2721041"/>
+            <a:chOff x="6625783" y="1360422"/>
+            <a:chExt cx="2017568" cy="2721041"/>
+          </a:xfrm>
+        </p:grpSpPr>
+        <p:cxnSp>
+          <p:nvCxnSpPr>
+            <p:cNvPr id="64" name="Straight Connector 63"/>
+            <p:cNvCxnSpPr/>
+            <p:nvPr/>
+          </p:nvCxnSpPr>
+          <p:spPr>
+            <a:xfrm flipV="1">
+              <a:off x="6853299" y="2453989"/>
+              <a:ext cx="196978" cy="215659"/>
+            </a:xfrm>
+            <a:prstGeom prst="line">
+              <a:avLst/>
+            </a:prstGeom>
+            <a:ln w="31750">
+              <a:solidFill>
+                <a:schemeClr val="tx1"/>
+              </a:solidFill>
+            </a:ln>
+          </p:spPr>
+          <p:style>
+            <a:lnRef idx="1">
+              <a:schemeClr val="accent1"/>
+            </a:lnRef>
+            <a:fillRef idx="0">
+              <a:schemeClr val="accent1"/>
+            </a:fillRef>
+            <a:effectRef idx="0">
+              <a:schemeClr val="accent1"/>
+            </a:effectRef>
+            <a:fontRef idx="minor">
+              <a:schemeClr val="tx1"/>
+            </a:fontRef>
+          </p:style>
+        </p:cxnSp>
+        <p:sp>
+          <p:nvSpPr>
+            <p:cNvPr id="7" name="Oval 6"/>
+            <p:cNvSpPr/>
+            <p:nvPr/>
+          </p:nvSpPr>
+          <p:spPr>
+            <a:xfrm>
+              <a:off x="6625783" y="2641554"/>
+              <a:ext cx="251240" cy="265863"/>
+            </a:xfrm>
+            <a:prstGeom prst="ellipse">
+              <a:avLst/>
+            </a:prstGeom>
+            <a:solidFill>
+              <a:schemeClr val="bg1"/>
+            </a:solidFill>
+            <a:ln w="63500">
+              <a:solidFill>
+                <a:schemeClr val="accent5"/>
+              </a:solidFill>
+            </a:ln>
+          </p:spPr>
+          <p:style>
+            <a:lnRef idx="2">
+              <a:schemeClr val="accent1">
+                <a:shade val="50000"/>
+              </a:schemeClr>
+            </a:lnRef>
+            <a:fillRef idx="1">
+              <a:schemeClr val="accent1"/>
+            </a:fillRef>
+            <a:effectRef idx="0">
+              <a:schemeClr val="accent1"/>
+            </a:effectRef>
+            <a:fontRef idx="minor">
+              <a:schemeClr val="lt1"/>
+            </a:fontRef>
+          </p:style>
+          <p:txBody>
+            <a:bodyPr rtlCol="0" anchor="ctr"/>
+            <a:lstStyle/>
+            <a:p>
+              <a:pPr algn="ctr"/>
+              <a:endParaRPr lang="en-CA"/>
+            </a:p>
+          </p:txBody>
+        </p:sp>
+        <p:cxnSp>
+          <p:nvCxnSpPr>
+            <p:cNvPr id="33" name="Straight Arrow Connector 32"/>
+            <p:cNvCxnSpPr/>
+            <p:nvPr/>
+          </p:nvCxnSpPr>
+          <p:spPr>
+            <a:xfrm flipV="1">
+              <a:off x="6751403" y="2958004"/>
+              <a:ext cx="0" cy="1123459"/>
+            </a:xfrm>
+            <a:prstGeom prst="straightConnector1">
+              <a:avLst/>
+            </a:prstGeom>
+            <a:ln w="63500">
+              <a:solidFill>
+                <a:schemeClr val="accent6"/>
+              </a:solidFill>
+              <a:tailEnd type="triangle"/>
+            </a:ln>
+          </p:spPr>
+          <p:style>
+            <a:lnRef idx="1">
+              <a:schemeClr val="accent1"/>
+            </a:lnRef>
+            <a:fillRef idx="0">
+              <a:schemeClr val="accent1"/>
+            </a:fillRef>
+            <a:effectRef idx="0">
+              <a:schemeClr val="accent1"/>
+            </a:effectRef>
+            <a:fontRef idx="minor">
+              <a:schemeClr val="tx1"/>
+            </a:fontRef>
+          </p:style>
+        </p:cxnSp>
+        <p:sp>
+          <p:nvSpPr>
+            <p:cNvPr id="43" name="TextBox 42"/>
+            <p:cNvSpPr txBox="1"/>
+            <p:nvPr/>
+          </p:nvSpPr>
+          <p:spPr>
+            <a:xfrm>
+              <a:off x="6794363" y="3209951"/>
+              <a:ext cx="1382997" cy="646331"/>
+            </a:xfrm>
+            <a:prstGeom prst="rect">
+              <a:avLst/>
+            </a:prstGeom>
+            <a:noFill/>
+          </p:spPr>
+          <p:txBody>
+            <a:bodyPr wrap="square" rtlCol="0">
+              <a:spAutoFit/>
+            </a:bodyPr>
+            <a:lstStyle/>
+            <a:p>
+              <a:r>
+                <a:rPr lang="en-CA" i="1" dirty="0" smtClean="0">
+                  <a:latin typeface="Arial" panose="020B0604020202020204" pitchFamily="34" charset="0"/>
+                  <a:ea typeface="Cascadia Code" panose="020B0609020000020004" pitchFamily="49" charset="0"/>
+                  <a:cs typeface="Arial" panose="020B0604020202020204" pitchFamily="34" charset="0"/>
+                </a:rPr>
+                <a:t>pull request </a:t>
+              </a:r>
+              <a:br>
+                <a:rPr lang="en-CA" i="1" dirty="0" smtClean="0">
+                  <a:latin typeface="Arial" panose="020B0604020202020204" pitchFamily="34" charset="0"/>
+                  <a:ea typeface="Cascadia Code" panose="020B0609020000020004" pitchFamily="49" charset="0"/>
+                  <a:cs typeface="Arial" panose="020B0604020202020204" pitchFamily="34" charset="0"/>
+                </a:rPr>
+              </a:br>
+              <a:r>
+                <a:rPr lang="en-CA" i="1" dirty="0" smtClean="0">
+                  <a:latin typeface="Arial" panose="020B0604020202020204" pitchFamily="34" charset="0"/>
+                  <a:ea typeface="Cascadia Code" panose="020B0609020000020004" pitchFamily="49" charset="0"/>
+                  <a:cs typeface="Arial" panose="020B0604020202020204" pitchFamily="34" charset="0"/>
+                </a:rPr>
+                <a:t>&amp; merge</a:t>
+              </a:r>
+              <a:endParaRPr lang="en-CA" i="1" dirty="0">
+                <a:latin typeface="Arial" panose="020B0604020202020204" pitchFamily="34" charset="0"/>
+                <a:ea typeface="Cascadia Code" panose="020B0609020000020004" pitchFamily="49" charset="0"/>
+                <a:cs typeface="Arial" panose="020B0604020202020204" pitchFamily="34" charset="0"/>
+              </a:endParaRPr>
+            </a:p>
+          </p:txBody>
+        </p:sp>
+        <p:sp>
+          <p:nvSpPr>
+            <p:cNvPr id="65" name="TextBox 64"/>
+            <p:cNvSpPr txBox="1"/>
+            <p:nvPr/>
+          </p:nvSpPr>
+          <p:spPr>
+            <a:xfrm rot="18900000">
+              <a:off x="6772214" y="1360422"/>
+              <a:ext cx="1871137" cy="830997"/>
+            </a:xfrm>
+            <a:prstGeom prst="rect">
+              <a:avLst/>
+            </a:prstGeom>
+            <a:noFill/>
+          </p:spPr>
+          <p:txBody>
+            <a:bodyPr wrap="square" rtlCol="0">
+              <a:spAutoFit/>
+            </a:bodyPr>
+            <a:lstStyle/>
+            <a:p>
+              <a:r>
+                <a:rPr lang="en-CA" sz="1600" dirty="0">
+                  <a:latin typeface="Arial" panose="020B0604020202020204" pitchFamily="34" charset="0"/>
+                  <a:ea typeface="Cascadia Code" panose="020B0609020000020004" pitchFamily="49" charset="0"/>
+                  <a:cs typeface="Arial" panose="020B0604020202020204" pitchFamily="34" charset="0"/>
+                </a:rPr>
+                <a:t>commit f6ed717</a:t>
+              </a:r>
+              <a:r>
+                <a:rPr lang="en-CA" sz="1600" dirty="0" smtClean="0">
+                  <a:latin typeface="Arial" panose="020B0604020202020204" pitchFamily="34" charset="0"/>
+                  <a:cs typeface="Arial" panose="020B0604020202020204" pitchFamily="34" charset="0"/>
+                </a:rPr>
+                <a:t/>
+              </a:r>
+              <a:br>
+                <a:rPr lang="en-CA" sz="1600" dirty="0" smtClean="0">
+                  <a:latin typeface="Arial" panose="020B0604020202020204" pitchFamily="34" charset="0"/>
+                  <a:cs typeface="Arial" panose="020B0604020202020204" pitchFamily="34" charset="0"/>
+                </a:rPr>
+              </a:br>
+              <a:r>
+                <a:rPr lang="en-CA" sz="1600" dirty="0" smtClean="0">
+                  <a:latin typeface="Arial" panose="020B0604020202020204" pitchFamily="34" charset="0"/>
+                  <a:cs typeface="Arial" panose="020B0604020202020204" pitchFamily="34" charset="0"/>
+                </a:rPr>
+                <a:t>merge branch add-methods</a:t>
+              </a:r>
+              <a:endParaRPr lang="en-CA" sz="1600" dirty="0">
+                <a:latin typeface="Arial" panose="020B0604020202020204" pitchFamily="34" charset="0"/>
+                <a:ea typeface="Cascadia Code" panose="020B0609020000020004" pitchFamily="49" charset="0"/>
+                <a:cs typeface="Arial" panose="020B0604020202020204" pitchFamily="34" charset="0"/>
+              </a:endParaRPr>
+            </a:p>
+          </p:txBody>
+        </p:sp>
+      </p:grpSp>
+    </p:spTree>
+    <p:extLst>
+      <p:ext uri="{BB962C8B-B14F-4D97-AF65-F5344CB8AC3E}">
+        <p14:creationId xmlns:p14="http://schemas.microsoft.com/office/powerpoint/2010/main" val="12291020"/>
+      </p:ext>
+    </p:extLst>
+  </p:cSld>
+  <p:clrMapOvr>
+    <a:masterClrMapping/>
+  </p:clrMapOvr>
+  <p:timing>
+    <p:tnLst>
+      <p:par>
+        <p:cTn id="1" dur="indefinite" restart="never" nodeType="tmRoot"/>
+      </p:par>
+    </p:tnLst>
+  </p:timing>
+</p:sld>
+</file>
+
+<file path=ppt/slides/slide19.xml><?xml version="1.0" encoding="utf-8"?>
+<p:sld xmlns:a="http://schemas.openxmlformats.org/drawingml/2006/main" xmlns:r="http://schemas.openxmlformats.org/officeDocument/2006/relationships" xmlns:p="http://schemas.openxmlformats.org/presentationml/2006/main">
+  <p:cSld>
+    <p:spTree>
+      <p:nvGrpSpPr>
+        <p:cNvPr id="1" name=""/>
+        <p:cNvGrpSpPr/>
+        <p:nvPr/>
+      </p:nvGrpSpPr>
+      <p:grpSpPr>
+        <a:xfrm>
+          <a:off x="0" y="0"/>
+          <a:ext cx="0" cy="0"/>
+          <a:chOff x="0" y="0"/>
+          <a:chExt cx="0" cy="0"/>
+        </a:xfrm>
+      </p:grpSpPr>
+      <p:grpSp>
+        <p:nvGrpSpPr>
+          <p:cNvPr id="71" name="Group 70"/>
+          <p:cNvGrpSpPr/>
+          <p:nvPr/>
+        </p:nvGrpSpPr>
+        <p:grpSpPr>
+          <a:xfrm>
+            <a:off x="1103884" y="2914633"/>
+            <a:ext cx="5678092" cy="1162572"/>
+            <a:chOff x="1103884" y="2914633"/>
+            <a:chExt cx="5678092" cy="1162572"/>
+          </a:xfrm>
+        </p:grpSpPr>
+        <p:cxnSp>
+          <p:nvCxnSpPr>
+            <p:cNvPr id="28" name="Straight Arrow Connector 27"/>
+            <p:cNvCxnSpPr>
+              <a:endCxn id="4" idx="4"/>
+            </p:cNvCxnSpPr>
+            <p:nvPr/>
+          </p:nvCxnSpPr>
+          <p:spPr>
+            <a:xfrm flipV="1">
+              <a:off x="2034404" y="2914633"/>
+              <a:ext cx="1" cy="1162572"/>
+            </a:xfrm>
+            <a:prstGeom prst="straightConnector1">
+              <a:avLst/>
+            </a:prstGeom>
+            <a:ln w="63500">
+              <a:solidFill>
+                <a:schemeClr val="accent6"/>
+              </a:solidFill>
+              <a:tailEnd type="none"/>
+            </a:ln>
+          </p:spPr>
+          <p:style>
+            <a:lnRef idx="1">
+              <a:schemeClr val="accent1"/>
+            </a:lnRef>
+            <a:fillRef idx="0">
+              <a:schemeClr val="accent1"/>
+            </a:fillRef>
+            <a:effectRef idx="0">
+              <a:schemeClr val="accent1"/>
+            </a:effectRef>
+            <a:fontRef idx="minor">
+              <a:schemeClr val="tx1"/>
+            </a:fontRef>
+          </p:style>
+        </p:cxnSp>
+        <p:cxnSp>
+          <p:nvCxnSpPr>
+            <p:cNvPr id="11" name="Straight Arrow Connector 10"/>
+            <p:cNvCxnSpPr/>
+            <p:nvPr/>
+          </p:nvCxnSpPr>
+          <p:spPr>
+            <a:xfrm>
+              <a:off x="2005348" y="4077205"/>
+              <a:ext cx="4776628" cy="0"/>
+            </a:xfrm>
+            <a:prstGeom prst="straightConnector1">
+              <a:avLst/>
+            </a:prstGeom>
+            <a:ln w="63500">
+              <a:solidFill>
+                <a:schemeClr val="accent6"/>
+              </a:solidFill>
+              <a:tailEnd type="none"/>
+            </a:ln>
+          </p:spPr>
+          <p:style>
+            <a:lnRef idx="1">
+              <a:schemeClr val="accent1"/>
+            </a:lnRef>
+            <a:fillRef idx="0">
+              <a:schemeClr val="accent1"/>
+            </a:fillRef>
+            <a:effectRef idx="0">
+              <a:schemeClr val="accent1"/>
+            </a:effectRef>
+            <a:fontRef idx="minor">
+              <a:schemeClr val="tx1"/>
+            </a:fontRef>
+          </p:style>
+        </p:cxnSp>
+        <p:sp>
+          <p:nvSpPr>
+            <p:cNvPr id="41" name="TextBox 40"/>
+            <p:cNvSpPr txBox="1"/>
+            <p:nvPr/>
+          </p:nvSpPr>
+          <p:spPr>
+            <a:xfrm>
+              <a:off x="4259388" y="3593647"/>
+              <a:ext cx="2019570" cy="430887"/>
+            </a:xfrm>
+            <a:prstGeom prst="rect">
+              <a:avLst/>
+            </a:prstGeom>
+            <a:noFill/>
+          </p:spPr>
+          <p:txBody>
+            <a:bodyPr wrap="square" rtlCol="0">
+              <a:spAutoFit/>
+            </a:bodyPr>
+            <a:lstStyle/>
+            <a:p>
+              <a:r>
+                <a:rPr lang="en-CA" sz="2200" dirty="0">
+                  <a:solidFill>
+                    <a:schemeClr val="accent6"/>
+                  </a:solidFill>
+                  <a:latin typeface="Cascadia Code" panose="020B0609020000020004" pitchFamily="49" charset="0"/>
+                  <a:ea typeface="Cascadia Code" panose="020B0609020000020004" pitchFamily="49" charset="0"/>
+                  <a:cs typeface="Cascadia Code" panose="020B0609020000020004" pitchFamily="49" charset="0"/>
+                </a:rPr>
+                <a:t>a</a:t>
+              </a:r>
+              <a:r>
+                <a:rPr lang="en-CA" sz="2200" dirty="0" smtClean="0">
+                  <a:solidFill>
+                    <a:schemeClr val="accent6"/>
+                  </a:solidFill>
+                  <a:latin typeface="Cascadia Code" panose="020B0609020000020004" pitchFamily="49" charset="0"/>
+                  <a:ea typeface="Cascadia Code" panose="020B0609020000020004" pitchFamily="49" charset="0"/>
+                  <a:cs typeface="Cascadia Code" panose="020B0609020000020004" pitchFamily="49" charset="0"/>
+                </a:rPr>
+                <a:t>dd-methods</a:t>
+              </a:r>
+              <a:endParaRPr lang="en-CA" sz="2200" dirty="0">
+                <a:solidFill>
+                  <a:schemeClr val="accent6"/>
+                </a:solidFill>
+                <a:latin typeface="Cascadia Code" panose="020B0609020000020004" pitchFamily="49" charset="0"/>
+                <a:ea typeface="Cascadia Code" panose="020B0609020000020004" pitchFamily="49" charset="0"/>
+                <a:cs typeface="Cascadia Code" panose="020B0609020000020004" pitchFamily="49" charset="0"/>
+              </a:endParaRPr>
+            </a:p>
+          </p:txBody>
+        </p:sp>
+        <p:sp>
+          <p:nvSpPr>
+            <p:cNvPr id="42" name="TextBox 41"/>
+            <p:cNvSpPr txBox="1"/>
+            <p:nvPr/>
+          </p:nvSpPr>
+          <p:spPr>
+            <a:xfrm>
+              <a:off x="1103884" y="3298074"/>
+              <a:ext cx="930520" cy="369332"/>
+            </a:xfrm>
+            <a:prstGeom prst="rect">
+              <a:avLst/>
+            </a:prstGeom>
+            <a:noFill/>
+          </p:spPr>
+          <p:txBody>
+            <a:bodyPr wrap="square" rtlCol="0">
+              <a:spAutoFit/>
+            </a:bodyPr>
+            <a:lstStyle/>
+            <a:p>
+              <a:r>
+                <a:rPr lang="en-CA" i="1" dirty="0" smtClean="0">
+                  <a:latin typeface="Arial" panose="020B0604020202020204" pitchFamily="34" charset="0"/>
+                  <a:ea typeface="Cascadia Code" panose="020B0609020000020004" pitchFamily="49" charset="0"/>
+                  <a:cs typeface="Arial" panose="020B0604020202020204" pitchFamily="34" charset="0"/>
+                </a:rPr>
+                <a:t>branch</a:t>
+              </a:r>
+              <a:endParaRPr lang="en-CA" i="1" dirty="0">
+                <a:latin typeface="Arial" panose="020B0604020202020204" pitchFamily="34" charset="0"/>
+                <a:ea typeface="Cascadia Code" panose="020B0609020000020004" pitchFamily="49" charset="0"/>
+                <a:cs typeface="Arial" panose="020B0604020202020204" pitchFamily="34" charset="0"/>
+              </a:endParaRPr>
+            </a:p>
+          </p:txBody>
+        </p:sp>
+      </p:grpSp>
+      <p:cxnSp>
+        <p:nvCxnSpPr>
+          <p:cNvPr id="3" name="Straight Arrow Connector 2"/>
+          <p:cNvCxnSpPr/>
+          <p:nvPr/>
+        </p:nvCxnSpPr>
+        <p:spPr>
+          <a:xfrm>
+            <a:off x="936134" y="2781701"/>
+            <a:ext cx="10493865" cy="0"/>
+          </a:xfrm>
+          <a:prstGeom prst="straightConnector1">
+            <a:avLst/>
+          </a:prstGeom>
+          <a:ln w="63500">
+            <a:solidFill>
+              <a:schemeClr val="accent5"/>
+            </a:solidFill>
+            <a:tailEnd type="triangle"/>
+          </a:ln>
+        </p:spPr>
+        <p:style>
+          <a:lnRef idx="1">
+            <a:schemeClr val="accent1"/>
+          </a:lnRef>
+          <a:fillRef idx="0">
+            <a:schemeClr val="accent1"/>
+          </a:fillRef>
+          <a:effectRef idx="0">
+            <a:schemeClr val="accent1"/>
+          </a:effectRef>
+          <a:fontRef idx="minor">
+            <a:schemeClr val="tx1"/>
+          </a:fontRef>
+        </p:style>
+      </p:cxnSp>
+      <p:sp>
+        <p:nvSpPr>
+          <p:cNvPr id="4" name="Oval 3"/>
+          <p:cNvSpPr/>
+          <p:nvPr/>
+        </p:nvSpPr>
+        <p:spPr>
+          <a:xfrm>
+            <a:off x="1908784" y="2648770"/>
+            <a:ext cx="251240" cy="265863"/>
+          </a:xfrm>
+          <a:prstGeom prst="ellipse">
+            <a:avLst/>
+          </a:prstGeom>
+          <a:solidFill>
+            <a:schemeClr val="bg1"/>
+          </a:solidFill>
+          <a:ln w="63500">
+            <a:solidFill>
+              <a:schemeClr val="accent5"/>
+            </a:solidFill>
+          </a:ln>
+        </p:spPr>
+        <p:style>
+          <a:lnRef idx="2">
+            <a:schemeClr val="accent1">
+              <a:shade val="50000"/>
+            </a:schemeClr>
+          </a:lnRef>
+          <a:fillRef idx="1">
+            <a:schemeClr val="accent1"/>
+          </a:fillRef>
+          <a:effectRef idx="0">
+            <a:schemeClr val="accent1"/>
+          </a:effectRef>
+          <a:fontRef idx="minor">
+            <a:schemeClr val="lt1"/>
+          </a:fontRef>
+        </p:style>
+        <p:txBody>
+          <a:bodyPr rtlCol="0" anchor="ctr"/>
+          <a:lstStyle/>
+          <a:p>
+            <a:pPr algn="ctr"/>
+            <a:endParaRPr lang="en-CA"/>
+          </a:p>
+        </p:txBody>
+      </p:sp>
+      <p:sp>
+        <p:nvSpPr>
+          <p:cNvPr id="5" name="Oval 4"/>
+          <p:cNvSpPr/>
+          <p:nvPr/>
+        </p:nvSpPr>
+        <p:spPr>
+          <a:xfrm>
+            <a:off x="3522991" y="2641554"/>
+            <a:ext cx="251240" cy="265863"/>
+          </a:xfrm>
+          <a:prstGeom prst="ellipse">
+            <a:avLst/>
+          </a:prstGeom>
+          <a:solidFill>
+            <a:schemeClr val="bg1"/>
+          </a:solidFill>
+          <a:ln w="63500">
+            <a:solidFill>
+              <a:schemeClr val="accent5"/>
+            </a:solidFill>
+          </a:ln>
+        </p:spPr>
+        <p:style>
+          <a:lnRef idx="2">
+            <a:schemeClr val="accent1">
+              <a:shade val="50000"/>
+            </a:schemeClr>
+          </a:lnRef>
+          <a:fillRef idx="1">
+            <a:schemeClr val="accent1"/>
+          </a:fillRef>
+          <a:effectRef idx="0">
+            <a:schemeClr val="accent1"/>
+          </a:effectRef>
+          <a:fontRef idx="minor">
+            <a:schemeClr val="lt1"/>
+          </a:fontRef>
+        </p:style>
+        <p:txBody>
+          <a:bodyPr rtlCol="0" anchor="ctr"/>
+          <a:lstStyle/>
+          <a:p>
+            <a:pPr algn="ctr"/>
+            <a:endParaRPr lang="en-CA"/>
+          </a:p>
+        </p:txBody>
+      </p:sp>
+      <p:sp>
+        <p:nvSpPr>
+          <p:cNvPr id="6" name="Oval 5"/>
+          <p:cNvSpPr/>
+          <p:nvPr/>
+        </p:nvSpPr>
+        <p:spPr>
+          <a:xfrm>
+            <a:off x="5137197" y="2641554"/>
+            <a:ext cx="251240" cy="265863"/>
+          </a:xfrm>
+          <a:prstGeom prst="ellipse">
+            <a:avLst/>
+          </a:prstGeom>
+          <a:solidFill>
+            <a:schemeClr val="bg1"/>
+          </a:solidFill>
+          <a:ln w="63500">
+            <a:solidFill>
+              <a:schemeClr val="accent5"/>
+            </a:solidFill>
+          </a:ln>
+        </p:spPr>
+        <p:style>
+          <a:lnRef idx="2">
+            <a:schemeClr val="accent1">
+              <a:shade val="50000"/>
+            </a:schemeClr>
+          </a:lnRef>
+          <a:fillRef idx="1">
+            <a:schemeClr val="accent1"/>
+          </a:fillRef>
+          <a:effectRef idx="0">
+            <a:schemeClr val="accent1"/>
+          </a:effectRef>
+          <a:fontRef idx="minor">
+            <a:schemeClr val="lt1"/>
+          </a:fontRef>
+        </p:style>
+        <p:txBody>
+          <a:bodyPr rtlCol="0" anchor="ctr"/>
+          <a:lstStyle/>
+          <a:p>
+            <a:pPr algn="ctr"/>
+            <a:endParaRPr lang="en-CA"/>
+          </a:p>
+        </p:txBody>
+      </p:sp>
+      <p:sp>
+        <p:nvSpPr>
+          <p:cNvPr id="40" name="TextBox 39"/>
+          <p:cNvSpPr txBox="1"/>
+          <p:nvPr/>
+        </p:nvSpPr>
+        <p:spPr>
+          <a:xfrm>
+            <a:off x="10305314" y="2299658"/>
+            <a:ext cx="1004235" cy="430887"/>
+          </a:xfrm>
+          <a:prstGeom prst="rect">
+            <a:avLst/>
+          </a:prstGeom>
+          <a:noFill/>
+        </p:spPr>
+        <p:txBody>
+          <a:bodyPr wrap="square" rtlCol="0">
+            <a:spAutoFit/>
+          </a:bodyPr>
+          <a:lstStyle/>
+          <a:p>
+            <a:r>
+              <a:rPr lang="en-CA" sz="2200" dirty="0" smtClean="0">
+                <a:solidFill>
+                  <a:schemeClr val="accent5"/>
+                </a:solidFill>
+                <a:latin typeface="Cascadia Code" panose="020B0609020000020004" pitchFamily="49" charset="0"/>
+                <a:ea typeface="Cascadia Code" panose="020B0609020000020004" pitchFamily="49" charset="0"/>
+                <a:cs typeface="Cascadia Code" panose="020B0609020000020004" pitchFamily="49" charset="0"/>
+              </a:rPr>
+              <a:t>main</a:t>
+            </a:r>
+            <a:endParaRPr lang="en-CA" sz="2200" dirty="0">
+              <a:solidFill>
+                <a:schemeClr val="accent5"/>
+              </a:solidFill>
+              <a:latin typeface="Cascadia Code" panose="020B0609020000020004" pitchFamily="49" charset="0"/>
+              <a:ea typeface="Cascadia Code" panose="020B0609020000020004" pitchFamily="49" charset="0"/>
+              <a:cs typeface="Cascadia Code" panose="020B0609020000020004" pitchFamily="49" charset="0"/>
+            </a:endParaRPr>
+          </a:p>
+        </p:txBody>
+      </p:sp>
+      <p:grpSp>
+        <p:nvGrpSpPr>
+          <p:cNvPr id="67" name="Group 66"/>
+          <p:cNvGrpSpPr/>
+          <p:nvPr/>
+        </p:nvGrpSpPr>
+        <p:grpSpPr>
+          <a:xfrm>
+            <a:off x="2025111" y="1363140"/>
+            <a:ext cx="5081524" cy="1324564"/>
+            <a:chOff x="2025111" y="1363140"/>
+            <a:chExt cx="5081524" cy="1324564"/>
+          </a:xfrm>
+        </p:grpSpPr>
+        <p:cxnSp>
+          <p:nvCxnSpPr>
+            <p:cNvPr id="56" name="Straight Connector 55"/>
+            <p:cNvCxnSpPr/>
+            <p:nvPr/>
+          </p:nvCxnSpPr>
+          <p:spPr>
+            <a:xfrm flipV="1">
+              <a:off x="5316583" y="2433343"/>
+              <a:ext cx="196978" cy="215659"/>
+            </a:xfrm>
+            <a:prstGeom prst="line">
+              <a:avLst/>
+            </a:prstGeom>
+            <a:ln w="31750">
+              <a:solidFill>
+                <a:schemeClr val="tx1"/>
+              </a:solidFill>
+            </a:ln>
+          </p:spPr>
+          <p:style>
+            <a:lnRef idx="1">
+              <a:schemeClr val="accent1"/>
+            </a:lnRef>
+            <a:fillRef idx="0">
+              <a:schemeClr val="accent1"/>
+            </a:fillRef>
+            <a:effectRef idx="0">
+              <a:schemeClr val="accent1"/>
+            </a:effectRef>
+            <a:fontRef idx="minor">
+              <a:schemeClr val="tx1"/>
+            </a:fontRef>
+          </p:style>
+        </p:cxnSp>
+        <p:cxnSp>
+          <p:nvCxnSpPr>
+            <p:cNvPr id="52" name="Straight Connector 51"/>
+            <p:cNvCxnSpPr>
+              <a:stCxn id="4" idx="7"/>
+            </p:cNvCxnSpPr>
+            <p:nvPr/>
+          </p:nvCxnSpPr>
+          <p:spPr>
+            <a:xfrm flipV="1">
+              <a:off x="2123232" y="2472045"/>
+              <a:ext cx="196978" cy="215659"/>
+            </a:xfrm>
+            <a:prstGeom prst="line">
+              <a:avLst/>
+            </a:prstGeom>
+            <a:ln w="31750">
+              <a:solidFill>
+                <a:schemeClr val="tx1"/>
+              </a:solidFill>
+            </a:ln>
+          </p:spPr>
+          <p:style>
+            <a:lnRef idx="1">
+              <a:schemeClr val="accent1"/>
+            </a:lnRef>
+            <a:fillRef idx="0">
+              <a:schemeClr val="accent1"/>
+            </a:fillRef>
+            <a:effectRef idx="0">
+              <a:schemeClr val="accent1"/>
+            </a:effectRef>
+            <a:fontRef idx="minor">
+              <a:schemeClr val="tx1"/>
+            </a:fontRef>
+          </p:style>
+        </p:cxnSp>
+        <p:sp>
+          <p:nvSpPr>
+            <p:cNvPr id="50" name="TextBox 49"/>
+            <p:cNvSpPr txBox="1"/>
+            <p:nvPr/>
+          </p:nvSpPr>
+          <p:spPr>
+            <a:xfrm rot="18900000">
+              <a:off x="2025111" y="1363140"/>
+              <a:ext cx="1871137" cy="830946"/>
+            </a:xfrm>
+            <a:prstGeom prst="rect">
+              <a:avLst/>
+            </a:prstGeom>
+            <a:noFill/>
+          </p:spPr>
+          <p:txBody>
+            <a:bodyPr wrap="square" rtlCol="0">
+              <a:spAutoFit/>
+            </a:bodyPr>
+            <a:lstStyle/>
+            <a:p>
+              <a:r>
+                <a:rPr lang="en-CA" sz="1600" dirty="0">
+                  <a:latin typeface="Arial" panose="020B0604020202020204" pitchFamily="34" charset="0"/>
+                  <a:ea typeface="Cascadia Code" panose="020B0609020000020004" pitchFamily="49" charset="0"/>
+                  <a:cs typeface="Arial" panose="020B0604020202020204" pitchFamily="34" charset="0"/>
+                </a:rPr>
+                <a:t>c</a:t>
+              </a:r>
+              <a:r>
+                <a:rPr lang="en-CA" sz="1600" dirty="0" smtClean="0">
+                  <a:latin typeface="Arial" panose="020B0604020202020204" pitchFamily="34" charset="0"/>
+                  <a:ea typeface="Cascadia Code" panose="020B0609020000020004" pitchFamily="49" charset="0"/>
+                  <a:cs typeface="Arial" panose="020B0604020202020204" pitchFamily="34" charset="0"/>
+                </a:rPr>
+                <a:t>ommit </a:t>
+              </a:r>
+              <a:r>
+                <a:rPr lang="en-CA" sz="1600" dirty="0" smtClean="0">
+                  <a:latin typeface="Arial" panose="020B0604020202020204" pitchFamily="34" charset="0"/>
+                  <a:cs typeface="Arial" panose="020B0604020202020204" pitchFamily="34" charset="0"/>
+                </a:rPr>
+                <a:t>455fe2c</a:t>
+              </a:r>
+              <a:br>
+                <a:rPr lang="en-CA" sz="1600" dirty="0" smtClean="0">
+                  <a:latin typeface="Arial" panose="020B0604020202020204" pitchFamily="34" charset="0"/>
+                  <a:cs typeface="Arial" panose="020B0604020202020204" pitchFamily="34" charset="0"/>
+                </a:rPr>
+              </a:br>
+              <a:r>
+                <a:rPr lang="en-CA" sz="1600" dirty="0" smtClean="0">
+                  <a:latin typeface="Arial" panose="020B0604020202020204" pitchFamily="34" charset="0"/>
+                  <a:cs typeface="Arial" panose="020B0604020202020204" pitchFamily="34" charset="0"/>
+                </a:rPr>
+                <a:t>completed analysis section</a:t>
+              </a:r>
+              <a:endParaRPr lang="en-CA" sz="1600" dirty="0">
+                <a:latin typeface="Arial" panose="020B0604020202020204" pitchFamily="34" charset="0"/>
+                <a:ea typeface="Cascadia Code" panose="020B0609020000020004" pitchFamily="49" charset="0"/>
+                <a:cs typeface="Arial" panose="020B0604020202020204" pitchFamily="34" charset="0"/>
+              </a:endParaRPr>
+            </a:p>
+          </p:txBody>
+        </p:sp>
+        <p:sp>
+          <p:nvSpPr>
+            <p:cNvPr id="53" name="TextBox 52"/>
+            <p:cNvSpPr txBox="1"/>
+            <p:nvPr/>
+          </p:nvSpPr>
+          <p:spPr>
+            <a:xfrm rot="18900000">
+              <a:off x="3645766" y="1448077"/>
+              <a:ext cx="1871137" cy="593533"/>
+            </a:xfrm>
+            <a:prstGeom prst="rect">
+              <a:avLst/>
+            </a:prstGeom>
+            <a:noFill/>
+          </p:spPr>
+          <p:txBody>
+            <a:bodyPr wrap="square" rtlCol="0">
+              <a:spAutoFit/>
+            </a:bodyPr>
+            <a:lstStyle/>
+            <a:p>
+              <a:r>
+                <a:rPr lang="en-CA" sz="1600" dirty="0">
+                  <a:latin typeface="Arial" panose="020B0604020202020204" pitchFamily="34" charset="0"/>
+                  <a:ea typeface="Cascadia Code" panose="020B0609020000020004" pitchFamily="49" charset="0"/>
+                  <a:cs typeface="Arial" panose="020B0604020202020204" pitchFamily="34" charset="0"/>
+                </a:rPr>
+                <a:t>c</a:t>
+              </a:r>
+              <a:r>
+                <a:rPr lang="en-CA" sz="1600" dirty="0" smtClean="0">
+                  <a:latin typeface="Arial" panose="020B0604020202020204" pitchFamily="34" charset="0"/>
+                  <a:ea typeface="Cascadia Code" panose="020B0609020000020004" pitchFamily="49" charset="0"/>
+                  <a:cs typeface="Arial" panose="020B0604020202020204" pitchFamily="34" charset="0"/>
+                </a:rPr>
+                <a:t>ommit </a:t>
+              </a:r>
+              <a:r>
+                <a:rPr lang="en-CA" sz="1600" dirty="0">
+                  <a:latin typeface="Arial" panose="020B0604020202020204" pitchFamily="34" charset="0"/>
+                  <a:cs typeface="Arial" panose="020B0604020202020204" pitchFamily="34" charset="0"/>
+                </a:rPr>
+                <a:t>51003d7</a:t>
+              </a:r>
+              <a:r>
+                <a:rPr lang="en-CA" sz="1600" dirty="0" smtClean="0">
+                  <a:latin typeface="Arial" panose="020B0604020202020204" pitchFamily="34" charset="0"/>
+                  <a:cs typeface="Arial" panose="020B0604020202020204" pitchFamily="34" charset="0"/>
+                </a:rPr>
+                <a:t/>
+              </a:r>
+              <a:br>
+                <a:rPr lang="en-CA" sz="1600" dirty="0" smtClean="0">
+                  <a:latin typeface="Arial" panose="020B0604020202020204" pitchFamily="34" charset="0"/>
+                  <a:cs typeface="Arial" panose="020B0604020202020204" pitchFamily="34" charset="0"/>
+                </a:rPr>
+              </a:br>
+              <a:r>
+                <a:rPr lang="en-CA" sz="1600" dirty="0" smtClean="0">
+                  <a:latin typeface="Arial" panose="020B0604020202020204" pitchFamily="34" charset="0"/>
+                  <a:cs typeface="Arial" panose="020B0604020202020204" pitchFamily="34" charset="0"/>
+                </a:rPr>
+                <a:t>added figures</a:t>
+              </a:r>
+              <a:endParaRPr lang="en-CA" sz="1600" dirty="0">
+                <a:latin typeface="Arial" panose="020B0604020202020204" pitchFamily="34" charset="0"/>
+                <a:ea typeface="Cascadia Code" panose="020B0609020000020004" pitchFamily="49" charset="0"/>
+                <a:cs typeface="Arial" panose="020B0604020202020204" pitchFamily="34" charset="0"/>
+              </a:endParaRPr>
+            </a:p>
+          </p:txBody>
+        </p:sp>
+        <p:cxnSp>
+          <p:nvCxnSpPr>
+            <p:cNvPr id="54" name="Straight Connector 53"/>
+            <p:cNvCxnSpPr/>
+            <p:nvPr/>
+          </p:nvCxnSpPr>
+          <p:spPr>
+            <a:xfrm flipV="1">
+              <a:off x="3726851" y="2422911"/>
+              <a:ext cx="196978" cy="215659"/>
+            </a:xfrm>
+            <a:prstGeom prst="line">
+              <a:avLst/>
+            </a:prstGeom>
+            <a:ln w="31750">
+              <a:solidFill>
+                <a:schemeClr val="tx1"/>
+              </a:solidFill>
+            </a:ln>
+          </p:spPr>
+          <p:style>
+            <a:lnRef idx="1">
+              <a:schemeClr val="accent1"/>
+            </a:lnRef>
+            <a:fillRef idx="0">
+              <a:schemeClr val="accent1"/>
+            </a:fillRef>
+            <a:effectRef idx="0">
+              <a:schemeClr val="accent1"/>
+            </a:effectRef>
+            <a:fontRef idx="minor">
+              <a:schemeClr val="tx1"/>
+            </a:fontRef>
+          </p:style>
+        </p:cxnSp>
+        <p:sp>
+          <p:nvSpPr>
+            <p:cNvPr id="55" name="TextBox 54"/>
+            <p:cNvSpPr txBox="1"/>
+            <p:nvPr/>
+          </p:nvSpPr>
+          <p:spPr>
+            <a:xfrm rot="18900000">
+              <a:off x="5235498" y="1458508"/>
+              <a:ext cx="1871137" cy="593533"/>
+            </a:xfrm>
+            <a:prstGeom prst="rect">
+              <a:avLst/>
+            </a:prstGeom>
+            <a:noFill/>
+          </p:spPr>
+          <p:txBody>
+            <a:bodyPr wrap="square" rtlCol="0">
+              <a:spAutoFit/>
+            </a:bodyPr>
+            <a:lstStyle/>
+            <a:p>
+              <a:r>
+                <a:rPr lang="en-CA" sz="1600" dirty="0">
+                  <a:latin typeface="Arial" panose="020B0604020202020204" pitchFamily="34" charset="0"/>
+                  <a:ea typeface="Cascadia Code" panose="020B0609020000020004" pitchFamily="49" charset="0"/>
+                  <a:cs typeface="Arial" panose="020B0604020202020204" pitchFamily="34" charset="0"/>
+                </a:rPr>
+                <a:t>commit 3563aa1</a:t>
+              </a:r>
+              <a:r>
+                <a:rPr lang="en-CA" sz="1600" dirty="0" smtClean="0">
+                  <a:latin typeface="Arial" panose="020B0604020202020204" pitchFamily="34" charset="0"/>
+                  <a:cs typeface="Arial" panose="020B0604020202020204" pitchFamily="34" charset="0"/>
+                </a:rPr>
+                <a:t/>
+              </a:r>
+              <a:br>
+                <a:rPr lang="en-CA" sz="1600" dirty="0" smtClean="0">
+                  <a:latin typeface="Arial" panose="020B0604020202020204" pitchFamily="34" charset="0"/>
+                  <a:cs typeface="Arial" panose="020B0604020202020204" pitchFamily="34" charset="0"/>
+                </a:rPr>
+              </a:br>
+              <a:r>
+                <a:rPr lang="en-CA" sz="1600" dirty="0" smtClean="0">
+                  <a:latin typeface="Arial" panose="020B0604020202020204" pitchFamily="34" charset="0"/>
+                  <a:cs typeface="Arial" panose="020B0604020202020204" pitchFamily="34" charset="0"/>
+                </a:rPr>
+                <a:t>added authors</a:t>
+              </a:r>
+              <a:endParaRPr lang="en-CA" sz="1600" dirty="0">
+                <a:latin typeface="Arial" panose="020B0604020202020204" pitchFamily="34" charset="0"/>
+                <a:ea typeface="Cascadia Code" panose="020B0609020000020004" pitchFamily="49" charset="0"/>
+                <a:cs typeface="Arial" panose="020B0604020202020204" pitchFamily="34" charset="0"/>
+              </a:endParaRPr>
+            </a:p>
+          </p:txBody>
+        </p:sp>
+      </p:grpSp>
+      <p:grpSp>
+        <p:nvGrpSpPr>
+          <p:cNvPr id="72" name="Group 71"/>
+          <p:cNvGrpSpPr/>
+          <p:nvPr/>
+        </p:nvGrpSpPr>
+        <p:grpSpPr>
+          <a:xfrm>
+            <a:off x="773056" y="3944274"/>
+            <a:ext cx="5744321" cy="1589751"/>
+            <a:chOff x="773056" y="3944274"/>
+            <a:chExt cx="5744321" cy="1589751"/>
+          </a:xfrm>
+        </p:grpSpPr>
+        <p:cxnSp>
+          <p:nvCxnSpPr>
+            <p:cNvPr id="61" name="Straight Connector 60"/>
+            <p:cNvCxnSpPr/>
+            <p:nvPr/>
+          </p:nvCxnSpPr>
+          <p:spPr>
+            <a:xfrm flipV="1">
+              <a:off x="6119914" y="4207193"/>
+              <a:ext cx="196978" cy="215659"/>
+            </a:xfrm>
+            <a:prstGeom prst="line">
+              <a:avLst/>
+            </a:prstGeom>
+            <a:ln w="31750">
+              <a:solidFill>
+                <a:schemeClr val="tx1"/>
+              </a:solidFill>
+            </a:ln>
+          </p:spPr>
+          <p:style>
+            <a:lnRef idx="1">
+              <a:schemeClr val="accent1"/>
+            </a:lnRef>
+            <a:fillRef idx="0">
+              <a:schemeClr val="accent1"/>
+            </a:fillRef>
+            <a:effectRef idx="0">
+              <a:schemeClr val="accent1"/>
+            </a:effectRef>
+            <a:fontRef idx="minor">
+              <a:schemeClr val="tx1"/>
+            </a:fontRef>
+          </p:style>
+        </p:cxnSp>
+        <p:cxnSp>
+          <p:nvCxnSpPr>
+            <p:cNvPr id="59" name="Straight Connector 58"/>
+            <p:cNvCxnSpPr/>
+            <p:nvPr/>
+          </p:nvCxnSpPr>
+          <p:spPr>
+            <a:xfrm flipV="1">
+              <a:off x="3808176" y="4207193"/>
+              <a:ext cx="196978" cy="215659"/>
+            </a:xfrm>
+            <a:prstGeom prst="line">
+              <a:avLst/>
+            </a:prstGeom>
+            <a:ln w="31750">
+              <a:solidFill>
+                <a:schemeClr val="tx1"/>
+              </a:solidFill>
+            </a:ln>
+          </p:spPr>
+          <p:style>
+            <a:lnRef idx="1">
+              <a:schemeClr val="accent1"/>
+            </a:lnRef>
+            <a:fillRef idx="0">
+              <a:schemeClr val="accent1"/>
+            </a:fillRef>
+            <a:effectRef idx="0">
+              <a:schemeClr val="accent1"/>
+            </a:effectRef>
+            <a:fontRef idx="minor">
+              <a:schemeClr val="tx1"/>
+            </a:fontRef>
+          </p:style>
+        </p:cxnSp>
+        <p:cxnSp>
+          <p:nvCxnSpPr>
+            <p:cNvPr id="57" name="Straight Connector 56"/>
+            <p:cNvCxnSpPr/>
+            <p:nvPr/>
+          </p:nvCxnSpPr>
+          <p:spPr>
+            <a:xfrm flipV="1">
+              <a:off x="2385234" y="4194772"/>
+              <a:ext cx="196978" cy="215659"/>
+            </a:xfrm>
+            <a:prstGeom prst="line">
+              <a:avLst/>
+            </a:prstGeom>
+            <a:ln w="31750">
+              <a:solidFill>
+                <a:schemeClr val="tx1"/>
+              </a:solidFill>
+            </a:ln>
+          </p:spPr>
+          <p:style>
+            <a:lnRef idx="1">
+              <a:schemeClr val="accent1"/>
+            </a:lnRef>
+            <a:fillRef idx="0">
+              <a:schemeClr val="accent1"/>
+            </a:fillRef>
+            <a:effectRef idx="0">
+              <a:schemeClr val="accent1"/>
+            </a:effectRef>
+            <a:fontRef idx="minor">
+              <a:schemeClr val="tx1"/>
+            </a:fontRef>
+          </p:style>
+        </p:cxnSp>
+        <p:sp>
+          <p:nvSpPr>
+            <p:cNvPr id="37" name="Oval 36"/>
+            <p:cNvSpPr/>
+            <p:nvPr/>
+          </p:nvSpPr>
+          <p:spPr>
+            <a:xfrm>
+              <a:off x="2527459" y="3944274"/>
+              <a:ext cx="251240" cy="265863"/>
+            </a:xfrm>
+            <a:prstGeom prst="ellipse">
+              <a:avLst/>
+            </a:prstGeom>
+            <a:solidFill>
+              <a:schemeClr val="bg1"/>
+            </a:solidFill>
+            <a:ln w="63500">
+              <a:solidFill>
+                <a:schemeClr val="accent6"/>
+              </a:solidFill>
+            </a:ln>
+          </p:spPr>
+          <p:style>
+            <a:lnRef idx="2">
+              <a:schemeClr val="accent1">
+                <a:shade val="50000"/>
+              </a:schemeClr>
+            </a:lnRef>
+            <a:fillRef idx="1">
+              <a:schemeClr val="accent1"/>
+            </a:fillRef>
+            <a:effectRef idx="0">
+              <a:schemeClr val="accent1"/>
+            </a:effectRef>
+            <a:fontRef idx="minor">
+              <a:schemeClr val="lt1"/>
+            </a:fontRef>
+          </p:style>
+          <p:txBody>
+            <a:bodyPr rtlCol="0" anchor="ctr"/>
+            <a:lstStyle/>
+            <a:p>
+              <a:pPr algn="ctr"/>
+              <a:endParaRPr lang="en-CA"/>
+            </a:p>
+          </p:txBody>
+        </p:sp>
+        <p:sp>
+          <p:nvSpPr>
+            <p:cNvPr id="38" name="Oval 37"/>
+            <p:cNvSpPr/>
+            <p:nvPr/>
+          </p:nvSpPr>
+          <p:spPr>
+            <a:xfrm>
+              <a:off x="3945120" y="3944274"/>
+              <a:ext cx="251240" cy="265863"/>
+            </a:xfrm>
+            <a:prstGeom prst="ellipse">
+              <a:avLst/>
+            </a:prstGeom>
+            <a:solidFill>
+              <a:schemeClr val="bg1"/>
+            </a:solidFill>
+            <a:ln w="63500">
+              <a:solidFill>
+                <a:schemeClr val="accent6"/>
+              </a:solidFill>
+            </a:ln>
+          </p:spPr>
+          <p:style>
+            <a:lnRef idx="2">
+              <a:schemeClr val="accent1">
+                <a:shade val="50000"/>
+              </a:schemeClr>
+            </a:lnRef>
+            <a:fillRef idx="1">
+              <a:schemeClr val="accent1"/>
+            </a:fillRef>
+            <a:effectRef idx="0">
+              <a:schemeClr val="accent1"/>
+            </a:effectRef>
+            <a:fontRef idx="minor">
+              <a:schemeClr val="lt1"/>
+            </a:fontRef>
+          </p:style>
+          <p:txBody>
+            <a:bodyPr rtlCol="0" anchor="ctr"/>
+            <a:lstStyle/>
+            <a:p>
+              <a:pPr algn="ctr"/>
+              <a:endParaRPr lang="en-CA"/>
+            </a:p>
+          </p:txBody>
+        </p:sp>
+        <p:sp>
+          <p:nvSpPr>
+            <p:cNvPr id="39" name="Oval 38"/>
+            <p:cNvSpPr/>
+            <p:nvPr/>
+          </p:nvSpPr>
+          <p:spPr>
+            <a:xfrm>
+              <a:off x="6266137" y="3944274"/>
+              <a:ext cx="251240" cy="265863"/>
+            </a:xfrm>
+            <a:prstGeom prst="ellipse">
+              <a:avLst/>
+            </a:prstGeom>
+            <a:solidFill>
+              <a:schemeClr val="bg1"/>
+            </a:solidFill>
+            <a:ln w="63500">
+              <a:solidFill>
+                <a:schemeClr val="accent6"/>
+              </a:solidFill>
+            </a:ln>
+          </p:spPr>
+          <p:style>
+            <a:lnRef idx="2">
+              <a:schemeClr val="accent1">
+                <a:shade val="50000"/>
+              </a:schemeClr>
+            </a:lnRef>
+            <a:fillRef idx="1">
+              <a:schemeClr val="accent1"/>
+            </a:fillRef>
+            <a:effectRef idx="0">
+              <a:schemeClr val="accent1"/>
+            </a:effectRef>
+            <a:fontRef idx="minor">
+              <a:schemeClr val="lt1"/>
+            </a:fontRef>
+          </p:style>
+          <p:txBody>
+            <a:bodyPr rtlCol="0" anchor="ctr"/>
+            <a:lstStyle/>
+            <a:p>
+              <a:pPr algn="ctr"/>
+              <a:endParaRPr lang="en-CA"/>
+            </a:p>
+          </p:txBody>
+        </p:sp>
+        <p:sp>
+          <p:nvSpPr>
+            <p:cNvPr id="58" name="TextBox 57"/>
+            <p:cNvSpPr txBox="1"/>
+            <p:nvPr/>
+          </p:nvSpPr>
+          <p:spPr>
+            <a:xfrm rot="18900000">
+              <a:off x="773056" y="4690659"/>
+              <a:ext cx="1871137" cy="830946"/>
+            </a:xfrm>
+            <a:prstGeom prst="rect">
+              <a:avLst/>
+            </a:prstGeom>
+            <a:noFill/>
+          </p:spPr>
+          <p:txBody>
+            <a:bodyPr wrap="square" rtlCol="0">
+              <a:spAutoFit/>
+            </a:bodyPr>
+            <a:lstStyle/>
+            <a:p>
+              <a:pPr algn="r"/>
+              <a:r>
+                <a:rPr lang="en-CA" sz="1600" dirty="0">
+                  <a:latin typeface="Arial" panose="020B0604020202020204" pitchFamily="34" charset="0"/>
+                  <a:ea typeface="Cascadia Code" panose="020B0609020000020004" pitchFamily="49" charset="0"/>
+                  <a:cs typeface="Arial" panose="020B0604020202020204" pitchFamily="34" charset="0"/>
+                </a:rPr>
+                <a:t>c</a:t>
+              </a:r>
+              <a:r>
+                <a:rPr lang="en-CA" sz="1600" dirty="0" smtClean="0">
+                  <a:latin typeface="Arial" panose="020B0604020202020204" pitchFamily="34" charset="0"/>
+                  <a:ea typeface="Cascadia Code" panose="020B0609020000020004" pitchFamily="49" charset="0"/>
+                  <a:cs typeface="Arial" panose="020B0604020202020204" pitchFamily="34" charset="0"/>
+                </a:rPr>
+                <a:t>ommit </a:t>
+              </a:r>
+              <a:r>
+                <a:rPr lang="en-CA" sz="1600" dirty="0">
+                  <a:latin typeface="Arial" panose="020B0604020202020204" pitchFamily="34" charset="0"/>
+                  <a:cs typeface="Arial" panose="020B0604020202020204" pitchFamily="34" charset="0"/>
+                </a:rPr>
+                <a:t>c5f82be</a:t>
+              </a:r>
+              <a:r>
+                <a:rPr lang="en-CA" sz="1600" dirty="0" smtClean="0">
+                  <a:latin typeface="Arial" panose="020B0604020202020204" pitchFamily="34" charset="0"/>
+                  <a:cs typeface="Arial" panose="020B0604020202020204" pitchFamily="34" charset="0"/>
+                </a:rPr>
+                <a:t/>
+              </a:r>
+              <a:br>
+                <a:rPr lang="en-CA" sz="1600" dirty="0" smtClean="0">
+                  <a:latin typeface="Arial" panose="020B0604020202020204" pitchFamily="34" charset="0"/>
+                  <a:cs typeface="Arial" panose="020B0604020202020204" pitchFamily="34" charset="0"/>
+                </a:rPr>
+              </a:br>
+              <a:r>
+                <a:rPr lang="en-CA" sz="1600" dirty="0" smtClean="0">
+                  <a:latin typeface="Arial" panose="020B0604020202020204" pitchFamily="34" charset="0"/>
+                  <a:cs typeface="Arial" panose="020B0604020202020204" pitchFamily="34" charset="0"/>
+                </a:rPr>
+                <a:t>drafted methods section</a:t>
+              </a:r>
+              <a:endParaRPr lang="en-CA" sz="1600" dirty="0">
+                <a:latin typeface="Arial" panose="020B0604020202020204" pitchFamily="34" charset="0"/>
+                <a:ea typeface="Cascadia Code" panose="020B0609020000020004" pitchFamily="49" charset="0"/>
+                <a:cs typeface="Arial" panose="020B0604020202020204" pitchFamily="34" charset="0"/>
+              </a:endParaRPr>
+            </a:p>
+          </p:txBody>
+        </p:sp>
+        <p:sp>
+          <p:nvSpPr>
+            <p:cNvPr id="60" name="TextBox 59"/>
+            <p:cNvSpPr txBox="1"/>
+            <p:nvPr/>
+          </p:nvSpPr>
+          <p:spPr>
+            <a:xfrm rot="18900000">
+              <a:off x="2195998" y="4703079"/>
+              <a:ext cx="1871137" cy="830946"/>
+            </a:xfrm>
+            <a:prstGeom prst="rect">
+              <a:avLst/>
+            </a:prstGeom>
+            <a:noFill/>
+          </p:spPr>
+          <p:txBody>
+            <a:bodyPr wrap="square" rtlCol="0">
+              <a:spAutoFit/>
+            </a:bodyPr>
+            <a:lstStyle/>
+            <a:p>
+              <a:pPr algn="r"/>
+              <a:r>
+                <a:rPr lang="en-CA" sz="1600" dirty="0">
+                  <a:latin typeface="Arial" panose="020B0604020202020204" pitchFamily="34" charset="0"/>
+                  <a:ea typeface="Cascadia Code" panose="020B0609020000020004" pitchFamily="49" charset="0"/>
+                  <a:cs typeface="Arial" panose="020B0604020202020204" pitchFamily="34" charset="0"/>
+                </a:rPr>
+                <a:t>c</a:t>
+              </a:r>
+              <a:r>
+                <a:rPr lang="en-CA" sz="1600" dirty="0" smtClean="0">
+                  <a:latin typeface="Arial" panose="020B0604020202020204" pitchFamily="34" charset="0"/>
+                  <a:ea typeface="Cascadia Code" panose="020B0609020000020004" pitchFamily="49" charset="0"/>
+                  <a:cs typeface="Arial" panose="020B0604020202020204" pitchFamily="34" charset="0"/>
+                </a:rPr>
+                <a:t>ommit </a:t>
+              </a:r>
+              <a:r>
+                <a:rPr lang="en-CA" sz="1600" dirty="0">
+                  <a:latin typeface="Arial" panose="020B0604020202020204" pitchFamily="34" charset="0"/>
+                  <a:cs typeface="Arial" panose="020B0604020202020204" pitchFamily="34" charset="0"/>
+                </a:rPr>
+                <a:t>28eb227</a:t>
+              </a:r>
+              <a:r>
+                <a:rPr lang="en-CA" sz="1600" dirty="0" smtClean="0">
+                  <a:latin typeface="Arial" panose="020B0604020202020204" pitchFamily="34" charset="0"/>
+                  <a:cs typeface="Arial" panose="020B0604020202020204" pitchFamily="34" charset="0"/>
+                </a:rPr>
+                <a:t/>
+              </a:r>
+              <a:br>
+                <a:rPr lang="en-CA" sz="1600" dirty="0" smtClean="0">
+                  <a:latin typeface="Arial" panose="020B0604020202020204" pitchFamily="34" charset="0"/>
+                  <a:cs typeface="Arial" panose="020B0604020202020204" pitchFamily="34" charset="0"/>
+                </a:rPr>
+              </a:br>
+              <a:r>
+                <a:rPr lang="en-CA" sz="1600" dirty="0" smtClean="0">
+                  <a:latin typeface="Arial" panose="020B0604020202020204" pitchFamily="34" charset="0"/>
+                  <a:cs typeface="Arial" panose="020B0604020202020204" pitchFamily="34" charset="0"/>
+                </a:rPr>
+                <a:t>edited methods section</a:t>
+              </a:r>
+              <a:endParaRPr lang="en-CA" sz="1600" dirty="0">
+                <a:latin typeface="Arial" panose="020B0604020202020204" pitchFamily="34" charset="0"/>
+                <a:ea typeface="Cascadia Code" panose="020B0609020000020004" pitchFamily="49" charset="0"/>
+                <a:cs typeface="Arial" panose="020B0604020202020204" pitchFamily="34" charset="0"/>
+              </a:endParaRPr>
+            </a:p>
+          </p:txBody>
+        </p:sp>
+        <p:sp>
+          <p:nvSpPr>
+            <p:cNvPr id="62" name="TextBox 61"/>
+            <p:cNvSpPr txBox="1"/>
+            <p:nvPr/>
+          </p:nvSpPr>
+          <p:spPr>
+            <a:xfrm rot="18900000">
+              <a:off x="4507736" y="4703079"/>
+              <a:ext cx="1871137" cy="830946"/>
+            </a:xfrm>
+            <a:prstGeom prst="rect">
+              <a:avLst/>
+            </a:prstGeom>
+            <a:noFill/>
+          </p:spPr>
+          <p:txBody>
+            <a:bodyPr wrap="square" rtlCol="0">
+              <a:spAutoFit/>
+            </a:bodyPr>
+            <a:lstStyle/>
+            <a:p>
+              <a:pPr algn="r"/>
+              <a:r>
+                <a:rPr lang="en-CA" sz="1600" dirty="0">
+                  <a:latin typeface="Arial" panose="020B0604020202020204" pitchFamily="34" charset="0"/>
+                  <a:ea typeface="Cascadia Code" panose="020B0609020000020004" pitchFamily="49" charset="0"/>
+                  <a:cs typeface="Arial" panose="020B0604020202020204" pitchFamily="34" charset="0"/>
+                </a:rPr>
+                <a:t>c</a:t>
+              </a:r>
+              <a:r>
+                <a:rPr lang="en-CA" sz="1600" dirty="0" smtClean="0">
+                  <a:latin typeface="Arial" panose="020B0604020202020204" pitchFamily="34" charset="0"/>
+                  <a:ea typeface="Cascadia Code" panose="020B0609020000020004" pitchFamily="49" charset="0"/>
+                  <a:cs typeface="Arial" panose="020B0604020202020204" pitchFamily="34" charset="0"/>
+                </a:rPr>
+                <a:t>ommit </a:t>
+              </a:r>
+              <a:r>
+                <a:rPr lang="en-CA" sz="1600" dirty="0">
+                  <a:latin typeface="Arial" panose="020B0604020202020204" pitchFamily="34" charset="0"/>
+                  <a:cs typeface="Arial" panose="020B0604020202020204" pitchFamily="34" charset="0"/>
+                </a:rPr>
+                <a:t>f0e0249</a:t>
+              </a:r>
+              <a:r>
+                <a:rPr lang="en-CA" sz="1600" dirty="0" smtClean="0">
+                  <a:latin typeface="Arial" panose="020B0604020202020204" pitchFamily="34" charset="0"/>
+                  <a:cs typeface="Arial" panose="020B0604020202020204" pitchFamily="34" charset="0"/>
+                </a:rPr>
+                <a:t/>
+              </a:r>
+              <a:br>
+                <a:rPr lang="en-CA" sz="1600" dirty="0" smtClean="0">
+                  <a:latin typeface="Arial" panose="020B0604020202020204" pitchFamily="34" charset="0"/>
+                  <a:cs typeface="Arial" panose="020B0604020202020204" pitchFamily="34" charset="0"/>
+                </a:rPr>
+              </a:br>
+              <a:r>
+                <a:rPr lang="en-CA" sz="1600" dirty="0" smtClean="0">
+                  <a:latin typeface="Arial" panose="020B0604020202020204" pitchFamily="34" charset="0"/>
+                  <a:cs typeface="Arial" panose="020B0604020202020204" pitchFamily="34" charset="0"/>
+                </a:rPr>
+                <a:t>finalized methods section</a:t>
+              </a:r>
+              <a:endParaRPr lang="en-CA" sz="1600" dirty="0">
+                <a:latin typeface="Arial" panose="020B0604020202020204" pitchFamily="34" charset="0"/>
+                <a:ea typeface="Cascadia Code" panose="020B0609020000020004" pitchFamily="49" charset="0"/>
+                <a:cs typeface="Arial" panose="020B0604020202020204" pitchFamily="34" charset="0"/>
+              </a:endParaRPr>
+            </a:p>
+          </p:txBody>
+        </p:sp>
+      </p:grpSp>
+      <p:grpSp>
+        <p:nvGrpSpPr>
+          <p:cNvPr id="74" name="Group 73"/>
+          <p:cNvGrpSpPr/>
+          <p:nvPr/>
+        </p:nvGrpSpPr>
+        <p:grpSpPr>
+          <a:xfrm>
+            <a:off x="6625783" y="1360422"/>
+            <a:ext cx="2017568" cy="2721041"/>
+            <a:chOff x="6625783" y="1360422"/>
+            <a:chExt cx="2017568" cy="2721041"/>
+          </a:xfrm>
+        </p:grpSpPr>
+        <p:cxnSp>
+          <p:nvCxnSpPr>
+            <p:cNvPr id="64" name="Straight Connector 63"/>
+            <p:cNvCxnSpPr/>
+            <p:nvPr/>
+          </p:nvCxnSpPr>
+          <p:spPr>
+            <a:xfrm flipV="1">
+              <a:off x="6853299" y="2453989"/>
+              <a:ext cx="196978" cy="215659"/>
+            </a:xfrm>
+            <a:prstGeom prst="line">
+              <a:avLst/>
+            </a:prstGeom>
+            <a:ln w="31750">
+              <a:solidFill>
+                <a:schemeClr val="tx1"/>
+              </a:solidFill>
+            </a:ln>
+          </p:spPr>
+          <p:style>
+            <a:lnRef idx="1">
+              <a:schemeClr val="accent1"/>
+            </a:lnRef>
+            <a:fillRef idx="0">
+              <a:schemeClr val="accent1"/>
+            </a:fillRef>
+            <a:effectRef idx="0">
+              <a:schemeClr val="accent1"/>
+            </a:effectRef>
+            <a:fontRef idx="minor">
+              <a:schemeClr val="tx1"/>
+            </a:fontRef>
+          </p:style>
+        </p:cxnSp>
+        <p:sp>
+          <p:nvSpPr>
+            <p:cNvPr id="7" name="Oval 6"/>
+            <p:cNvSpPr/>
+            <p:nvPr/>
+          </p:nvSpPr>
+          <p:spPr>
+            <a:xfrm>
+              <a:off x="6625783" y="2641554"/>
+              <a:ext cx="251240" cy="265863"/>
+            </a:xfrm>
+            <a:prstGeom prst="ellipse">
+              <a:avLst/>
+            </a:prstGeom>
+            <a:solidFill>
+              <a:schemeClr val="bg1"/>
+            </a:solidFill>
+            <a:ln w="63500">
+              <a:solidFill>
+                <a:schemeClr val="accent5"/>
+              </a:solidFill>
+            </a:ln>
+          </p:spPr>
+          <p:style>
+            <a:lnRef idx="2">
+              <a:schemeClr val="accent1">
+                <a:shade val="50000"/>
+              </a:schemeClr>
+            </a:lnRef>
+            <a:fillRef idx="1">
+              <a:schemeClr val="accent1"/>
+            </a:fillRef>
+            <a:effectRef idx="0">
+              <a:schemeClr val="accent1"/>
+            </a:effectRef>
+            <a:fontRef idx="minor">
+              <a:schemeClr val="lt1"/>
+            </a:fontRef>
+          </p:style>
+          <p:txBody>
+            <a:bodyPr rtlCol="0" anchor="ctr"/>
+            <a:lstStyle/>
+            <a:p>
+              <a:pPr algn="ctr"/>
+              <a:endParaRPr lang="en-CA"/>
+            </a:p>
+          </p:txBody>
+        </p:sp>
+        <p:cxnSp>
+          <p:nvCxnSpPr>
+            <p:cNvPr id="33" name="Straight Arrow Connector 32"/>
+            <p:cNvCxnSpPr/>
+            <p:nvPr/>
+          </p:nvCxnSpPr>
+          <p:spPr>
+            <a:xfrm flipV="1">
+              <a:off x="6751403" y="2958004"/>
+              <a:ext cx="0" cy="1123459"/>
+            </a:xfrm>
+            <a:prstGeom prst="straightConnector1">
+              <a:avLst/>
+            </a:prstGeom>
+            <a:ln w="63500">
+              <a:solidFill>
+                <a:schemeClr val="accent6"/>
+              </a:solidFill>
+              <a:tailEnd type="triangle"/>
+            </a:ln>
+          </p:spPr>
+          <p:style>
+            <a:lnRef idx="1">
+              <a:schemeClr val="accent1"/>
+            </a:lnRef>
+            <a:fillRef idx="0">
+              <a:schemeClr val="accent1"/>
+            </a:fillRef>
+            <a:effectRef idx="0">
+              <a:schemeClr val="accent1"/>
+            </a:effectRef>
+            <a:fontRef idx="minor">
+              <a:schemeClr val="tx1"/>
+            </a:fontRef>
+          </p:style>
+        </p:cxnSp>
+        <p:sp>
+          <p:nvSpPr>
+            <p:cNvPr id="43" name="TextBox 42"/>
+            <p:cNvSpPr txBox="1"/>
+            <p:nvPr/>
+          </p:nvSpPr>
+          <p:spPr>
+            <a:xfrm>
+              <a:off x="6794363" y="3209951"/>
+              <a:ext cx="1382997" cy="646331"/>
+            </a:xfrm>
+            <a:prstGeom prst="rect">
+              <a:avLst/>
+            </a:prstGeom>
+            <a:noFill/>
+          </p:spPr>
+          <p:txBody>
+            <a:bodyPr wrap="square" rtlCol="0">
+              <a:spAutoFit/>
+            </a:bodyPr>
+            <a:lstStyle/>
+            <a:p>
+              <a:r>
+                <a:rPr lang="en-CA" i="1" dirty="0" smtClean="0">
+                  <a:latin typeface="Arial" panose="020B0604020202020204" pitchFamily="34" charset="0"/>
+                  <a:ea typeface="Cascadia Code" panose="020B0609020000020004" pitchFamily="49" charset="0"/>
+                  <a:cs typeface="Arial" panose="020B0604020202020204" pitchFamily="34" charset="0"/>
+                </a:rPr>
+                <a:t>pull request </a:t>
+              </a:r>
+              <a:br>
+                <a:rPr lang="en-CA" i="1" dirty="0" smtClean="0">
+                  <a:latin typeface="Arial" panose="020B0604020202020204" pitchFamily="34" charset="0"/>
+                  <a:ea typeface="Cascadia Code" panose="020B0609020000020004" pitchFamily="49" charset="0"/>
+                  <a:cs typeface="Arial" panose="020B0604020202020204" pitchFamily="34" charset="0"/>
+                </a:rPr>
+              </a:br>
+              <a:r>
+                <a:rPr lang="en-CA" i="1" dirty="0" smtClean="0">
+                  <a:latin typeface="Arial" panose="020B0604020202020204" pitchFamily="34" charset="0"/>
+                  <a:ea typeface="Cascadia Code" panose="020B0609020000020004" pitchFamily="49" charset="0"/>
+                  <a:cs typeface="Arial" panose="020B0604020202020204" pitchFamily="34" charset="0"/>
+                </a:rPr>
+                <a:t>&amp; merge</a:t>
+              </a:r>
+              <a:endParaRPr lang="en-CA" i="1" dirty="0">
+                <a:latin typeface="Arial" panose="020B0604020202020204" pitchFamily="34" charset="0"/>
+                <a:ea typeface="Cascadia Code" panose="020B0609020000020004" pitchFamily="49" charset="0"/>
+                <a:cs typeface="Arial" panose="020B0604020202020204" pitchFamily="34" charset="0"/>
+              </a:endParaRPr>
+            </a:p>
+          </p:txBody>
+        </p:sp>
+        <p:sp>
+          <p:nvSpPr>
+            <p:cNvPr id="65" name="TextBox 64"/>
+            <p:cNvSpPr txBox="1"/>
+            <p:nvPr/>
+          </p:nvSpPr>
+          <p:spPr>
+            <a:xfrm rot="18900000">
+              <a:off x="6772214" y="1360422"/>
+              <a:ext cx="1871137" cy="830997"/>
+            </a:xfrm>
+            <a:prstGeom prst="rect">
+              <a:avLst/>
+            </a:prstGeom>
+            <a:noFill/>
+          </p:spPr>
+          <p:txBody>
+            <a:bodyPr wrap="square" rtlCol="0">
+              <a:spAutoFit/>
+            </a:bodyPr>
+            <a:lstStyle/>
+            <a:p>
+              <a:r>
+                <a:rPr lang="en-CA" sz="1600" dirty="0">
+                  <a:latin typeface="Arial" panose="020B0604020202020204" pitchFamily="34" charset="0"/>
+                  <a:ea typeface="Cascadia Code" panose="020B0609020000020004" pitchFamily="49" charset="0"/>
+                  <a:cs typeface="Arial" panose="020B0604020202020204" pitchFamily="34" charset="0"/>
+                </a:rPr>
+                <a:t>commit f6ed717</a:t>
+              </a:r>
+              <a:r>
+                <a:rPr lang="en-CA" sz="1600" dirty="0" smtClean="0">
+                  <a:latin typeface="Arial" panose="020B0604020202020204" pitchFamily="34" charset="0"/>
+                  <a:cs typeface="Arial" panose="020B0604020202020204" pitchFamily="34" charset="0"/>
+                </a:rPr>
+                <a:t/>
+              </a:r>
+              <a:br>
+                <a:rPr lang="en-CA" sz="1600" dirty="0" smtClean="0">
+                  <a:latin typeface="Arial" panose="020B0604020202020204" pitchFamily="34" charset="0"/>
+                  <a:cs typeface="Arial" panose="020B0604020202020204" pitchFamily="34" charset="0"/>
+                </a:rPr>
+              </a:br>
+              <a:r>
+                <a:rPr lang="en-CA" sz="1600" dirty="0" smtClean="0">
+                  <a:latin typeface="Arial" panose="020B0604020202020204" pitchFamily="34" charset="0"/>
+                  <a:cs typeface="Arial" panose="020B0604020202020204" pitchFamily="34" charset="0"/>
+                </a:rPr>
+                <a:t>merge branch add-methods</a:t>
+              </a:r>
+              <a:endParaRPr lang="en-CA" sz="1600" dirty="0">
+                <a:latin typeface="Arial" panose="020B0604020202020204" pitchFamily="34" charset="0"/>
+                <a:ea typeface="Cascadia Code" panose="020B0609020000020004" pitchFamily="49" charset="0"/>
+                <a:cs typeface="Arial" panose="020B0604020202020204" pitchFamily="34" charset="0"/>
+              </a:endParaRPr>
+            </a:p>
+          </p:txBody>
+        </p:sp>
+      </p:grpSp>
+      <p:grpSp>
+        <p:nvGrpSpPr>
+          <p:cNvPr id="75" name="Group 74"/>
+          <p:cNvGrpSpPr/>
+          <p:nvPr/>
+        </p:nvGrpSpPr>
+        <p:grpSpPr>
+          <a:xfrm>
+            <a:off x="8277674" y="2623885"/>
+            <a:ext cx="1265060" cy="283532"/>
+            <a:chOff x="8277674" y="2623885"/>
+            <a:chExt cx="1265060" cy="283532"/>
+          </a:xfrm>
+        </p:grpSpPr>
+        <p:sp>
+          <p:nvSpPr>
+            <p:cNvPr id="8" name="Oval 7"/>
+            <p:cNvSpPr/>
+            <p:nvPr/>
+          </p:nvSpPr>
+          <p:spPr>
+            <a:xfrm>
+              <a:off x="8277674" y="2641554"/>
+              <a:ext cx="251240" cy="265863"/>
+            </a:xfrm>
+            <a:prstGeom prst="ellipse">
+              <a:avLst/>
+            </a:prstGeom>
+            <a:solidFill>
+              <a:schemeClr val="bg1"/>
+            </a:solidFill>
+            <a:ln w="63500">
+              <a:solidFill>
+                <a:schemeClr val="accent5"/>
+              </a:solidFill>
+            </a:ln>
+          </p:spPr>
+          <p:style>
+            <a:lnRef idx="2">
+              <a:schemeClr val="accent1">
+                <a:shade val="50000"/>
+              </a:schemeClr>
+            </a:lnRef>
+            <a:fillRef idx="1">
+              <a:schemeClr val="accent1"/>
+            </a:fillRef>
+            <a:effectRef idx="0">
+              <a:schemeClr val="accent1"/>
+            </a:effectRef>
+            <a:fontRef idx="minor">
+              <a:schemeClr val="lt1"/>
+            </a:fontRef>
+          </p:style>
+          <p:txBody>
+            <a:bodyPr rtlCol="0" anchor="ctr"/>
+            <a:lstStyle/>
+            <a:p>
+              <a:pPr algn="ctr"/>
+              <a:endParaRPr lang="en-CA"/>
+            </a:p>
+          </p:txBody>
+        </p:sp>
+        <p:sp>
+          <p:nvSpPr>
+            <p:cNvPr id="66" name="Oval 65"/>
+            <p:cNvSpPr/>
+            <p:nvPr/>
+          </p:nvSpPr>
+          <p:spPr>
+            <a:xfrm>
+              <a:off x="9291494" y="2623885"/>
+              <a:ext cx="251240" cy="265863"/>
+            </a:xfrm>
+            <a:prstGeom prst="ellipse">
+              <a:avLst/>
+            </a:prstGeom>
+            <a:solidFill>
+              <a:schemeClr val="bg1"/>
+            </a:solidFill>
+            <a:ln w="63500">
+              <a:solidFill>
+                <a:schemeClr val="accent5"/>
+              </a:solidFill>
+            </a:ln>
+          </p:spPr>
+          <p:style>
+            <a:lnRef idx="2">
+              <a:schemeClr val="accent1">
+                <a:shade val="50000"/>
+              </a:schemeClr>
+            </a:lnRef>
+            <a:fillRef idx="1">
+              <a:schemeClr val="accent1"/>
+            </a:fillRef>
+            <a:effectRef idx="0">
+              <a:schemeClr val="accent1"/>
+            </a:effectRef>
+            <a:fontRef idx="minor">
+              <a:schemeClr val="lt1"/>
+            </a:fontRef>
+          </p:style>
+          <p:txBody>
+            <a:bodyPr rtlCol="0" anchor="ctr"/>
+            <a:lstStyle/>
+            <a:p>
+              <a:pPr algn="ctr"/>
+              <a:endParaRPr lang="en-CA"/>
+            </a:p>
+          </p:txBody>
+        </p:sp>
+      </p:grpSp>
+    </p:spTree>
+    <p:extLst>
+      <p:ext uri="{BB962C8B-B14F-4D97-AF65-F5344CB8AC3E}">
+        <p14:creationId xmlns:p14="http://schemas.microsoft.com/office/powerpoint/2010/main" val="3695112561"/>
+      </p:ext>
+    </p:extLst>
+  </p:cSld>
+  <p:clrMapOvr>
+    <a:masterClrMapping/>
+  </p:clrMapOvr>
+  <p:timing>
+    <p:tnLst>
+      <p:par>
+        <p:cTn id="1" dur="indefinite" restart="never" nodeType="tmRoot"/>
+      </p:par>
+    </p:tnLst>
+  </p:timing>
+</p:sld>
+</file>
+
 <file path=ppt/slides/slide2.xml><?xml version="1.0" encoding="utf-8"?>
 <p:sld xmlns:a="http://schemas.openxmlformats.org/drawingml/2006/main" xmlns:r="http://schemas.openxmlformats.org/officeDocument/2006/relationships" xmlns:p="http://schemas.openxmlformats.org/presentationml/2006/main">
   <p:cSld>
@@ -5029,6 +11339,900 @@
     <p:extLst>
       <p:ext uri="{BB962C8B-B14F-4D97-AF65-F5344CB8AC3E}">
         <p14:creationId xmlns:p14="http://schemas.microsoft.com/office/powerpoint/2010/main" val="2854313847"/>
+      </p:ext>
+    </p:extLst>
+  </p:cSld>
+  <p:clrMapOvr>
+    <a:masterClrMapping/>
+  </p:clrMapOvr>
+  <p:timing>
+    <p:tnLst>
+      <p:par>
+        <p:cTn id="1" dur="indefinite" restart="never" nodeType="tmRoot"/>
+      </p:par>
+    </p:tnLst>
+  </p:timing>
+</p:sld>
+</file>
+
+<file path=ppt/slides/slide20.xml><?xml version="1.0" encoding="utf-8"?>
+<p:sld xmlns:a="http://schemas.openxmlformats.org/drawingml/2006/main" xmlns:r="http://schemas.openxmlformats.org/officeDocument/2006/relationships" xmlns:p="http://schemas.openxmlformats.org/presentationml/2006/main">
+  <p:cSld>
+    <p:spTree>
+      <p:nvGrpSpPr>
+        <p:cNvPr id="1" name=""/>
+        <p:cNvGrpSpPr/>
+        <p:nvPr/>
+      </p:nvGrpSpPr>
+      <p:grpSpPr>
+        <a:xfrm>
+          <a:off x="0" y="0"/>
+          <a:ext cx="0" cy="0"/>
+          <a:chOff x="0" y="0"/>
+          <a:chExt cx="0" cy="0"/>
+        </a:xfrm>
+      </p:grpSpPr>
+      <p:grpSp>
+        <p:nvGrpSpPr>
+          <p:cNvPr id="8" name="Group 7"/>
+          <p:cNvGrpSpPr/>
+          <p:nvPr/>
+        </p:nvGrpSpPr>
+        <p:grpSpPr>
+          <a:xfrm>
+            <a:off x="10396885" y="378849"/>
+            <a:ext cx="1392451" cy="1272670"/>
+            <a:chOff x="1594390" y="462824"/>
+            <a:chExt cx="6490694" cy="5932353"/>
+          </a:xfrm>
+        </p:grpSpPr>
+        <p:sp>
+          <p:nvSpPr>
+            <p:cNvPr id="12" name="Cube 11"/>
+            <p:cNvSpPr/>
+            <p:nvPr/>
+          </p:nvSpPr>
+          <p:spPr>
+            <a:xfrm>
+              <a:off x="1594390" y="3882651"/>
+              <a:ext cx="2512526" cy="2512526"/>
+            </a:xfrm>
+            <a:prstGeom prst="cube">
+              <a:avLst/>
+            </a:prstGeom>
+            <a:solidFill>
+              <a:schemeClr val="accent3">
+                <a:alpha val="50000"/>
+              </a:schemeClr>
+            </a:solidFill>
+            <a:ln>
+              <a:solidFill>
+                <a:schemeClr val="accent3">
+                  <a:alpha val="50000"/>
+                </a:schemeClr>
+              </a:solidFill>
+            </a:ln>
+          </p:spPr>
+          <p:style>
+            <a:lnRef idx="2">
+              <a:schemeClr val="accent3">
+                <a:shade val="50000"/>
+              </a:schemeClr>
+            </a:lnRef>
+            <a:fillRef idx="1">
+              <a:schemeClr val="accent3"/>
+            </a:fillRef>
+            <a:effectRef idx="0">
+              <a:schemeClr val="accent3"/>
+            </a:effectRef>
+            <a:fontRef idx="minor">
+              <a:schemeClr val="lt1"/>
+            </a:fontRef>
+          </p:style>
+          <p:txBody>
+            <a:bodyPr rtlCol="0" anchor="ctr"/>
+            <a:lstStyle/>
+            <a:p>
+              <a:pPr algn="ctr"/>
+              <a:endParaRPr lang="en-CA"/>
+            </a:p>
+          </p:txBody>
+        </p:sp>
+        <p:sp>
+          <p:nvSpPr>
+            <p:cNvPr id="13" name="Cloud 12"/>
+            <p:cNvSpPr/>
+            <p:nvPr/>
+          </p:nvSpPr>
+          <p:spPr>
+            <a:xfrm>
+              <a:off x="4176710" y="462824"/>
+              <a:ext cx="3908374" cy="2717021"/>
+            </a:xfrm>
+            <a:prstGeom prst="cloud">
+              <a:avLst/>
+            </a:prstGeom>
+            <a:solidFill>
+              <a:schemeClr val="accent3">
+                <a:alpha val="50000"/>
+              </a:schemeClr>
+            </a:solidFill>
+            <a:ln>
+              <a:solidFill>
+                <a:schemeClr val="accent3">
+                  <a:alpha val="50000"/>
+                </a:schemeClr>
+              </a:solidFill>
+            </a:ln>
+          </p:spPr>
+          <p:style>
+            <a:lnRef idx="2">
+              <a:schemeClr val="accent5">
+                <a:shade val="50000"/>
+              </a:schemeClr>
+            </a:lnRef>
+            <a:fillRef idx="1">
+              <a:schemeClr val="accent5"/>
+            </a:fillRef>
+            <a:effectRef idx="0">
+              <a:schemeClr val="accent5"/>
+            </a:effectRef>
+            <a:fontRef idx="minor">
+              <a:schemeClr val="lt1"/>
+            </a:fontRef>
+          </p:style>
+          <p:txBody>
+            <a:bodyPr rtlCol="0" anchor="ctr"/>
+            <a:lstStyle/>
+            <a:p>
+              <a:pPr algn="ctr"/>
+              <a:endParaRPr lang="en-CA"/>
+            </a:p>
+          </p:txBody>
+        </p:sp>
+        <p:cxnSp>
+          <p:nvCxnSpPr>
+            <p:cNvPr id="14" name="Curved Connector 13"/>
+            <p:cNvCxnSpPr/>
+            <p:nvPr/>
+          </p:nvCxnSpPr>
+          <p:spPr>
+            <a:xfrm rot="5400000" flipH="1" flipV="1">
+              <a:off x="2369442" y="2063262"/>
+              <a:ext cx="2061318" cy="1577464"/>
+            </a:xfrm>
+            <a:prstGeom prst="curvedConnector2">
+              <a:avLst/>
+            </a:prstGeom>
+            <a:ln>
+              <a:solidFill>
+                <a:schemeClr val="accent3">
+                  <a:alpha val="50000"/>
+                </a:schemeClr>
+              </a:solidFill>
+              <a:headEnd w="lg" len="lg"/>
+              <a:tailEnd type="triangle" w="sm" len="med"/>
+            </a:ln>
+          </p:spPr>
+          <p:style>
+            <a:lnRef idx="3">
+              <a:schemeClr val="accent3"/>
+            </a:lnRef>
+            <a:fillRef idx="0">
+              <a:schemeClr val="accent3"/>
+            </a:fillRef>
+            <a:effectRef idx="2">
+              <a:schemeClr val="accent3"/>
+            </a:effectRef>
+            <a:fontRef idx="minor">
+              <a:schemeClr val="tx1"/>
+            </a:fontRef>
+          </p:style>
+        </p:cxnSp>
+        <p:cxnSp>
+          <p:nvCxnSpPr>
+            <p:cNvPr id="15" name="Curved Connector 14"/>
+            <p:cNvCxnSpPr>
+              <a:endCxn id="12" idx="5"/>
+            </p:cNvCxnSpPr>
+            <p:nvPr/>
+          </p:nvCxnSpPr>
+          <p:spPr>
+            <a:xfrm rot="5400000">
+              <a:off x="3867802" y="3271563"/>
+              <a:ext cx="1792399" cy="1314170"/>
+            </a:xfrm>
+            <a:prstGeom prst="curvedConnector2">
+              <a:avLst/>
+            </a:prstGeom>
+            <a:ln>
+              <a:solidFill>
+                <a:schemeClr val="accent3">
+                  <a:alpha val="50000"/>
+                </a:schemeClr>
+              </a:solidFill>
+              <a:tailEnd type="triangle" w="sm" len="med"/>
+            </a:ln>
+          </p:spPr>
+          <p:style>
+            <a:lnRef idx="3">
+              <a:schemeClr val="accent3"/>
+            </a:lnRef>
+            <a:fillRef idx="0">
+              <a:schemeClr val="accent3"/>
+            </a:fillRef>
+            <a:effectRef idx="2">
+              <a:schemeClr val="accent3"/>
+            </a:effectRef>
+            <a:fontRef idx="minor">
+              <a:schemeClr val="tx1"/>
+            </a:fontRef>
+          </p:style>
+        </p:cxnSp>
+      </p:grpSp>
+    </p:spTree>
+    <p:extLst>
+      <p:ext uri="{BB962C8B-B14F-4D97-AF65-F5344CB8AC3E}">
+        <p14:creationId xmlns:p14="http://schemas.microsoft.com/office/powerpoint/2010/main" val="4214534565"/>
+      </p:ext>
+    </p:extLst>
+  </p:cSld>
+  <p:clrMapOvr>
+    <a:masterClrMapping/>
+  </p:clrMapOvr>
+  <p:timing>
+    <p:tnLst>
+      <p:par>
+        <p:cTn id="1" dur="indefinite" restart="never" nodeType="tmRoot"/>
+      </p:par>
+    </p:tnLst>
+  </p:timing>
+</p:sld>
+</file>
+
+<file path=ppt/slides/slide21.xml><?xml version="1.0" encoding="utf-8"?>
+<p:sld xmlns:a="http://schemas.openxmlformats.org/drawingml/2006/main" xmlns:r="http://schemas.openxmlformats.org/officeDocument/2006/relationships" xmlns:p="http://schemas.openxmlformats.org/presentationml/2006/main">
+  <p:cSld>
+    <p:spTree>
+      <p:nvGrpSpPr>
+        <p:cNvPr id="1" name=""/>
+        <p:cNvGrpSpPr/>
+        <p:nvPr/>
+      </p:nvGrpSpPr>
+      <p:grpSpPr>
+        <a:xfrm>
+          <a:off x="0" y="0"/>
+          <a:ext cx="0" cy="0"/>
+          <a:chOff x="0" y="0"/>
+          <a:chExt cx="0" cy="0"/>
+        </a:xfrm>
+      </p:grpSpPr>
+      <p:grpSp>
+        <p:nvGrpSpPr>
+          <p:cNvPr id="2" name="Group 1"/>
+          <p:cNvGrpSpPr/>
+          <p:nvPr/>
+        </p:nvGrpSpPr>
+        <p:grpSpPr>
+          <a:xfrm>
+            <a:off x="9818438" y="378849"/>
+            <a:ext cx="1970898" cy="1272670"/>
+            <a:chOff x="1594390" y="462824"/>
+            <a:chExt cx="9003220" cy="5932353"/>
+          </a:xfrm>
+        </p:grpSpPr>
+        <p:sp>
+          <p:nvSpPr>
+            <p:cNvPr id="7" name="Cube 6"/>
+            <p:cNvSpPr/>
+            <p:nvPr/>
+          </p:nvSpPr>
+          <p:spPr>
+            <a:xfrm>
+              <a:off x="1594390" y="3882651"/>
+              <a:ext cx="2512526" cy="2512526"/>
+            </a:xfrm>
+            <a:prstGeom prst="cube">
+              <a:avLst/>
+            </a:prstGeom>
+            <a:solidFill>
+              <a:schemeClr val="accent3">
+                <a:alpha val="50000"/>
+              </a:schemeClr>
+            </a:solidFill>
+            <a:ln>
+              <a:solidFill>
+                <a:schemeClr val="accent3">
+                  <a:shade val="50000"/>
+                  <a:alpha val="50000"/>
+                </a:schemeClr>
+              </a:solidFill>
+            </a:ln>
+          </p:spPr>
+          <p:style>
+            <a:lnRef idx="2">
+              <a:schemeClr val="accent3">
+                <a:shade val="50000"/>
+              </a:schemeClr>
+            </a:lnRef>
+            <a:fillRef idx="1">
+              <a:schemeClr val="accent3"/>
+            </a:fillRef>
+            <a:effectRef idx="0">
+              <a:schemeClr val="accent3"/>
+            </a:effectRef>
+            <a:fontRef idx="minor">
+              <a:schemeClr val="lt1"/>
+            </a:fontRef>
+          </p:style>
+          <p:txBody>
+            <a:bodyPr rtlCol="0" anchor="ctr"/>
+            <a:lstStyle/>
+            <a:p>
+              <a:pPr algn="ctr"/>
+              <a:endParaRPr lang="en-CA"/>
+            </a:p>
+          </p:txBody>
+        </p:sp>
+        <p:sp>
+          <p:nvSpPr>
+            <p:cNvPr id="9" name="Cloud 8"/>
+            <p:cNvSpPr/>
+            <p:nvPr/>
+          </p:nvSpPr>
+          <p:spPr>
+            <a:xfrm>
+              <a:off x="4176710" y="462824"/>
+              <a:ext cx="3908374" cy="2717021"/>
+            </a:xfrm>
+            <a:prstGeom prst="cloud">
+              <a:avLst/>
+            </a:prstGeom>
+            <a:solidFill>
+              <a:schemeClr val="accent3">
+                <a:alpha val="50000"/>
+              </a:schemeClr>
+            </a:solidFill>
+            <a:ln>
+              <a:solidFill>
+                <a:schemeClr val="accent3">
+                  <a:alpha val="50000"/>
+                </a:schemeClr>
+              </a:solidFill>
+            </a:ln>
+          </p:spPr>
+          <p:style>
+            <a:lnRef idx="2">
+              <a:schemeClr val="accent3">
+                <a:shade val="50000"/>
+              </a:schemeClr>
+            </a:lnRef>
+            <a:fillRef idx="1">
+              <a:schemeClr val="accent3"/>
+            </a:fillRef>
+            <a:effectRef idx="0">
+              <a:schemeClr val="accent3"/>
+            </a:effectRef>
+            <a:fontRef idx="minor">
+              <a:schemeClr val="lt1"/>
+            </a:fontRef>
+          </p:style>
+          <p:txBody>
+            <a:bodyPr rtlCol="0" anchor="ctr"/>
+            <a:lstStyle/>
+            <a:p>
+              <a:pPr algn="ctr"/>
+              <a:endParaRPr lang="en-CA"/>
+            </a:p>
+          </p:txBody>
+        </p:sp>
+        <p:cxnSp>
+          <p:nvCxnSpPr>
+            <p:cNvPr id="10" name="Curved Connector 9"/>
+            <p:cNvCxnSpPr/>
+            <p:nvPr/>
+          </p:nvCxnSpPr>
+          <p:spPr>
+            <a:xfrm rot="5400000" flipH="1" flipV="1">
+              <a:off x="2369442" y="2063262"/>
+              <a:ext cx="2061318" cy="1577464"/>
+            </a:xfrm>
+            <a:prstGeom prst="curvedConnector2">
+              <a:avLst/>
+            </a:prstGeom>
+            <a:ln>
+              <a:solidFill>
+                <a:schemeClr val="accent3">
+                  <a:shade val="50000"/>
+                  <a:alpha val="50000"/>
+                </a:schemeClr>
+              </a:solidFill>
+              <a:headEnd w="lg" len="lg"/>
+              <a:tailEnd type="triangle" w="sm" len="med"/>
+            </a:ln>
+          </p:spPr>
+          <p:style>
+            <a:lnRef idx="3">
+              <a:schemeClr val="accent3"/>
+            </a:lnRef>
+            <a:fillRef idx="0">
+              <a:schemeClr val="accent3"/>
+            </a:fillRef>
+            <a:effectRef idx="2">
+              <a:schemeClr val="accent3"/>
+            </a:effectRef>
+            <a:fontRef idx="minor">
+              <a:schemeClr val="tx1"/>
+            </a:fontRef>
+          </p:style>
+        </p:cxnSp>
+        <p:sp>
+          <p:nvSpPr>
+            <p:cNvPr id="11" name="Cube 10"/>
+            <p:cNvSpPr/>
+            <p:nvPr/>
+          </p:nvSpPr>
+          <p:spPr>
+            <a:xfrm flipH="1">
+              <a:off x="8085084" y="3882651"/>
+              <a:ext cx="2512526" cy="2512526"/>
+            </a:xfrm>
+            <a:prstGeom prst="cube">
+              <a:avLst/>
+            </a:prstGeom>
+            <a:solidFill>
+              <a:schemeClr val="accent3">
+                <a:alpha val="50000"/>
+              </a:schemeClr>
+            </a:solidFill>
+            <a:ln>
+              <a:solidFill>
+                <a:schemeClr val="accent3">
+                  <a:shade val="50000"/>
+                  <a:alpha val="50000"/>
+                </a:schemeClr>
+              </a:solidFill>
+            </a:ln>
+          </p:spPr>
+          <p:style>
+            <a:lnRef idx="2">
+              <a:schemeClr val="accent3">
+                <a:shade val="50000"/>
+              </a:schemeClr>
+            </a:lnRef>
+            <a:fillRef idx="1">
+              <a:schemeClr val="accent3"/>
+            </a:fillRef>
+            <a:effectRef idx="0">
+              <a:schemeClr val="accent3"/>
+            </a:effectRef>
+            <a:fontRef idx="minor">
+              <a:schemeClr val="lt1"/>
+            </a:fontRef>
+          </p:style>
+          <p:txBody>
+            <a:bodyPr rtlCol="0" anchor="ctr"/>
+            <a:lstStyle/>
+            <a:p>
+              <a:pPr algn="ctr"/>
+              <a:endParaRPr lang="en-CA"/>
+            </a:p>
+          </p:txBody>
+        </p:sp>
+        <p:cxnSp>
+          <p:nvCxnSpPr>
+            <p:cNvPr id="16" name="Curved Connector 15"/>
+            <p:cNvCxnSpPr/>
+            <p:nvPr/>
+          </p:nvCxnSpPr>
+          <p:spPr>
+            <a:xfrm rot="16200000" flipH="1">
+              <a:off x="6384073" y="3142023"/>
+              <a:ext cx="2031457" cy="1334195"/>
+            </a:xfrm>
+            <a:prstGeom prst="curvedConnector2">
+              <a:avLst/>
+            </a:prstGeom>
+            <a:ln>
+              <a:solidFill>
+                <a:schemeClr val="accent3">
+                  <a:shade val="50000"/>
+                  <a:alpha val="50000"/>
+                </a:schemeClr>
+              </a:solidFill>
+              <a:tailEnd type="triangle" w="sm" len="med"/>
+            </a:ln>
+          </p:spPr>
+          <p:style>
+            <a:lnRef idx="3">
+              <a:schemeClr val="accent3"/>
+            </a:lnRef>
+            <a:fillRef idx="0">
+              <a:schemeClr val="accent3"/>
+            </a:fillRef>
+            <a:effectRef idx="2">
+              <a:schemeClr val="accent3"/>
+            </a:effectRef>
+            <a:fontRef idx="minor">
+              <a:schemeClr val="tx1"/>
+            </a:fontRef>
+          </p:style>
+        </p:cxnSp>
+        <p:cxnSp>
+          <p:nvCxnSpPr>
+            <p:cNvPr id="17" name="Curved Connector 16"/>
+            <p:cNvCxnSpPr/>
+            <p:nvPr/>
+          </p:nvCxnSpPr>
+          <p:spPr>
+            <a:xfrm rot="16200000" flipV="1">
+              <a:off x="7772433" y="2004659"/>
+              <a:ext cx="2178519" cy="1577465"/>
+            </a:xfrm>
+            <a:prstGeom prst="curvedConnector2">
+              <a:avLst/>
+            </a:prstGeom>
+            <a:ln>
+              <a:solidFill>
+                <a:schemeClr val="accent3">
+                  <a:shade val="50000"/>
+                  <a:alpha val="50000"/>
+                </a:schemeClr>
+              </a:solidFill>
+              <a:headEnd w="lg" len="lg"/>
+              <a:tailEnd type="triangle" w="sm" len="med"/>
+            </a:ln>
+          </p:spPr>
+          <p:style>
+            <a:lnRef idx="3">
+              <a:schemeClr val="accent3"/>
+            </a:lnRef>
+            <a:fillRef idx="0">
+              <a:schemeClr val="accent3"/>
+            </a:fillRef>
+            <a:effectRef idx="2">
+              <a:schemeClr val="accent3"/>
+            </a:effectRef>
+            <a:fontRef idx="minor">
+              <a:schemeClr val="tx1"/>
+            </a:fontRef>
+          </p:style>
+        </p:cxnSp>
+        <p:cxnSp>
+          <p:nvCxnSpPr>
+            <p:cNvPr id="21" name="Curved Connector 20"/>
+            <p:cNvCxnSpPr/>
+            <p:nvPr/>
+          </p:nvCxnSpPr>
+          <p:spPr>
+            <a:xfrm rot="5400000">
+              <a:off x="3867802" y="3271563"/>
+              <a:ext cx="1792399" cy="1314170"/>
+            </a:xfrm>
+            <a:prstGeom prst="curvedConnector2">
+              <a:avLst/>
+            </a:prstGeom>
+            <a:ln>
+              <a:solidFill>
+                <a:schemeClr val="accent3">
+                  <a:shade val="50000"/>
+                  <a:alpha val="50000"/>
+                </a:schemeClr>
+              </a:solidFill>
+              <a:tailEnd type="triangle" w="sm" len="med"/>
+            </a:ln>
+          </p:spPr>
+          <p:style>
+            <a:lnRef idx="3">
+              <a:schemeClr val="accent3"/>
+            </a:lnRef>
+            <a:fillRef idx="0">
+              <a:schemeClr val="accent3"/>
+            </a:fillRef>
+            <a:effectRef idx="2">
+              <a:schemeClr val="accent3"/>
+            </a:effectRef>
+            <a:fontRef idx="minor">
+              <a:schemeClr val="tx1"/>
+            </a:fontRef>
+          </p:style>
+        </p:cxnSp>
+      </p:grpSp>
+    </p:spTree>
+    <p:extLst>
+      <p:ext uri="{BB962C8B-B14F-4D97-AF65-F5344CB8AC3E}">
+        <p14:creationId xmlns:p14="http://schemas.microsoft.com/office/powerpoint/2010/main" val="1861854183"/>
+      </p:ext>
+    </p:extLst>
+  </p:cSld>
+  <p:clrMapOvr>
+    <a:masterClrMapping/>
+  </p:clrMapOvr>
+  <p:timing>
+    <p:tnLst>
+      <p:par>
+        <p:cTn id="1" dur="indefinite" restart="never" nodeType="tmRoot"/>
+      </p:par>
+    </p:tnLst>
+  </p:timing>
+</p:sld>
+</file>
+
+<file path=ppt/slides/slide22.xml><?xml version="1.0" encoding="utf-8"?>
+<p:sld xmlns:a="http://schemas.openxmlformats.org/drawingml/2006/main" xmlns:r="http://schemas.openxmlformats.org/officeDocument/2006/relationships" xmlns:p="http://schemas.openxmlformats.org/presentationml/2006/main">
+  <p:cSld>
+    <p:spTree>
+      <p:nvGrpSpPr>
+        <p:cNvPr id="1" name=""/>
+        <p:cNvGrpSpPr/>
+        <p:nvPr/>
+      </p:nvGrpSpPr>
+      <p:grpSpPr>
+        <a:xfrm>
+          <a:off x="0" y="0"/>
+          <a:ext cx="0" cy="0"/>
+          <a:chOff x="0" y="0"/>
+          <a:chExt cx="0" cy="0"/>
+        </a:xfrm>
+      </p:grpSpPr>
+      <p:sp>
+        <p:nvSpPr>
+          <p:cNvPr id="2" name="Cube 1"/>
+          <p:cNvSpPr/>
+          <p:nvPr/>
+        </p:nvSpPr>
+        <p:spPr>
+          <a:xfrm>
+            <a:off x="1594390" y="3882651"/>
+            <a:ext cx="2512526" cy="2512526"/>
+          </a:xfrm>
+          <a:prstGeom prst="cube">
+            <a:avLst/>
+          </a:prstGeom>
+        </p:spPr>
+        <p:style>
+          <a:lnRef idx="2">
+            <a:schemeClr val="accent3">
+              <a:shade val="50000"/>
+            </a:schemeClr>
+          </a:lnRef>
+          <a:fillRef idx="1">
+            <a:schemeClr val="accent3"/>
+          </a:fillRef>
+          <a:effectRef idx="0">
+            <a:schemeClr val="accent3"/>
+          </a:effectRef>
+          <a:fontRef idx="minor">
+            <a:schemeClr val="lt1"/>
+          </a:fontRef>
+        </p:style>
+        <p:txBody>
+          <a:bodyPr rtlCol="0" anchor="ctr"/>
+          <a:lstStyle/>
+          <a:p>
+            <a:pPr algn="ctr"/>
+            <a:endParaRPr lang="en-CA"/>
+          </a:p>
+        </p:txBody>
+      </p:sp>
+      <p:sp>
+        <p:nvSpPr>
+          <p:cNvPr id="3" name="Cloud 2"/>
+          <p:cNvSpPr/>
+          <p:nvPr/>
+        </p:nvSpPr>
+        <p:spPr>
+          <a:xfrm>
+            <a:off x="4176710" y="462824"/>
+            <a:ext cx="3908374" cy="2717021"/>
+          </a:xfrm>
+          <a:prstGeom prst="cloud">
+            <a:avLst/>
+          </a:prstGeom>
+        </p:spPr>
+        <p:style>
+          <a:lnRef idx="2">
+            <a:schemeClr val="accent3">
+              <a:shade val="50000"/>
+            </a:schemeClr>
+          </a:lnRef>
+          <a:fillRef idx="1">
+            <a:schemeClr val="accent3"/>
+          </a:fillRef>
+          <a:effectRef idx="0">
+            <a:schemeClr val="accent3"/>
+          </a:effectRef>
+          <a:fontRef idx="minor">
+            <a:schemeClr val="lt1"/>
+          </a:fontRef>
+        </p:style>
+        <p:txBody>
+          <a:bodyPr rtlCol="0" anchor="ctr"/>
+          <a:lstStyle/>
+          <a:p>
+            <a:pPr algn="ctr"/>
+            <a:endParaRPr lang="en-CA"/>
+          </a:p>
+        </p:txBody>
+      </p:sp>
+      <p:cxnSp>
+        <p:nvCxnSpPr>
+          <p:cNvPr id="4" name="Curved Connector 3"/>
+          <p:cNvCxnSpPr/>
+          <p:nvPr/>
+        </p:nvCxnSpPr>
+        <p:spPr>
+          <a:xfrm rot="5400000" flipH="1" flipV="1">
+            <a:off x="2369442" y="2063262"/>
+            <a:ext cx="2061318" cy="1577464"/>
+          </a:xfrm>
+          <a:prstGeom prst="curvedConnector2">
+            <a:avLst/>
+          </a:prstGeom>
+          <a:ln>
+            <a:headEnd w="lg" len="lg"/>
+            <a:tailEnd type="triangle" w="lg" len="lg"/>
+          </a:ln>
+        </p:spPr>
+        <p:style>
+          <a:lnRef idx="3">
+            <a:schemeClr val="accent3"/>
+          </a:lnRef>
+          <a:fillRef idx="0">
+            <a:schemeClr val="accent3"/>
+          </a:fillRef>
+          <a:effectRef idx="2">
+            <a:schemeClr val="accent3"/>
+          </a:effectRef>
+          <a:fontRef idx="minor">
+            <a:schemeClr val="tx1"/>
+          </a:fontRef>
+        </p:style>
+      </p:cxnSp>
+      <p:sp>
+        <p:nvSpPr>
+          <p:cNvPr id="5" name="Cube 4"/>
+          <p:cNvSpPr/>
+          <p:nvPr/>
+        </p:nvSpPr>
+        <p:spPr>
+          <a:xfrm flipH="1">
+            <a:off x="8085084" y="3882651"/>
+            <a:ext cx="2512526" cy="2512526"/>
+          </a:xfrm>
+          <a:prstGeom prst="cube">
+            <a:avLst/>
+          </a:prstGeom>
+        </p:spPr>
+        <p:style>
+          <a:lnRef idx="2">
+            <a:schemeClr val="accent3">
+              <a:shade val="50000"/>
+            </a:schemeClr>
+          </a:lnRef>
+          <a:fillRef idx="1">
+            <a:schemeClr val="accent3"/>
+          </a:fillRef>
+          <a:effectRef idx="0">
+            <a:schemeClr val="accent3"/>
+          </a:effectRef>
+          <a:fontRef idx="minor">
+            <a:schemeClr val="lt1"/>
+          </a:fontRef>
+        </p:style>
+        <p:txBody>
+          <a:bodyPr rtlCol="0" anchor="ctr"/>
+          <a:lstStyle/>
+          <a:p>
+            <a:pPr algn="ctr"/>
+            <a:endParaRPr lang="en-CA"/>
+          </a:p>
+        </p:txBody>
+      </p:sp>
+      <p:cxnSp>
+        <p:nvCxnSpPr>
+          <p:cNvPr id="6" name="Curved Connector 5"/>
+          <p:cNvCxnSpPr/>
+          <p:nvPr/>
+        </p:nvCxnSpPr>
+        <p:spPr>
+          <a:xfrm rot="16200000" flipH="1">
+            <a:off x="6384073" y="3142023"/>
+            <a:ext cx="2031457" cy="1334195"/>
+          </a:xfrm>
+          <a:prstGeom prst="curvedConnector2">
+            <a:avLst/>
+          </a:prstGeom>
+          <a:ln>
+            <a:tailEnd type="triangle" w="lg" len="lg"/>
+          </a:ln>
+        </p:spPr>
+        <p:style>
+          <a:lnRef idx="3">
+            <a:schemeClr val="accent3"/>
+          </a:lnRef>
+          <a:fillRef idx="0">
+            <a:schemeClr val="accent3"/>
+          </a:fillRef>
+          <a:effectRef idx="2">
+            <a:schemeClr val="accent3"/>
+          </a:effectRef>
+          <a:fontRef idx="minor">
+            <a:schemeClr val="tx1"/>
+          </a:fontRef>
+        </p:style>
+      </p:cxnSp>
+      <p:cxnSp>
+        <p:nvCxnSpPr>
+          <p:cNvPr id="7" name="Curved Connector 6"/>
+          <p:cNvCxnSpPr/>
+          <p:nvPr/>
+        </p:nvCxnSpPr>
+        <p:spPr>
+          <a:xfrm rot="16200000" flipV="1">
+            <a:off x="7772433" y="2004659"/>
+            <a:ext cx="2178519" cy="1577465"/>
+          </a:xfrm>
+          <a:prstGeom prst="curvedConnector2">
+            <a:avLst/>
+          </a:prstGeom>
+          <a:ln>
+            <a:headEnd w="lg" len="lg"/>
+            <a:tailEnd type="triangle" w="lg" len="lg"/>
+          </a:ln>
+        </p:spPr>
+        <p:style>
+          <a:lnRef idx="3">
+            <a:schemeClr val="accent3"/>
+          </a:lnRef>
+          <a:fillRef idx="0">
+            <a:schemeClr val="accent3"/>
+          </a:fillRef>
+          <a:effectRef idx="2">
+            <a:schemeClr val="accent3"/>
+          </a:effectRef>
+          <a:fontRef idx="minor">
+            <a:schemeClr val="tx1"/>
+          </a:fontRef>
+        </p:style>
+      </p:cxnSp>
+      <p:cxnSp>
+        <p:nvCxnSpPr>
+          <p:cNvPr id="11" name="Curved Connector 10"/>
+          <p:cNvCxnSpPr/>
+          <p:nvPr/>
+        </p:nvCxnSpPr>
+        <p:spPr>
+          <a:xfrm rot="5400000">
+            <a:off x="3867802" y="3271563"/>
+            <a:ext cx="1792399" cy="1314170"/>
+          </a:xfrm>
+          <a:prstGeom prst="curvedConnector2">
+            <a:avLst/>
+          </a:prstGeom>
+          <a:ln>
+            <a:tailEnd type="triangle" w="lg" len="lg"/>
+          </a:ln>
+        </p:spPr>
+        <p:style>
+          <a:lnRef idx="3">
+            <a:schemeClr val="accent3"/>
+          </a:lnRef>
+          <a:fillRef idx="0">
+            <a:schemeClr val="accent3"/>
+          </a:fillRef>
+          <a:effectRef idx="2">
+            <a:schemeClr val="accent3"/>
+          </a:effectRef>
+          <a:fontRef idx="minor">
+            <a:schemeClr val="tx1"/>
+          </a:fontRef>
+        </p:style>
+      </p:cxnSp>
+    </p:spTree>
+    <p:extLst>
+      <p:ext uri="{BB962C8B-B14F-4D97-AF65-F5344CB8AC3E}">
+        <p14:creationId xmlns:p14="http://schemas.microsoft.com/office/powerpoint/2010/main" val="2500532153"/>
       </p:ext>
     </p:extLst>
   </p:cSld>
@@ -7580,4 +14784,265 @@
     </a:ext>
   </a:extLst>
 </a:theme>
+</file>
+
+<file path=ppt/theme/theme2.xml><?xml version="1.0" encoding="utf-8"?>
+<a:theme xmlns:a="http://schemas.openxmlformats.org/drawingml/2006/main" name="Office Theme">
+  <a:themeElements>
+    <a:clrScheme name="Office">
+      <a:dk1>
+        <a:sysClr val="windowText" lastClr="000000"/>
+      </a:dk1>
+      <a:lt1>
+        <a:sysClr val="window" lastClr="FFFFFF"/>
+      </a:lt1>
+      <a:dk2>
+        <a:srgbClr val="44546A"/>
+      </a:dk2>
+      <a:lt2>
+        <a:srgbClr val="E7E6E6"/>
+      </a:lt2>
+      <a:accent1>
+        <a:srgbClr val="5B9BD5"/>
+      </a:accent1>
+      <a:accent2>
+        <a:srgbClr val="ED7D31"/>
+      </a:accent2>
+      <a:accent3>
+        <a:srgbClr val="A5A5A5"/>
+      </a:accent3>
+      <a:accent4>
+        <a:srgbClr val="FFC000"/>
+      </a:accent4>
+      <a:accent5>
+        <a:srgbClr val="4472C4"/>
+      </a:accent5>
+      <a:accent6>
+        <a:srgbClr val="70AD47"/>
+      </a:accent6>
+      <a:hlink>
+        <a:srgbClr val="0563C1"/>
+      </a:hlink>
+      <a:folHlink>
+        <a:srgbClr val="954F72"/>
+      </a:folHlink>
+    </a:clrScheme>
+    <a:fontScheme name="Office">
+      <a:majorFont>
+        <a:latin typeface="Calibri Light" panose="020F0302020204030204"/>
+        <a:ea typeface=""/>
+        <a:cs typeface=""/>
+        <a:font script="Jpan" typeface="游ゴシック Light"/>
+        <a:font script="Hang" typeface="맑은 고딕"/>
+        <a:font script="Hans" typeface="等线 Light"/>
+        <a:font script="Hant" typeface="新細明體"/>
+        <a:font script="Arab" typeface="Times New Roman"/>
+        <a:font script="Hebr" typeface="Times New Roman"/>
+        <a:font script="Thai" typeface="Angsana New"/>
+        <a:font script="Ethi" typeface="Nyala"/>
+        <a:font script="Beng" typeface="Vrinda"/>
+        <a:font script="Gujr" typeface="Shruti"/>
+        <a:font script="Khmr" typeface="MoolBoran"/>
+        <a:font script="Knda" typeface="Tunga"/>
+        <a:font script="Guru" typeface="Raavi"/>
+        <a:font script="Cans" typeface="Euphemia"/>
+        <a:font script="Cher" typeface="Plantagenet Cherokee"/>
+        <a:font script="Yiii" typeface="Microsoft Yi Baiti"/>
+        <a:font script="Tibt" typeface="Microsoft Himalaya"/>
+        <a:font script="Thaa" typeface="MV Boli"/>
+        <a:font script="Deva" typeface="Mangal"/>
+        <a:font script="Telu" typeface="Gautami"/>
+        <a:font script="Taml" typeface="Latha"/>
+        <a:font script="Syrc" typeface="Estrangelo Edessa"/>
+        <a:font script="Orya" typeface="Kalinga"/>
+        <a:font script="Mlym" typeface="Kartika"/>
+        <a:font script="Laoo" typeface="DokChampa"/>
+        <a:font script="Sinh" typeface="Iskoola Pota"/>
+        <a:font script="Mong" typeface="Mongolian Baiti"/>
+        <a:font script="Viet" typeface="Times New Roman"/>
+        <a:font script="Uigh" typeface="Microsoft Uighur"/>
+        <a:font script="Geor" typeface="Sylfaen"/>
+      </a:majorFont>
+      <a:minorFont>
+        <a:latin typeface="Calibri" panose="020F0502020204030204"/>
+        <a:ea typeface=""/>
+        <a:cs typeface=""/>
+        <a:font script="Jpan" typeface="游ゴシック"/>
+        <a:font script="Hang" typeface="맑은 고딕"/>
+        <a:font script="Hans" typeface="等线"/>
+        <a:font script="Hant" typeface="新細明體"/>
+        <a:font script="Arab" typeface="Arial"/>
+        <a:font script="Hebr" typeface="Arial"/>
+        <a:font script="Thai" typeface="Cordia New"/>
+        <a:font script="Ethi" typeface="Nyala"/>
+        <a:font script="Beng" typeface="Vrinda"/>
+        <a:font script="Gujr" typeface="Shruti"/>
+        <a:font script="Khmr" typeface="DaunPenh"/>
+        <a:font script="Knda" typeface="Tunga"/>
+        <a:font script="Guru" typeface="Raavi"/>
+        <a:font script="Cans" typeface="Euphemia"/>
+        <a:font script="Cher" typeface="Plantagenet Cherokee"/>
+        <a:font script="Yiii" typeface="Microsoft Yi Baiti"/>
+        <a:font script="Tibt" typeface="Microsoft Himalaya"/>
+        <a:font script="Thaa" typeface="MV Boli"/>
+        <a:font script="Deva" typeface="Mangal"/>
+        <a:font script="Telu" typeface="Gautami"/>
+        <a:font script="Taml" typeface="Latha"/>
+        <a:font script="Syrc" typeface="Estrangelo Edessa"/>
+        <a:font script="Orya" typeface="Kalinga"/>
+        <a:font script="Mlym" typeface="Kartika"/>
+        <a:font script="Laoo" typeface="DokChampa"/>
+        <a:font script="Sinh" typeface="Iskoola Pota"/>
+        <a:font script="Mong" typeface="Mongolian Baiti"/>
+        <a:font script="Viet" typeface="Arial"/>
+        <a:font script="Uigh" typeface="Microsoft Uighur"/>
+        <a:font script="Geor" typeface="Sylfaen"/>
+      </a:minorFont>
+    </a:fontScheme>
+    <a:fmtScheme name="Office">
+      <a:fillStyleLst>
+        <a:solidFill>
+          <a:schemeClr val="phClr"/>
+        </a:solidFill>
+        <a:gradFill rotWithShape="1">
+          <a:gsLst>
+            <a:gs pos="0">
+              <a:schemeClr val="phClr">
+                <a:lumMod val="110000"/>
+                <a:satMod val="105000"/>
+                <a:tint val="67000"/>
+              </a:schemeClr>
+            </a:gs>
+            <a:gs pos="50000">
+              <a:schemeClr val="phClr">
+                <a:lumMod val="105000"/>
+                <a:satMod val="103000"/>
+                <a:tint val="73000"/>
+              </a:schemeClr>
+            </a:gs>
+            <a:gs pos="100000">
+              <a:schemeClr val="phClr">
+                <a:lumMod val="105000"/>
+                <a:satMod val="109000"/>
+                <a:tint val="81000"/>
+              </a:schemeClr>
+            </a:gs>
+          </a:gsLst>
+          <a:lin ang="5400000" scaled="0"/>
+        </a:gradFill>
+        <a:gradFill rotWithShape="1">
+          <a:gsLst>
+            <a:gs pos="0">
+              <a:schemeClr val="phClr">
+                <a:satMod val="103000"/>
+                <a:lumMod val="102000"/>
+                <a:tint val="94000"/>
+              </a:schemeClr>
+            </a:gs>
+            <a:gs pos="50000">
+              <a:schemeClr val="phClr">
+                <a:satMod val="110000"/>
+                <a:lumMod val="100000"/>
+                <a:shade val="100000"/>
+              </a:schemeClr>
+            </a:gs>
+            <a:gs pos="100000">
+              <a:schemeClr val="phClr">
+                <a:lumMod val="99000"/>
+                <a:satMod val="120000"/>
+                <a:shade val="78000"/>
+              </a:schemeClr>
+            </a:gs>
+          </a:gsLst>
+          <a:lin ang="5400000" scaled="0"/>
+        </a:gradFill>
+      </a:fillStyleLst>
+      <a:lnStyleLst>
+        <a:ln w="6350" cap="flat" cmpd="sng" algn="ctr">
+          <a:solidFill>
+            <a:schemeClr val="phClr"/>
+          </a:solidFill>
+          <a:prstDash val="solid"/>
+          <a:miter lim="800000"/>
+        </a:ln>
+        <a:ln w="12700" cap="flat" cmpd="sng" algn="ctr">
+          <a:solidFill>
+            <a:schemeClr val="phClr"/>
+          </a:solidFill>
+          <a:prstDash val="solid"/>
+          <a:miter lim="800000"/>
+        </a:ln>
+        <a:ln w="19050" cap="flat" cmpd="sng" algn="ctr">
+          <a:solidFill>
+            <a:schemeClr val="phClr"/>
+          </a:solidFill>
+          <a:prstDash val="solid"/>
+          <a:miter lim="800000"/>
+        </a:ln>
+      </a:lnStyleLst>
+      <a:effectStyleLst>
+        <a:effectStyle>
+          <a:effectLst/>
+        </a:effectStyle>
+        <a:effectStyle>
+          <a:effectLst/>
+        </a:effectStyle>
+        <a:effectStyle>
+          <a:effectLst>
+            <a:outerShdw blurRad="57150" dist="19050" dir="5400000" algn="ctr" rotWithShape="0">
+              <a:srgbClr val="000000">
+                <a:alpha val="63000"/>
+              </a:srgbClr>
+            </a:outerShdw>
+          </a:effectLst>
+        </a:effectStyle>
+      </a:effectStyleLst>
+      <a:bgFillStyleLst>
+        <a:solidFill>
+          <a:schemeClr val="phClr"/>
+        </a:solidFill>
+        <a:solidFill>
+          <a:schemeClr val="phClr">
+            <a:tint val="95000"/>
+            <a:satMod val="170000"/>
+          </a:schemeClr>
+        </a:solidFill>
+        <a:gradFill rotWithShape="1">
+          <a:gsLst>
+            <a:gs pos="0">
+              <a:schemeClr val="phClr">
+                <a:tint val="93000"/>
+                <a:satMod val="150000"/>
+                <a:shade val="98000"/>
+                <a:lumMod val="102000"/>
+              </a:schemeClr>
+            </a:gs>
+            <a:gs pos="50000">
+              <a:schemeClr val="phClr">
+                <a:tint val="98000"/>
+                <a:satMod val="130000"/>
+                <a:shade val="90000"/>
+                <a:lumMod val="103000"/>
+              </a:schemeClr>
+            </a:gs>
+            <a:gs pos="100000">
+              <a:schemeClr val="phClr">
+                <a:shade val="63000"/>
+                <a:satMod val="120000"/>
+              </a:schemeClr>
+            </a:gs>
+          </a:gsLst>
+          <a:lin ang="5400000" scaled="0"/>
+        </a:gradFill>
+      </a:bgFillStyleLst>
+    </a:fmtScheme>
+  </a:themeElements>
+  <a:objectDefaults/>
+  <a:extraClrSchemeLst/>
+  <a:extLst>
+    <a:ext uri="{05A4C25C-085E-4340-85A3-A5531E510DB2}">
+      <thm15:themeFamily xmlns:thm15="http://schemas.microsoft.com/office/thememl/2012/main" name="Office Theme" id="{62F939B6-93AF-4DB8-9C6B-D6C7DFDC589F}" vid="{4A3C46E8-61CC-4603-A589-7422A47A8E4A}"/>
+    </a:ext>
+  </a:extLst>
+</a:theme>
 </file>
--- a/figs/git-schema.pptx
+++ b/figs/git-schema.pptx
@@ -5,7 +5,7 @@
     <p:sldMasterId id="2147483648" r:id="rId1"/>
   </p:sldMasterIdLst>
   <p:notesMasterIdLst>
-    <p:notesMasterId r:id="rId24"/>
+    <p:notesMasterId r:id="rId25"/>
   </p:notesMasterIdLst>
   <p:sldIdLst>
     <p:sldId id="257" r:id="rId2"/>
@@ -30,6 +30,7 @@
     <p:sldId id="276" r:id="rId21"/>
     <p:sldId id="277" r:id="rId22"/>
     <p:sldId id="278" r:id="rId23"/>
+    <p:sldId id="279" r:id="rId24"/>
   </p:sldIdLst>
   <p:sldSz cx="12192000" cy="6858000"/>
   <p:notesSz cx="7315200" cy="12344400"/>
@@ -218,7 +219,7 @@
           <a:p>
             <a:fld id="{835D66ED-A4D8-4208-8CB5-A685559A8B99}" type="datetimeFigureOut">
               <a:rPr lang="en-CA" smtClean="0"/>
-              <a:t>2023-08-14</a:t>
+              <a:t>2023-08-23</a:t>
             </a:fld>
             <a:endParaRPr lang="en-CA"/>
           </a:p>
@@ -617,7 +618,7 @@
           <a:p>
             <a:fld id="{B06ABB67-7DCA-40C3-8D89-F3E8ECB920FE}" type="datetimeFigureOut">
               <a:rPr lang="en-CA" smtClean="0"/>
-              <a:t>2023-08-14</a:t>
+              <a:t>2023-08-23</a:t>
             </a:fld>
             <a:endParaRPr lang="en-CA"/>
           </a:p>
@@ -787,7 +788,7 @@
           <a:p>
             <a:fld id="{B06ABB67-7DCA-40C3-8D89-F3E8ECB920FE}" type="datetimeFigureOut">
               <a:rPr lang="en-CA" smtClean="0"/>
-              <a:t>2023-08-14</a:t>
+              <a:t>2023-08-23</a:t>
             </a:fld>
             <a:endParaRPr lang="en-CA"/>
           </a:p>
@@ -967,7 +968,7 @@
           <a:p>
             <a:fld id="{B06ABB67-7DCA-40C3-8D89-F3E8ECB920FE}" type="datetimeFigureOut">
               <a:rPr lang="en-CA" smtClean="0"/>
-              <a:t>2023-08-14</a:t>
+              <a:t>2023-08-23</a:t>
             </a:fld>
             <a:endParaRPr lang="en-CA"/>
           </a:p>
@@ -1137,7 +1138,7 @@
           <a:p>
             <a:fld id="{B06ABB67-7DCA-40C3-8D89-F3E8ECB920FE}" type="datetimeFigureOut">
               <a:rPr lang="en-CA" smtClean="0"/>
-              <a:t>2023-08-14</a:t>
+              <a:t>2023-08-23</a:t>
             </a:fld>
             <a:endParaRPr lang="en-CA"/>
           </a:p>
@@ -1383,7 +1384,7 @@
           <a:p>
             <a:fld id="{B06ABB67-7DCA-40C3-8D89-F3E8ECB920FE}" type="datetimeFigureOut">
               <a:rPr lang="en-CA" smtClean="0"/>
-              <a:t>2023-08-14</a:t>
+              <a:t>2023-08-23</a:t>
             </a:fld>
             <a:endParaRPr lang="en-CA"/>
           </a:p>
@@ -1615,7 +1616,7 @@
           <a:p>
             <a:fld id="{B06ABB67-7DCA-40C3-8D89-F3E8ECB920FE}" type="datetimeFigureOut">
               <a:rPr lang="en-CA" smtClean="0"/>
-              <a:t>2023-08-14</a:t>
+              <a:t>2023-08-23</a:t>
             </a:fld>
             <a:endParaRPr lang="en-CA"/>
           </a:p>
@@ -1982,7 +1983,7 @@
           <a:p>
             <a:fld id="{B06ABB67-7DCA-40C3-8D89-F3E8ECB920FE}" type="datetimeFigureOut">
               <a:rPr lang="en-CA" smtClean="0"/>
-              <a:t>2023-08-14</a:t>
+              <a:t>2023-08-23</a:t>
             </a:fld>
             <a:endParaRPr lang="en-CA"/>
           </a:p>
@@ -2100,7 +2101,7 @@
           <a:p>
             <a:fld id="{B06ABB67-7DCA-40C3-8D89-F3E8ECB920FE}" type="datetimeFigureOut">
               <a:rPr lang="en-CA" smtClean="0"/>
-              <a:t>2023-08-14</a:t>
+              <a:t>2023-08-23</a:t>
             </a:fld>
             <a:endParaRPr lang="en-CA"/>
           </a:p>
@@ -2195,7 +2196,7 @@
           <a:p>
             <a:fld id="{B06ABB67-7DCA-40C3-8D89-F3E8ECB920FE}" type="datetimeFigureOut">
               <a:rPr lang="en-CA" smtClean="0"/>
-              <a:t>2023-08-14</a:t>
+              <a:t>2023-08-23</a:t>
             </a:fld>
             <a:endParaRPr lang="en-CA"/>
           </a:p>
@@ -2472,7 +2473,7 @@
           <a:p>
             <a:fld id="{B06ABB67-7DCA-40C3-8D89-F3E8ECB920FE}" type="datetimeFigureOut">
               <a:rPr lang="en-CA" smtClean="0"/>
-              <a:t>2023-08-14</a:t>
+              <a:t>2023-08-23</a:t>
             </a:fld>
             <a:endParaRPr lang="en-CA"/>
           </a:p>
@@ -2725,7 +2726,7 @@
           <a:p>
             <a:fld id="{B06ABB67-7DCA-40C3-8D89-F3E8ECB920FE}" type="datetimeFigureOut">
               <a:rPr lang="en-CA" smtClean="0"/>
-              <a:t>2023-08-14</a:t>
+              <a:t>2023-08-23</a:t>
             </a:fld>
             <a:endParaRPr lang="en-CA"/>
           </a:p>
@@ -2938,7 +2939,7 @@
           <a:p>
             <a:fld id="{B06ABB67-7DCA-40C3-8D89-F3E8ECB920FE}" type="datetimeFigureOut">
               <a:rPr lang="en-CA" smtClean="0"/>
-              <a:t>2023-08-14</a:t>
+              <a:t>2023-08-23</a:t>
             </a:fld>
             <a:endParaRPr lang="en-CA"/>
           </a:p>
@@ -12249,6 +12250,972 @@
 </p:sld>
 </file>
 
+<file path=ppt/slides/slide23.xml><?xml version="1.0" encoding="utf-8"?>
+<p:sld xmlns:a="http://schemas.openxmlformats.org/drawingml/2006/main" xmlns:r="http://schemas.openxmlformats.org/officeDocument/2006/relationships" xmlns:p="http://schemas.openxmlformats.org/presentationml/2006/main">
+  <p:cSld>
+    <p:spTree>
+      <p:nvGrpSpPr>
+        <p:cNvPr id="1" name=""/>
+        <p:cNvGrpSpPr/>
+        <p:nvPr/>
+      </p:nvGrpSpPr>
+      <p:grpSpPr>
+        <a:xfrm>
+          <a:off x="0" y="0"/>
+          <a:ext cx="0" cy="0"/>
+          <a:chOff x="0" y="0"/>
+          <a:chExt cx="0" cy="0"/>
+        </a:xfrm>
+      </p:grpSpPr>
+      <p:grpSp>
+        <p:nvGrpSpPr>
+          <p:cNvPr id="19" name="Group 18"/>
+          <p:cNvGrpSpPr/>
+          <p:nvPr/>
+        </p:nvGrpSpPr>
+        <p:grpSpPr>
+          <a:xfrm>
+            <a:off x="863944" y="1866522"/>
+            <a:ext cx="10493865" cy="3109340"/>
+            <a:chOff x="900039" y="1938711"/>
+            <a:chExt cx="10493865" cy="3109340"/>
+          </a:xfrm>
+        </p:grpSpPr>
+        <p:cxnSp>
+          <p:nvCxnSpPr>
+            <p:cNvPr id="44" name="Straight Arrow Connector 43"/>
+            <p:cNvCxnSpPr>
+              <a:endCxn id="5" idx="4"/>
+            </p:cNvCxnSpPr>
+            <p:nvPr/>
+          </p:nvCxnSpPr>
+          <p:spPr>
+            <a:xfrm flipV="1">
+              <a:off x="3604819" y="2546470"/>
+              <a:ext cx="7697" cy="2368649"/>
+            </a:xfrm>
+            <a:prstGeom prst="straightConnector1">
+              <a:avLst/>
+            </a:prstGeom>
+            <a:ln w="63500">
+              <a:solidFill>
+                <a:srgbClr val="7030A0"/>
+              </a:solidFill>
+              <a:tailEnd type="none"/>
+            </a:ln>
+          </p:spPr>
+          <p:style>
+            <a:lnRef idx="1">
+              <a:schemeClr val="accent1"/>
+            </a:lnRef>
+            <a:fillRef idx="0">
+              <a:schemeClr val="accent1"/>
+            </a:fillRef>
+            <a:effectRef idx="0">
+              <a:schemeClr val="accent1"/>
+            </a:effectRef>
+            <a:fontRef idx="minor">
+              <a:schemeClr val="tx1"/>
+            </a:fontRef>
+          </p:style>
+        </p:cxnSp>
+        <p:cxnSp>
+          <p:nvCxnSpPr>
+            <p:cNvPr id="28" name="Straight Arrow Connector 27"/>
+            <p:cNvCxnSpPr/>
+            <p:nvPr/>
+          </p:nvCxnSpPr>
+          <p:spPr>
+            <a:xfrm flipV="1">
+              <a:off x="1998309" y="2553686"/>
+              <a:ext cx="1" cy="1162572"/>
+            </a:xfrm>
+            <a:prstGeom prst="straightConnector1">
+              <a:avLst/>
+            </a:prstGeom>
+            <a:ln w="63500">
+              <a:solidFill>
+                <a:schemeClr val="accent6"/>
+              </a:solidFill>
+              <a:tailEnd type="none"/>
+            </a:ln>
+          </p:spPr>
+          <p:style>
+            <a:lnRef idx="1">
+              <a:schemeClr val="accent1"/>
+            </a:lnRef>
+            <a:fillRef idx="0">
+              <a:schemeClr val="accent1"/>
+            </a:fillRef>
+            <a:effectRef idx="0">
+              <a:schemeClr val="accent1"/>
+            </a:effectRef>
+            <a:fontRef idx="minor">
+              <a:schemeClr val="tx1"/>
+            </a:fontRef>
+          </p:style>
+        </p:cxnSp>
+        <p:cxnSp>
+          <p:nvCxnSpPr>
+            <p:cNvPr id="11" name="Straight Arrow Connector 10"/>
+            <p:cNvCxnSpPr/>
+            <p:nvPr/>
+          </p:nvCxnSpPr>
+          <p:spPr>
+            <a:xfrm>
+              <a:off x="1969253" y="3716258"/>
+              <a:ext cx="4776628" cy="0"/>
+            </a:xfrm>
+            <a:prstGeom prst="straightConnector1">
+              <a:avLst/>
+            </a:prstGeom>
+            <a:ln w="63500">
+              <a:solidFill>
+                <a:schemeClr val="accent6"/>
+              </a:solidFill>
+              <a:tailEnd type="none"/>
+            </a:ln>
+          </p:spPr>
+          <p:style>
+            <a:lnRef idx="1">
+              <a:schemeClr val="accent1"/>
+            </a:lnRef>
+            <a:fillRef idx="0">
+              <a:schemeClr val="accent1"/>
+            </a:fillRef>
+            <a:effectRef idx="0">
+              <a:schemeClr val="accent1"/>
+            </a:effectRef>
+            <a:fontRef idx="minor">
+              <a:schemeClr val="tx1"/>
+            </a:fontRef>
+          </p:style>
+        </p:cxnSp>
+        <p:sp>
+          <p:nvSpPr>
+            <p:cNvPr id="41" name="TextBox 40"/>
+            <p:cNvSpPr txBox="1"/>
+            <p:nvPr/>
+          </p:nvSpPr>
+          <p:spPr>
+            <a:xfrm>
+              <a:off x="4034645" y="3227281"/>
+              <a:ext cx="2585797" cy="400110"/>
+            </a:xfrm>
+            <a:prstGeom prst="rect">
+              <a:avLst/>
+            </a:prstGeom>
+            <a:noFill/>
+          </p:spPr>
+          <p:txBody>
+            <a:bodyPr wrap="square" rtlCol="0">
+              <a:spAutoFit/>
+            </a:bodyPr>
+            <a:lstStyle/>
+            <a:p>
+              <a:r>
+                <a:rPr lang="en-CA" sz="2000" dirty="0" smtClean="0">
+                  <a:solidFill>
+                    <a:schemeClr val="accent6"/>
+                  </a:solidFill>
+                  <a:latin typeface="Cascadia Code" panose="020B0609020000020004" pitchFamily="49" charset="0"/>
+                  <a:ea typeface="Cascadia Code" panose="020B0609020000020004" pitchFamily="49" charset="0"/>
+                  <a:cs typeface="Cascadia Code" panose="020B0609020000020004" pitchFamily="49" charset="0"/>
+                </a:rPr>
+                <a:t>add-regression</a:t>
+              </a:r>
+              <a:endParaRPr lang="en-CA" sz="2000" dirty="0">
+                <a:solidFill>
+                  <a:schemeClr val="accent6"/>
+                </a:solidFill>
+                <a:latin typeface="Cascadia Code" panose="020B0609020000020004" pitchFamily="49" charset="0"/>
+                <a:ea typeface="Cascadia Code" panose="020B0609020000020004" pitchFamily="49" charset="0"/>
+                <a:cs typeface="Cascadia Code" panose="020B0609020000020004" pitchFamily="49" charset="0"/>
+              </a:endParaRPr>
+            </a:p>
+          </p:txBody>
+        </p:sp>
+        <p:cxnSp>
+          <p:nvCxnSpPr>
+            <p:cNvPr id="3" name="Straight Arrow Connector 2"/>
+            <p:cNvCxnSpPr/>
+            <p:nvPr/>
+          </p:nvCxnSpPr>
+          <p:spPr>
+            <a:xfrm>
+              <a:off x="900039" y="2420754"/>
+              <a:ext cx="10493865" cy="0"/>
+            </a:xfrm>
+            <a:prstGeom prst="straightConnector1">
+              <a:avLst/>
+            </a:prstGeom>
+            <a:ln w="63500">
+              <a:solidFill>
+                <a:schemeClr val="accent5"/>
+              </a:solidFill>
+              <a:tailEnd type="triangle"/>
+            </a:ln>
+          </p:spPr>
+          <p:style>
+            <a:lnRef idx="1">
+              <a:schemeClr val="accent1"/>
+            </a:lnRef>
+            <a:fillRef idx="0">
+              <a:schemeClr val="accent1"/>
+            </a:fillRef>
+            <a:effectRef idx="0">
+              <a:schemeClr val="accent1"/>
+            </a:effectRef>
+            <a:fontRef idx="minor">
+              <a:schemeClr val="tx1"/>
+            </a:fontRef>
+          </p:style>
+        </p:cxnSp>
+        <p:sp>
+          <p:nvSpPr>
+            <p:cNvPr id="4" name="Oval 3"/>
+            <p:cNvSpPr/>
+            <p:nvPr/>
+          </p:nvSpPr>
+          <p:spPr>
+            <a:xfrm>
+              <a:off x="1872689" y="2287823"/>
+              <a:ext cx="251240" cy="265863"/>
+            </a:xfrm>
+            <a:prstGeom prst="ellipse">
+              <a:avLst/>
+            </a:prstGeom>
+            <a:solidFill>
+              <a:schemeClr val="bg1"/>
+            </a:solidFill>
+            <a:ln w="63500">
+              <a:solidFill>
+                <a:schemeClr val="accent5"/>
+              </a:solidFill>
+            </a:ln>
+          </p:spPr>
+          <p:style>
+            <a:lnRef idx="2">
+              <a:schemeClr val="accent1">
+                <a:shade val="50000"/>
+              </a:schemeClr>
+            </a:lnRef>
+            <a:fillRef idx="1">
+              <a:schemeClr val="accent1"/>
+            </a:fillRef>
+            <a:effectRef idx="0">
+              <a:schemeClr val="accent1"/>
+            </a:effectRef>
+            <a:fontRef idx="minor">
+              <a:schemeClr val="lt1"/>
+            </a:fontRef>
+          </p:style>
+          <p:txBody>
+            <a:bodyPr rtlCol="0" anchor="ctr"/>
+            <a:lstStyle/>
+            <a:p>
+              <a:pPr algn="ctr"/>
+              <a:endParaRPr lang="en-CA"/>
+            </a:p>
+          </p:txBody>
+        </p:sp>
+        <p:sp>
+          <p:nvSpPr>
+            <p:cNvPr id="5" name="Oval 4"/>
+            <p:cNvSpPr/>
+            <p:nvPr/>
+          </p:nvSpPr>
+          <p:spPr>
+            <a:xfrm>
+              <a:off x="3486896" y="2280607"/>
+              <a:ext cx="251240" cy="265863"/>
+            </a:xfrm>
+            <a:prstGeom prst="ellipse">
+              <a:avLst/>
+            </a:prstGeom>
+            <a:solidFill>
+              <a:schemeClr val="bg1"/>
+            </a:solidFill>
+            <a:ln w="63500">
+              <a:solidFill>
+                <a:schemeClr val="accent5"/>
+              </a:solidFill>
+            </a:ln>
+          </p:spPr>
+          <p:style>
+            <a:lnRef idx="2">
+              <a:schemeClr val="accent1">
+                <a:shade val="50000"/>
+              </a:schemeClr>
+            </a:lnRef>
+            <a:fillRef idx="1">
+              <a:schemeClr val="accent1"/>
+            </a:fillRef>
+            <a:effectRef idx="0">
+              <a:schemeClr val="accent1"/>
+            </a:effectRef>
+            <a:fontRef idx="minor">
+              <a:schemeClr val="lt1"/>
+            </a:fontRef>
+          </p:style>
+          <p:txBody>
+            <a:bodyPr rtlCol="0" anchor="ctr"/>
+            <a:lstStyle/>
+            <a:p>
+              <a:pPr algn="ctr"/>
+              <a:endParaRPr lang="en-CA"/>
+            </a:p>
+          </p:txBody>
+        </p:sp>
+        <p:sp>
+          <p:nvSpPr>
+            <p:cNvPr id="6" name="Oval 5"/>
+            <p:cNvSpPr/>
+            <p:nvPr/>
+          </p:nvSpPr>
+          <p:spPr>
+            <a:xfrm>
+              <a:off x="5101102" y="2280607"/>
+              <a:ext cx="251240" cy="265863"/>
+            </a:xfrm>
+            <a:prstGeom prst="ellipse">
+              <a:avLst/>
+            </a:prstGeom>
+            <a:solidFill>
+              <a:schemeClr val="bg1"/>
+            </a:solidFill>
+            <a:ln w="63500">
+              <a:solidFill>
+                <a:schemeClr val="accent5"/>
+              </a:solidFill>
+            </a:ln>
+          </p:spPr>
+          <p:style>
+            <a:lnRef idx="2">
+              <a:schemeClr val="accent1">
+                <a:shade val="50000"/>
+              </a:schemeClr>
+            </a:lnRef>
+            <a:fillRef idx="1">
+              <a:schemeClr val="accent1"/>
+            </a:fillRef>
+            <a:effectRef idx="0">
+              <a:schemeClr val="accent1"/>
+            </a:effectRef>
+            <a:fontRef idx="minor">
+              <a:schemeClr val="lt1"/>
+            </a:fontRef>
+          </p:style>
+          <p:txBody>
+            <a:bodyPr rtlCol="0" anchor="ctr"/>
+            <a:lstStyle/>
+            <a:p>
+              <a:pPr algn="ctr"/>
+              <a:endParaRPr lang="en-CA"/>
+            </a:p>
+          </p:txBody>
+        </p:sp>
+        <p:sp>
+          <p:nvSpPr>
+            <p:cNvPr id="40" name="TextBox 39"/>
+            <p:cNvSpPr txBox="1"/>
+            <p:nvPr/>
+          </p:nvSpPr>
+          <p:spPr>
+            <a:xfrm>
+              <a:off x="10269219" y="1938711"/>
+              <a:ext cx="1004235" cy="430887"/>
+            </a:xfrm>
+            <a:prstGeom prst="rect">
+              <a:avLst/>
+            </a:prstGeom>
+            <a:noFill/>
+          </p:spPr>
+          <p:txBody>
+            <a:bodyPr wrap="square" rtlCol="0">
+              <a:spAutoFit/>
+            </a:bodyPr>
+            <a:lstStyle/>
+            <a:p>
+              <a:r>
+                <a:rPr lang="en-CA" sz="2200" dirty="0" smtClean="0">
+                  <a:solidFill>
+                    <a:schemeClr val="accent5"/>
+                  </a:solidFill>
+                  <a:latin typeface="Cascadia Code" panose="020B0609020000020004" pitchFamily="49" charset="0"/>
+                  <a:ea typeface="Cascadia Code" panose="020B0609020000020004" pitchFamily="49" charset="0"/>
+                  <a:cs typeface="Cascadia Code" panose="020B0609020000020004" pitchFamily="49" charset="0"/>
+                </a:rPr>
+                <a:t>main</a:t>
+              </a:r>
+              <a:endParaRPr lang="en-CA" sz="2200" dirty="0">
+                <a:solidFill>
+                  <a:schemeClr val="accent5"/>
+                </a:solidFill>
+                <a:latin typeface="Cascadia Code" panose="020B0609020000020004" pitchFamily="49" charset="0"/>
+                <a:ea typeface="Cascadia Code" panose="020B0609020000020004" pitchFamily="49" charset="0"/>
+                <a:cs typeface="Cascadia Code" panose="020B0609020000020004" pitchFamily="49" charset="0"/>
+              </a:endParaRPr>
+            </a:p>
+          </p:txBody>
+        </p:sp>
+        <p:sp>
+          <p:nvSpPr>
+            <p:cNvPr id="37" name="Oval 36"/>
+            <p:cNvSpPr/>
+            <p:nvPr/>
+          </p:nvSpPr>
+          <p:spPr>
+            <a:xfrm>
+              <a:off x="2491364" y="3583327"/>
+              <a:ext cx="251240" cy="265863"/>
+            </a:xfrm>
+            <a:prstGeom prst="ellipse">
+              <a:avLst/>
+            </a:prstGeom>
+            <a:solidFill>
+              <a:schemeClr val="bg1"/>
+            </a:solidFill>
+            <a:ln w="63500">
+              <a:solidFill>
+                <a:schemeClr val="accent6"/>
+              </a:solidFill>
+            </a:ln>
+          </p:spPr>
+          <p:style>
+            <a:lnRef idx="2">
+              <a:schemeClr val="accent1">
+                <a:shade val="50000"/>
+              </a:schemeClr>
+            </a:lnRef>
+            <a:fillRef idx="1">
+              <a:schemeClr val="accent1"/>
+            </a:fillRef>
+            <a:effectRef idx="0">
+              <a:schemeClr val="accent1"/>
+            </a:effectRef>
+            <a:fontRef idx="minor">
+              <a:schemeClr val="lt1"/>
+            </a:fontRef>
+          </p:style>
+          <p:txBody>
+            <a:bodyPr rtlCol="0" anchor="ctr"/>
+            <a:lstStyle/>
+            <a:p>
+              <a:pPr algn="ctr"/>
+              <a:endParaRPr lang="en-CA"/>
+            </a:p>
+          </p:txBody>
+        </p:sp>
+        <p:sp>
+          <p:nvSpPr>
+            <p:cNvPr id="38" name="Oval 37"/>
+            <p:cNvSpPr/>
+            <p:nvPr/>
+          </p:nvSpPr>
+          <p:spPr>
+            <a:xfrm>
+              <a:off x="3909025" y="3583327"/>
+              <a:ext cx="251240" cy="265863"/>
+            </a:xfrm>
+            <a:prstGeom prst="ellipse">
+              <a:avLst/>
+            </a:prstGeom>
+            <a:solidFill>
+              <a:schemeClr val="bg1"/>
+            </a:solidFill>
+            <a:ln w="63500">
+              <a:solidFill>
+                <a:schemeClr val="accent6"/>
+              </a:solidFill>
+            </a:ln>
+          </p:spPr>
+          <p:style>
+            <a:lnRef idx="2">
+              <a:schemeClr val="accent1">
+                <a:shade val="50000"/>
+              </a:schemeClr>
+            </a:lnRef>
+            <a:fillRef idx="1">
+              <a:schemeClr val="accent1"/>
+            </a:fillRef>
+            <a:effectRef idx="0">
+              <a:schemeClr val="accent1"/>
+            </a:effectRef>
+            <a:fontRef idx="minor">
+              <a:schemeClr val="lt1"/>
+            </a:fontRef>
+          </p:style>
+          <p:txBody>
+            <a:bodyPr rtlCol="0" anchor="ctr"/>
+            <a:lstStyle/>
+            <a:p>
+              <a:pPr algn="ctr"/>
+              <a:endParaRPr lang="en-CA"/>
+            </a:p>
+          </p:txBody>
+        </p:sp>
+        <p:sp>
+          <p:nvSpPr>
+            <p:cNvPr id="39" name="Oval 38"/>
+            <p:cNvSpPr/>
+            <p:nvPr/>
+          </p:nvSpPr>
+          <p:spPr>
+            <a:xfrm>
+              <a:off x="6230042" y="3583327"/>
+              <a:ext cx="251240" cy="265863"/>
+            </a:xfrm>
+            <a:prstGeom prst="ellipse">
+              <a:avLst/>
+            </a:prstGeom>
+            <a:solidFill>
+              <a:schemeClr val="bg1"/>
+            </a:solidFill>
+            <a:ln w="63500">
+              <a:solidFill>
+                <a:schemeClr val="accent6"/>
+              </a:solidFill>
+            </a:ln>
+          </p:spPr>
+          <p:style>
+            <a:lnRef idx="2">
+              <a:schemeClr val="accent1">
+                <a:shade val="50000"/>
+              </a:schemeClr>
+            </a:lnRef>
+            <a:fillRef idx="1">
+              <a:schemeClr val="accent1"/>
+            </a:fillRef>
+            <a:effectRef idx="0">
+              <a:schemeClr val="accent1"/>
+            </a:effectRef>
+            <a:fontRef idx="minor">
+              <a:schemeClr val="lt1"/>
+            </a:fontRef>
+          </p:style>
+          <p:txBody>
+            <a:bodyPr rtlCol="0" anchor="ctr"/>
+            <a:lstStyle/>
+            <a:p>
+              <a:pPr algn="ctr"/>
+              <a:endParaRPr lang="en-CA"/>
+            </a:p>
+          </p:txBody>
+        </p:sp>
+        <p:sp>
+          <p:nvSpPr>
+            <p:cNvPr id="7" name="Oval 6"/>
+            <p:cNvSpPr/>
+            <p:nvPr/>
+          </p:nvSpPr>
+          <p:spPr>
+            <a:xfrm>
+              <a:off x="6589688" y="2280607"/>
+              <a:ext cx="251240" cy="265863"/>
+            </a:xfrm>
+            <a:prstGeom prst="ellipse">
+              <a:avLst/>
+            </a:prstGeom>
+            <a:solidFill>
+              <a:schemeClr val="bg1"/>
+            </a:solidFill>
+            <a:ln w="63500">
+              <a:solidFill>
+                <a:schemeClr val="accent5"/>
+              </a:solidFill>
+            </a:ln>
+          </p:spPr>
+          <p:style>
+            <a:lnRef idx="2">
+              <a:schemeClr val="accent1">
+                <a:shade val="50000"/>
+              </a:schemeClr>
+            </a:lnRef>
+            <a:fillRef idx="1">
+              <a:schemeClr val="accent1"/>
+            </a:fillRef>
+            <a:effectRef idx="0">
+              <a:schemeClr val="accent1"/>
+            </a:effectRef>
+            <a:fontRef idx="minor">
+              <a:schemeClr val="lt1"/>
+            </a:fontRef>
+          </p:style>
+          <p:txBody>
+            <a:bodyPr rtlCol="0" anchor="ctr"/>
+            <a:lstStyle/>
+            <a:p>
+              <a:pPr algn="ctr"/>
+              <a:endParaRPr lang="en-CA"/>
+            </a:p>
+          </p:txBody>
+        </p:sp>
+        <p:cxnSp>
+          <p:nvCxnSpPr>
+            <p:cNvPr id="33" name="Straight Arrow Connector 32"/>
+            <p:cNvCxnSpPr/>
+            <p:nvPr/>
+          </p:nvCxnSpPr>
+          <p:spPr>
+            <a:xfrm flipV="1">
+              <a:off x="6715308" y="2597057"/>
+              <a:ext cx="0" cy="1123459"/>
+            </a:xfrm>
+            <a:prstGeom prst="straightConnector1">
+              <a:avLst/>
+            </a:prstGeom>
+            <a:ln w="63500">
+              <a:solidFill>
+                <a:schemeClr val="accent6"/>
+              </a:solidFill>
+              <a:tailEnd type="triangle"/>
+            </a:ln>
+          </p:spPr>
+          <p:style>
+            <a:lnRef idx="1">
+              <a:schemeClr val="accent1"/>
+            </a:lnRef>
+            <a:fillRef idx="0">
+              <a:schemeClr val="accent1"/>
+            </a:fillRef>
+            <a:effectRef idx="0">
+              <a:schemeClr val="accent1"/>
+            </a:effectRef>
+            <a:fontRef idx="minor">
+              <a:schemeClr val="tx1"/>
+            </a:fontRef>
+          </p:style>
+        </p:cxnSp>
+        <p:sp>
+          <p:nvSpPr>
+            <p:cNvPr id="8" name="Oval 7"/>
+            <p:cNvSpPr/>
+            <p:nvPr/>
+          </p:nvSpPr>
+          <p:spPr>
+            <a:xfrm>
+              <a:off x="8180904" y="2280607"/>
+              <a:ext cx="251240" cy="265863"/>
+            </a:xfrm>
+            <a:prstGeom prst="ellipse">
+              <a:avLst/>
+            </a:prstGeom>
+            <a:solidFill>
+              <a:schemeClr val="bg1"/>
+            </a:solidFill>
+            <a:ln w="63500">
+              <a:solidFill>
+                <a:schemeClr val="accent5"/>
+              </a:solidFill>
+            </a:ln>
+          </p:spPr>
+          <p:style>
+            <a:lnRef idx="2">
+              <a:schemeClr val="accent1">
+                <a:shade val="50000"/>
+              </a:schemeClr>
+            </a:lnRef>
+            <a:fillRef idx="1">
+              <a:schemeClr val="accent1"/>
+            </a:fillRef>
+            <a:effectRef idx="0">
+              <a:schemeClr val="accent1"/>
+            </a:effectRef>
+            <a:fontRef idx="minor">
+              <a:schemeClr val="lt1"/>
+            </a:fontRef>
+          </p:style>
+          <p:txBody>
+            <a:bodyPr rtlCol="0" anchor="ctr"/>
+            <a:lstStyle/>
+            <a:p>
+              <a:pPr algn="ctr"/>
+              <a:endParaRPr lang="en-CA"/>
+            </a:p>
+          </p:txBody>
+        </p:sp>
+        <p:sp>
+          <p:nvSpPr>
+            <p:cNvPr id="66" name="Oval 65"/>
+            <p:cNvSpPr/>
+            <p:nvPr/>
+          </p:nvSpPr>
+          <p:spPr>
+            <a:xfrm>
+              <a:off x="9255399" y="2262938"/>
+              <a:ext cx="251240" cy="265863"/>
+            </a:xfrm>
+            <a:prstGeom prst="ellipse">
+              <a:avLst/>
+            </a:prstGeom>
+            <a:solidFill>
+              <a:schemeClr val="bg1"/>
+            </a:solidFill>
+            <a:ln w="63500">
+              <a:solidFill>
+                <a:schemeClr val="accent5"/>
+              </a:solidFill>
+            </a:ln>
+          </p:spPr>
+          <p:style>
+            <a:lnRef idx="2">
+              <a:schemeClr val="accent1">
+                <a:shade val="50000"/>
+              </a:schemeClr>
+            </a:lnRef>
+            <a:fillRef idx="1">
+              <a:schemeClr val="accent1"/>
+            </a:fillRef>
+            <a:effectRef idx="0">
+              <a:schemeClr val="accent1"/>
+            </a:effectRef>
+            <a:fontRef idx="minor">
+              <a:schemeClr val="lt1"/>
+            </a:fontRef>
+          </p:style>
+          <p:txBody>
+            <a:bodyPr rtlCol="0" anchor="ctr"/>
+            <a:lstStyle/>
+            <a:p>
+              <a:pPr algn="ctr"/>
+              <a:endParaRPr lang="en-CA"/>
+            </a:p>
+          </p:txBody>
+        </p:sp>
+        <p:cxnSp>
+          <p:nvCxnSpPr>
+            <p:cNvPr id="45" name="Straight Arrow Connector 44"/>
+            <p:cNvCxnSpPr/>
+            <p:nvPr/>
+          </p:nvCxnSpPr>
+          <p:spPr>
+            <a:xfrm>
+              <a:off x="3575456" y="4912005"/>
+              <a:ext cx="4730724" cy="3114"/>
+            </a:xfrm>
+            <a:prstGeom prst="straightConnector1">
+              <a:avLst/>
+            </a:prstGeom>
+            <a:ln w="63500">
+              <a:solidFill>
+                <a:srgbClr val="7030A0"/>
+              </a:solidFill>
+              <a:tailEnd type="none"/>
+            </a:ln>
+          </p:spPr>
+          <p:style>
+            <a:lnRef idx="1">
+              <a:schemeClr val="accent1"/>
+            </a:lnRef>
+            <a:fillRef idx="0">
+              <a:schemeClr val="accent1"/>
+            </a:fillRef>
+            <a:effectRef idx="0">
+              <a:schemeClr val="accent1"/>
+            </a:effectRef>
+            <a:fontRef idx="minor">
+              <a:schemeClr val="tx1"/>
+            </a:fontRef>
+          </p:style>
+        </p:cxnSp>
+        <p:sp>
+          <p:nvSpPr>
+            <p:cNvPr id="46" name="Oval 45"/>
+            <p:cNvSpPr/>
+            <p:nvPr/>
+          </p:nvSpPr>
+          <p:spPr>
+            <a:xfrm>
+              <a:off x="4220455" y="4779074"/>
+              <a:ext cx="251240" cy="265863"/>
+            </a:xfrm>
+            <a:prstGeom prst="ellipse">
+              <a:avLst/>
+            </a:prstGeom>
+            <a:solidFill>
+              <a:schemeClr val="bg1"/>
+            </a:solidFill>
+            <a:ln w="63500">
+              <a:solidFill>
+                <a:srgbClr val="7030A0"/>
+              </a:solidFill>
+            </a:ln>
+          </p:spPr>
+          <p:style>
+            <a:lnRef idx="2">
+              <a:schemeClr val="accent1">
+                <a:shade val="50000"/>
+              </a:schemeClr>
+            </a:lnRef>
+            <a:fillRef idx="1">
+              <a:schemeClr val="accent1"/>
+            </a:fillRef>
+            <a:effectRef idx="0">
+              <a:schemeClr val="accent1"/>
+            </a:effectRef>
+            <a:fontRef idx="minor">
+              <a:schemeClr val="lt1"/>
+            </a:fontRef>
+          </p:style>
+          <p:txBody>
+            <a:bodyPr rtlCol="0" anchor="ctr"/>
+            <a:lstStyle/>
+            <a:p>
+              <a:pPr algn="ctr"/>
+              <a:endParaRPr lang="en-CA"/>
+            </a:p>
+          </p:txBody>
+        </p:sp>
+        <p:sp>
+          <p:nvSpPr>
+            <p:cNvPr id="48" name="Oval 47"/>
+            <p:cNvSpPr/>
+            <p:nvPr/>
+          </p:nvSpPr>
+          <p:spPr>
+            <a:xfrm>
+              <a:off x="7466979" y="4782188"/>
+              <a:ext cx="251240" cy="265863"/>
+            </a:xfrm>
+            <a:prstGeom prst="ellipse">
+              <a:avLst/>
+            </a:prstGeom>
+            <a:solidFill>
+              <a:schemeClr val="bg1"/>
+            </a:solidFill>
+            <a:ln w="63500">
+              <a:solidFill>
+                <a:srgbClr val="7030A0"/>
+              </a:solidFill>
+            </a:ln>
+          </p:spPr>
+          <p:style>
+            <a:lnRef idx="2">
+              <a:schemeClr val="accent1">
+                <a:shade val="50000"/>
+              </a:schemeClr>
+            </a:lnRef>
+            <a:fillRef idx="1">
+              <a:schemeClr val="accent1"/>
+            </a:fillRef>
+            <a:effectRef idx="0">
+              <a:schemeClr val="accent1"/>
+            </a:effectRef>
+            <a:fontRef idx="minor">
+              <a:schemeClr val="lt1"/>
+            </a:fontRef>
+          </p:style>
+          <p:txBody>
+            <a:bodyPr rtlCol="0" anchor="ctr"/>
+            <a:lstStyle/>
+            <a:p>
+              <a:pPr algn="ctr"/>
+              <a:endParaRPr lang="en-CA"/>
+            </a:p>
+          </p:txBody>
+        </p:sp>
+        <p:cxnSp>
+          <p:nvCxnSpPr>
+            <p:cNvPr id="49" name="Straight Arrow Connector 48"/>
+            <p:cNvCxnSpPr/>
+            <p:nvPr/>
+          </p:nvCxnSpPr>
+          <p:spPr>
+            <a:xfrm flipV="1">
+              <a:off x="8285029" y="2597059"/>
+              <a:ext cx="21151" cy="2347488"/>
+            </a:xfrm>
+            <a:prstGeom prst="straightConnector1">
+              <a:avLst/>
+            </a:prstGeom>
+            <a:ln w="63500">
+              <a:solidFill>
+                <a:srgbClr val="7030A0"/>
+              </a:solidFill>
+              <a:tailEnd type="triangle"/>
+            </a:ln>
+          </p:spPr>
+          <p:style>
+            <a:lnRef idx="1">
+              <a:schemeClr val="accent1"/>
+            </a:lnRef>
+            <a:fillRef idx="0">
+              <a:schemeClr val="accent1"/>
+            </a:fillRef>
+            <a:effectRef idx="0">
+              <a:schemeClr val="accent1"/>
+            </a:effectRef>
+            <a:fontRef idx="minor">
+              <a:schemeClr val="tx1"/>
+            </a:fontRef>
+          </p:style>
+        </p:cxnSp>
+        <p:sp>
+          <p:nvSpPr>
+            <p:cNvPr id="51" name="TextBox 50"/>
+            <p:cNvSpPr txBox="1"/>
+            <p:nvPr/>
+          </p:nvSpPr>
+          <p:spPr>
+            <a:xfrm>
+              <a:off x="4840053" y="4433917"/>
+              <a:ext cx="2585797" cy="400110"/>
+            </a:xfrm>
+            <a:prstGeom prst="rect">
+              <a:avLst/>
+            </a:prstGeom>
+            <a:noFill/>
+          </p:spPr>
+          <p:txBody>
+            <a:bodyPr wrap="square" rtlCol="0">
+              <a:spAutoFit/>
+            </a:bodyPr>
+            <a:lstStyle/>
+            <a:p>
+              <a:r>
+                <a:rPr lang="en-CA" sz="2000" dirty="0" smtClean="0">
+                  <a:solidFill>
+                    <a:srgbClr val="7030A0"/>
+                  </a:solidFill>
+                  <a:latin typeface="Cascadia Code" panose="020B0609020000020004" pitchFamily="49" charset="0"/>
+                  <a:ea typeface="Cascadia Code" panose="020B0609020000020004" pitchFamily="49" charset="0"/>
+                  <a:cs typeface="Cascadia Code" panose="020B0609020000020004" pitchFamily="49" charset="0"/>
+                </a:rPr>
+                <a:t>add-clustering</a:t>
+              </a:r>
+              <a:endParaRPr lang="en-CA" sz="2000" dirty="0">
+                <a:solidFill>
+                  <a:srgbClr val="7030A0"/>
+                </a:solidFill>
+                <a:latin typeface="Cascadia Code" panose="020B0609020000020004" pitchFamily="49" charset="0"/>
+                <a:ea typeface="Cascadia Code" panose="020B0609020000020004" pitchFamily="49" charset="0"/>
+                <a:cs typeface="Cascadia Code" panose="020B0609020000020004" pitchFamily="49" charset="0"/>
+              </a:endParaRPr>
+            </a:p>
+          </p:txBody>
+        </p:sp>
+      </p:grpSp>
+    </p:spTree>
+    <p:extLst>
+      <p:ext uri="{BB962C8B-B14F-4D97-AF65-F5344CB8AC3E}">
+        <p14:creationId xmlns:p14="http://schemas.microsoft.com/office/powerpoint/2010/main" val="2324067117"/>
+      </p:ext>
+    </p:extLst>
+  </p:cSld>
+  <p:clrMapOvr>
+    <a:masterClrMapping/>
+  </p:clrMapOvr>
+  <p:timing>
+    <p:tnLst>
+      <p:par>
+        <p:cTn id="1" dur="indefinite" restart="never" nodeType="tmRoot"/>
+      </p:par>
+    </p:tnLst>
+  </p:timing>
+</p:sld>
+</file>
+
 <file path=ppt/slides/slide3.xml><?xml version="1.0" encoding="utf-8"?>
 <p:sld xmlns:a="http://schemas.openxmlformats.org/drawingml/2006/main" xmlns:r="http://schemas.openxmlformats.org/officeDocument/2006/relationships" xmlns:p="http://schemas.openxmlformats.org/presentationml/2006/main">
   <p:cSld>
